--- a/备课-语文/PPT/小测.pptx
+++ b/备课-语文/PPT/小测.pptx
@@ -7,7 +7,11 @@
   <p:sldIdLst>
     <p:sldId id="256" r:id="rId2"/>
     <p:sldId id="257" r:id="rId3"/>
-    <p:sldId id="258" r:id="rId4"/>
+    <p:sldId id="260" r:id="rId4"/>
+    <p:sldId id="261" r:id="rId5"/>
+    <p:sldId id="262" r:id="rId6"/>
+    <p:sldId id="258" r:id="rId7"/>
+    <p:sldId id="259" r:id="rId8"/>
   </p:sldIdLst>
   <p:sldSz cx="12192000" cy="6858000"/>
   <p:notesSz cx="6858000" cy="9144000"/>
@@ -106,6 +110,11 @@
       </a:defRPr>
     </a:lvl9pPr>
   </p:defaultTextStyle>
+  <p:extLst>
+    <p:ext uri="{EFAFB233-063F-42B5-8137-9DF3F51BA10A}">
+      <p15:sldGuideLst xmlns:p15="http://schemas.microsoft.com/office/powerpoint/2012/main"/>
+    </p:ext>
+  </p:extLst>
 </p:presentation>
 </file>
 
@@ -4264,6 +4273,1097 @@
       </p:grpSpPr>
       <p:sp>
         <p:nvSpPr>
+          <p:cNvPr id="3" name="内容占位符 2">
+            <a:extLst>
+              <a:ext uri="{FF2B5EF4-FFF2-40B4-BE49-F238E27FC236}">
+                <a16:creationId xmlns:a16="http://schemas.microsoft.com/office/drawing/2014/main" id="{51585567-AC34-5EAD-9D9A-D5C1BE67BA1F}"/>
+              </a:ext>
+            </a:extLst>
+          </p:cNvPr>
+          <p:cNvSpPr>
+            <a:spLocks noGrp="1"/>
+          </p:cNvSpPr>
+          <p:nvPr>
+            <p:ph idx="1"/>
+          </p:nvPr>
+        </p:nvSpPr>
+        <p:spPr>
+          <a:xfrm>
+            <a:off x="838200" y="182880"/>
+            <a:ext cx="10515600" cy="5994083"/>
+          </a:xfrm>
+        </p:spPr>
+        <p:txBody>
+          <a:bodyPr>
+            <a:normAutofit/>
+          </a:bodyPr>
+          <a:lstStyle/>
+          <a:p>
+            <a:pPr marL="173355" indent="-173355" algn="just">
+              <a:lnSpc>
+                <a:spcPct val="150000"/>
+              </a:lnSpc>
+            </a:pPr>
+            <a:r>
+              <a:rPr lang="en-US" altLang="zh-CN" sz="1800" kern="100" dirty="0">
+                <a:effectLst/>
+                <a:latin typeface="Times New Roman" panose="02020603050405020304" pitchFamily="18" charset="0"/>
+                <a:ea typeface="新宋体" panose="02010609030101010101" pitchFamily="49" charset="-122"/>
+                <a:cs typeface="Times New Roman" panose="02020603050405020304" pitchFamily="18" charset="0"/>
+              </a:rPr>
+              <a:t>8</a:t>
+            </a:r>
+            <a:r>
+              <a:rPr lang="zh-CN" altLang="zh-CN" sz="1800" kern="100" dirty="0">
+                <a:effectLst/>
+                <a:latin typeface="Times New Roman" panose="02020603050405020304" pitchFamily="18" charset="0"/>
+                <a:ea typeface="新宋体" panose="02010609030101010101" pitchFamily="49" charset="-122"/>
+                <a:cs typeface="Times New Roman" panose="02020603050405020304" pitchFamily="18" charset="0"/>
+              </a:rPr>
+              <a:t>．下列句子中，加点词语使用不恰当的一项是（　　）</a:t>
+            </a:r>
+            <a:endParaRPr lang="zh-CN" altLang="zh-CN" sz="1800" kern="100" dirty="0">
+              <a:effectLst/>
+              <a:latin typeface="等线" panose="02010600030101010101" pitchFamily="2" charset="-122"/>
+              <a:ea typeface="等线" panose="02010600030101010101" pitchFamily="2" charset="-122"/>
+              <a:cs typeface="Times New Roman" panose="02020603050405020304" pitchFamily="18" charset="0"/>
+            </a:endParaRPr>
+          </a:p>
+          <a:p>
+            <a:pPr indent="173355" algn="l">
+              <a:lnSpc>
+                <a:spcPct val="150000"/>
+              </a:lnSpc>
+            </a:pPr>
+            <a:r>
+              <a:rPr lang="en-US" altLang="zh-CN" sz="1800" kern="100" dirty="0">
+                <a:effectLst/>
+                <a:latin typeface="Times New Roman" panose="02020603050405020304" pitchFamily="18" charset="0"/>
+                <a:ea typeface="新宋体" panose="02010609030101010101" pitchFamily="49" charset="-122"/>
+                <a:cs typeface="Times New Roman" panose="02020603050405020304" pitchFamily="18" charset="0"/>
+              </a:rPr>
+              <a:t>A</a:t>
+            </a:r>
+            <a:r>
+              <a:rPr lang="zh-CN" altLang="zh-CN" sz="1800" kern="100" dirty="0">
+                <a:effectLst/>
+                <a:latin typeface="Times New Roman" panose="02020603050405020304" pitchFamily="18" charset="0"/>
+                <a:ea typeface="新宋体" panose="02010609030101010101" pitchFamily="49" charset="-122"/>
+                <a:cs typeface="Times New Roman" panose="02020603050405020304" pitchFamily="18" charset="0"/>
+              </a:rPr>
+              <a:t>．中秋节期间，广州沿街的商铺挂上彩灯，造型各异的灯笼花枝招展。</a:t>
+            </a:r>
+            <a:r>
+              <a:rPr lang="en-US" altLang="zh-CN" sz="1800" kern="100" dirty="0">
+                <a:effectLst/>
+                <a:latin typeface="等线" panose="02010600030101010101" pitchFamily="2" charset="-122"/>
+                <a:ea typeface="等线" panose="02010600030101010101" pitchFamily="2" charset="-122"/>
+                <a:cs typeface="Times New Roman" panose="02020603050405020304" pitchFamily="18" charset="0"/>
+              </a:rPr>
+              <a:t>	</a:t>
+            </a:r>
+            <a:endParaRPr lang="zh-CN" altLang="zh-CN" sz="1800" kern="100" dirty="0">
+              <a:effectLst/>
+              <a:latin typeface="等线" panose="02010600030101010101" pitchFamily="2" charset="-122"/>
+              <a:ea typeface="等线" panose="02010600030101010101" pitchFamily="2" charset="-122"/>
+              <a:cs typeface="Times New Roman" panose="02020603050405020304" pitchFamily="18" charset="0"/>
+            </a:endParaRPr>
+          </a:p>
+          <a:p>
+            <a:pPr indent="173355" algn="l">
+              <a:lnSpc>
+                <a:spcPct val="150000"/>
+              </a:lnSpc>
+            </a:pPr>
+            <a:r>
+              <a:rPr lang="en-US" altLang="zh-CN" sz="1800" kern="100" dirty="0">
+                <a:effectLst/>
+                <a:latin typeface="Times New Roman" panose="02020603050405020304" pitchFamily="18" charset="0"/>
+                <a:ea typeface="新宋体" panose="02010609030101010101" pitchFamily="49" charset="-122"/>
+                <a:cs typeface="Times New Roman" panose="02020603050405020304" pitchFamily="18" charset="0"/>
+              </a:rPr>
+              <a:t>B</a:t>
+            </a:r>
+            <a:r>
+              <a:rPr lang="zh-CN" altLang="zh-CN" sz="1800" kern="100" dirty="0">
+                <a:effectLst/>
+                <a:latin typeface="Times New Roman" panose="02020603050405020304" pitchFamily="18" charset="0"/>
+                <a:ea typeface="新宋体" panose="02010609030101010101" pitchFamily="49" charset="-122"/>
+                <a:cs typeface="Times New Roman" panose="02020603050405020304" pitchFamily="18" charset="0"/>
+              </a:rPr>
+              <a:t>．国庆节来临，祖国各地花团锦簇，处处洋溢着喜庆祥和的节日气氛。</a:t>
+            </a:r>
+            <a:r>
+              <a:rPr lang="en-US" altLang="zh-CN" sz="1800" kern="100" dirty="0">
+                <a:effectLst/>
+                <a:latin typeface="等线" panose="02010600030101010101" pitchFamily="2" charset="-122"/>
+                <a:ea typeface="等线" panose="02010600030101010101" pitchFamily="2" charset="-122"/>
+                <a:cs typeface="Times New Roman" panose="02020603050405020304" pitchFamily="18" charset="0"/>
+              </a:rPr>
+              <a:t>	</a:t>
+            </a:r>
+            <a:endParaRPr lang="zh-CN" altLang="zh-CN" sz="1800" kern="100" dirty="0">
+              <a:effectLst/>
+              <a:latin typeface="等线" panose="02010600030101010101" pitchFamily="2" charset="-122"/>
+              <a:ea typeface="等线" panose="02010600030101010101" pitchFamily="2" charset="-122"/>
+              <a:cs typeface="Times New Roman" panose="02020603050405020304" pitchFamily="18" charset="0"/>
+            </a:endParaRPr>
+          </a:p>
+          <a:p>
+            <a:pPr indent="173355" algn="l">
+              <a:lnSpc>
+                <a:spcPct val="150000"/>
+              </a:lnSpc>
+            </a:pPr>
+            <a:r>
+              <a:rPr lang="en-US" altLang="zh-CN" sz="1800" kern="100" dirty="0">
+                <a:effectLst/>
+                <a:latin typeface="Times New Roman" panose="02020603050405020304" pitchFamily="18" charset="0"/>
+                <a:ea typeface="新宋体" panose="02010609030101010101" pitchFamily="49" charset="-122"/>
+                <a:cs typeface="Times New Roman" panose="02020603050405020304" pitchFamily="18" charset="0"/>
+              </a:rPr>
+              <a:t>C</a:t>
+            </a:r>
+            <a:r>
+              <a:rPr lang="zh-CN" altLang="zh-CN" sz="1800" kern="100" dirty="0">
+                <a:effectLst/>
+                <a:latin typeface="Times New Roman" panose="02020603050405020304" pitchFamily="18" charset="0"/>
+                <a:ea typeface="新宋体" panose="02010609030101010101" pitchFamily="49" charset="-122"/>
+                <a:cs typeface="Times New Roman" panose="02020603050405020304" pitchFamily="18" charset="0"/>
+              </a:rPr>
+              <a:t>．重阳节前夜，大批广州市民前往莲花山登高祈福，景区内人声鼎沸。</a:t>
+            </a:r>
+            <a:r>
+              <a:rPr lang="en-US" altLang="zh-CN" sz="1800" kern="100" dirty="0">
+                <a:effectLst/>
+                <a:latin typeface="等线" panose="02010600030101010101" pitchFamily="2" charset="-122"/>
+                <a:ea typeface="等线" panose="02010600030101010101" pitchFamily="2" charset="-122"/>
+                <a:cs typeface="Times New Roman" panose="02020603050405020304" pitchFamily="18" charset="0"/>
+              </a:rPr>
+              <a:t>	</a:t>
+            </a:r>
+            <a:endParaRPr lang="zh-CN" altLang="zh-CN" sz="1800" kern="100" dirty="0">
+              <a:effectLst/>
+              <a:latin typeface="等线" panose="02010600030101010101" pitchFamily="2" charset="-122"/>
+              <a:ea typeface="等线" panose="02010600030101010101" pitchFamily="2" charset="-122"/>
+              <a:cs typeface="Times New Roman" panose="02020603050405020304" pitchFamily="18" charset="0"/>
+            </a:endParaRPr>
+          </a:p>
+          <a:p>
+            <a:pPr indent="173355" algn="l">
+              <a:lnSpc>
+                <a:spcPct val="150000"/>
+              </a:lnSpc>
+            </a:pPr>
+            <a:r>
+              <a:rPr lang="en-US" altLang="zh-CN" sz="1800" kern="100" dirty="0">
+                <a:effectLst/>
+                <a:latin typeface="Times New Roman" panose="02020603050405020304" pitchFamily="18" charset="0"/>
+                <a:ea typeface="新宋体" panose="02010609030101010101" pitchFamily="49" charset="-122"/>
+                <a:cs typeface="Times New Roman" panose="02020603050405020304" pitchFamily="18" charset="0"/>
+              </a:rPr>
+              <a:t>D</a:t>
+            </a:r>
+            <a:r>
+              <a:rPr lang="zh-CN" altLang="zh-CN" sz="1800" kern="100" dirty="0">
+                <a:effectLst/>
+                <a:latin typeface="Times New Roman" panose="02020603050405020304" pitchFamily="18" charset="0"/>
+                <a:ea typeface="新宋体" panose="02010609030101010101" pitchFamily="49" charset="-122"/>
+                <a:cs typeface="Times New Roman" panose="02020603050405020304" pitchFamily="18" charset="0"/>
+              </a:rPr>
+              <a:t>．除夕之夜，绚丽多彩的广州塔灯光秀美不胜收，让游客们流连忘返。</a:t>
+            </a:r>
+            <a:endParaRPr lang="zh-CN" altLang="zh-CN" sz="1800" kern="100" dirty="0">
+              <a:effectLst/>
+              <a:latin typeface="等线" panose="02010600030101010101" pitchFamily="2" charset="-122"/>
+              <a:ea typeface="等线" panose="02010600030101010101" pitchFamily="2" charset="-122"/>
+              <a:cs typeface="Times New Roman" panose="02020603050405020304" pitchFamily="18" charset="0"/>
+            </a:endParaRPr>
+          </a:p>
+          <a:p>
+            <a:pPr marL="173355" indent="-173355" algn="just">
+              <a:lnSpc>
+                <a:spcPct val="150000"/>
+              </a:lnSpc>
+            </a:pPr>
+            <a:r>
+              <a:rPr lang="en-US" altLang="zh-CN" sz="1800" kern="100" dirty="0">
+                <a:effectLst/>
+                <a:latin typeface="Times New Roman" panose="02020603050405020304" pitchFamily="18" charset="0"/>
+                <a:ea typeface="新宋体" panose="02010609030101010101" pitchFamily="49" charset="-122"/>
+                <a:cs typeface="Times New Roman" panose="02020603050405020304" pitchFamily="18" charset="0"/>
+              </a:rPr>
+              <a:t>9</a:t>
+            </a:r>
+            <a:r>
+              <a:rPr lang="zh-CN" altLang="zh-CN" sz="1800" kern="100" dirty="0">
+                <a:effectLst/>
+                <a:latin typeface="Times New Roman" panose="02020603050405020304" pitchFamily="18" charset="0"/>
+                <a:ea typeface="新宋体" panose="02010609030101010101" pitchFamily="49" charset="-122"/>
+                <a:cs typeface="Times New Roman" panose="02020603050405020304" pitchFamily="18" charset="0"/>
+              </a:rPr>
+              <a:t>．下列句子中，加点词语使用最恰当的一项是（　　）</a:t>
+            </a:r>
+            <a:endParaRPr lang="zh-CN" altLang="zh-CN" sz="1800" kern="100" dirty="0">
+              <a:effectLst/>
+              <a:latin typeface="等线" panose="02010600030101010101" pitchFamily="2" charset="-122"/>
+              <a:ea typeface="等线" panose="02010600030101010101" pitchFamily="2" charset="-122"/>
+              <a:cs typeface="Times New Roman" panose="02020603050405020304" pitchFamily="18" charset="0"/>
+            </a:endParaRPr>
+          </a:p>
+          <a:p>
+            <a:pPr indent="173355" algn="l">
+              <a:lnSpc>
+                <a:spcPct val="150000"/>
+              </a:lnSpc>
+            </a:pPr>
+            <a:r>
+              <a:rPr lang="en-US" altLang="zh-CN" sz="1800" kern="100" dirty="0">
+                <a:effectLst/>
+                <a:latin typeface="Times New Roman" panose="02020603050405020304" pitchFamily="18" charset="0"/>
+                <a:ea typeface="新宋体" panose="02010609030101010101" pitchFamily="49" charset="-122"/>
+                <a:cs typeface="Times New Roman" panose="02020603050405020304" pitchFamily="18" charset="0"/>
+              </a:rPr>
+              <a:t>A</a:t>
+            </a:r>
+            <a:r>
+              <a:rPr lang="zh-CN" altLang="zh-CN" sz="1800" kern="100" dirty="0">
+                <a:effectLst/>
+                <a:latin typeface="Times New Roman" panose="02020603050405020304" pitchFamily="18" charset="0"/>
+                <a:ea typeface="新宋体" panose="02010609030101010101" pitchFamily="49" charset="-122"/>
+                <a:cs typeface="Times New Roman" panose="02020603050405020304" pitchFamily="18" charset="0"/>
+              </a:rPr>
+              <a:t>．面对不可救药的流感病毒，学校引导学生做好个人防护。</a:t>
+            </a:r>
+            <a:r>
+              <a:rPr lang="en-US" altLang="zh-CN" sz="1800" kern="100" dirty="0">
+                <a:effectLst/>
+                <a:latin typeface="等线" panose="02010600030101010101" pitchFamily="2" charset="-122"/>
+                <a:ea typeface="等线" panose="02010600030101010101" pitchFamily="2" charset="-122"/>
+                <a:cs typeface="Times New Roman" panose="02020603050405020304" pitchFamily="18" charset="0"/>
+              </a:rPr>
+              <a:t>	</a:t>
+            </a:r>
+            <a:endParaRPr lang="zh-CN" altLang="zh-CN" sz="1800" kern="100" dirty="0">
+              <a:effectLst/>
+              <a:latin typeface="等线" panose="02010600030101010101" pitchFamily="2" charset="-122"/>
+              <a:ea typeface="等线" panose="02010600030101010101" pitchFamily="2" charset="-122"/>
+              <a:cs typeface="Times New Roman" panose="02020603050405020304" pitchFamily="18" charset="0"/>
+            </a:endParaRPr>
+          </a:p>
+          <a:p>
+            <a:pPr indent="173355" algn="l">
+              <a:lnSpc>
+                <a:spcPct val="150000"/>
+              </a:lnSpc>
+            </a:pPr>
+            <a:r>
+              <a:rPr lang="en-US" altLang="zh-CN" sz="1800" kern="100" dirty="0">
+                <a:effectLst/>
+                <a:latin typeface="Times New Roman" panose="02020603050405020304" pitchFamily="18" charset="0"/>
+                <a:ea typeface="新宋体" panose="02010609030101010101" pitchFamily="49" charset="-122"/>
+                <a:cs typeface="Times New Roman" panose="02020603050405020304" pitchFamily="18" charset="0"/>
+              </a:rPr>
+              <a:t>B</a:t>
+            </a:r>
+            <a:r>
+              <a:rPr lang="zh-CN" altLang="zh-CN" sz="1800" kern="100" dirty="0">
+                <a:effectLst/>
+                <a:latin typeface="Times New Roman" panose="02020603050405020304" pitchFamily="18" charset="0"/>
+                <a:ea typeface="新宋体" panose="02010609030101010101" pitchFamily="49" charset="-122"/>
+                <a:cs typeface="Times New Roman" panose="02020603050405020304" pitchFamily="18" charset="0"/>
+              </a:rPr>
+              <a:t>．全红婵在杭州亚运会再现“满分一跳”，真是骇人听闻。</a:t>
+            </a:r>
+            <a:r>
+              <a:rPr lang="en-US" altLang="zh-CN" sz="1800" kern="100" dirty="0">
+                <a:effectLst/>
+                <a:latin typeface="等线" panose="02010600030101010101" pitchFamily="2" charset="-122"/>
+                <a:ea typeface="等线" panose="02010600030101010101" pitchFamily="2" charset="-122"/>
+                <a:cs typeface="Times New Roman" panose="02020603050405020304" pitchFamily="18" charset="0"/>
+              </a:rPr>
+              <a:t>	</a:t>
+            </a:r>
+            <a:endParaRPr lang="zh-CN" altLang="zh-CN" sz="1800" kern="100" dirty="0">
+              <a:effectLst/>
+              <a:latin typeface="等线" panose="02010600030101010101" pitchFamily="2" charset="-122"/>
+              <a:ea typeface="等线" panose="02010600030101010101" pitchFamily="2" charset="-122"/>
+              <a:cs typeface="Times New Roman" panose="02020603050405020304" pitchFamily="18" charset="0"/>
+            </a:endParaRPr>
+          </a:p>
+          <a:p>
+            <a:pPr indent="173355" algn="l">
+              <a:lnSpc>
+                <a:spcPct val="150000"/>
+              </a:lnSpc>
+            </a:pPr>
+            <a:r>
+              <a:rPr lang="en-US" altLang="zh-CN" sz="1800" kern="100" dirty="0">
+                <a:effectLst/>
+                <a:latin typeface="Times New Roman" panose="02020603050405020304" pitchFamily="18" charset="0"/>
+                <a:ea typeface="新宋体" panose="02010609030101010101" pitchFamily="49" charset="-122"/>
+                <a:cs typeface="Times New Roman" panose="02020603050405020304" pitchFamily="18" charset="0"/>
+              </a:rPr>
+              <a:t>C</a:t>
+            </a:r>
+            <a:r>
+              <a:rPr lang="zh-CN" altLang="zh-CN" sz="1800" kern="100" dirty="0">
+                <a:effectLst/>
+                <a:latin typeface="Times New Roman" panose="02020603050405020304" pitchFamily="18" charset="0"/>
+                <a:ea typeface="新宋体" panose="02010609030101010101" pitchFamily="49" charset="-122"/>
+                <a:cs typeface="Times New Roman" panose="02020603050405020304" pitchFamily="18" charset="0"/>
+              </a:rPr>
+              <a:t>．悦悦毫无悬念地获得了演讲比赛冠军，让大家喜出望外。</a:t>
+            </a:r>
+            <a:r>
+              <a:rPr lang="en-US" altLang="zh-CN" sz="1800" kern="100" dirty="0">
+                <a:effectLst/>
+                <a:latin typeface="等线" panose="02010600030101010101" pitchFamily="2" charset="-122"/>
+                <a:ea typeface="等线" panose="02010600030101010101" pitchFamily="2" charset="-122"/>
+                <a:cs typeface="Times New Roman" panose="02020603050405020304" pitchFamily="18" charset="0"/>
+              </a:rPr>
+              <a:t>	</a:t>
+            </a:r>
+            <a:endParaRPr lang="zh-CN" altLang="zh-CN" sz="1800" kern="100" dirty="0">
+              <a:effectLst/>
+              <a:latin typeface="等线" panose="02010600030101010101" pitchFamily="2" charset="-122"/>
+              <a:ea typeface="等线" panose="02010600030101010101" pitchFamily="2" charset="-122"/>
+              <a:cs typeface="Times New Roman" panose="02020603050405020304" pitchFamily="18" charset="0"/>
+            </a:endParaRPr>
+          </a:p>
+          <a:p>
+            <a:pPr indent="173355" algn="l">
+              <a:lnSpc>
+                <a:spcPct val="150000"/>
+              </a:lnSpc>
+            </a:pPr>
+            <a:r>
+              <a:rPr lang="en-US" altLang="zh-CN" sz="1800" kern="100" dirty="0">
+                <a:effectLst/>
+                <a:latin typeface="Times New Roman" panose="02020603050405020304" pitchFamily="18" charset="0"/>
+                <a:ea typeface="新宋体" panose="02010609030101010101" pitchFamily="49" charset="-122"/>
+                <a:cs typeface="Times New Roman" panose="02020603050405020304" pitchFamily="18" charset="0"/>
+              </a:rPr>
+              <a:t>D</a:t>
+            </a:r>
+            <a:r>
+              <a:rPr lang="zh-CN" altLang="zh-CN" sz="1800" kern="100" dirty="0">
+                <a:effectLst/>
+                <a:latin typeface="Times New Roman" panose="02020603050405020304" pitchFamily="18" charset="0"/>
+                <a:ea typeface="新宋体" panose="02010609030101010101" pitchFamily="49" charset="-122"/>
+                <a:cs typeface="Times New Roman" panose="02020603050405020304" pitchFamily="18" charset="0"/>
+              </a:rPr>
+              <a:t>．香雪公园盛开的梅花美不胜收，吸引摄影师们前来打卡。</a:t>
+            </a:r>
+            <a:endParaRPr lang="zh-CN" altLang="zh-CN" sz="1800" kern="100" dirty="0">
+              <a:effectLst/>
+              <a:latin typeface="等线" panose="02010600030101010101" pitchFamily="2" charset="-122"/>
+              <a:ea typeface="等线" panose="02010600030101010101" pitchFamily="2" charset="-122"/>
+              <a:cs typeface="Times New Roman" panose="02020603050405020304" pitchFamily="18" charset="0"/>
+            </a:endParaRPr>
+          </a:p>
+          <a:p>
+            <a:endParaRPr lang="zh-CN" altLang="en-US" dirty="0"/>
+          </a:p>
+        </p:txBody>
+      </p:sp>
+    </p:spTree>
+    <p:extLst>
+      <p:ext uri="{BB962C8B-B14F-4D97-AF65-F5344CB8AC3E}">
+        <p14:creationId xmlns:p14="http://schemas.microsoft.com/office/powerpoint/2010/main" val="521648225"/>
+      </p:ext>
+    </p:extLst>
+  </p:cSld>
+  <p:clrMapOvr>
+    <a:masterClrMapping/>
+  </p:clrMapOvr>
+</p:sld>
+</file>
+
+<file path=ppt/slides/slide4.xml><?xml version="1.0" encoding="utf-8"?>
+<p:sld xmlns:a="http://schemas.openxmlformats.org/drawingml/2006/main" xmlns:r="http://schemas.openxmlformats.org/officeDocument/2006/relationships" xmlns:p="http://schemas.openxmlformats.org/presentationml/2006/main">
+  <p:cSld>
+    <p:spTree>
+      <p:nvGrpSpPr>
+        <p:cNvPr id="1" name=""/>
+        <p:cNvGrpSpPr/>
+        <p:nvPr/>
+      </p:nvGrpSpPr>
+      <p:grpSpPr>
+        <a:xfrm>
+          <a:off x="0" y="0"/>
+          <a:ext cx="0" cy="0"/>
+          <a:chOff x="0" y="0"/>
+          <a:chExt cx="0" cy="0"/>
+        </a:xfrm>
+      </p:grpSpPr>
+      <p:sp>
+        <p:nvSpPr>
+          <p:cNvPr id="2" name="标题 1">
+            <a:extLst>
+              <a:ext uri="{FF2B5EF4-FFF2-40B4-BE49-F238E27FC236}">
+                <a16:creationId xmlns:a16="http://schemas.microsoft.com/office/drawing/2014/main" id="{4ACB8760-62CA-86F6-227A-D9198D4FC5CE}"/>
+              </a:ext>
+            </a:extLst>
+          </p:cNvPr>
+          <p:cNvSpPr>
+            <a:spLocks noGrp="1"/>
+          </p:cNvSpPr>
+          <p:nvPr>
+            <p:ph type="title"/>
+          </p:nvPr>
+        </p:nvSpPr>
+        <p:spPr/>
+        <p:txBody>
+          <a:bodyPr/>
+          <a:lstStyle/>
+          <a:p>
+            <a:r>
+              <a:rPr lang="en-US" altLang="zh-CN" dirty="0"/>
+              <a:t>8</a:t>
+            </a:r>
+            <a:endParaRPr lang="zh-CN" altLang="en-US" dirty="0"/>
+          </a:p>
+        </p:txBody>
+      </p:sp>
+      <p:sp>
+        <p:nvSpPr>
+          <p:cNvPr id="3" name="内容占位符 2">
+            <a:extLst>
+              <a:ext uri="{FF2B5EF4-FFF2-40B4-BE49-F238E27FC236}">
+                <a16:creationId xmlns:a16="http://schemas.microsoft.com/office/drawing/2014/main" id="{4B37178E-CFB7-3CA0-1B95-A0BDE054581E}"/>
+              </a:ext>
+            </a:extLst>
+          </p:cNvPr>
+          <p:cNvSpPr>
+            <a:spLocks noGrp="1"/>
+          </p:cNvSpPr>
+          <p:nvPr>
+            <p:ph idx="1"/>
+          </p:nvPr>
+        </p:nvSpPr>
+        <p:spPr/>
+        <p:txBody>
+          <a:bodyPr>
+            <a:normAutofit fontScale="85000" lnSpcReduction="10000"/>
+          </a:bodyPr>
+          <a:lstStyle/>
+          <a:p>
+            <a:pPr marL="173355" algn="just">
+              <a:lnSpc>
+                <a:spcPct val="150000"/>
+              </a:lnSpc>
+            </a:pPr>
+            <a:r>
+              <a:rPr lang="zh-CN" altLang="zh-CN" sz="1800" kern="100" dirty="0">
+                <a:solidFill>
+                  <a:srgbClr val="0000FF"/>
+                </a:solidFill>
+                <a:effectLst/>
+                <a:latin typeface="Times New Roman" panose="02020603050405020304" pitchFamily="18" charset="0"/>
+                <a:ea typeface="新宋体" panose="02010609030101010101" pitchFamily="49" charset="-122"/>
+                <a:cs typeface="Times New Roman" panose="02020603050405020304" pitchFamily="18" charset="0"/>
+              </a:rPr>
+              <a:t>【分析】</a:t>
+            </a:r>
+            <a:r>
+              <a:rPr lang="zh-CN" altLang="zh-CN" sz="1800" kern="100" dirty="0">
+                <a:effectLst/>
+                <a:latin typeface="Times New Roman" panose="02020603050405020304" pitchFamily="18" charset="0"/>
+                <a:ea typeface="新宋体" panose="02010609030101010101" pitchFamily="49" charset="-122"/>
+                <a:cs typeface="Times New Roman" panose="02020603050405020304" pitchFamily="18" charset="0"/>
+              </a:rPr>
+              <a:t>本题考查成语熟语。解答此类问题时，一方面要注意在平时打好基础，积累成语的意思，注意区分成语的常见错误用法，如张冠李戴、褒贬误用等，另一方面，答题时要注意联系语境作答，看成语在句中是否合适。</a:t>
+            </a:r>
+            <a:endParaRPr lang="zh-CN" altLang="zh-CN" sz="1800" kern="100" dirty="0">
+              <a:effectLst/>
+              <a:latin typeface="等线" panose="02010600030101010101" pitchFamily="2" charset="-122"/>
+              <a:ea typeface="等线" panose="02010600030101010101" pitchFamily="2" charset="-122"/>
+              <a:cs typeface="Times New Roman" panose="02020603050405020304" pitchFamily="18" charset="0"/>
+            </a:endParaRPr>
+          </a:p>
+          <a:p>
+            <a:pPr marL="173355" algn="just">
+              <a:lnSpc>
+                <a:spcPct val="150000"/>
+              </a:lnSpc>
+            </a:pPr>
+            <a:r>
+              <a:rPr lang="zh-CN" altLang="zh-CN" sz="1800" kern="100" dirty="0">
+                <a:solidFill>
+                  <a:srgbClr val="0000FF"/>
+                </a:solidFill>
+                <a:effectLst/>
+                <a:latin typeface="Times New Roman" panose="02020603050405020304" pitchFamily="18" charset="0"/>
+                <a:ea typeface="新宋体" panose="02010609030101010101" pitchFamily="49" charset="-122"/>
+                <a:cs typeface="Times New Roman" panose="02020603050405020304" pitchFamily="18" charset="0"/>
+              </a:rPr>
+              <a:t>【解答】</a:t>
+            </a:r>
+            <a:r>
+              <a:rPr lang="en-US" altLang="zh-CN" sz="1800" kern="100" dirty="0">
+                <a:effectLst/>
+                <a:latin typeface="Times New Roman" panose="02020603050405020304" pitchFamily="18" charset="0"/>
+                <a:ea typeface="新宋体" panose="02010609030101010101" pitchFamily="49" charset="-122"/>
+                <a:cs typeface="Times New Roman" panose="02020603050405020304" pitchFamily="18" charset="0"/>
+              </a:rPr>
+              <a:t>A.</a:t>
+            </a:r>
+            <a:r>
+              <a:rPr lang="zh-CN" altLang="zh-CN" sz="1800" kern="100" dirty="0">
+                <a:effectLst/>
+                <a:latin typeface="Times New Roman" panose="02020603050405020304" pitchFamily="18" charset="0"/>
+                <a:ea typeface="新宋体" panose="02010609030101010101" pitchFamily="49" charset="-122"/>
+                <a:cs typeface="Times New Roman" panose="02020603050405020304" pitchFamily="18" charset="0"/>
+              </a:rPr>
+              <a:t>使用有误，花枝招展：比方女孩子或事物姿态优美、艳丽，像花枝那样迎风招展的样子。此处形容灯笼不合适，对象用错。</a:t>
+            </a:r>
+            <a:endParaRPr lang="zh-CN" altLang="zh-CN" sz="1800" kern="100" dirty="0">
+              <a:effectLst/>
+              <a:latin typeface="等线" panose="02010600030101010101" pitchFamily="2" charset="-122"/>
+              <a:ea typeface="等线" panose="02010600030101010101" pitchFamily="2" charset="-122"/>
+              <a:cs typeface="Times New Roman" panose="02020603050405020304" pitchFamily="18" charset="0"/>
+            </a:endParaRPr>
+          </a:p>
+          <a:p>
+            <a:pPr marL="173355" algn="just">
+              <a:lnSpc>
+                <a:spcPct val="150000"/>
+              </a:lnSpc>
+            </a:pPr>
+            <a:r>
+              <a:rPr lang="en-US" altLang="zh-CN" sz="1800" kern="100" dirty="0">
+                <a:effectLst/>
+                <a:latin typeface="Times New Roman" panose="02020603050405020304" pitchFamily="18" charset="0"/>
+                <a:ea typeface="新宋体" panose="02010609030101010101" pitchFamily="49" charset="-122"/>
+                <a:cs typeface="Times New Roman" panose="02020603050405020304" pitchFamily="18" charset="0"/>
+              </a:rPr>
+              <a:t>B.</a:t>
+            </a:r>
+            <a:r>
+              <a:rPr lang="zh-CN" altLang="zh-CN" sz="1800" kern="100" dirty="0">
+                <a:effectLst/>
+                <a:latin typeface="Times New Roman" panose="02020603050405020304" pitchFamily="18" charset="0"/>
+                <a:ea typeface="新宋体" panose="02010609030101010101" pitchFamily="49" charset="-122"/>
+                <a:cs typeface="Times New Roman" panose="02020603050405020304" pitchFamily="18" charset="0"/>
+              </a:rPr>
+              <a:t>使用正确，花团锦簇：形容五彩缤纷、十分鲜艳的景象。符合语境。</a:t>
+            </a:r>
+            <a:endParaRPr lang="zh-CN" altLang="zh-CN" sz="1800" kern="100" dirty="0">
+              <a:effectLst/>
+              <a:latin typeface="等线" panose="02010600030101010101" pitchFamily="2" charset="-122"/>
+              <a:ea typeface="等线" panose="02010600030101010101" pitchFamily="2" charset="-122"/>
+              <a:cs typeface="Times New Roman" panose="02020603050405020304" pitchFamily="18" charset="0"/>
+            </a:endParaRPr>
+          </a:p>
+          <a:p>
+            <a:pPr marL="173355" algn="just">
+              <a:lnSpc>
+                <a:spcPct val="150000"/>
+              </a:lnSpc>
+            </a:pPr>
+            <a:r>
+              <a:rPr lang="en-US" altLang="zh-CN" sz="1800" kern="100" dirty="0">
+                <a:effectLst/>
+                <a:latin typeface="Times New Roman" panose="02020603050405020304" pitchFamily="18" charset="0"/>
+                <a:ea typeface="新宋体" panose="02010609030101010101" pitchFamily="49" charset="-122"/>
+                <a:cs typeface="Times New Roman" panose="02020603050405020304" pitchFamily="18" charset="0"/>
+              </a:rPr>
+              <a:t>C.</a:t>
+            </a:r>
+            <a:r>
+              <a:rPr lang="zh-CN" altLang="zh-CN" sz="1800" kern="100" dirty="0">
+                <a:effectLst/>
+                <a:latin typeface="Times New Roman" panose="02020603050405020304" pitchFamily="18" charset="0"/>
+                <a:ea typeface="新宋体" panose="02010609030101010101" pitchFamily="49" charset="-122"/>
+                <a:cs typeface="Times New Roman" panose="02020603050405020304" pitchFamily="18" charset="0"/>
+              </a:rPr>
+              <a:t>使用正确，人声鼎沸：比喻人声嘈杂，就像鼎中的水沸腾了一样。符合语境。</a:t>
+            </a:r>
+            <a:endParaRPr lang="zh-CN" altLang="zh-CN" sz="1800" kern="100" dirty="0">
+              <a:effectLst/>
+              <a:latin typeface="等线" panose="02010600030101010101" pitchFamily="2" charset="-122"/>
+              <a:ea typeface="等线" panose="02010600030101010101" pitchFamily="2" charset="-122"/>
+              <a:cs typeface="Times New Roman" panose="02020603050405020304" pitchFamily="18" charset="0"/>
+            </a:endParaRPr>
+          </a:p>
+          <a:p>
+            <a:pPr marL="173355" algn="just">
+              <a:lnSpc>
+                <a:spcPct val="150000"/>
+              </a:lnSpc>
+            </a:pPr>
+            <a:r>
+              <a:rPr lang="en-US" altLang="zh-CN" sz="1800" kern="100" dirty="0">
+                <a:effectLst/>
+                <a:latin typeface="Times New Roman" panose="02020603050405020304" pitchFamily="18" charset="0"/>
+                <a:ea typeface="新宋体" panose="02010609030101010101" pitchFamily="49" charset="-122"/>
+                <a:cs typeface="Times New Roman" panose="02020603050405020304" pitchFamily="18" charset="0"/>
+              </a:rPr>
+              <a:t>D.</a:t>
+            </a:r>
+            <a:r>
+              <a:rPr lang="zh-CN" altLang="zh-CN" sz="1800" kern="100" dirty="0">
+                <a:effectLst/>
+                <a:latin typeface="Times New Roman" panose="02020603050405020304" pitchFamily="18" charset="0"/>
+                <a:ea typeface="新宋体" panose="02010609030101010101" pitchFamily="49" charset="-122"/>
+                <a:cs typeface="Times New Roman" panose="02020603050405020304" pitchFamily="18" charset="0"/>
+              </a:rPr>
+              <a:t>使用正确，美不胜收：美好的东西很多，时看不过来。符合语境。</a:t>
+            </a:r>
+            <a:endParaRPr lang="zh-CN" altLang="zh-CN" sz="1800" kern="100" dirty="0">
+              <a:effectLst/>
+              <a:latin typeface="等线" panose="02010600030101010101" pitchFamily="2" charset="-122"/>
+              <a:ea typeface="等线" panose="02010600030101010101" pitchFamily="2" charset="-122"/>
+              <a:cs typeface="Times New Roman" panose="02020603050405020304" pitchFamily="18" charset="0"/>
+            </a:endParaRPr>
+          </a:p>
+          <a:p>
+            <a:pPr marL="173355" algn="just">
+              <a:lnSpc>
+                <a:spcPct val="150000"/>
+              </a:lnSpc>
+            </a:pPr>
+            <a:r>
+              <a:rPr lang="zh-CN" altLang="zh-CN" sz="1800" kern="100" dirty="0">
+                <a:effectLst/>
+                <a:latin typeface="Times New Roman" panose="02020603050405020304" pitchFamily="18" charset="0"/>
+                <a:ea typeface="新宋体" panose="02010609030101010101" pitchFamily="49" charset="-122"/>
+                <a:cs typeface="Times New Roman" panose="02020603050405020304" pitchFamily="18" charset="0"/>
+              </a:rPr>
+              <a:t>故选：</a:t>
+            </a:r>
+            <a:r>
+              <a:rPr lang="en-US" altLang="zh-CN" sz="1800" kern="100" dirty="0">
+                <a:effectLst/>
+                <a:latin typeface="Times New Roman" panose="02020603050405020304" pitchFamily="18" charset="0"/>
+                <a:ea typeface="新宋体" panose="02010609030101010101" pitchFamily="49" charset="-122"/>
+                <a:cs typeface="Times New Roman" panose="02020603050405020304" pitchFamily="18" charset="0"/>
+              </a:rPr>
+              <a:t>A</a:t>
+            </a:r>
+            <a:r>
+              <a:rPr lang="zh-CN" altLang="zh-CN" sz="1800" kern="100" dirty="0">
+                <a:effectLst/>
+                <a:latin typeface="Times New Roman" panose="02020603050405020304" pitchFamily="18" charset="0"/>
+                <a:ea typeface="新宋体" panose="02010609030101010101" pitchFamily="49" charset="-122"/>
+                <a:cs typeface="Times New Roman" panose="02020603050405020304" pitchFamily="18" charset="0"/>
+              </a:rPr>
+              <a:t>。</a:t>
+            </a:r>
+            <a:endParaRPr lang="zh-CN" altLang="zh-CN" sz="1800" kern="100" dirty="0">
+              <a:effectLst/>
+              <a:latin typeface="等线" panose="02010600030101010101" pitchFamily="2" charset="-122"/>
+              <a:ea typeface="等线" panose="02010600030101010101" pitchFamily="2" charset="-122"/>
+              <a:cs typeface="Times New Roman" panose="02020603050405020304" pitchFamily="18" charset="0"/>
+            </a:endParaRPr>
+          </a:p>
+          <a:p>
+            <a:pPr marL="173355" algn="just">
+              <a:lnSpc>
+                <a:spcPct val="150000"/>
+              </a:lnSpc>
+            </a:pPr>
+            <a:r>
+              <a:rPr lang="zh-CN" altLang="zh-CN" sz="1800" kern="100" dirty="0">
+                <a:solidFill>
+                  <a:srgbClr val="0000FF"/>
+                </a:solidFill>
+                <a:effectLst/>
+                <a:latin typeface="Times New Roman" panose="02020603050405020304" pitchFamily="18" charset="0"/>
+                <a:ea typeface="新宋体" panose="02010609030101010101" pitchFamily="49" charset="-122"/>
+                <a:cs typeface="Times New Roman" panose="02020603050405020304" pitchFamily="18" charset="0"/>
+              </a:rPr>
+              <a:t>【点评】</a:t>
+            </a:r>
+            <a:r>
+              <a:rPr lang="zh-CN" altLang="zh-CN" sz="1800" kern="100" dirty="0">
+                <a:effectLst/>
+                <a:latin typeface="Times New Roman" panose="02020603050405020304" pitchFamily="18" charset="0"/>
+                <a:ea typeface="新宋体" panose="02010609030101010101" pitchFamily="49" charset="-122"/>
+                <a:cs typeface="Times New Roman" panose="02020603050405020304" pitchFamily="18" charset="0"/>
+              </a:rPr>
+              <a:t>成语熟语的常见错误类型有望文生义、重复啰嗦、褒贬误用、谦敬错位、张冠李戴等，解题时要注意辨析词义，联系语境作答。</a:t>
+            </a:r>
+            <a:endParaRPr lang="zh-CN" altLang="zh-CN" sz="1800" kern="100" dirty="0">
+              <a:effectLst/>
+              <a:latin typeface="等线" panose="02010600030101010101" pitchFamily="2" charset="-122"/>
+              <a:ea typeface="等线" panose="02010600030101010101" pitchFamily="2" charset="-122"/>
+              <a:cs typeface="Times New Roman" panose="02020603050405020304" pitchFamily="18" charset="0"/>
+            </a:endParaRPr>
+          </a:p>
+          <a:p>
+            <a:endParaRPr lang="zh-CN" altLang="en-US" dirty="0"/>
+          </a:p>
+        </p:txBody>
+      </p:sp>
+    </p:spTree>
+    <p:extLst>
+      <p:ext uri="{BB962C8B-B14F-4D97-AF65-F5344CB8AC3E}">
+        <p14:creationId xmlns:p14="http://schemas.microsoft.com/office/powerpoint/2010/main" val="1805280636"/>
+      </p:ext>
+    </p:extLst>
+  </p:cSld>
+  <p:clrMapOvr>
+    <a:masterClrMapping/>
+  </p:clrMapOvr>
+</p:sld>
+</file>
+
+<file path=ppt/slides/slide5.xml><?xml version="1.0" encoding="utf-8"?>
+<p:sld xmlns:a="http://schemas.openxmlformats.org/drawingml/2006/main" xmlns:r="http://schemas.openxmlformats.org/officeDocument/2006/relationships" xmlns:p="http://schemas.openxmlformats.org/presentationml/2006/main">
+  <p:cSld>
+    <p:spTree>
+      <p:nvGrpSpPr>
+        <p:cNvPr id="1" name=""/>
+        <p:cNvGrpSpPr/>
+        <p:nvPr/>
+      </p:nvGrpSpPr>
+      <p:grpSpPr>
+        <a:xfrm>
+          <a:off x="0" y="0"/>
+          <a:ext cx="0" cy="0"/>
+          <a:chOff x="0" y="0"/>
+          <a:chExt cx="0" cy="0"/>
+        </a:xfrm>
+      </p:grpSpPr>
+      <p:sp>
+        <p:nvSpPr>
+          <p:cNvPr id="2" name="标题 1">
+            <a:extLst>
+              <a:ext uri="{FF2B5EF4-FFF2-40B4-BE49-F238E27FC236}">
+                <a16:creationId xmlns:a16="http://schemas.microsoft.com/office/drawing/2014/main" id="{DC0399A4-8816-6F81-6A94-99E910553EA3}"/>
+              </a:ext>
+            </a:extLst>
+          </p:cNvPr>
+          <p:cNvSpPr>
+            <a:spLocks noGrp="1"/>
+          </p:cNvSpPr>
+          <p:nvPr>
+            <p:ph type="title"/>
+          </p:nvPr>
+        </p:nvSpPr>
+        <p:spPr/>
+        <p:txBody>
+          <a:bodyPr/>
+          <a:lstStyle/>
+          <a:p>
+            <a:r>
+              <a:rPr lang="en-US" altLang="zh-CN" dirty="0"/>
+              <a:t>9</a:t>
+            </a:r>
+            <a:endParaRPr lang="zh-CN" altLang="en-US" dirty="0"/>
+          </a:p>
+        </p:txBody>
+      </p:sp>
+      <p:sp>
+        <p:nvSpPr>
+          <p:cNvPr id="3" name="内容占位符 2">
+            <a:extLst>
+              <a:ext uri="{FF2B5EF4-FFF2-40B4-BE49-F238E27FC236}">
+                <a16:creationId xmlns:a16="http://schemas.microsoft.com/office/drawing/2014/main" id="{A7E344AF-CF87-F89F-10BD-5FD85B765174}"/>
+              </a:ext>
+            </a:extLst>
+          </p:cNvPr>
+          <p:cNvSpPr>
+            <a:spLocks noGrp="1"/>
+          </p:cNvSpPr>
+          <p:nvPr>
+            <p:ph idx="1"/>
+          </p:nvPr>
+        </p:nvSpPr>
+        <p:spPr>
+          <a:xfrm>
+            <a:off x="838199" y="1825625"/>
+            <a:ext cx="10787743" cy="4901746"/>
+          </a:xfrm>
+        </p:spPr>
+        <p:txBody>
+          <a:bodyPr>
+            <a:normAutofit fontScale="92500"/>
+          </a:bodyPr>
+          <a:lstStyle/>
+          <a:p>
+            <a:pPr marL="173355" algn="just">
+              <a:lnSpc>
+                <a:spcPct val="150000"/>
+              </a:lnSpc>
+            </a:pPr>
+            <a:r>
+              <a:rPr lang="zh-CN" altLang="zh-CN" sz="1800" kern="100" dirty="0">
+                <a:solidFill>
+                  <a:srgbClr val="0000FF"/>
+                </a:solidFill>
+                <a:effectLst/>
+                <a:latin typeface="Times New Roman" panose="02020603050405020304" pitchFamily="18" charset="0"/>
+                <a:ea typeface="新宋体" panose="02010609030101010101" pitchFamily="49" charset="-122"/>
+                <a:cs typeface="Times New Roman" panose="02020603050405020304" pitchFamily="18" charset="0"/>
+              </a:rPr>
+              <a:t>【分析】</a:t>
+            </a:r>
+            <a:r>
+              <a:rPr lang="zh-CN" altLang="zh-CN" sz="1800" kern="100" dirty="0">
+                <a:effectLst/>
+                <a:latin typeface="Times New Roman" panose="02020603050405020304" pitchFamily="18" charset="0"/>
+                <a:ea typeface="新宋体" panose="02010609030101010101" pitchFamily="49" charset="-122"/>
+                <a:cs typeface="Times New Roman" panose="02020603050405020304" pitchFamily="18" charset="0"/>
+              </a:rPr>
+              <a:t>本题考查成语使用正误的辨析。解答此题，平时要有大量的成语积累，还要结合句意表述，从词性、词义轻重、感情色彩、习惯用法等多方面考虑，确定正确选项。成语运用的常见错误有以下几种：望文生义、褒贬不当、搭配不当、用错对象、语境不符等。</a:t>
+            </a:r>
+            <a:endParaRPr lang="zh-CN" altLang="zh-CN" sz="1800" kern="100" dirty="0">
+              <a:effectLst/>
+              <a:latin typeface="等线" panose="02010600030101010101" pitchFamily="2" charset="-122"/>
+              <a:ea typeface="等线" panose="02010600030101010101" pitchFamily="2" charset="-122"/>
+              <a:cs typeface="Times New Roman" panose="02020603050405020304" pitchFamily="18" charset="0"/>
+            </a:endParaRPr>
+          </a:p>
+          <a:p>
+            <a:pPr marL="173355" algn="just">
+              <a:lnSpc>
+                <a:spcPct val="150000"/>
+              </a:lnSpc>
+            </a:pPr>
+            <a:r>
+              <a:rPr lang="zh-CN" altLang="zh-CN" sz="1800" kern="100" dirty="0">
+                <a:solidFill>
+                  <a:srgbClr val="0000FF"/>
+                </a:solidFill>
+                <a:effectLst/>
+                <a:latin typeface="Times New Roman" panose="02020603050405020304" pitchFamily="18" charset="0"/>
+                <a:ea typeface="新宋体" panose="02010609030101010101" pitchFamily="49" charset="-122"/>
+                <a:cs typeface="Times New Roman" panose="02020603050405020304" pitchFamily="18" charset="0"/>
+              </a:rPr>
+              <a:t>【解答】</a:t>
+            </a:r>
+            <a:r>
+              <a:rPr lang="en-US" altLang="zh-CN" sz="1800" kern="100" dirty="0">
+                <a:effectLst/>
+                <a:latin typeface="Times New Roman" panose="02020603050405020304" pitchFamily="18" charset="0"/>
+                <a:ea typeface="新宋体" panose="02010609030101010101" pitchFamily="49" charset="-122"/>
+                <a:cs typeface="Times New Roman" panose="02020603050405020304" pitchFamily="18" charset="0"/>
+              </a:rPr>
+              <a:t>A.</a:t>
+            </a:r>
+            <a:r>
+              <a:rPr lang="zh-CN" altLang="zh-CN" sz="1800" kern="100" dirty="0">
+                <a:effectLst/>
+                <a:latin typeface="Times New Roman" panose="02020603050405020304" pitchFamily="18" charset="0"/>
+                <a:ea typeface="新宋体" panose="02010609030101010101" pitchFamily="49" charset="-122"/>
+                <a:cs typeface="Times New Roman" panose="02020603050405020304" pitchFamily="18" charset="0"/>
+              </a:rPr>
+              <a:t>有误，“不可救药”意思是泛指病重到无药可治。也比喻人或事物已经坏到不能挽救的地步。本句用来形容病毒，用错对象。</a:t>
+            </a:r>
+            <a:endParaRPr lang="zh-CN" altLang="zh-CN" sz="1800" kern="100" dirty="0">
+              <a:effectLst/>
+              <a:latin typeface="等线" panose="02010600030101010101" pitchFamily="2" charset="-122"/>
+              <a:ea typeface="等线" panose="02010600030101010101" pitchFamily="2" charset="-122"/>
+              <a:cs typeface="Times New Roman" panose="02020603050405020304" pitchFamily="18" charset="0"/>
+            </a:endParaRPr>
+          </a:p>
+          <a:p>
+            <a:pPr marL="173355" algn="just">
+              <a:lnSpc>
+                <a:spcPct val="150000"/>
+              </a:lnSpc>
+            </a:pPr>
+            <a:r>
+              <a:rPr lang="en-US" altLang="zh-CN" sz="1800" kern="100" dirty="0">
+                <a:effectLst/>
+                <a:latin typeface="Times New Roman" panose="02020603050405020304" pitchFamily="18" charset="0"/>
+                <a:ea typeface="新宋体" panose="02010609030101010101" pitchFamily="49" charset="-122"/>
+                <a:cs typeface="Times New Roman" panose="02020603050405020304" pitchFamily="18" charset="0"/>
+              </a:rPr>
+              <a:t>B.</a:t>
+            </a:r>
+            <a:r>
+              <a:rPr lang="zh-CN" altLang="zh-CN" sz="1800" kern="100" dirty="0">
+                <a:effectLst/>
+                <a:latin typeface="Times New Roman" panose="02020603050405020304" pitchFamily="18" charset="0"/>
+                <a:ea typeface="新宋体" panose="02010609030101010101" pitchFamily="49" charset="-122"/>
+                <a:cs typeface="Times New Roman" panose="02020603050405020304" pitchFamily="18" charset="0"/>
+              </a:rPr>
+              <a:t>有误，“骇人听闻”意思是使人听了非常吃惊（多指社会上发生的坏事）。本句用来形容好事，用错对象。</a:t>
+            </a:r>
+            <a:endParaRPr lang="zh-CN" altLang="zh-CN" sz="1800" kern="100" dirty="0">
+              <a:effectLst/>
+              <a:latin typeface="等线" panose="02010600030101010101" pitchFamily="2" charset="-122"/>
+              <a:ea typeface="等线" panose="02010600030101010101" pitchFamily="2" charset="-122"/>
+              <a:cs typeface="Times New Roman" panose="02020603050405020304" pitchFamily="18" charset="0"/>
+            </a:endParaRPr>
+          </a:p>
+          <a:p>
+            <a:pPr marL="173355" algn="just">
+              <a:lnSpc>
+                <a:spcPct val="150000"/>
+              </a:lnSpc>
+            </a:pPr>
+            <a:r>
+              <a:rPr lang="en-US" altLang="zh-CN" sz="1800" kern="100" dirty="0">
+                <a:effectLst/>
+                <a:latin typeface="Times New Roman" panose="02020603050405020304" pitchFamily="18" charset="0"/>
+                <a:ea typeface="新宋体" panose="02010609030101010101" pitchFamily="49" charset="-122"/>
+                <a:cs typeface="Times New Roman" panose="02020603050405020304" pitchFamily="18" charset="0"/>
+              </a:rPr>
+              <a:t>C.</a:t>
+            </a:r>
+            <a:r>
+              <a:rPr lang="zh-CN" altLang="zh-CN" sz="1800" kern="100" dirty="0">
+                <a:effectLst/>
+                <a:latin typeface="Times New Roman" panose="02020603050405020304" pitchFamily="18" charset="0"/>
+                <a:ea typeface="新宋体" panose="02010609030101010101" pitchFamily="49" charset="-122"/>
+                <a:cs typeface="Times New Roman" panose="02020603050405020304" pitchFamily="18" charset="0"/>
+              </a:rPr>
+              <a:t>有误，“喜出望外”意思是遇到意想不到的喜事而感到非常高兴。与本句的“毫无悬念”矛盾。</a:t>
+            </a:r>
+            <a:endParaRPr lang="zh-CN" altLang="zh-CN" sz="1800" kern="100" dirty="0">
+              <a:effectLst/>
+              <a:latin typeface="等线" panose="02010600030101010101" pitchFamily="2" charset="-122"/>
+              <a:ea typeface="等线" panose="02010600030101010101" pitchFamily="2" charset="-122"/>
+              <a:cs typeface="Times New Roman" panose="02020603050405020304" pitchFamily="18" charset="0"/>
+            </a:endParaRPr>
+          </a:p>
+          <a:p>
+            <a:pPr marL="173355" algn="just">
+              <a:lnSpc>
+                <a:spcPct val="150000"/>
+              </a:lnSpc>
+            </a:pPr>
+            <a:r>
+              <a:rPr lang="en-US" altLang="zh-CN" sz="1800" kern="100" dirty="0">
+                <a:effectLst/>
+                <a:latin typeface="Times New Roman" panose="02020603050405020304" pitchFamily="18" charset="0"/>
+                <a:ea typeface="新宋体" panose="02010609030101010101" pitchFamily="49" charset="-122"/>
+                <a:cs typeface="Times New Roman" panose="02020603050405020304" pitchFamily="18" charset="0"/>
+              </a:rPr>
+              <a:t>D.</a:t>
+            </a:r>
+            <a:r>
+              <a:rPr lang="zh-CN" altLang="zh-CN" sz="1800" kern="100" dirty="0">
+                <a:effectLst/>
+                <a:latin typeface="Times New Roman" panose="02020603050405020304" pitchFamily="18" charset="0"/>
+                <a:ea typeface="新宋体" panose="02010609030101010101" pitchFamily="49" charset="-122"/>
+                <a:cs typeface="Times New Roman" panose="02020603050405020304" pitchFamily="18" charset="0"/>
+              </a:rPr>
+              <a:t>正确。</a:t>
+            </a:r>
+            <a:endParaRPr lang="zh-CN" altLang="zh-CN" sz="1800" kern="100" dirty="0">
+              <a:effectLst/>
+              <a:latin typeface="等线" panose="02010600030101010101" pitchFamily="2" charset="-122"/>
+              <a:ea typeface="等线" panose="02010600030101010101" pitchFamily="2" charset="-122"/>
+              <a:cs typeface="Times New Roman" panose="02020603050405020304" pitchFamily="18" charset="0"/>
+            </a:endParaRPr>
+          </a:p>
+          <a:p>
+            <a:pPr marL="173355" algn="just">
+              <a:lnSpc>
+                <a:spcPct val="150000"/>
+              </a:lnSpc>
+            </a:pPr>
+            <a:r>
+              <a:rPr lang="zh-CN" altLang="zh-CN" sz="1800" kern="100" dirty="0">
+                <a:effectLst/>
+                <a:latin typeface="Times New Roman" panose="02020603050405020304" pitchFamily="18" charset="0"/>
+                <a:ea typeface="新宋体" panose="02010609030101010101" pitchFamily="49" charset="-122"/>
+                <a:cs typeface="Times New Roman" panose="02020603050405020304" pitchFamily="18" charset="0"/>
+              </a:rPr>
+              <a:t>故选：</a:t>
+            </a:r>
+            <a:r>
+              <a:rPr lang="en-US" altLang="zh-CN" sz="1800" kern="100" dirty="0">
+                <a:effectLst/>
+                <a:latin typeface="Times New Roman" panose="02020603050405020304" pitchFamily="18" charset="0"/>
+                <a:ea typeface="新宋体" panose="02010609030101010101" pitchFamily="49" charset="-122"/>
+                <a:cs typeface="Times New Roman" panose="02020603050405020304" pitchFamily="18" charset="0"/>
+              </a:rPr>
+              <a:t>D</a:t>
+            </a:r>
+            <a:r>
+              <a:rPr lang="zh-CN" altLang="zh-CN" sz="1800" kern="100" dirty="0">
+                <a:effectLst/>
+                <a:latin typeface="Times New Roman" panose="02020603050405020304" pitchFamily="18" charset="0"/>
+                <a:ea typeface="新宋体" panose="02010609030101010101" pitchFamily="49" charset="-122"/>
+                <a:cs typeface="Times New Roman" panose="02020603050405020304" pitchFamily="18" charset="0"/>
+              </a:rPr>
+              <a:t>。</a:t>
+            </a:r>
+            <a:endParaRPr lang="zh-CN" altLang="zh-CN" sz="1800" kern="100" dirty="0">
+              <a:effectLst/>
+              <a:latin typeface="等线" panose="02010600030101010101" pitchFamily="2" charset="-122"/>
+              <a:ea typeface="等线" panose="02010600030101010101" pitchFamily="2" charset="-122"/>
+              <a:cs typeface="Times New Roman" panose="02020603050405020304" pitchFamily="18" charset="0"/>
+            </a:endParaRPr>
+          </a:p>
+          <a:p>
+            <a:pPr marL="173355" algn="just">
+              <a:lnSpc>
+                <a:spcPct val="150000"/>
+              </a:lnSpc>
+            </a:pPr>
+            <a:r>
+              <a:rPr lang="zh-CN" altLang="zh-CN" sz="1800" kern="100" dirty="0">
+                <a:solidFill>
+                  <a:srgbClr val="0000FF"/>
+                </a:solidFill>
+                <a:effectLst/>
+                <a:latin typeface="Times New Roman" panose="02020603050405020304" pitchFamily="18" charset="0"/>
+                <a:ea typeface="新宋体" panose="02010609030101010101" pitchFamily="49" charset="-122"/>
+                <a:cs typeface="Times New Roman" panose="02020603050405020304" pitchFamily="18" charset="0"/>
+              </a:rPr>
+              <a:t>【点评】</a:t>
+            </a:r>
+            <a:r>
+              <a:rPr lang="zh-CN" altLang="zh-CN" sz="1800" kern="100" dirty="0">
+                <a:effectLst/>
+                <a:latin typeface="Times New Roman" panose="02020603050405020304" pitchFamily="18" charset="0"/>
+                <a:ea typeface="新宋体" panose="02010609030101010101" pitchFamily="49" charset="-122"/>
+                <a:cs typeface="Times New Roman" panose="02020603050405020304" pitchFamily="18" charset="0"/>
+              </a:rPr>
+              <a:t>解答此题，需要我们正确理解成语的意思，辨清成语的感情色彩，还要结合语境分析其运用是否恰当。</a:t>
+            </a:r>
+            <a:endParaRPr lang="zh-CN" altLang="zh-CN" sz="1800" kern="100" dirty="0">
+              <a:effectLst/>
+              <a:latin typeface="等线" panose="02010600030101010101" pitchFamily="2" charset="-122"/>
+              <a:ea typeface="等线" panose="02010600030101010101" pitchFamily="2" charset="-122"/>
+              <a:cs typeface="Times New Roman" panose="02020603050405020304" pitchFamily="18" charset="0"/>
+            </a:endParaRPr>
+          </a:p>
+          <a:p>
+            <a:endParaRPr lang="zh-CN" altLang="en-US" dirty="0"/>
+          </a:p>
+        </p:txBody>
+      </p:sp>
+    </p:spTree>
+    <p:extLst>
+      <p:ext uri="{BB962C8B-B14F-4D97-AF65-F5344CB8AC3E}">
+        <p14:creationId xmlns:p14="http://schemas.microsoft.com/office/powerpoint/2010/main" val="2571509699"/>
+      </p:ext>
+    </p:extLst>
+  </p:cSld>
+  <p:clrMapOvr>
+    <a:masterClrMapping/>
+  </p:clrMapOvr>
+</p:sld>
+</file>
+
+<file path=ppt/slides/slide6.xml><?xml version="1.0" encoding="utf-8"?>
+<p:sld xmlns:a="http://schemas.openxmlformats.org/drawingml/2006/main" xmlns:r="http://schemas.openxmlformats.org/officeDocument/2006/relationships" xmlns:p="http://schemas.openxmlformats.org/presentationml/2006/main">
+  <p:cSld>
+    <p:spTree>
+      <p:nvGrpSpPr>
+        <p:cNvPr id="1" name=""/>
+        <p:cNvGrpSpPr/>
+        <p:nvPr/>
+      </p:nvGrpSpPr>
+      <p:grpSpPr>
+        <a:xfrm>
+          <a:off x="0" y="0"/>
+          <a:ext cx="0" cy="0"/>
+          <a:chOff x="0" y="0"/>
+          <a:chExt cx="0" cy="0"/>
+        </a:xfrm>
+      </p:grpSpPr>
+      <p:sp>
+        <p:nvSpPr>
           <p:cNvPr id="2" name="标题 1">
             <a:extLst>
               <a:ext uri="{FF2B5EF4-FFF2-40B4-BE49-F238E27FC236}">
@@ -4708,6 +5808,86 @@
     <p:extLst>
       <p:ext uri="{BB962C8B-B14F-4D97-AF65-F5344CB8AC3E}">
         <p14:creationId xmlns:p14="http://schemas.microsoft.com/office/powerpoint/2010/main" val="705088793"/>
+      </p:ext>
+    </p:extLst>
+  </p:cSld>
+  <p:clrMapOvr>
+    <a:masterClrMapping/>
+  </p:clrMapOvr>
+</p:sld>
+</file>
+
+<file path=ppt/slides/slide7.xml><?xml version="1.0" encoding="utf-8"?>
+<p:sld xmlns:a="http://schemas.openxmlformats.org/drawingml/2006/main" xmlns:r="http://schemas.openxmlformats.org/officeDocument/2006/relationships" xmlns:p="http://schemas.openxmlformats.org/presentationml/2006/main">
+  <p:cSld>
+    <p:spTree>
+      <p:nvGrpSpPr>
+        <p:cNvPr id="1" name=""/>
+        <p:cNvGrpSpPr/>
+        <p:nvPr/>
+      </p:nvGrpSpPr>
+      <p:grpSpPr>
+        <a:xfrm>
+          <a:off x="0" y="0"/>
+          <a:ext cx="0" cy="0"/>
+          <a:chOff x="0" y="0"/>
+          <a:chExt cx="0" cy="0"/>
+        </a:xfrm>
+      </p:grpSpPr>
+      <p:sp>
+        <p:nvSpPr>
+          <p:cNvPr id="2" name="标题 1">
+            <a:extLst>
+              <a:ext uri="{FF2B5EF4-FFF2-40B4-BE49-F238E27FC236}">
+                <a16:creationId xmlns:a16="http://schemas.microsoft.com/office/drawing/2014/main" id="{D0921213-ADF1-FDE2-7984-A44B1A2C6560}"/>
+              </a:ext>
+            </a:extLst>
+          </p:cNvPr>
+          <p:cNvSpPr>
+            <a:spLocks noGrp="1"/>
+          </p:cNvSpPr>
+          <p:nvPr>
+            <p:ph type="title"/>
+          </p:nvPr>
+        </p:nvSpPr>
+        <p:spPr/>
+        <p:txBody>
+          <a:bodyPr/>
+          <a:lstStyle/>
+          <a:p>
+            <a:endParaRPr lang="zh-CN" altLang="en-US" dirty="0"/>
+          </a:p>
+        </p:txBody>
+      </p:sp>
+      <p:sp>
+        <p:nvSpPr>
+          <p:cNvPr id="3" name="内容占位符 2">
+            <a:extLst>
+              <a:ext uri="{FF2B5EF4-FFF2-40B4-BE49-F238E27FC236}">
+                <a16:creationId xmlns:a16="http://schemas.microsoft.com/office/drawing/2014/main" id="{9B7677CF-A18D-4D81-3CD2-4382E9C7D987}"/>
+              </a:ext>
+            </a:extLst>
+          </p:cNvPr>
+          <p:cNvSpPr>
+            <a:spLocks noGrp="1"/>
+          </p:cNvSpPr>
+          <p:nvPr>
+            <p:ph idx="1"/>
+          </p:nvPr>
+        </p:nvSpPr>
+        <p:spPr/>
+        <p:txBody>
+          <a:bodyPr/>
+          <a:lstStyle/>
+          <a:p>
+            <a:endParaRPr lang="zh-CN" altLang="en-US"/>
+          </a:p>
+        </p:txBody>
+      </p:sp>
+    </p:spTree>
+    <p:extLst>
+      <p:ext uri="{BB962C8B-B14F-4D97-AF65-F5344CB8AC3E}">
+        <p14:creationId xmlns:p14="http://schemas.microsoft.com/office/powerpoint/2010/main" val="3364549943"/>
       </p:ext>
     </p:extLst>
   </p:cSld>

--- a/备课-语文/PPT/小测.pptx
+++ b/备课-语文/PPT/小测.pptx
@@ -6,12 +6,17 @@
   </p:sldMasterIdLst>
   <p:sldIdLst>
     <p:sldId id="256" r:id="rId2"/>
-    <p:sldId id="257" r:id="rId3"/>
-    <p:sldId id="260" r:id="rId4"/>
-    <p:sldId id="261" r:id="rId5"/>
-    <p:sldId id="262" r:id="rId6"/>
-    <p:sldId id="258" r:id="rId7"/>
-    <p:sldId id="259" r:id="rId8"/>
+    <p:sldId id="263" r:id="rId3"/>
+    <p:sldId id="257" r:id="rId4"/>
+    <p:sldId id="260" r:id="rId5"/>
+    <p:sldId id="261" r:id="rId6"/>
+    <p:sldId id="262" r:id="rId7"/>
+    <p:sldId id="258" r:id="rId8"/>
+    <p:sldId id="259" r:id="rId9"/>
+    <p:sldId id="264" r:id="rId10"/>
+    <p:sldId id="266" r:id="rId11"/>
+    <p:sldId id="265" r:id="rId12"/>
+    <p:sldId id="267" r:id="rId13"/>
   </p:sldIdLst>
   <p:sldSz cx="12192000" cy="6858000"/>
   <p:notesSz cx="6858000" cy="9144000"/>
@@ -265,7 +270,7 @@
           <a:p>
             <a:fld id="{84D3AA92-4CA1-4C47-8902-9DB9A636BE4B}" type="datetimeFigureOut">
               <a:rPr lang="zh-CN" altLang="en-US" smtClean="0"/>
-              <a:t>2024/2/1</a:t>
+              <a:t>2024/2/2</a:t>
             </a:fld>
             <a:endParaRPr lang="zh-CN" altLang="en-US"/>
           </a:p>
@@ -463,7 +468,7 @@
           <a:p>
             <a:fld id="{84D3AA92-4CA1-4C47-8902-9DB9A636BE4B}" type="datetimeFigureOut">
               <a:rPr lang="zh-CN" altLang="en-US" smtClean="0"/>
-              <a:t>2024/2/1</a:t>
+              <a:t>2024/2/2</a:t>
             </a:fld>
             <a:endParaRPr lang="zh-CN" altLang="en-US"/>
           </a:p>
@@ -671,7 +676,7 @@
           <a:p>
             <a:fld id="{84D3AA92-4CA1-4C47-8902-9DB9A636BE4B}" type="datetimeFigureOut">
               <a:rPr lang="zh-CN" altLang="en-US" smtClean="0"/>
-              <a:t>2024/2/1</a:t>
+              <a:t>2024/2/2</a:t>
             </a:fld>
             <a:endParaRPr lang="zh-CN" altLang="en-US"/>
           </a:p>
@@ -869,7 +874,7 @@
           <a:p>
             <a:fld id="{84D3AA92-4CA1-4C47-8902-9DB9A636BE4B}" type="datetimeFigureOut">
               <a:rPr lang="zh-CN" altLang="en-US" smtClean="0"/>
-              <a:t>2024/2/1</a:t>
+              <a:t>2024/2/2</a:t>
             </a:fld>
             <a:endParaRPr lang="zh-CN" altLang="en-US"/>
           </a:p>
@@ -1144,7 +1149,7 @@
           <a:p>
             <a:fld id="{84D3AA92-4CA1-4C47-8902-9DB9A636BE4B}" type="datetimeFigureOut">
               <a:rPr lang="zh-CN" altLang="en-US" smtClean="0"/>
-              <a:t>2024/2/1</a:t>
+              <a:t>2024/2/2</a:t>
             </a:fld>
             <a:endParaRPr lang="zh-CN" altLang="en-US"/>
           </a:p>
@@ -1409,7 +1414,7 @@
           <a:p>
             <a:fld id="{84D3AA92-4CA1-4C47-8902-9DB9A636BE4B}" type="datetimeFigureOut">
               <a:rPr lang="zh-CN" altLang="en-US" smtClean="0"/>
-              <a:t>2024/2/1</a:t>
+              <a:t>2024/2/2</a:t>
             </a:fld>
             <a:endParaRPr lang="zh-CN" altLang="en-US"/>
           </a:p>
@@ -1821,7 +1826,7 @@
           <a:p>
             <a:fld id="{84D3AA92-4CA1-4C47-8902-9DB9A636BE4B}" type="datetimeFigureOut">
               <a:rPr lang="zh-CN" altLang="en-US" smtClean="0"/>
-              <a:t>2024/2/1</a:t>
+              <a:t>2024/2/2</a:t>
             </a:fld>
             <a:endParaRPr lang="zh-CN" altLang="en-US"/>
           </a:p>
@@ -1962,7 +1967,7 @@
           <a:p>
             <a:fld id="{84D3AA92-4CA1-4C47-8902-9DB9A636BE4B}" type="datetimeFigureOut">
               <a:rPr lang="zh-CN" altLang="en-US" smtClean="0"/>
-              <a:t>2024/2/1</a:t>
+              <a:t>2024/2/2</a:t>
             </a:fld>
             <a:endParaRPr lang="zh-CN" altLang="en-US"/>
           </a:p>
@@ -2075,7 +2080,7 @@
           <a:p>
             <a:fld id="{84D3AA92-4CA1-4C47-8902-9DB9A636BE4B}" type="datetimeFigureOut">
               <a:rPr lang="zh-CN" altLang="en-US" smtClean="0"/>
-              <a:t>2024/2/1</a:t>
+              <a:t>2024/2/2</a:t>
             </a:fld>
             <a:endParaRPr lang="zh-CN" altLang="en-US"/>
           </a:p>
@@ -2386,7 +2391,7 @@
           <a:p>
             <a:fld id="{84D3AA92-4CA1-4C47-8902-9DB9A636BE4B}" type="datetimeFigureOut">
               <a:rPr lang="zh-CN" altLang="en-US" smtClean="0"/>
-              <a:t>2024/2/1</a:t>
+              <a:t>2024/2/2</a:t>
             </a:fld>
             <a:endParaRPr lang="zh-CN" altLang="en-US"/>
           </a:p>
@@ -2674,7 +2679,7 @@
           <a:p>
             <a:fld id="{84D3AA92-4CA1-4C47-8902-9DB9A636BE4B}" type="datetimeFigureOut">
               <a:rPr lang="zh-CN" altLang="en-US" smtClean="0"/>
-              <a:t>2024/2/1</a:t>
+              <a:t>2024/2/2</a:t>
             </a:fld>
             <a:endParaRPr lang="zh-CN" altLang="en-US"/>
           </a:p>
@@ -2915,7 +2920,7 @@
           <a:p>
             <a:fld id="{84D3AA92-4CA1-4C47-8902-9DB9A636BE4B}" type="datetimeFigureOut">
               <a:rPr lang="zh-CN" altLang="en-US" smtClean="0"/>
-              <a:t>2024/2/1</a:t>
+              <a:t>2024/2/2</a:t>
             </a:fld>
             <a:endParaRPr lang="zh-CN" altLang="en-US"/>
           </a:p>
@@ -3398,6 +3403,264 @@
 </p:sld>
 </file>
 
+<file path=ppt/slides/slide10.xml><?xml version="1.0" encoding="utf-8"?>
+<p:sld xmlns:a="http://schemas.openxmlformats.org/drawingml/2006/main" xmlns:r="http://schemas.openxmlformats.org/officeDocument/2006/relationships" xmlns:p="http://schemas.openxmlformats.org/presentationml/2006/main">
+  <p:cSld>
+    <p:spTree>
+      <p:nvGrpSpPr>
+        <p:cNvPr id="1" name=""/>
+        <p:cNvGrpSpPr/>
+        <p:nvPr/>
+      </p:nvGrpSpPr>
+      <p:grpSpPr>
+        <a:xfrm>
+          <a:off x="0" y="0"/>
+          <a:ext cx="0" cy="0"/>
+          <a:chOff x="0" y="0"/>
+          <a:chExt cx="0" cy="0"/>
+        </a:xfrm>
+      </p:grpSpPr>
+      <p:sp>
+        <p:nvSpPr>
+          <p:cNvPr id="2" name="标题 1">
+            <a:extLst>
+              <a:ext uri="{FF2B5EF4-FFF2-40B4-BE49-F238E27FC236}">
+                <a16:creationId xmlns:a16="http://schemas.microsoft.com/office/drawing/2014/main" id="{AEF06850-639A-D900-31F3-05B5D6F635D7}"/>
+              </a:ext>
+            </a:extLst>
+          </p:cNvPr>
+          <p:cNvSpPr>
+            <a:spLocks noGrp="1"/>
+          </p:cNvSpPr>
+          <p:nvPr>
+            <p:ph type="title"/>
+          </p:nvPr>
+        </p:nvSpPr>
+        <p:spPr/>
+        <p:txBody>
+          <a:bodyPr/>
+          <a:lstStyle/>
+          <a:p>
+            <a:endParaRPr lang="zh-CN" altLang="en-US" dirty="0"/>
+          </a:p>
+        </p:txBody>
+      </p:sp>
+      <p:pic>
+        <p:nvPicPr>
+          <p:cNvPr id="5" name="内容占位符 4">
+            <a:extLst>
+              <a:ext uri="{FF2B5EF4-FFF2-40B4-BE49-F238E27FC236}">
+                <a16:creationId xmlns:a16="http://schemas.microsoft.com/office/drawing/2014/main" id="{26EA0621-B115-1D8C-9803-C31634775F66}"/>
+              </a:ext>
+            </a:extLst>
+          </p:cNvPr>
+          <p:cNvPicPr>
+            <a:picLocks noGrp="1" noChangeAspect="1"/>
+          </p:cNvPicPr>
+          <p:nvPr>
+            <p:ph idx="1"/>
+          </p:nvPr>
+        </p:nvPicPr>
+        <p:blipFill>
+          <a:blip r:embed="rId2"/>
+          <a:stretch>
+            <a:fillRect/>
+          </a:stretch>
+        </p:blipFill>
+        <p:spPr>
+          <a:xfrm>
+            <a:off x="720635" y="1893689"/>
+            <a:ext cx="11512764" cy="1325563"/>
+          </a:xfrm>
+        </p:spPr>
+      </p:pic>
+    </p:spTree>
+    <p:extLst>
+      <p:ext uri="{BB962C8B-B14F-4D97-AF65-F5344CB8AC3E}">
+        <p14:creationId xmlns:p14="http://schemas.microsoft.com/office/powerpoint/2010/main" val="3003804679"/>
+      </p:ext>
+    </p:extLst>
+  </p:cSld>
+  <p:clrMapOvr>
+    <a:masterClrMapping/>
+  </p:clrMapOvr>
+</p:sld>
+</file>
+
+<file path=ppt/slides/slide11.xml><?xml version="1.0" encoding="utf-8"?>
+<p:sld xmlns:a="http://schemas.openxmlformats.org/drawingml/2006/main" xmlns:r="http://schemas.openxmlformats.org/officeDocument/2006/relationships" xmlns:p="http://schemas.openxmlformats.org/presentationml/2006/main">
+  <p:cSld>
+    <p:spTree>
+      <p:nvGrpSpPr>
+        <p:cNvPr id="1" name=""/>
+        <p:cNvGrpSpPr/>
+        <p:nvPr/>
+      </p:nvGrpSpPr>
+      <p:grpSpPr>
+        <a:xfrm>
+          <a:off x="0" y="0"/>
+          <a:ext cx="0" cy="0"/>
+          <a:chOff x="0" y="0"/>
+          <a:chExt cx="0" cy="0"/>
+        </a:xfrm>
+      </p:grpSpPr>
+      <p:sp>
+        <p:nvSpPr>
+          <p:cNvPr id="2" name="标题 1">
+            <a:extLst>
+              <a:ext uri="{FF2B5EF4-FFF2-40B4-BE49-F238E27FC236}">
+                <a16:creationId xmlns:a16="http://schemas.microsoft.com/office/drawing/2014/main" id="{4F8ED308-ECCC-9ECB-F84E-E3F2B4C73E88}"/>
+              </a:ext>
+            </a:extLst>
+          </p:cNvPr>
+          <p:cNvSpPr>
+            <a:spLocks noGrp="1"/>
+          </p:cNvSpPr>
+          <p:nvPr>
+            <p:ph type="title"/>
+          </p:nvPr>
+        </p:nvSpPr>
+        <p:spPr/>
+        <p:txBody>
+          <a:bodyPr/>
+          <a:lstStyle/>
+          <a:p>
+            <a:endParaRPr lang="zh-CN" altLang="en-US" dirty="0"/>
+          </a:p>
+        </p:txBody>
+      </p:sp>
+      <p:pic>
+        <p:nvPicPr>
+          <p:cNvPr id="5" name="内容占位符 4">
+            <a:extLst>
+              <a:ext uri="{FF2B5EF4-FFF2-40B4-BE49-F238E27FC236}">
+                <a16:creationId xmlns:a16="http://schemas.microsoft.com/office/drawing/2014/main" id="{B9FC9A73-6CB2-FE65-22BC-AE70E4489315}"/>
+              </a:ext>
+            </a:extLst>
+          </p:cNvPr>
+          <p:cNvPicPr>
+            <a:picLocks noGrp="1" noChangeAspect="1"/>
+          </p:cNvPicPr>
+          <p:nvPr>
+            <p:ph idx="1"/>
+          </p:nvPr>
+        </p:nvPicPr>
+        <p:blipFill>
+          <a:blip r:embed="rId2"/>
+          <a:stretch>
+            <a:fillRect/>
+          </a:stretch>
+        </p:blipFill>
+        <p:spPr>
+          <a:xfrm>
+            <a:off x="794657" y="345531"/>
+            <a:ext cx="6117098" cy="4351338"/>
+          </a:xfrm>
+        </p:spPr>
+      </p:pic>
+    </p:spTree>
+    <p:extLst>
+      <p:ext uri="{BB962C8B-B14F-4D97-AF65-F5344CB8AC3E}">
+        <p14:creationId xmlns:p14="http://schemas.microsoft.com/office/powerpoint/2010/main" val="3890403424"/>
+      </p:ext>
+    </p:extLst>
+  </p:cSld>
+  <p:clrMapOvr>
+    <a:masterClrMapping/>
+  </p:clrMapOvr>
+</p:sld>
+</file>
+
+<file path=ppt/slides/slide12.xml><?xml version="1.0" encoding="utf-8"?>
+<p:sld xmlns:a="http://schemas.openxmlformats.org/drawingml/2006/main" xmlns:r="http://schemas.openxmlformats.org/officeDocument/2006/relationships" xmlns:p="http://schemas.openxmlformats.org/presentationml/2006/main">
+  <p:cSld>
+    <p:spTree>
+      <p:nvGrpSpPr>
+        <p:cNvPr id="1" name=""/>
+        <p:cNvGrpSpPr/>
+        <p:nvPr/>
+      </p:nvGrpSpPr>
+      <p:grpSpPr>
+        <a:xfrm>
+          <a:off x="0" y="0"/>
+          <a:ext cx="0" cy="0"/>
+          <a:chOff x="0" y="0"/>
+          <a:chExt cx="0" cy="0"/>
+        </a:xfrm>
+      </p:grpSpPr>
+      <p:sp>
+        <p:nvSpPr>
+          <p:cNvPr id="2" name="标题 1">
+            <a:extLst>
+              <a:ext uri="{FF2B5EF4-FFF2-40B4-BE49-F238E27FC236}">
+                <a16:creationId xmlns:a16="http://schemas.microsoft.com/office/drawing/2014/main" id="{6AA9347E-9715-3F87-0422-D4555CFE3EBE}"/>
+              </a:ext>
+            </a:extLst>
+          </p:cNvPr>
+          <p:cNvSpPr>
+            <a:spLocks noGrp="1"/>
+          </p:cNvSpPr>
+          <p:nvPr>
+            <p:ph type="title"/>
+          </p:nvPr>
+        </p:nvSpPr>
+        <p:spPr/>
+        <p:txBody>
+          <a:bodyPr/>
+          <a:lstStyle/>
+          <a:p>
+            <a:endParaRPr lang="zh-CN" altLang="en-US"/>
+          </a:p>
+        </p:txBody>
+      </p:sp>
+      <p:sp>
+        <p:nvSpPr>
+          <p:cNvPr id="3" name="内容占位符 2">
+            <a:extLst>
+              <a:ext uri="{FF2B5EF4-FFF2-40B4-BE49-F238E27FC236}">
+                <a16:creationId xmlns:a16="http://schemas.microsoft.com/office/drawing/2014/main" id="{14B81B53-DE82-E1AF-7E0E-D897DDD68A7B}"/>
+              </a:ext>
+            </a:extLst>
+          </p:cNvPr>
+          <p:cNvSpPr>
+            <a:spLocks noGrp="1"/>
+          </p:cNvSpPr>
+          <p:nvPr>
+            <p:ph idx="1"/>
+          </p:nvPr>
+        </p:nvSpPr>
+        <p:spPr/>
+        <p:txBody>
+          <a:bodyPr/>
+          <a:lstStyle/>
+          <a:p>
+            <a:r>
+              <a:rPr lang="zh-CN" altLang="en-US" dirty="0"/>
+              <a:t>晴空一鹤排云上，便引诗情到碧霄</a:t>
+            </a:r>
+            <a:endParaRPr lang="en-US" altLang="zh-CN" dirty="0"/>
+          </a:p>
+          <a:p>
+            <a:r>
+              <a:rPr lang="zh-CN" altLang="en-US" dirty="0"/>
+              <a:t>杨花落尽子规啼，闻道龙标过五溪</a:t>
+            </a:r>
+          </a:p>
+        </p:txBody>
+      </p:sp>
+    </p:spTree>
+    <p:extLst>
+      <p:ext uri="{BB962C8B-B14F-4D97-AF65-F5344CB8AC3E}">
+        <p14:creationId xmlns:p14="http://schemas.microsoft.com/office/powerpoint/2010/main" val="1886227411"/>
+      </p:ext>
+    </p:extLst>
+  </p:cSld>
+  <p:clrMapOvr>
+    <a:masterClrMapping/>
+  </p:clrMapOvr>
+</p:sld>
+</file>
+
 <file path=ppt/slides/slide2.xml><?xml version="1.0" encoding="utf-8"?>
 <p:sld xmlns:a="http://schemas.openxmlformats.org/drawingml/2006/main" xmlns:r="http://schemas.openxmlformats.org/officeDocument/2006/relationships" xmlns:p="http://schemas.openxmlformats.org/presentationml/2006/main">
   <p:cSld>
@@ -3417,10 +3680,42 @@
       </p:grpSpPr>
       <p:sp>
         <p:nvSpPr>
+          <p:cNvPr id="2" name="标题 1">
+            <a:extLst>
+              <a:ext uri="{FF2B5EF4-FFF2-40B4-BE49-F238E27FC236}">
+                <a16:creationId xmlns:a16="http://schemas.microsoft.com/office/drawing/2014/main" id="{30718149-CF72-9D76-F680-2EDF108E1B6E}"/>
+              </a:ext>
+            </a:extLst>
+          </p:cNvPr>
+          <p:cNvSpPr>
+            <a:spLocks noGrp="1"/>
+          </p:cNvSpPr>
+          <p:nvPr>
+            <p:ph type="title"/>
+          </p:nvPr>
+        </p:nvSpPr>
+        <p:spPr/>
+        <p:txBody>
+          <a:bodyPr/>
+          <a:lstStyle/>
+          <a:p>
+            <a:r>
+              <a:rPr lang="zh-CN" altLang="en-US" dirty="0"/>
+              <a:t>第一节课</a:t>
+            </a:r>
+            <a:br>
+              <a:rPr lang="en-US" altLang="zh-CN" dirty="0"/>
+            </a:br>
+            <a:endParaRPr lang="zh-CN" altLang="en-US" dirty="0"/>
+          </a:p>
+        </p:txBody>
+      </p:sp>
+      <p:sp>
+        <p:nvSpPr>
           <p:cNvPr id="3" name="内容占位符 2">
             <a:extLst>
               <a:ext uri="{FF2B5EF4-FFF2-40B4-BE49-F238E27FC236}">
-                <a16:creationId xmlns:a16="http://schemas.microsoft.com/office/drawing/2014/main" id="{179694C4-56EC-0C22-073C-12BC8EC2C1CA}"/>
+                <a16:creationId xmlns:a16="http://schemas.microsoft.com/office/drawing/2014/main" id="{DE36D683-EC3D-9F6B-97DA-8C84262A02CD}"/>
               </a:ext>
             </a:extLst>
           </p:cNvPr>
@@ -3431,811 +3726,10 @@
             <p:ph idx="1"/>
           </p:nvPr>
         </p:nvSpPr>
-        <p:spPr>
-          <a:xfrm>
-            <a:off x="235131" y="222069"/>
-            <a:ext cx="11273246" cy="6439988"/>
-          </a:xfrm>
-        </p:spPr>
-        <p:txBody>
-          <a:bodyPr>
-            <a:normAutofit fontScale="92500" lnSpcReduction="10000"/>
-          </a:bodyPr>
+        <p:spPr/>
+        <p:txBody>
+          <a:bodyPr/>
           <a:lstStyle/>
-          <a:p>
-            <a:pPr marL="173355" indent="-173355" algn="just">
-              <a:lnSpc>
-                <a:spcPct val="150000"/>
-              </a:lnSpc>
-            </a:pPr>
-            <a:r>
-              <a:rPr lang="en-US" altLang="zh-CN" sz="1800" kern="100" dirty="0">
-                <a:latin typeface="Times New Roman" panose="02020603050405020304" pitchFamily="18" charset="0"/>
-                <a:ea typeface="新宋体" panose="02010609030101010101" pitchFamily="49" charset="-122"/>
-                <a:cs typeface="Times New Roman" panose="02020603050405020304" pitchFamily="18" charset="0"/>
-              </a:rPr>
-              <a:t>1</a:t>
-            </a:r>
-            <a:r>
-              <a:rPr lang="zh-CN" altLang="zh-CN" sz="1800" kern="100" dirty="0">
-                <a:effectLst/>
-                <a:latin typeface="Times New Roman" panose="02020603050405020304" pitchFamily="18" charset="0"/>
-                <a:ea typeface="新宋体" panose="02010609030101010101" pitchFamily="49" charset="-122"/>
-                <a:cs typeface="Times New Roman" panose="02020603050405020304" pitchFamily="18" charset="0"/>
-              </a:rPr>
-              <a:t>．古诗默写。</a:t>
-            </a:r>
-            <a:endParaRPr lang="zh-CN" altLang="zh-CN" sz="1800" kern="100" dirty="0">
-              <a:effectLst/>
-              <a:latin typeface="Calibri" panose="020F0502020204030204" pitchFamily="34" charset="0"/>
-              <a:ea typeface="宋体" panose="02010600030101010101" pitchFamily="2" charset="-122"/>
-              <a:cs typeface="Times New Roman" panose="02020603050405020304" pitchFamily="18" charset="0"/>
-            </a:endParaRPr>
-          </a:p>
-          <a:p>
-            <a:pPr marL="173355" algn="just">
-              <a:lnSpc>
-                <a:spcPct val="150000"/>
-              </a:lnSpc>
-            </a:pPr>
-            <a:r>
-              <a:rPr lang="zh-CN" altLang="zh-CN" sz="1800" kern="100" dirty="0">
-                <a:effectLst/>
-                <a:latin typeface="Times New Roman" panose="02020603050405020304" pitchFamily="18" charset="0"/>
-                <a:ea typeface="新宋体" panose="02010609030101010101" pitchFamily="49" charset="-122"/>
-                <a:cs typeface="Times New Roman" panose="02020603050405020304" pitchFamily="18" charset="0"/>
-              </a:rPr>
-              <a:t>（</a:t>
-            </a:r>
-            <a:r>
-              <a:rPr lang="en-US" altLang="zh-CN" sz="1800" kern="100" dirty="0">
-                <a:effectLst/>
-                <a:latin typeface="Times New Roman" panose="02020603050405020304" pitchFamily="18" charset="0"/>
-                <a:ea typeface="新宋体" panose="02010609030101010101" pitchFamily="49" charset="-122"/>
-                <a:cs typeface="Times New Roman" panose="02020603050405020304" pitchFamily="18" charset="0"/>
-              </a:rPr>
-              <a:t>1</a:t>
-            </a:r>
-            <a:r>
-              <a:rPr lang="zh-CN" altLang="zh-CN" sz="1800" kern="100" dirty="0">
-                <a:effectLst/>
-                <a:latin typeface="Times New Roman" panose="02020603050405020304" pitchFamily="18" charset="0"/>
-                <a:ea typeface="新宋体" panose="02010609030101010101" pitchFamily="49" charset="-122"/>
-                <a:cs typeface="Times New Roman" panose="02020603050405020304" pitchFamily="18" charset="0"/>
-              </a:rPr>
-              <a:t>）根据课本，补写出下列句中的空缺部分。</a:t>
-            </a:r>
-            <a:endParaRPr lang="zh-CN" altLang="zh-CN" sz="1800" kern="100" dirty="0">
-              <a:effectLst/>
-              <a:latin typeface="Calibri" panose="020F0502020204030204" pitchFamily="34" charset="0"/>
-              <a:ea typeface="宋体" panose="02010600030101010101" pitchFamily="2" charset="-122"/>
-              <a:cs typeface="Times New Roman" panose="02020603050405020304" pitchFamily="18" charset="0"/>
-            </a:endParaRPr>
-          </a:p>
-          <a:p>
-            <a:pPr marL="173355" algn="just">
-              <a:lnSpc>
-                <a:spcPct val="150000"/>
-              </a:lnSpc>
-            </a:pPr>
-            <a:r>
-              <a:rPr lang="zh-CN" altLang="zh-CN" sz="1800" kern="100" dirty="0">
-                <a:effectLst/>
-                <a:latin typeface="Times New Roman" panose="02020603050405020304" pitchFamily="18" charset="0"/>
-                <a:ea typeface="Calibri" panose="020F0502020204030204" pitchFamily="34" charset="0"/>
-                <a:cs typeface="Times New Roman" panose="02020603050405020304" pitchFamily="18" charset="0"/>
-              </a:rPr>
-              <a:t>①</a:t>
-            </a:r>
-            <a:r>
-              <a:rPr lang="zh-CN" altLang="zh-CN" sz="1800" u="sng" kern="100" dirty="0">
-                <a:effectLst/>
-                <a:latin typeface="Times New Roman" panose="02020603050405020304" pitchFamily="18" charset="0"/>
-                <a:ea typeface="新宋体" panose="02010609030101010101" pitchFamily="49" charset="-122"/>
-                <a:cs typeface="Times New Roman" panose="02020603050405020304" pitchFamily="18" charset="0"/>
-              </a:rPr>
-              <a:t>　</a:t>
-            </a:r>
-            <a:r>
-              <a:rPr lang="zh-CN" altLang="zh-CN" sz="1800" u="sng" kern="100" dirty="0">
-                <a:effectLst/>
-                <a:latin typeface="Calibri" panose="020F0502020204030204" pitchFamily="34" charset="0"/>
-                <a:ea typeface="Times New Roman" panose="02020603050405020304" pitchFamily="18" charset="0"/>
-                <a:cs typeface="Times New Roman" panose="02020603050405020304" pitchFamily="18" charset="0"/>
-              </a:rPr>
-              <a:t> </a:t>
-            </a:r>
-            <a:r>
-              <a:rPr lang="en-US" altLang="zh-CN" sz="1800" u="sng" kern="100" dirty="0">
-                <a:effectLst/>
-                <a:latin typeface="Calibri" panose="020F0502020204030204" pitchFamily="34" charset="0"/>
-                <a:ea typeface="Times New Roman" panose="02020603050405020304" pitchFamily="18" charset="0"/>
-                <a:cs typeface="Times New Roman" panose="02020603050405020304" pitchFamily="18" charset="0"/>
-              </a:rPr>
-              <a:t>      </a:t>
-            </a:r>
-            <a:r>
-              <a:rPr lang="zh-CN" altLang="zh-CN" sz="1800" u="sng" kern="100" dirty="0">
-                <a:effectLst/>
-                <a:latin typeface="Times New Roman" panose="02020603050405020304" pitchFamily="18" charset="0"/>
-                <a:ea typeface="新宋体" panose="02010609030101010101" pitchFamily="49" charset="-122"/>
-                <a:cs typeface="Times New Roman" panose="02020603050405020304" pitchFamily="18" charset="0"/>
-              </a:rPr>
-              <a:t>　</a:t>
-            </a:r>
-            <a:r>
-              <a:rPr lang="zh-CN" altLang="zh-CN" sz="1800" kern="100" dirty="0">
-                <a:effectLst/>
-                <a:latin typeface="Times New Roman" panose="02020603050405020304" pitchFamily="18" charset="0"/>
-                <a:ea typeface="新宋体" panose="02010609030101010101" pitchFamily="49" charset="-122"/>
-                <a:cs typeface="Times New Roman" panose="02020603050405020304" pitchFamily="18" charset="0"/>
-              </a:rPr>
-              <a:t>，洪波涌起。（曹操《观沧海》）</a:t>
-            </a:r>
-            <a:endParaRPr lang="zh-CN" altLang="zh-CN" sz="1800" kern="100" dirty="0">
-              <a:effectLst/>
-              <a:latin typeface="Calibri" panose="020F0502020204030204" pitchFamily="34" charset="0"/>
-              <a:ea typeface="宋体" panose="02010600030101010101" pitchFamily="2" charset="-122"/>
-              <a:cs typeface="Times New Roman" panose="02020603050405020304" pitchFamily="18" charset="0"/>
-            </a:endParaRPr>
-          </a:p>
-          <a:p>
-            <a:pPr marL="173355" algn="just">
-              <a:lnSpc>
-                <a:spcPct val="150000"/>
-              </a:lnSpc>
-            </a:pPr>
-            <a:r>
-              <a:rPr lang="zh-CN" altLang="zh-CN" sz="1800" kern="100" dirty="0">
-                <a:effectLst/>
-                <a:latin typeface="Times New Roman" panose="02020603050405020304" pitchFamily="18" charset="0"/>
-                <a:ea typeface="Calibri" panose="020F0502020204030204" pitchFamily="34" charset="0"/>
-                <a:cs typeface="Times New Roman" panose="02020603050405020304" pitchFamily="18" charset="0"/>
-              </a:rPr>
-              <a:t>②</a:t>
-            </a:r>
-            <a:r>
-              <a:rPr lang="zh-CN" altLang="zh-CN" sz="1800" kern="100" dirty="0">
-                <a:effectLst/>
-                <a:latin typeface="Times New Roman" panose="02020603050405020304" pitchFamily="18" charset="0"/>
-                <a:ea typeface="新宋体" panose="02010609030101010101" pitchFamily="49" charset="-122"/>
-                <a:cs typeface="Times New Roman" panose="02020603050405020304" pitchFamily="18" charset="0"/>
-              </a:rPr>
-              <a:t>水何澹澹，</a:t>
-            </a:r>
-            <a:r>
-              <a:rPr lang="zh-CN" altLang="zh-CN" sz="1800" u="sng" kern="100" dirty="0">
-                <a:effectLst/>
-                <a:latin typeface="Times New Roman" panose="02020603050405020304" pitchFamily="18" charset="0"/>
-                <a:ea typeface="新宋体" panose="02010609030101010101" pitchFamily="49" charset="-122"/>
-                <a:cs typeface="Times New Roman" panose="02020603050405020304" pitchFamily="18" charset="0"/>
-              </a:rPr>
-              <a:t>　</a:t>
-            </a:r>
-            <a:r>
-              <a:rPr lang="en-US" altLang="zh-CN" sz="1800" u="sng" kern="100" dirty="0">
-                <a:effectLst/>
-                <a:latin typeface="Times New Roman" panose="02020603050405020304" pitchFamily="18" charset="0"/>
-                <a:ea typeface="新宋体" panose="02010609030101010101" pitchFamily="49" charset="-122"/>
-                <a:cs typeface="Times New Roman" panose="02020603050405020304" pitchFamily="18" charset="0"/>
-              </a:rPr>
-              <a:t>       </a:t>
-            </a:r>
-            <a:r>
-              <a:rPr lang="zh-CN" altLang="zh-CN" sz="1800" u="sng" kern="100" dirty="0">
-                <a:effectLst/>
-                <a:latin typeface="Times New Roman" panose="02020603050405020304" pitchFamily="18" charset="0"/>
-                <a:ea typeface="新宋体" panose="02010609030101010101" pitchFamily="49" charset="-122"/>
-                <a:cs typeface="Times New Roman" panose="02020603050405020304" pitchFamily="18" charset="0"/>
-              </a:rPr>
-              <a:t>　</a:t>
-            </a:r>
-            <a:r>
-              <a:rPr lang="zh-CN" altLang="zh-CN" sz="1800" kern="100" dirty="0">
-                <a:effectLst/>
-                <a:latin typeface="Times New Roman" panose="02020603050405020304" pitchFamily="18" charset="0"/>
-                <a:ea typeface="新宋体" panose="02010609030101010101" pitchFamily="49" charset="-122"/>
-                <a:cs typeface="Times New Roman" panose="02020603050405020304" pitchFamily="18" charset="0"/>
-              </a:rPr>
-              <a:t>。（曹操《观沧海》）</a:t>
-            </a:r>
-            <a:endParaRPr lang="zh-CN" altLang="zh-CN" sz="1800" kern="100" dirty="0">
-              <a:effectLst/>
-              <a:latin typeface="Calibri" panose="020F0502020204030204" pitchFamily="34" charset="0"/>
-              <a:ea typeface="宋体" panose="02010600030101010101" pitchFamily="2" charset="-122"/>
-              <a:cs typeface="Times New Roman" panose="02020603050405020304" pitchFamily="18" charset="0"/>
-            </a:endParaRPr>
-          </a:p>
-          <a:p>
-            <a:pPr marL="173355" algn="just">
-              <a:lnSpc>
-                <a:spcPct val="150000"/>
-              </a:lnSpc>
-            </a:pPr>
-            <a:r>
-              <a:rPr lang="zh-CN" altLang="zh-CN" sz="1800" kern="100" dirty="0">
-                <a:effectLst/>
-                <a:latin typeface="Times New Roman" panose="02020603050405020304" pitchFamily="18" charset="0"/>
-                <a:ea typeface="Calibri" panose="020F0502020204030204" pitchFamily="34" charset="0"/>
-                <a:cs typeface="Times New Roman" panose="02020603050405020304" pitchFamily="18" charset="0"/>
-              </a:rPr>
-              <a:t>③</a:t>
-            </a:r>
-            <a:r>
-              <a:rPr lang="zh-CN" altLang="zh-CN" sz="1800" kern="100" dirty="0">
-                <a:effectLst/>
-                <a:latin typeface="Times New Roman" panose="02020603050405020304" pitchFamily="18" charset="0"/>
-                <a:ea typeface="新宋体" panose="02010609030101010101" pitchFamily="49" charset="-122"/>
-                <a:cs typeface="Times New Roman" panose="02020603050405020304" pitchFamily="18" charset="0"/>
-              </a:rPr>
-              <a:t>潮平两岸阔，</a:t>
-            </a:r>
-            <a:r>
-              <a:rPr lang="zh-CN" altLang="zh-CN" sz="1800" u="sng" kern="100" dirty="0">
-                <a:effectLst/>
-                <a:latin typeface="Times New Roman" panose="02020603050405020304" pitchFamily="18" charset="0"/>
-                <a:ea typeface="新宋体" panose="02010609030101010101" pitchFamily="49" charset="-122"/>
-                <a:cs typeface="Times New Roman" panose="02020603050405020304" pitchFamily="18" charset="0"/>
-              </a:rPr>
-              <a:t>　</a:t>
-            </a:r>
-            <a:r>
-              <a:rPr lang="en-US" altLang="zh-CN" sz="1800" u="sng" kern="100" dirty="0">
-                <a:effectLst/>
-                <a:latin typeface="Times New Roman" panose="02020603050405020304" pitchFamily="18" charset="0"/>
-                <a:ea typeface="新宋体" panose="02010609030101010101" pitchFamily="49" charset="-122"/>
-                <a:cs typeface="Times New Roman" panose="02020603050405020304" pitchFamily="18" charset="0"/>
-              </a:rPr>
-              <a:t>        </a:t>
-            </a:r>
-            <a:r>
-              <a:rPr lang="zh-CN" altLang="zh-CN" sz="1800" u="sng" kern="100" dirty="0">
-                <a:effectLst/>
-                <a:latin typeface="Times New Roman" panose="02020603050405020304" pitchFamily="18" charset="0"/>
-                <a:ea typeface="新宋体" panose="02010609030101010101" pitchFamily="49" charset="-122"/>
-                <a:cs typeface="Times New Roman" panose="02020603050405020304" pitchFamily="18" charset="0"/>
-              </a:rPr>
-              <a:t>　</a:t>
-            </a:r>
-            <a:r>
-              <a:rPr lang="zh-CN" altLang="zh-CN" sz="1800" kern="100" dirty="0">
-                <a:effectLst/>
-                <a:latin typeface="Times New Roman" panose="02020603050405020304" pitchFamily="18" charset="0"/>
-                <a:ea typeface="新宋体" panose="02010609030101010101" pitchFamily="49" charset="-122"/>
-                <a:cs typeface="Times New Roman" panose="02020603050405020304" pitchFamily="18" charset="0"/>
-              </a:rPr>
-              <a:t>。（王湾《次北固山下》）</a:t>
-            </a:r>
-            <a:endParaRPr lang="zh-CN" altLang="zh-CN" sz="1800" kern="100" dirty="0">
-              <a:effectLst/>
-              <a:latin typeface="Calibri" panose="020F0502020204030204" pitchFamily="34" charset="0"/>
-              <a:ea typeface="宋体" panose="02010600030101010101" pitchFamily="2" charset="-122"/>
-              <a:cs typeface="Times New Roman" panose="02020603050405020304" pitchFamily="18" charset="0"/>
-            </a:endParaRPr>
-          </a:p>
-          <a:p>
-            <a:pPr marL="173355" algn="just">
-              <a:lnSpc>
-                <a:spcPct val="150000"/>
-              </a:lnSpc>
-            </a:pPr>
-            <a:r>
-              <a:rPr lang="zh-CN" altLang="zh-CN" sz="1800" kern="100" dirty="0">
-                <a:effectLst/>
-                <a:latin typeface="Times New Roman" panose="02020603050405020304" pitchFamily="18" charset="0"/>
-                <a:ea typeface="Calibri" panose="020F0502020204030204" pitchFamily="34" charset="0"/>
-                <a:cs typeface="Times New Roman" panose="02020603050405020304" pitchFamily="18" charset="0"/>
-              </a:rPr>
-              <a:t>④</a:t>
-            </a:r>
-            <a:r>
-              <a:rPr lang="zh-CN" altLang="zh-CN" sz="1800" u="sng" kern="100" dirty="0">
-                <a:effectLst/>
-                <a:latin typeface="Times New Roman" panose="02020603050405020304" pitchFamily="18" charset="0"/>
-                <a:ea typeface="新宋体" panose="02010609030101010101" pitchFamily="49" charset="-122"/>
-                <a:cs typeface="Times New Roman" panose="02020603050405020304" pitchFamily="18" charset="0"/>
-              </a:rPr>
-              <a:t>　</a:t>
-            </a:r>
-            <a:r>
-              <a:rPr lang="en-US" altLang="zh-CN" sz="1800" u="sng" kern="100" dirty="0">
-                <a:effectLst/>
-                <a:latin typeface="Times New Roman" panose="02020603050405020304" pitchFamily="18" charset="0"/>
-                <a:ea typeface="新宋体" panose="02010609030101010101" pitchFamily="49" charset="-122"/>
-                <a:cs typeface="Times New Roman" panose="02020603050405020304" pitchFamily="18" charset="0"/>
-              </a:rPr>
-              <a:t>          </a:t>
-            </a:r>
-            <a:r>
-              <a:rPr lang="zh-CN" altLang="zh-CN" sz="1800" u="sng" kern="100" dirty="0">
-                <a:effectLst/>
-                <a:latin typeface="Times New Roman" panose="02020603050405020304" pitchFamily="18" charset="0"/>
-                <a:ea typeface="新宋体" panose="02010609030101010101" pitchFamily="49" charset="-122"/>
-                <a:cs typeface="Times New Roman" panose="02020603050405020304" pitchFamily="18" charset="0"/>
-              </a:rPr>
-              <a:t>　</a:t>
-            </a:r>
-            <a:r>
-              <a:rPr lang="zh-CN" altLang="zh-CN" sz="1800" kern="100" dirty="0">
-                <a:effectLst/>
-                <a:latin typeface="Times New Roman" panose="02020603050405020304" pitchFamily="18" charset="0"/>
-                <a:ea typeface="新宋体" panose="02010609030101010101" pitchFamily="49" charset="-122"/>
-                <a:cs typeface="Times New Roman" panose="02020603050405020304" pitchFamily="18" charset="0"/>
-              </a:rPr>
-              <a:t>，崔九堂前几度闻。（杜甫《江南逢李龟年》）</a:t>
-            </a:r>
-            <a:endParaRPr lang="zh-CN" altLang="zh-CN" sz="1800" kern="100" dirty="0">
-              <a:effectLst/>
-              <a:latin typeface="Calibri" panose="020F0502020204030204" pitchFamily="34" charset="0"/>
-              <a:ea typeface="宋体" panose="02010600030101010101" pitchFamily="2" charset="-122"/>
-              <a:cs typeface="Times New Roman" panose="02020603050405020304" pitchFamily="18" charset="0"/>
-            </a:endParaRPr>
-          </a:p>
-          <a:p>
-            <a:pPr marL="173355" algn="just">
-              <a:lnSpc>
-                <a:spcPct val="150000"/>
-              </a:lnSpc>
-            </a:pPr>
-            <a:r>
-              <a:rPr lang="zh-CN" altLang="zh-CN" sz="1800" kern="100" dirty="0">
-                <a:effectLst/>
-                <a:latin typeface="Times New Roman" panose="02020603050405020304" pitchFamily="18" charset="0"/>
-                <a:ea typeface="Calibri" panose="020F0502020204030204" pitchFamily="34" charset="0"/>
-                <a:cs typeface="Times New Roman" panose="02020603050405020304" pitchFamily="18" charset="0"/>
-              </a:rPr>
-              <a:t>⑤</a:t>
-            </a:r>
-            <a:r>
-              <a:rPr lang="zh-CN" altLang="zh-CN" sz="1800" u="sng" kern="100" dirty="0">
-                <a:effectLst/>
-                <a:latin typeface="Times New Roman" panose="02020603050405020304" pitchFamily="18" charset="0"/>
-                <a:ea typeface="新宋体" panose="02010609030101010101" pitchFamily="49" charset="-122"/>
-                <a:cs typeface="Times New Roman" panose="02020603050405020304" pitchFamily="18" charset="0"/>
-              </a:rPr>
-              <a:t>　</a:t>
-            </a:r>
-            <a:r>
-              <a:rPr lang="en-US" altLang="zh-CN" sz="1800" u="sng" kern="100" dirty="0">
-                <a:effectLst/>
-                <a:latin typeface="Times New Roman" panose="02020603050405020304" pitchFamily="18" charset="0"/>
-                <a:ea typeface="新宋体" panose="02010609030101010101" pitchFamily="49" charset="-122"/>
-                <a:cs typeface="Times New Roman" panose="02020603050405020304" pitchFamily="18" charset="0"/>
-              </a:rPr>
-              <a:t>         </a:t>
-            </a:r>
-            <a:r>
-              <a:rPr lang="zh-CN" altLang="zh-CN" sz="1800" u="sng" kern="100" dirty="0">
-                <a:effectLst/>
-                <a:latin typeface="Times New Roman" panose="02020603050405020304" pitchFamily="18" charset="0"/>
-                <a:ea typeface="新宋体" panose="02010609030101010101" pitchFamily="49" charset="-122"/>
-                <a:cs typeface="Times New Roman" panose="02020603050405020304" pitchFamily="18" charset="0"/>
-              </a:rPr>
-              <a:t>　</a:t>
-            </a:r>
-            <a:r>
-              <a:rPr lang="zh-CN" altLang="zh-CN" sz="1800" kern="100" dirty="0">
-                <a:effectLst/>
-                <a:latin typeface="Times New Roman" panose="02020603050405020304" pitchFamily="18" charset="0"/>
-                <a:ea typeface="新宋体" panose="02010609030101010101" pitchFamily="49" charset="-122"/>
-                <a:cs typeface="Times New Roman" panose="02020603050405020304" pitchFamily="18" charset="0"/>
-              </a:rPr>
-              <a:t>，古道西风瘦马。（马致远《天净沙•秋思》）</a:t>
-            </a:r>
-            <a:endParaRPr lang="zh-CN" altLang="zh-CN" sz="1800" kern="100" dirty="0">
-              <a:effectLst/>
-              <a:latin typeface="Calibri" panose="020F0502020204030204" pitchFamily="34" charset="0"/>
-              <a:ea typeface="宋体" panose="02010600030101010101" pitchFamily="2" charset="-122"/>
-              <a:cs typeface="Times New Roman" panose="02020603050405020304" pitchFamily="18" charset="0"/>
-            </a:endParaRPr>
-          </a:p>
-          <a:p>
-            <a:pPr marL="173355" algn="just">
-              <a:lnSpc>
-                <a:spcPct val="150000"/>
-              </a:lnSpc>
-            </a:pPr>
-            <a:r>
-              <a:rPr lang="zh-CN" altLang="zh-CN" sz="1800" kern="100" dirty="0">
-                <a:effectLst/>
-                <a:latin typeface="Times New Roman" panose="02020603050405020304" pitchFamily="18" charset="0"/>
-                <a:ea typeface="Calibri" panose="020F0502020204030204" pitchFamily="34" charset="0"/>
-                <a:cs typeface="Times New Roman" panose="02020603050405020304" pitchFamily="18" charset="0"/>
-              </a:rPr>
-              <a:t>⑥</a:t>
-            </a:r>
-            <a:r>
-              <a:rPr lang="zh-CN" altLang="zh-CN" sz="1800" u="sng" kern="100" dirty="0">
-                <a:effectLst/>
-                <a:latin typeface="Times New Roman" panose="02020603050405020304" pitchFamily="18" charset="0"/>
-                <a:ea typeface="新宋体" panose="02010609030101010101" pitchFamily="49" charset="-122"/>
-                <a:cs typeface="Times New Roman" panose="02020603050405020304" pitchFamily="18" charset="0"/>
-              </a:rPr>
-              <a:t>　</a:t>
-            </a:r>
-            <a:r>
-              <a:rPr lang="en-US" altLang="zh-CN" sz="1800" u="sng" kern="100" dirty="0">
-                <a:effectLst/>
-                <a:latin typeface="Times New Roman" panose="02020603050405020304" pitchFamily="18" charset="0"/>
-                <a:ea typeface="新宋体" panose="02010609030101010101" pitchFamily="49" charset="-122"/>
-                <a:cs typeface="Times New Roman" panose="02020603050405020304" pitchFamily="18" charset="0"/>
-              </a:rPr>
-              <a:t>          </a:t>
-            </a:r>
-            <a:r>
-              <a:rPr lang="zh-CN" altLang="zh-CN" sz="1800" u="sng" kern="100" dirty="0">
-                <a:effectLst/>
-                <a:latin typeface="Times New Roman" panose="02020603050405020304" pitchFamily="18" charset="0"/>
-                <a:ea typeface="新宋体" panose="02010609030101010101" pitchFamily="49" charset="-122"/>
-                <a:cs typeface="Times New Roman" panose="02020603050405020304" pitchFamily="18" charset="0"/>
-              </a:rPr>
-              <a:t>　</a:t>
-            </a:r>
-            <a:r>
-              <a:rPr lang="zh-CN" altLang="zh-CN" sz="1800" kern="100" dirty="0">
-                <a:effectLst/>
-                <a:latin typeface="Times New Roman" panose="02020603050405020304" pitchFamily="18" charset="0"/>
-                <a:ea typeface="新宋体" panose="02010609030101010101" pitchFamily="49" charset="-122"/>
-                <a:cs typeface="Times New Roman" panose="02020603050405020304" pitchFamily="18" charset="0"/>
-              </a:rPr>
-              <a:t>，影入平羌江水流。（李白《峨眉山月歌》）</a:t>
-            </a:r>
-            <a:endParaRPr lang="zh-CN" altLang="zh-CN" sz="1800" kern="100" dirty="0">
-              <a:effectLst/>
-              <a:latin typeface="Calibri" panose="020F0502020204030204" pitchFamily="34" charset="0"/>
-              <a:ea typeface="宋体" panose="02010600030101010101" pitchFamily="2" charset="-122"/>
-              <a:cs typeface="Times New Roman" panose="02020603050405020304" pitchFamily="18" charset="0"/>
-            </a:endParaRPr>
-          </a:p>
-          <a:p>
-            <a:pPr marL="173355" algn="just">
-              <a:lnSpc>
-                <a:spcPct val="150000"/>
-              </a:lnSpc>
-            </a:pPr>
-            <a:r>
-              <a:rPr lang="zh-CN" altLang="zh-CN" sz="1800" kern="100" dirty="0">
-                <a:effectLst/>
-                <a:latin typeface="Times New Roman" panose="02020603050405020304" pitchFamily="18" charset="0"/>
-                <a:ea typeface="新宋体" panose="02010609030101010101" pitchFamily="49" charset="-122"/>
-                <a:cs typeface="Times New Roman" panose="02020603050405020304" pitchFamily="18" charset="0"/>
-              </a:rPr>
-              <a:t>（</a:t>
-            </a:r>
-            <a:r>
-              <a:rPr lang="en-US" altLang="zh-CN" sz="1800" kern="100" dirty="0">
-                <a:effectLst/>
-                <a:latin typeface="Times New Roman" panose="02020603050405020304" pitchFamily="18" charset="0"/>
-                <a:ea typeface="新宋体" panose="02010609030101010101" pitchFamily="49" charset="-122"/>
-                <a:cs typeface="Times New Roman" panose="02020603050405020304" pitchFamily="18" charset="0"/>
-              </a:rPr>
-              <a:t>2</a:t>
-            </a:r>
-            <a:r>
-              <a:rPr lang="zh-CN" altLang="zh-CN" sz="1800" kern="100" dirty="0">
-                <a:effectLst/>
-                <a:latin typeface="Times New Roman" panose="02020603050405020304" pitchFamily="18" charset="0"/>
-                <a:ea typeface="新宋体" panose="02010609030101010101" pitchFamily="49" charset="-122"/>
-                <a:cs typeface="Times New Roman" panose="02020603050405020304" pitchFamily="18" charset="0"/>
-              </a:rPr>
-              <a:t>）根据语境，在横线上填入古诗词句。</a:t>
-            </a:r>
-            <a:endParaRPr lang="zh-CN" altLang="zh-CN" sz="1800" kern="100" dirty="0">
-              <a:effectLst/>
-              <a:latin typeface="Calibri" panose="020F0502020204030204" pitchFamily="34" charset="0"/>
-              <a:ea typeface="宋体" panose="02010600030101010101" pitchFamily="2" charset="-122"/>
-              <a:cs typeface="Times New Roman" panose="02020603050405020304" pitchFamily="18" charset="0"/>
-            </a:endParaRPr>
-          </a:p>
-          <a:p>
-            <a:pPr marL="173355" algn="just">
-              <a:lnSpc>
-                <a:spcPct val="150000"/>
-              </a:lnSpc>
-            </a:pPr>
-            <a:r>
-              <a:rPr lang="zh-CN" altLang="zh-CN" sz="1800" kern="100" dirty="0">
-                <a:effectLst/>
-                <a:latin typeface="Times New Roman" panose="02020603050405020304" pitchFamily="18" charset="0"/>
-                <a:ea typeface="Calibri" panose="020F0502020204030204" pitchFamily="34" charset="0"/>
-                <a:cs typeface="Times New Roman" panose="02020603050405020304" pitchFamily="18" charset="0"/>
-              </a:rPr>
-              <a:t>①</a:t>
-            </a:r>
-            <a:r>
-              <a:rPr lang="zh-CN" altLang="zh-CN" sz="1800" kern="100" dirty="0">
-                <a:effectLst/>
-                <a:latin typeface="Times New Roman" panose="02020603050405020304" pitchFamily="18" charset="0"/>
-                <a:ea typeface="新宋体" panose="02010609030101010101" pitchFamily="49" charset="-122"/>
-                <a:cs typeface="Times New Roman" panose="02020603050405020304" pitchFamily="18" charset="0"/>
-              </a:rPr>
-              <a:t>《次北固山下》表现作者无限乡思的诗句是：</a:t>
-            </a:r>
-            <a:r>
-              <a:rPr lang="zh-CN" altLang="zh-CN" sz="1800" u="sng" kern="100" dirty="0">
-                <a:effectLst/>
-                <a:latin typeface="Times New Roman" panose="02020603050405020304" pitchFamily="18" charset="0"/>
-                <a:ea typeface="新宋体" panose="02010609030101010101" pitchFamily="49" charset="-122"/>
-                <a:cs typeface="Times New Roman" panose="02020603050405020304" pitchFamily="18" charset="0"/>
-              </a:rPr>
-              <a:t>　</a:t>
-            </a:r>
-            <a:r>
-              <a:rPr lang="en-US" altLang="zh-CN" sz="1800" u="sng" kern="100" dirty="0">
-                <a:effectLst/>
-                <a:latin typeface="Times New Roman" panose="02020603050405020304" pitchFamily="18" charset="0"/>
-                <a:ea typeface="新宋体" panose="02010609030101010101" pitchFamily="49" charset="-122"/>
-                <a:cs typeface="Times New Roman" panose="02020603050405020304" pitchFamily="18" charset="0"/>
-              </a:rPr>
-              <a:t>        </a:t>
-            </a:r>
-            <a:r>
-              <a:rPr lang="zh-CN" altLang="zh-CN" sz="1800" u="sng" kern="100" dirty="0">
-                <a:effectLst/>
-                <a:latin typeface="Times New Roman" panose="02020603050405020304" pitchFamily="18" charset="0"/>
-                <a:ea typeface="新宋体" panose="02010609030101010101" pitchFamily="49" charset="-122"/>
-                <a:cs typeface="Times New Roman" panose="02020603050405020304" pitchFamily="18" charset="0"/>
-              </a:rPr>
-              <a:t>　</a:t>
-            </a:r>
-            <a:r>
-              <a:rPr lang="zh-CN" altLang="zh-CN" sz="1800" kern="100" dirty="0">
-                <a:effectLst/>
-                <a:latin typeface="Times New Roman" panose="02020603050405020304" pitchFamily="18" charset="0"/>
-                <a:ea typeface="新宋体" panose="02010609030101010101" pitchFamily="49" charset="-122"/>
-                <a:cs typeface="Times New Roman" panose="02020603050405020304" pitchFamily="18" charset="0"/>
-              </a:rPr>
-              <a:t>，</a:t>
-            </a:r>
-            <a:r>
-              <a:rPr lang="zh-CN" altLang="zh-CN" sz="1800" u="sng" kern="100" dirty="0">
-                <a:effectLst/>
-                <a:latin typeface="Times New Roman" panose="02020603050405020304" pitchFamily="18" charset="0"/>
-                <a:ea typeface="新宋体" panose="02010609030101010101" pitchFamily="49" charset="-122"/>
-                <a:cs typeface="Times New Roman" panose="02020603050405020304" pitchFamily="18" charset="0"/>
-              </a:rPr>
-              <a:t>　</a:t>
-            </a:r>
-            <a:r>
-              <a:rPr lang="en-US" altLang="zh-CN" sz="1800" u="sng" kern="100" dirty="0">
-                <a:effectLst/>
-                <a:latin typeface="Times New Roman" panose="02020603050405020304" pitchFamily="18" charset="0"/>
-                <a:ea typeface="新宋体" panose="02010609030101010101" pitchFamily="49" charset="-122"/>
-                <a:cs typeface="Times New Roman" panose="02020603050405020304" pitchFamily="18" charset="0"/>
-              </a:rPr>
-              <a:t>        </a:t>
-            </a:r>
-            <a:r>
-              <a:rPr lang="zh-CN" altLang="zh-CN" sz="1800" u="sng" kern="100" dirty="0">
-                <a:effectLst/>
-                <a:latin typeface="Times New Roman" panose="02020603050405020304" pitchFamily="18" charset="0"/>
-                <a:ea typeface="新宋体" panose="02010609030101010101" pitchFamily="49" charset="-122"/>
-                <a:cs typeface="Times New Roman" panose="02020603050405020304" pitchFamily="18" charset="0"/>
-              </a:rPr>
-              <a:t>　</a:t>
-            </a:r>
-            <a:r>
-              <a:rPr lang="zh-CN" altLang="zh-CN" sz="1800" kern="100" dirty="0">
-                <a:effectLst/>
-                <a:latin typeface="Times New Roman" panose="02020603050405020304" pitchFamily="18" charset="0"/>
-                <a:ea typeface="新宋体" panose="02010609030101010101" pitchFamily="49" charset="-122"/>
-                <a:cs typeface="Times New Roman" panose="02020603050405020304" pitchFamily="18" charset="0"/>
-              </a:rPr>
-              <a:t>。</a:t>
-            </a:r>
-            <a:endParaRPr lang="zh-CN" altLang="zh-CN" sz="1800" kern="100" dirty="0">
-              <a:effectLst/>
-              <a:latin typeface="Calibri" panose="020F0502020204030204" pitchFamily="34" charset="0"/>
-              <a:ea typeface="宋体" panose="02010600030101010101" pitchFamily="2" charset="-122"/>
-              <a:cs typeface="Times New Roman" panose="02020603050405020304" pitchFamily="18" charset="0"/>
-            </a:endParaRPr>
-          </a:p>
-          <a:p>
-            <a:pPr marL="173355" algn="just">
-              <a:lnSpc>
-                <a:spcPct val="150000"/>
-              </a:lnSpc>
-            </a:pPr>
-            <a:r>
-              <a:rPr lang="zh-CN" altLang="zh-CN" sz="1800" kern="100" dirty="0">
-                <a:effectLst/>
-                <a:latin typeface="Times New Roman" panose="02020603050405020304" pitchFamily="18" charset="0"/>
-                <a:ea typeface="Calibri" panose="020F0502020204030204" pitchFamily="34" charset="0"/>
-                <a:cs typeface="Times New Roman" panose="02020603050405020304" pitchFamily="18" charset="0"/>
-              </a:rPr>
-              <a:t>②</a:t>
-            </a:r>
-            <a:r>
-              <a:rPr lang="zh-CN" altLang="zh-CN" sz="1800" kern="100" dirty="0">
-                <a:effectLst/>
-                <a:latin typeface="Times New Roman" panose="02020603050405020304" pitchFamily="18" charset="0"/>
-                <a:ea typeface="新宋体" panose="02010609030101010101" pitchFamily="49" charset="-122"/>
-                <a:cs typeface="Times New Roman" panose="02020603050405020304" pitchFamily="18" charset="0"/>
-              </a:rPr>
-              <a:t>《天净沙•秋思》中直接道出天涯游子之悲的句子是：</a:t>
-            </a:r>
-            <a:r>
-              <a:rPr lang="zh-CN" altLang="zh-CN" sz="1800" u="sng" kern="100" dirty="0">
-                <a:effectLst/>
-                <a:latin typeface="Times New Roman" panose="02020603050405020304" pitchFamily="18" charset="0"/>
-                <a:ea typeface="新宋体" panose="02010609030101010101" pitchFamily="49" charset="-122"/>
-                <a:cs typeface="Times New Roman" panose="02020603050405020304" pitchFamily="18" charset="0"/>
-              </a:rPr>
-              <a:t>　</a:t>
-            </a:r>
-            <a:r>
-              <a:rPr lang="en-US" altLang="zh-CN" sz="1800" u="sng" kern="100" dirty="0">
-                <a:effectLst/>
-                <a:latin typeface="Times New Roman" panose="02020603050405020304" pitchFamily="18" charset="0"/>
-                <a:ea typeface="新宋体" panose="02010609030101010101" pitchFamily="49" charset="-122"/>
-                <a:cs typeface="Times New Roman" panose="02020603050405020304" pitchFamily="18" charset="0"/>
-              </a:rPr>
-              <a:t>       </a:t>
-            </a:r>
-            <a:r>
-              <a:rPr lang="zh-CN" altLang="zh-CN" sz="1800" u="sng" kern="100" dirty="0">
-                <a:effectLst/>
-                <a:latin typeface="Times New Roman" panose="02020603050405020304" pitchFamily="18" charset="0"/>
-                <a:ea typeface="新宋体" panose="02010609030101010101" pitchFamily="49" charset="-122"/>
-                <a:cs typeface="Times New Roman" panose="02020603050405020304" pitchFamily="18" charset="0"/>
-              </a:rPr>
-              <a:t>　</a:t>
-            </a:r>
-            <a:r>
-              <a:rPr lang="zh-CN" altLang="zh-CN" sz="1800" kern="100" dirty="0">
-                <a:effectLst/>
-                <a:latin typeface="Times New Roman" panose="02020603050405020304" pitchFamily="18" charset="0"/>
-                <a:ea typeface="新宋体" panose="02010609030101010101" pitchFamily="49" charset="-122"/>
-                <a:cs typeface="Times New Roman" panose="02020603050405020304" pitchFamily="18" charset="0"/>
-              </a:rPr>
-              <a:t>，</a:t>
-            </a:r>
-            <a:r>
-              <a:rPr lang="zh-CN" altLang="zh-CN" sz="1800" u="sng" kern="100" dirty="0">
-                <a:effectLst/>
-                <a:latin typeface="Times New Roman" panose="02020603050405020304" pitchFamily="18" charset="0"/>
-                <a:ea typeface="新宋体" panose="02010609030101010101" pitchFamily="49" charset="-122"/>
-                <a:cs typeface="Times New Roman" panose="02020603050405020304" pitchFamily="18" charset="0"/>
-              </a:rPr>
-              <a:t>　</a:t>
-            </a:r>
-            <a:r>
-              <a:rPr lang="en-US" altLang="zh-CN" sz="1800" u="sng" kern="100" dirty="0">
-                <a:effectLst/>
-                <a:latin typeface="Times New Roman" panose="02020603050405020304" pitchFamily="18" charset="0"/>
-                <a:ea typeface="新宋体" panose="02010609030101010101" pitchFamily="49" charset="-122"/>
-                <a:cs typeface="Times New Roman" panose="02020603050405020304" pitchFamily="18" charset="0"/>
-              </a:rPr>
-              <a:t>         </a:t>
-            </a:r>
-            <a:r>
-              <a:rPr lang="zh-CN" altLang="zh-CN" sz="1800" u="sng" kern="100" dirty="0">
-                <a:effectLst/>
-                <a:latin typeface="Times New Roman" panose="02020603050405020304" pitchFamily="18" charset="0"/>
-                <a:ea typeface="新宋体" panose="02010609030101010101" pitchFamily="49" charset="-122"/>
-                <a:cs typeface="Times New Roman" panose="02020603050405020304" pitchFamily="18" charset="0"/>
-              </a:rPr>
-              <a:t>　</a:t>
-            </a:r>
-            <a:r>
-              <a:rPr lang="zh-CN" altLang="zh-CN" sz="1800" kern="100" dirty="0">
-                <a:effectLst/>
-                <a:latin typeface="Times New Roman" panose="02020603050405020304" pitchFamily="18" charset="0"/>
-                <a:ea typeface="新宋体" panose="02010609030101010101" pitchFamily="49" charset="-122"/>
-                <a:cs typeface="Times New Roman" panose="02020603050405020304" pitchFamily="18" charset="0"/>
-              </a:rPr>
-              <a:t>。</a:t>
-            </a:r>
-            <a:endParaRPr lang="zh-CN" altLang="zh-CN" sz="1800" kern="100" dirty="0">
-              <a:effectLst/>
-              <a:latin typeface="Calibri" panose="020F0502020204030204" pitchFamily="34" charset="0"/>
-              <a:ea typeface="宋体" panose="02010600030101010101" pitchFamily="2" charset="-122"/>
-              <a:cs typeface="Times New Roman" panose="02020603050405020304" pitchFamily="18" charset="0"/>
-            </a:endParaRPr>
-          </a:p>
-          <a:p>
-            <a:pPr marL="173355" algn="just">
-              <a:lnSpc>
-                <a:spcPct val="150000"/>
-              </a:lnSpc>
-            </a:pPr>
-            <a:r>
-              <a:rPr lang="zh-CN" altLang="zh-CN" sz="1800" kern="100" dirty="0">
-                <a:effectLst/>
-                <a:latin typeface="Times New Roman" panose="02020603050405020304" pitchFamily="18" charset="0"/>
-                <a:ea typeface="Calibri" panose="020F0502020204030204" pitchFamily="34" charset="0"/>
-                <a:cs typeface="Times New Roman" panose="02020603050405020304" pitchFamily="18" charset="0"/>
-              </a:rPr>
-              <a:t>③</a:t>
-            </a:r>
-            <a:r>
-              <a:rPr lang="zh-CN" altLang="zh-CN" sz="1800" kern="100" dirty="0">
-                <a:effectLst/>
-                <a:latin typeface="Times New Roman" panose="02020603050405020304" pitchFamily="18" charset="0"/>
-                <a:ea typeface="新宋体" panose="02010609030101010101" pitchFamily="49" charset="-122"/>
-                <a:cs typeface="Times New Roman" panose="02020603050405020304" pitchFamily="18" charset="0"/>
-              </a:rPr>
-              <a:t>李白的《闻王昌龄左迁龙标遥有此寄》中以景写哀，衬托作者听到友人被贬的消息后的伤感的句子是：</a:t>
-            </a:r>
-            <a:r>
-              <a:rPr lang="zh-CN" altLang="zh-CN" sz="1800" u="sng" kern="100" dirty="0">
-                <a:effectLst/>
-                <a:latin typeface="Times New Roman" panose="02020603050405020304" pitchFamily="18" charset="0"/>
-                <a:ea typeface="新宋体" panose="02010609030101010101" pitchFamily="49" charset="-122"/>
-                <a:cs typeface="Times New Roman" panose="02020603050405020304" pitchFamily="18" charset="0"/>
-              </a:rPr>
-              <a:t>　</a:t>
-            </a:r>
-            <a:r>
-              <a:rPr lang="en-US" altLang="zh-CN" sz="1800" u="sng" kern="100" dirty="0">
-                <a:effectLst/>
-                <a:latin typeface="Times New Roman" panose="02020603050405020304" pitchFamily="18" charset="0"/>
-                <a:ea typeface="新宋体" panose="02010609030101010101" pitchFamily="49" charset="-122"/>
-                <a:cs typeface="Times New Roman" panose="02020603050405020304" pitchFamily="18" charset="0"/>
-              </a:rPr>
-              <a:t>          </a:t>
-            </a:r>
-            <a:r>
-              <a:rPr lang="zh-CN" altLang="zh-CN" sz="1800" u="sng" kern="100" dirty="0">
-                <a:effectLst/>
-                <a:latin typeface="Times New Roman" panose="02020603050405020304" pitchFamily="18" charset="0"/>
-                <a:ea typeface="新宋体" panose="02010609030101010101" pitchFamily="49" charset="-122"/>
-                <a:cs typeface="Times New Roman" panose="02020603050405020304" pitchFamily="18" charset="0"/>
-              </a:rPr>
-              <a:t>　</a:t>
-            </a:r>
-            <a:r>
-              <a:rPr lang="zh-CN" altLang="zh-CN" sz="1800" kern="100" dirty="0">
-                <a:effectLst/>
-                <a:latin typeface="Times New Roman" panose="02020603050405020304" pitchFamily="18" charset="0"/>
-                <a:ea typeface="新宋体" panose="02010609030101010101" pitchFamily="49" charset="-122"/>
-                <a:cs typeface="Times New Roman" panose="02020603050405020304" pitchFamily="18" charset="0"/>
-              </a:rPr>
-              <a:t>，</a:t>
-            </a:r>
-            <a:r>
-              <a:rPr lang="zh-CN" altLang="zh-CN" sz="1800" u="sng" kern="100" dirty="0">
-                <a:effectLst/>
-                <a:latin typeface="Times New Roman" panose="02020603050405020304" pitchFamily="18" charset="0"/>
-                <a:ea typeface="新宋体" panose="02010609030101010101" pitchFamily="49" charset="-122"/>
-                <a:cs typeface="Times New Roman" panose="02020603050405020304" pitchFamily="18" charset="0"/>
-              </a:rPr>
-              <a:t>　</a:t>
-            </a:r>
-            <a:r>
-              <a:rPr lang="en-US" altLang="zh-CN" sz="1800" u="sng" kern="100" dirty="0">
-                <a:effectLst/>
-                <a:latin typeface="Times New Roman" panose="02020603050405020304" pitchFamily="18" charset="0"/>
-                <a:ea typeface="新宋体" panose="02010609030101010101" pitchFamily="49" charset="-122"/>
-                <a:cs typeface="Times New Roman" panose="02020603050405020304" pitchFamily="18" charset="0"/>
-              </a:rPr>
-              <a:t>          </a:t>
-            </a:r>
-            <a:r>
-              <a:rPr lang="zh-CN" altLang="zh-CN" sz="1800" u="sng" kern="100" dirty="0">
-                <a:effectLst/>
-                <a:latin typeface="Times New Roman" panose="02020603050405020304" pitchFamily="18" charset="0"/>
-                <a:ea typeface="新宋体" panose="02010609030101010101" pitchFamily="49" charset="-122"/>
-                <a:cs typeface="Times New Roman" panose="02020603050405020304" pitchFamily="18" charset="0"/>
-              </a:rPr>
-              <a:t>　</a:t>
-            </a:r>
-            <a:r>
-              <a:rPr lang="zh-CN" altLang="zh-CN" sz="1800" kern="100" dirty="0">
-                <a:effectLst/>
-                <a:latin typeface="Times New Roman" panose="02020603050405020304" pitchFamily="18" charset="0"/>
-                <a:ea typeface="新宋体" panose="02010609030101010101" pitchFamily="49" charset="-122"/>
-                <a:cs typeface="Times New Roman" panose="02020603050405020304" pitchFamily="18" charset="0"/>
-              </a:rPr>
-              <a:t>。</a:t>
-            </a:r>
-            <a:endParaRPr lang="zh-CN" altLang="zh-CN" sz="1800" kern="100" dirty="0">
-              <a:effectLst/>
-              <a:latin typeface="Calibri" panose="020F0502020204030204" pitchFamily="34" charset="0"/>
-              <a:ea typeface="宋体" panose="02010600030101010101" pitchFamily="2" charset="-122"/>
-              <a:cs typeface="Times New Roman" panose="02020603050405020304" pitchFamily="18" charset="0"/>
-            </a:endParaRPr>
-          </a:p>
           <a:p>
             <a:endParaRPr lang="zh-CN" altLang="en-US" dirty="0"/>
           </a:p>
@@ -4244,7 +3738,7 @@
     </p:spTree>
     <p:extLst>
       <p:ext uri="{BB962C8B-B14F-4D97-AF65-F5344CB8AC3E}">
-        <p14:creationId xmlns:p14="http://schemas.microsoft.com/office/powerpoint/2010/main" val="305214248"/>
+        <p14:creationId xmlns:p14="http://schemas.microsoft.com/office/powerpoint/2010/main" val="1975465884"/>
       </p:ext>
     </p:extLst>
   </p:cSld>
@@ -4276,7 +3770,7 @@
           <p:cNvPr id="3" name="内容占位符 2">
             <a:extLst>
               <a:ext uri="{FF2B5EF4-FFF2-40B4-BE49-F238E27FC236}">
-                <a16:creationId xmlns:a16="http://schemas.microsoft.com/office/drawing/2014/main" id="{51585567-AC34-5EAD-9D9A-D5C1BE67BA1F}"/>
+                <a16:creationId xmlns:a16="http://schemas.microsoft.com/office/drawing/2014/main" id="{179694C4-56EC-0C22-073C-12BC8EC2C1CA}"/>
               </a:ext>
             </a:extLst>
           </p:cNvPr>
@@ -4289,13 +3783,13 @@
         </p:nvSpPr>
         <p:spPr>
           <a:xfrm>
-            <a:off x="838200" y="182880"/>
-            <a:ext cx="10515600" cy="5994083"/>
+            <a:off x="235131" y="222069"/>
+            <a:ext cx="11273246" cy="6439988"/>
           </a:xfrm>
         </p:spPr>
         <p:txBody>
           <a:bodyPr>
-            <a:normAutofit/>
+            <a:normAutofit fontScale="92500" lnSpcReduction="10000"/>
           </a:bodyPr>
           <a:lstStyle/>
           <a:p>
@@ -4306,359 +3800,789 @@
             </a:pPr>
             <a:r>
               <a:rPr lang="en-US" altLang="zh-CN" sz="1800" kern="100" dirty="0">
-                <a:effectLst/>
-                <a:latin typeface="Times New Roman" panose="02020603050405020304" pitchFamily="18" charset="0"/>
-                <a:ea typeface="新宋体" panose="02010609030101010101" pitchFamily="49" charset="-122"/>
-                <a:cs typeface="Times New Roman" panose="02020603050405020304" pitchFamily="18" charset="0"/>
-              </a:rPr>
-              <a:t>8</a:t>
-            </a:r>
-            <a:r>
-              <a:rPr lang="zh-CN" altLang="zh-CN" sz="1800" kern="100" dirty="0">
-                <a:effectLst/>
-                <a:latin typeface="Times New Roman" panose="02020603050405020304" pitchFamily="18" charset="0"/>
-                <a:ea typeface="新宋体" panose="02010609030101010101" pitchFamily="49" charset="-122"/>
-                <a:cs typeface="Times New Roman" panose="02020603050405020304" pitchFamily="18" charset="0"/>
-              </a:rPr>
-              <a:t>．下列句子中，加点词语使用不恰当的一项是（　　）</a:t>
+                <a:latin typeface="Times New Roman" panose="02020603050405020304" pitchFamily="18" charset="0"/>
+                <a:ea typeface="新宋体" panose="02010609030101010101" pitchFamily="49" charset="-122"/>
+                <a:cs typeface="Times New Roman" panose="02020603050405020304" pitchFamily="18" charset="0"/>
+              </a:rPr>
+              <a:t>1</a:t>
+            </a:r>
+            <a:r>
+              <a:rPr lang="zh-CN" altLang="zh-CN" sz="1800" kern="100" dirty="0">
+                <a:effectLst/>
+                <a:latin typeface="Times New Roman" panose="02020603050405020304" pitchFamily="18" charset="0"/>
+                <a:ea typeface="新宋体" panose="02010609030101010101" pitchFamily="49" charset="-122"/>
+                <a:cs typeface="Times New Roman" panose="02020603050405020304" pitchFamily="18" charset="0"/>
+              </a:rPr>
+              <a:t>．古诗默写。</a:t>
             </a:r>
             <a:endParaRPr lang="zh-CN" altLang="zh-CN" sz="1800" kern="100" dirty="0">
               <a:effectLst/>
-              <a:latin typeface="等线" panose="02010600030101010101" pitchFamily="2" charset="-122"/>
-              <a:ea typeface="等线" panose="02010600030101010101" pitchFamily="2" charset="-122"/>
+              <a:latin typeface="Calibri" panose="020F0502020204030204" pitchFamily="34" charset="0"/>
+              <a:ea typeface="宋体" panose="02010600030101010101" pitchFamily="2" charset="-122"/>
               <a:cs typeface="Times New Roman" panose="02020603050405020304" pitchFamily="18" charset="0"/>
             </a:endParaRPr>
           </a:p>
           <a:p>
-            <a:pPr indent="173355" algn="l">
+            <a:pPr marL="173355" algn="just">
               <a:lnSpc>
                 <a:spcPct val="150000"/>
               </a:lnSpc>
             </a:pPr>
             <a:r>
+              <a:rPr lang="zh-CN" altLang="zh-CN" sz="1800" kern="100" dirty="0">
+                <a:effectLst/>
+                <a:latin typeface="Times New Roman" panose="02020603050405020304" pitchFamily="18" charset="0"/>
+                <a:ea typeface="新宋体" panose="02010609030101010101" pitchFamily="49" charset="-122"/>
+                <a:cs typeface="Times New Roman" panose="02020603050405020304" pitchFamily="18" charset="0"/>
+              </a:rPr>
+              <a:t>（</a:t>
+            </a:r>
+            <a:r>
               <a:rPr lang="en-US" altLang="zh-CN" sz="1800" kern="100" dirty="0">
                 <a:effectLst/>
                 <a:latin typeface="Times New Roman" panose="02020603050405020304" pitchFamily="18" charset="0"/>
                 <a:ea typeface="新宋体" panose="02010609030101010101" pitchFamily="49" charset="-122"/>
                 <a:cs typeface="Times New Roman" panose="02020603050405020304" pitchFamily="18" charset="0"/>
               </a:rPr>
-              <a:t>A</a:t>
-            </a:r>
-            <a:r>
-              <a:rPr lang="zh-CN" altLang="zh-CN" sz="1800" kern="100" dirty="0">
-                <a:effectLst/>
-                <a:latin typeface="Times New Roman" panose="02020603050405020304" pitchFamily="18" charset="0"/>
-                <a:ea typeface="新宋体" panose="02010609030101010101" pitchFamily="49" charset="-122"/>
-                <a:cs typeface="Times New Roman" panose="02020603050405020304" pitchFamily="18" charset="0"/>
-              </a:rPr>
-              <a:t>．中秋节期间，广州沿街的商铺挂上彩灯，造型各异的灯笼花枝招展。</a:t>
-            </a:r>
-            <a:r>
-              <a:rPr lang="en-US" altLang="zh-CN" sz="1800" kern="100" dirty="0">
-                <a:effectLst/>
-                <a:latin typeface="等线" panose="02010600030101010101" pitchFamily="2" charset="-122"/>
-                <a:ea typeface="等线" panose="02010600030101010101" pitchFamily="2" charset="-122"/>
-                <a:cs typeface="Times New Roman" panose="02020603050405020304" pitchFamily="18" charset="0"/>
-              </a:rPr>
-              <a:t>	</a:t>
+              <a:t>1</a:t>
+            </a:r>
+            <a:r>
+              <a:rPr lang="zh-CN" altLang="zh-CN" sz="1800" kern="100" dirty="0">
+                <a:effectLst/>
+                <a:latin typeface="Times New Roman" panose="02020603050405020304" pitchFamily="18" charset="0"/>
+                <a:ea typeface="新宋体" panose="02010609030101010101" pitchFamily="49" charset="-122"/>
+                <a:cs typeface="Times New Roman" panose="02020603050405020304" pitchFamily="18" charset="0"/>
+              </a:rPr>
+              <a:t>）根据课本，补写出下列句中的空缺部分。</a:t>
             </a:r>
             <a:endParaRPr lang="zh-CN" altLang="zh-CN" sz="1800" kern="100" dirty="0">
               <a:effectLst/>
-              <a:latin typeface="等线" panose="02010600030101010101" pitchFamily="2" charset="-122"/>
-              <a:ea typeface="等线" panose="02010600030101010101" pitchFamily="2" charset="-122"/>
+              <a:latin typeface="Calibri" panose="020F0502020204030204" pitchFamily="34" charset="0"/>
+              <a:ea typeface="宋体" panose="02010600030101010101" pitchFamily="2" charset="-122"/>
               <a:cs typeface="Times New Roman" panose="02020603050405020304" pitchFamily="18" charset="0"/>
             </a:endParaRPr>
           </a:p>
           <a:p>
-            <a:pPr indent="173355" algn="l">
+            <a:pPr marL="173355" algn="just">
               <a:lnSpc>
                 <a:spcPct val="150000"/>
               </a:lnSpc>
             </a:pPr>
             <a:r>
-              <a:rPr lang="en-US" altLang="zh-CN" sz="1800" kern="100" dirty="0">
-                <a:effectLst/>
-                <a:latin typeface="Times New Roman" panose="02020603050405020304" pitchFamily="18" charset="0"/>
-                <a:ea typeface="新宋体" panose="02010609030101010101" pitchFamily="49" charset="-122"/>
-                <a:cs typeface="Times New Roman" panose="02020603050405020304" pitchFamily="18" charset="0"/>
-              </a:rPr>
-              <a:t>B</a:t>
-            </a:r>
-            <a:r>
-              <a:rPr lang="zh-CN" altLang="zh-CN" sz="1800" kern="100" dirty="0">
-                <a:effectLst/>
-                <a:latin typeface="Times New Roman" panose="02020603050405020304" pitchFamily="18" charset="0"/>
-                <a:ea typeface="新宋体" panose="02010609030101010101" pitchFamily="49" charset="-122"/>
-                <a:cs typeface="Times New Roman" panose="02020603050405020304" pitchFamily="18" charset="0"/>
-              </a:rPr>
-              <a:t>．国庆节来临，祖国各地花团锦簇，处处洋溢着喜庆祥和的节日气氛。</a:t>
-            </a:r>
-            <a:r>
-              <a:rPr lang="en-US" altLang="zh-CN" sz="1800" kern="100" dirty="0">
-                <a:effectLst/>
-                <a:latin typeface="等线" panose="02010600030101010101" pitchFamily="2" charset="-122"/>
-                <a:ea typeface="等线" panose="02010600030101010101" pitchFamily="2" charset="-122"/>
-                <a:cs typeface="Times New Roman" panose="02020603050405020304" pitchFamily="18" charset="0"/>
-              </a:rPr>
-              <a:t>	</a:t>
+              <a:rPr lang="zh-CN" altLang="zh-CN" sz="1800" kern="100" dirty="0">
+                <a:effectLst/>
+                <a:latin typeface="Times New Roman" panose="02020603050405020304" pitchFamily="18" charset="0"/>
+                <a:ea typeface="Calibri" panose="020F0502020204030204" pitchFamily="34" charset="0"/>
+                <a:cs typeface="Times New Roman" panose="02020603050405020304" pitchFamily="18" charset="0"/>
+              </a:rPr>
+              <a:t>①</a:t>
+            </a:r>
+            <a:r>
+              <a:rPr lang="zh-CN" altLang="zh-CN" sz="1800" u="sng" kern="100" dirty="0">
+                <a:effectLst/>
+                <a:latin typeface="Times New Roman" panose="02020603050405020304" pitchFamily="18" charset="0"/>
+                <a:ea typeface="新宋体" panose="02010609030101010101" pitchFamily="49" charset="-122"/>
+                <a:cs typeface="Times New Roman" panose="02020603050405020304" pitchFamily="18" charset="0"/>
+              </a:rPr>
+              <a:t>　</a:t>
+            </a:r>
+            <a:r>
+              <a:rPr lang="zh-CN" altLang="zh-CN" sz="1800" u="sng" kern="100" dirty="0">
+                <a:effectLst/>
+                <a:latin typeface="Calibri" panose="020F0502020204030204" pitchFamily="34" charset="0"/>
+                <a:ea typeface="Times New Roman" panose="02020603050405020304" pitchFamily="18" charset="0"/>
+                <a:cs typeface="Times New Roman" panose="02020603050405020304" pitchFamily="18" charset="0"/>
+              </a:rPr>
+              <a:t> </a:t>
+            </a:r>
+            <a:r>
+              <a:rPr lang="en-US" altLang="zh-CN" sz="1800" u="sng" kern="100" dirty="0">
+                <a:effectLst/>
+                <a:latin typeface="Calibri" panose="020F0502020204030204" pitchFamily="34" charset="0"/>
+                <a:ea typeface="Times New Roman" panose="02020603050405020304" pitchFamily="18" charset="0"/>
+                <a:cs typeface="Times New Roman" panose="02020603050405020304" pitchFamily="18" charset="0"/>
+              </a:rPr>
+              <a:t>      </a:t>
+            </a:r>
+            <a:r>
+              <a:rPr lang="zh-CN" altLang="zh-CN" sz="1800" u="sng" kern="100" dirty="0">
+                <a:effectLst/>
+                <a:latin typeface="Times New Roman" panose="02020603050405020304" pitchFamily="18" charset="0"/>
+                <a:ea typeface="新宋体" panose="02010609030101010101" pitchFamily="49" charset="-122"/>
+                <a:cs typeface="Times New Roman" panose="02020603050405020304" pitchFamily="18" charset="0"/>
+              </a:rPr>
+              <a:t>　</a:t>
+            </a:r>
+            <a:r>
+              <a:rPr lang="zh-CN" altLang="zh-CN" sz="1800" kern="100" dirty="0">
+                <a:effectLst/>
+                <a:latin typeface="Times New Roman" panose="02020603050405020304" pitchFamily="18" charset="0"/>
+                <a:ea typeface="新宋体" panose="02010609030101010101" pitchFamily="49" charset="-122"/>
+                <a:cs typeface="Times New Roman" panose="02020603050405020304" pitchFamily="18" charset="0"/>
+              </a:rPr>
+              <a:t>，洪波涌起。（曹操《观沧海》）</a:t>
             </a:r>
             <a:endParaRPr lang="zh-CN" altLang="zh-CN" sz="1800" kern="100" dirty="0">
               <a:effectLst/>
-              <a:latin typeface="等线" panose="02010600030101010101" pitchFamily="2" charset="-122"/>
-              <a:ea typeface="等线" panose="02010600030101010101" pitchFamily="2" charset="-122"/>
+              <a:latin typeface="Calibri" panose="020F0502020204030204" pitchFamily="34" charset="0"/>
+              <a:ea typeface="宋体" panose="02010600030101010101" pitchFamily="2" charset="-122"/>
               <a:cs typeface="Times New Roman" panose="02020603050405020304" pitchFamily="18" charset="0"/>
             </a:endParaRPr>
           </a:p>
           <a:p>
-            <a:pPr indent="173355" algn="l">
+            <a:pPr marL="173355" algn="just">
               <a:lnSpc>
                 <a:spcPct val="150000"/>
               </a:lnSpc>
             </a:pPr>
             <a:r>
-              <a:rPr lang="en-US" altLang="zh-CN" sz="1800" kern="100" dirty="0">
-                <a:effectLst/>
-                <a:latin typeface="Times New Roman" panose="02020603050405020304" pitchFamily="18" charset="0"/>
-                <a:ea typeface="新宋体" panose="02010609030101010101" pitchFamily="49" charset="-122"/>
-                <a:cs typeface="Times New Roman" panose="02020603050405020304" pitchFamily="18" charset="0"/>
-              </a:rPr>
-              <a:t>C</a:t>
-            </a:r>
-            <a:r>
-              <a:rPr lang="zh-CN" altLang="zh-CN" sz="1800" kern="100" dirty="0">
-                <a:effectLst/>
-                <a:latin typeface="Times New Roman" panose="02020603050405020304" pitchFamily="18" charset="0"/>
-                <a:ea typeface="新宋体" panose="02010609030101010101" pitchFamily="49" charset="-122"/>
-                <a:cs typeface="Times New Roman" panose="02020603050405020304" pitchFamily="18" charset="0"/>
-              </a:rPr>
-              <a:t>．重阳节前夜，大批广州市民前往莲花山登高祈福，景区内人声鼎沸。</a:t>
-            </a:r>
-            <a:r>
-              <a:rPr lang="en-US" altLang="zh-CN" sz="1800" kern="100" dirty="0">
-                <a:effectLst/>
-                <a:latin typeface="等线" panose="02010600030101010101" pitchFamily="2" charset="-122"/>
-                <a:ea typeface="等线" panose="02010600030101010101" pitchFamily="2" charset="-122"/>
-                <a:cs typeface="Times New Roman" panose="02020603050405020304" pitchFamily="18" charset="0"/>
-              </a:rPr>
-              <a:t>	</a:t>
+              <a:rPr lang="zh-CN" altLang="zh-CN" sz="1800" kern="100" dirty="0">
+                <a:effectLst/>
+                <a:latin typeface="Times New Roman" panose="02020603050405020304" pitchFamily="18" charset="0"/>
+                <a:ea typeface="Calibri" panose="020F0502020204030204" pitchFamily="34" charset="0"/>
+                <a:cs typeface="Times New Roman" panose="02020603050405020304" pitchFamily="18" charset="0"/>
+              </a:rPr>
+              <a:t>②</a:t>
+            </a:r>
+            <a:r>
+              <a:rPr lang="zh-CN" altLang="zh-CN" sz="1800" kern="100" dirty="0">
+                <a:effectLst/>
+                <a:latin typeface="Times New Roman" panose="02020603050405020304" pitchFamily="18" charset="0"/>
+                <a:ea typeface="新宋体" panose="02010609030101010101" pitchFamily="49" charset="-122"/>
+                <a:cs typeface="Times New Roman" panose="02020603050405020304" pitchFamily="18" charset="0"/>
+              </a:rPr>
+              <a:t>水何澹澹，</a:t>
+            </a:r>
+            <a:r>
+              <a:rPr lang="zh-CN" altLang="zh-CN" sz="1800" u="sng" kern="100" dirty="0">
+                <a:effectLst/>
+                <a:latin typeface="Times New Roman" panose="02020603050405020304" pitchFamily="18" charset="0"/>
+                <a:ea typeface="新宋体" panose="02010609030101010101" pitchFamily="49" charset="-122"/>
+                <a:cs typeface="Times New Roman" panose="02020603050405020304" pitchFamily="18" charset="0"/>
+              </a:rPr>
+              <a:t>　</a:t>
+            </a:r>
+            <a:r>
+              <a:rPr lang="en-US" altLang="zh-CN" sz="1800" u="sng" kern="100" dirty="0">
+                <a:effectLst/>
+                <a:latin typeface="Times New Roman" panose="02020603050405020304" pitchFamily="18" charset="0"/>
+                <a:ea typeface="新宋体" panose="02010609030101010101" pitchFamily="49" charset="-122"/>
+                <a:cs typeface="Times New Roman" panose="02020603050405020304" pitchFamily="18" charset="0"/>
+              </a:rPr>
+              <a:t>       </a:t>
+            </a:r>
+            <a:r>
+              <a:rPr lang="zh-CN" altLang="zh-CN" sz="1800" u="sng" kern="100" dirty="0">
+                <a:effectLst/>
+                <a:latin typeface="Times New Roman" panose="02020603050405020304" pitchFamily="18" charset="0"/>
+                <a:ea typeface="新宋体" panose="02010609030101010101" pitchFamily="49" charset="-122"/>
+                <a:cs typeface="Times New Roman" panose="02020603050405020304" pitchFamily="18" charset="0"/>
+              </a:rPr>
+              <a:t>　</a:t>
+            </a:r>
+            <a:r>
+              <a:rPr lang="zh-CN" altLang="zh-CN" sz="1800" kern="100" dirty="0">
+                <a:effectLst/>
+                <a:latin typeface="Times New Roman" panose="02020603050405020304" pitchFamily="18" charset="0"/>
+                <a:ea typeface="新宋体" panose="02010609030101010101" pitchFamily="49" charset="-122"/>
+                <a:cs typeface="Times New Roman" panose="02020603050405020304" pitchFamily="18" charset="0"/>
+              </a:rPr>
+              <a:t>。（曹操《观沧海》）</a:t>
             </a:r>
             <a:endParaRPr lang="zh-CN" altLang="zh-CN" sz="1800" kern="100" dirty="0">
               <a:effectLst/>
-              <a:latin typeface="等线" panose="02010600030101010101" pitchFamily="2" charset="-122"/>
-              <a:ea typeface="等线" panose="02010600030101010101" pitchFamily="2" charset="-122"/>
+              <a:latin typeface="Calibri" panose="020F0502020204030204" pitchFamily="34" charset="0"/>
+              <a:ea typeface="宋体" panose="02010600030101010101" pitchFamily="2" charset="-122"/>
               <a:cs typeface="Times New Roman" panose="02020603050405020304" pitchFamily="18" charset="0"/>
             </a:endParaRPr>
           </a:p>
           <a:p>
-            <a:pPr indent="173355" algn="l">
+            <a:pPr marL="173355" algn="just">
               <a:lnSpc>
                 <a:spcPct val="150000"/>
               </a:lnSpc>
             </a:pPr>
             <a:r>
-              <a:rPr lang="en-US" altLang="zh-CN" sz="1800" kern="100" dirty="0">
-                <a:effectLst/>
-                <a:latin typeface="Times New Roman" panose="02020603050405020304" pitchFamily="18" charset="0"/>
-                <a:ea typeface="新宋体" panose="02010609030101010101" pitchFamily="49" charset="-122"/>
-                <a:cs typeface="Times New Roman" panose="02020603050405020304" pitchFamily="18" charset="0"/>
-              </a:rPr>
-              <a:t>D</a:t>
-            </a:r>
-            <a:r>
-              <a:rPr lang="zh-CN" altLang="zh-CN" sz="1800" kern="100" dirty="0">
-                <a:effectLst/>
-                <a:latin typeface="Times New Roman" panose="02020603050405020304" pitchFamily="18" charset="0"/>
-                <a:ea typeface="新宋体" panose="02010609030101010101" pitchFamily="49" charset="-122"/>
-                <a:cs typeface="Times New Roman" panose="02020603050405020304" pitchFamily="18" charset="0"/>
-              </a:rPr>
-              <a:t>．除夕之夜，绚丽多彩的广州塔灯光秀美不胜收，让游客们流连忘返。</a:t>
+              <a:rPr lang="zh-CN" altLang="zh-CN" sz="1800" kern="100" dirty="0">
+                <a:effectLst/>
+                <a:latin typeface="Times New Roman" panose="02020603050405020304" pitchFamily="18" charset="0"/>
+                <a:ea typeface="Calibri" panose="020F0502020204030204" pitchFamily="34" charset="0"/>
+                <a:cs typeface="Times New Roman" panose="02020603050405020304" pitchFamily="18" charset="0"/>
+              </a:rPr>
+              <a:t>③</a:t>
+            </a:r>
+            <a:r>
+              <a:rPr lang="zh-CN" altLang="zh-CN" sz="1800" kern="100" dirty="0">
+                <a:effectLst/>
+                <a:latin typeface="Times New Roman" panose="02020603050405020304" pitchFamily="18" charset="0"/>
+                <a:ea typeface="新宋体" panose="02010609030101010101" pitchFamily="49" charset="-122"/>
+                <a:cs typeface="Times New Roman" panose="02020603050405020304" pitchFamily="18" charset="0"/>
+              </a:rPr>
+              <a:t>潮平两岸阔，</a:t>
+            </a:r>
+            <a:r>
+              <a:rPr lang="zh-CN" altLang="zh-CN" sz="1800" u="sng" kern="100" dirty="0">
+                <a:effectLst/>
+                <a:latin typeface="Times New Roman" panose="02020603050405020304" pitchFamily="18" charset="0"/>
+                <a:ea typeface="新宋体" panose="02010609030101010101" pitchFamily="49" charset="-122"/>
+                <a:cs typeface="Times New Roman" panose="02020603050405020304" pitchFamily="18" charset="0"/>
+              </a:rPr>
+              <a:t>　</a:t>
+            </a:r>
+            <a:r>
+              <a:rPr lang="en-US" altLang="zh-CN" sz="1800" u="sng" kern="100" dirty="0">
+                <a:effectLst/>
+                <a:latin typeface="Times New Roman" panose="02020603050405020304" pitchFamily="18" charset="0"/>
+                <a:ea typeface="新宋体" panose="02010609030101010101" pitchFamily="49" charset="-122"/>
+                <a:cs typeface="Times New Roman" panose="02020603050405020304" pitchFamily="18" charset="0"/>
+              </a:rPr>
+              <a:t>        </a:t>
+            </a:r>
+            <a:r>
+              <a:rPr lang="zh-CN" altLang="zh-CN" sz="1800" u="sng" kern="100" dirty="0">
+                <a:effectLst/>
+                <a:latin typeface="Times New Roman" panose="02020603050405020304" pitchFamily="18" charset="0"/>
+                <a:ea typeface="新宋体" panose="02010609030101010101" pitchFamily="49" charset="-122"/>
+                <a:cs typeface="Times New Roman" panose="02020603050405020304" pitchFamily="18" charset="0"/>
+              </a:rPr>
+              <a:t>　</a:t>
+            </a:r>
+            <a:r>
+              <a:rPr lang="zh-CN" altLang="zh-CN" sz="1800" kern="100" dirty="0">
+                <a:effectLst/>
+                <a:latin typeface="Times New Roman" panose="02020603050405020304" pitchFamily="18" charset="0"/>
+                <a:ea typeface="新宋体" panose="02010609030101010101" pitchFamily="49" charset="-122"/>
+                <a:cs typeface="Times New Roman" panose="02020603050405020304" pitchFamily="18" charset="0"/>
+              </a:rPr>
+              <a:t>。（王湾《次北固山下》）</a:t>
             </a:r>
             <a:endParaRPr lang="zh-CN" altLang="zh-CN" sz="1800" kern="100" dirty="0">
               <a:effectLst/>
-              <a:latin typeface="等线" panose="02010600030101010101" pitchFamily="2" charset="-122"/>
-              <a:ea typeface="等线" panose="02010600030101010101" pitchFamily="2" charset="-122"/>
+              <a:latin typeface="Calibri" panose="020F0502020204030204" pitchFamily="34" charset="0"/>
+              <a:ea typeface="宋体" panose="02010600030101010101" pitchFamily="2" charset="-122"/>
               <a:cs typeface="Times New Roman" panose="02020603050405020304" pitchFamily="18" charset="0"/>
             </a:endParaRPr>
           </a:p>
           <a:p>
-            <a:pPr marL="173355" indent="-173355" algn="just">
+            <a:pPr marL="173355" algn="just">
               <a:lnSpc>
                 <a:spcPct val="150000"/>
               </a:lnSpc>
             </a:pPr>
             <a:r>
-              <a:rPr lang="en-US" altLang="zh-CN" sz="1800" kern="100" dirty="0">
-                <a:effectLst/>
-                <a:latin typeface="Times New Roman" panose="02020603050405020304" pitchFamily="18" charset="0"/>
-                <a:ea typeface="新宋体" panose="02010609030101010101" pitchFamily="49" charset="-122"/>
-                <a:cs typeface="Times New Roman" panose="02020603050405020304" pitchFamily="18" charset="0"/>
-              </a:rPr>
-              <a:t>9</a:t>
-            </a:r>
-            <a:r>
-              <a:rPr lang="zh-CN" altLang="zh-CN" sz="1800" kern="100" dirty="0">
-                <a:effectLst/>
-                <a:latin typeface="Times New Roman" panose="02020603050405020304" pitchFamily="18" charset="0"/>
-                <a:ea typeface="新宋体" panose="02010609030101010101" pitchFamily="49" charset="-122"/>
-                <a:cs typeface="Times New Roman" panose="02020603050405020304" pitchFamily="18" charset="0"/>
-              </a:rPr>
-              <a:t>．下列句子中，加点词语使用最恰当的一项是（　　）</a:t>
+              <a:rPr lang="zh-CN" altLang="zh-CN" sz="1800" kern="100" dirty="0">
+                <a:effectLst/>
+                <a:latin typeface="Times New Roman" panose="02020603050405020304" pitchFamily="18" charset="0"/>
+                <a:ea typeface="Calibri" panose="020F0502020204030204" pitchFamily="34" charset="0"/>
+                <a:cs typeface="Times New Roman" panose="02020603050405020304" pitchFamily="18" charset="0"/>
+              </a:rPr>
+              <a:t>④</a:t>
+            </a:r>
+            <a:r>
+              <a:rPr lang="zh-CN" altLang="zh-CN" sz="1800" u="sng" kern="100" dirty="0">
+                <a:effectLst/>
+                <a:latin typeface="Times New Roman" panose="02020603050405020304" pitchFamily="18" charset="0"/>
+                <a:ea typeface="新宋体" panose="02010609030101010101" pitchFamily="49" charset="-122"/>
+                <a:cs typeface="Times New Roman" panose="02020603050405020304" pitchFamily="18" charset="0"/>
+              </a:rPr>
+              <a:t>　</a:t>
+            </a:r>
+            <a:r>
+              <a:rPr lang="en-US" altLang="zh-CN" sz="1800" u="sng" kern="100" dirty="0">
+                <a:effectLst/>
+                <a:latin typeface="Times New Roman" panose="02020603050405020304" pitchFamily="18" charset="0"/>
+                <a:ea typeface="新宋体" panose="02010609030101010101" pitchFamily="49" charset="-122"/>
+                <a:cs typeface="Times New Roman" panose="02020603050405020304" pitchFamily="18" charset="0"/>
+              </a:rPr>
+              <a:t>          </a:t>
+            </a:r>
+            <a:r>
+              <a:rPr lang="zh-CN" altLang="zh-CN" sz="1800" u="sng" kern="100" dirty="0">
+                <a:effectLst/>
+                <a:latin typeface="Times New Roman" panose="02020603050405020304" pitchFamily="18" charset="0"/>
+                <a:ea typeface="新宋体" panose="02010609030101010101" pitchFamily="49" charset="-122"/>
+                <a:cs typeface="Times New Roman" panose="02020603050405020304" pitchFamily="18" charset="0"/>
+              </a:rPr>
+              <a:t>　</a:t>
+            </a:r>
+            <a:r>
+              <a:rPr lang="zh-CN" altLang="zh-CN" sz="1800" kern="100" dirty="0">
+                <a:effectLst/>
+                <a:latin typeface="Times New Roman" panose="02020603050405020304" pitchFamily="18" charset="0"/>
+                <a:ea typeface="新宋体" panose="02010609030101010101" pitchFamily="49" charset="-122"/>
+                <a:cs typeface="Times New Roman" panose="02020603050405020304" pitchFamily="18" charset="0"/>
+              </a:rPr>
+              <a:t>，崔九堂前几度闻。（杜甫《江南逢李龟年》）</a:t>
             </a:r>
             <a:endParaRPr lang="zh-CN" altLang="zh-CN" sz="1800" kern="100" dirty="0">
               <a:effectLst/>
-              <a:latin typeface="等线" panose="02010600030101010101" pitchFamily="2" charset="-122"/>
-              <a:ea typeface="等线" panose="02010600030101010101" pitchFamily="2" charset="-122"/>
+              <a:latin typeface="Calibri" panose="020F0502020204030204" pitchFamily="34" charset="0"/>
+              <a:ea typeface="宋体" panose="02010600030101010101" pitchFamily="2" charset="-122"/>
               <a:cs typeface="Times New Roman" panose="02020603050405020304" pitchFamily="18" charset="0"/>
             </a:endParaRPr>
           </a:p>
           <a:p>
-            <a:pPr indent="173355" algn="l">
+            <a:pPr marL="173355" algn="just">
               <a:lnSpc>
                 <a:spcPct val="150000"/>
               </a:lnSpc>
             </a:pPr>
             <a:r>
-              <a:rPr lang="en-US" altLang="zh-CN" sz="1800" kern="100" dirty="0">
-                <a:effectLst/>
-                <a:latin typeface="Times New Roman" panose="02020603050405020304" pitchFamily="18" charset="0"/>
-                <a:ea typeface="新宋体" panose="02010609030101010101" pitchFamily="49" charset="-122"/>
-                <a:cs typeface="Times New Roman" panose="02020603050405020304" pitchFamily="18" charset="0"/>
-              </a:rPr>
-              <a:t>A</a:t>
-            </a:r>
-            <a:r>
-              <a:rPr lang="zh-CN" altLang="zh-CN" sz="1800" kern="100" dirty="0">
-                <a:effectLst/>
-                <a:latin typeface="Times New Roman" panose="02020603050405020304" pitchFamily="18" charset="0"/>
-                <a:ea typeface="新宋体" panose="02010609030101010101" pitchFamily="49" charset="-122"/>
-                <a:cs typeface="Times New Roman" panose="02020603050405020304" pitchFamily="18" charset="0"/>
-              </a:rPr>
-              <a:t>．面对不可救药的流感病毒，学校引导学生做好个人防护。</a:t>
-            </a:r>
-            <a:r>
-              <a:rPr lang="en-US" altLang="zh-CN" sz="1800" kern="100" dirty="0">
-                <a:effectLst/>
-                <a:latin typeface="等线" panose="02010600030101010101" pitchFamily="2" charset="-122"/>
-                <a:ea typeface="等线" panose="02010600030101010101" pitchFamily="2" charset="-122"/>
-                <a:cs typeface="Times New Roman" panose="02020603050405020304" pitchFamily="18" charset="0"/>
-              </a:rPr>
-              <a:t>	</a:t>
+              <a:rPr lang="zh-CN" altLang="zh-CN" sz="1800" kern="100" dirty="0">
+                <a:effectLst/>
+                <a:latin typeface="Times New Roman" panose="02020603050405020304" pitchFamily="18" charset="0"/>
+                <a:ea typeface="Calibri" panose="020F0502020204030204" pitchFamily="34" charset="0"/>
+                <a:cs typeface="Times New Roman" panose="02020603050405020304" pitchFamily="18" charset="0"/>
+              </a:rPr>
+              <a:t>⑤</a:t>
+            </a:r>
+            <a:r>
+              <a:rPr lang="zh-CN" altLang="zh-CN" sz="1800" u="sng" kern="100" dirty="0">
+                <a:effectLst/>
+                <a:latin typeface="Times New Roman" panose="02020603050405020304" pitchFamily="18" charset="0"/>
+                <a:ea typeface="新宋体" panose="02010609030101010101" pitchFamily="49" charset="-122"/>
+                <a:cs typeface="Times New Roman" panose="02020603050405020304" pitchFamily="18" charset="0"/>
+              </a:rPr>
+              <a:t>　</a:t>
+            </a:r>
+            <a:r>
+              <a:rPr lang="en-US" altLang="zh-CN" sz="1800" u="sng" kern="100" dirty="0">
+                <a:effectLst/>
+                <a:latin typeface="Times New Roman" panose="02020603050405020304" pitchFamily="18" charset="0"/>
+                <a:ea typeface="新宋体" panose="02010609030101010101" pitchFamily="49" charset="-122"/>
+                <a:cs typeface="Times New Roman" panose="02020603050405020304" pitchFamily="18" charset="0"/>
+              </a:rPr>
+              <a:t>         </a:t>
+            </a:r>
+            <a:r>
+              <a:rPr lang="zh-CN" altLang="zh-CN" sz="1800" u="sng" kern="100" dirty="0">
+                <a:effectLst/>
+                <a:latin typeface="Times New Roman" panose="02020603050405020304" pitchFamily="18" charset="0"/>
+                <a:ea typeface="新宋体" panose="02010609030101010101" pitchFamily="49" charset="-122"/>
+                <a:cs typeface="Times New Roman" panose="02020603050405020304" pitchFamily="18" charset="0"/>
+              </a:rPr>
+              <a:t>　</a:t>
+            </a:r>
+            <a:r>
+              <a:rPr lang="zh-CN" altLang="zh-CN" sz="1800" kern="100" dirty="0">
+                <a:effectLst/>
+                <a:latin typeface="Times New Roman" panose="02020603050405020304" pitchFamily="18" charset="0"/>
+                <a:ea typeface="新宋体" panose="02010609030101010101" pitchFamily="49" charset="-122"/>
+                <a:cs typeface="Times New Roman" panose="02020603050405020304" pitchFamily="18" charset="0"/>
+              </a:rPr>
+              <a:t>，古道西风瘦马。（马致远《天净沙•秋思》）</a:t>
             </a:r>
             <a:endParaRPr lang="zh-CN" altLang="zh-CN" sz="1800" kern="100" dirty="0">
               <a:effectLst/>
-              <a:latin typeface="等线" panose="02010600030101010101" pitchFamily="2" charset="-122"/>
-              <a:ea typeface="等线" panose="02010600030101010101" pitchFamily="2" charset="-122"/>
+              <a:latin typeface="Calibri" panose="020F0502020204030204" pitchFamily="34" charset="0"/>
+              <a:ea typeface="宋体" panose="02010600030101010101" pitchFamily="2" charset="-122"/>
               <a:cs typeface="Times New Roman" panose="02020603050405020304" pitchFamily="18" charset="0"/>
             </a:endParaRPr>
           </a:p>
           <a:p>
-            <a:pPr indent="173355" algn="l">
+            <a:pPr marL="173355" algn="just">
               <a:lnSpc>
                 <a:spcPct val="150000"/>
               </a:lnSpc>
             </a:pPr>
             <a:r>
-              <a:rPr lang="en-US" altLang="zh-CN" sz="1800" kern="100" dirty="0">
-                <a:effectLst/>
-                <a:latin typeface="Times New Roman" panose="02020603050405020304" pitchFamily="18" charset="0"/>
-                <a:ea typeface="新宋体" panose="02010609030101010101" pitchFamily="49" charset="-122"/>
-                <a:cs typeface="Times New Roman" panose="02020603050405020304" pitchFamily="18" charset="0"/>
-              </a:rPr>
-              <a:t>B</a:t>
-            </a:r>
-            <a:r>
-              <a:rPr lang="zh-CN" altLang="zh-CN" sz="1800" kern="100" dirty="0">
-                <a:effectLst/>
-                <a:latin typeface="Times New Roman" panose="02020603050405020304" pitchFamily="18" charset="0"/>
-                <a:ea typeface="新宋体" panose="02010609030101010101" pitchFamily="49" charset="-122"/>
-                <a:cs typeface="Times New Roman" panose="02020603050405020304" pitchFamily="18" charset="0"/>
-              </a:rPr>
-              <a:t>．全红婵在杭州亚运会再现“满分一跳”，真是骇人听闻。</a:t>
-            </a:r>
-            <a:r>
-              <a:rPr lang="en-US" altLang="zh-CN" sz="1800" kern="100" dirty="0">
-                <a:effectLst/>
-                <a:latin typeface="等线" panose="02010600030101010101" pitchFamily="2" charset="-122"/>
-                <a:ea typeface="等线" panose="02010600030101010101" pitchFamily="2" charset="-122"/>
-                <a:cs typeface="Times New Roman" panose="02020603050405020304" pitchFamily="18" charset="0"/>
-              </a:rPr>
-              <a:t>	</a:t>
+              <a:rPr lang="zh-CN" altLang="zh-CN" sz="1800" kern="100" dirty="0">
+                <a:effectLst/>
+                <a:latin typeface="Times New Roman" panose="02020603050405020304" pitchFamily="18" charset="0"/>
+                <a:ea typeface="Calibri" panose="020F0502020204030204" pitchFamily="34" charset="0"/>
+                <a:cs typeface="Times New Roman" panose="02020603050405020304" pitchFamily="18" charset="0"/>
+              </a:rPr>
+              <a:t>⑥</a:t>
+            </a:r>
+            <a:r>
+              <a:rPr lang="zh-CN" altLang="zh-CN" sz="1800" u="sng" kern="100" dirty="0">
+                <a:effectLst/>
+                <a:latin typeface="Times New Roman" panose="02020603050405020304" pitchFamily="18" charset="0"/>
+                <a:ea typeface="新宋体" panose="02010609030101010101" pitchFamily="49" charset="-122"/>
+                <a:cs typeface="Times New Roman" panose="02020603050405020304" pitchFamily="18" charset="0"/>
+              </a:rPr>
+              <a:t>　</a:t>
+            </a:r>
+            <a:r>
+              <a:rPr lang="en-US" altLang="zh-CN" sz="1800" u="sng" kern="100" dirty="0">
+                <a:effectLst/>
+                <a:latin typeface="Times New Roman" panose="02020603050405020304" pitchFamily="18" charset="0"/>
+                <a:ea typeface="新宋体" panose="02010609030101010101" pitchFamily="49" charset="-122"/>
+                <a:cs typeface="Times New Roman" panose="02020603050405020304" pitchFamily="18" charset="0"/>
+              </a:rPr>
+              <a:t>          </a:t>
+            </a:r>
+            <a:r>
+              <a:rPr lang="zh-CN" altLang="zh-CN" sz="1800" u="sng" kern="100" dirty="0">
+                <a:effectLst/>
+                <a:latin typeface="Times New Roman" panose="02020603050405020304" pitchFamily="18" charset="0"/>
+                <a:ea typeface="新宋体" panose="02010609030101010101" pitchFamily="49" charset="-122"/>
+                <a:cs typeface="Times New Roman" panose="02020603050405020304" pitchFamily="18" charset="0"/>
+              </a:rPr>
+              <a:t>　</a:t>
+            </a:r>
+            <a:r>
+              <a:rPr lang="zh-CN" altLang="zh-CN" sz="1800" kern="100" dirty="0">
+                <a:effectLst/>
+                <a:latin typeface="Times New Roman" panose="02020603050405020304" pitchFamily="18" charset="0"/>
+                <a:ea typeface="新宋体" panose="02010609030101010101" pitchFamily="49" charset="-122"/>
+                <a:cs typeface="Times New Roman" panose="02020603050405020304" pitchFamily="18" charset="0"/>
+              </a:rPr>
+              <a:t>，影入平羌江水流。（李白《峨眉山月歌》）</a:t>
             </a:r>
             <a:endParaRPr lang="zh-CN" altLang="zh-CN" sz="1800" kern="100" dirty="0">
               <a:effectLst/>
-              <a:latin typeface="等线" panose="02010600030101010101" pitchFamily="2" charset="-122"/>
-              <a:ea typeface="等线" panose="02010600030101010101" pitchFamily="2" charset="-122"/>
+              <a:latin typeface="Calibri" panose="020F0502020204030204" pitchFamily="34" charset="0"/>
+              <a:ea typeface="宋体" panose="02010600030101010101" pitchFamily="2" charset="-122"/>
               <a:cs typeface="Times New Roman" panose="02020603050405020304" pitchFamily="18" charset="0"/>
             </a:endParaRPr>
           </a:p>
           <a:p>
-            <a:pPr indent="173355" algn="l">
+            <a:pPr marL="173355" algn="just">
               <a:lnSpc>
                 <a:spcPct val="150000"/>
               </a:lnSpc>
             </a:pPr>
             <a:r>
+              <a:rPr lang="zh-CN" altLang="zh-CN" sz="1800" kern="100" dirty="0">
+                <a:effectLst/>
+                <a:latin typeface="Times New Roman" panose="02020603050405020304" pitchFamily="18" charset="0"/>
+                <a:ea typeface="新宋体" panose="02010609030101010101" pitchFamily="49" charset="-122"/>
+                <a:cs typeface="Times New Roman" panose="02020603050405020304" pitchFamily="18" charset="0"/>
+              </a:rPr>
+              <a:t>（</a:t>
+            </a:r>
+            <a:r>
               <a:rPr lang="en-US" altLang="zh-CN" sz="1800" kern="100" dirty="0">
                 <a:effectLst/>
                 <a:latin typeface="Times New Roman" panose="02020603050405020304" pitchFamily="18" charset="0"/>
                 <a:ea typeface="新宋体" panose="02010609030101010101" pitchFamily="49" charset="-122"/>
                 <a:cs typeface="Times New Roman" panose="02020603050405020304" pitchFamily="18" charset="0"/>
               </a:rPr>
-              <a:t>C</a:t>
-            </a:r>
-            <a:r>
-              <a:rPr lang="zh-CN" altLang="zh-CN" sz="1800" kern="100" dirty="0">
-                <a:effectLst/>
-                <a:latin typeface="Times New Roman" panose="02020603050405020304" pitchFamily="18" charset="0"/>
-                <a:ea typeface="新宋体" panose="02010609030101010101" pitchFamily="49" charset="-122"/>
-                <a:cs typeface="Times New Roman" panose="02020603050405020304" pitchFamily="18" charset="0"/>
-              </a:rPr>
-              <a:t>．悦悦毫无悬念地获得了演讲比赛冠军，让大家喜出望外。</a:t>
-            </a:r>
-            <a:r>
-              <a:rPr lang="en-US" altLang="zh-CN" sz="1800" kern="100" dirty="0">
-                <a:effectLst/>
-                <a:latin typeface="等线" panose="02010600030101010101" pitchFamily="2" charset="-122"/>
-                <a:ea typeface="等线" panose="02010600030101010101" pitchFamily="2" charset="-122"/>
-                <a:cs typeface="Times New Roman" panose="02020603050405020304" pitchFamily="18" charset="0"/>
-              </a:rPr>
-              <a:t>	</a:t>
+              <a:t>2</a:t>
+            </a:r>
+            <a:r>
+              <a:rPr lang="zh-CN" altLang="zh-CN" sz="1800" kern="100" dirty="0">
+                <a:effectLst/>
+                <a:latin typeface="Times New Roman" panose="02020603050405020304" pitchFamily="18" charset="0"/>
+                <a:ea typeface="新宋体" panose="02010609030101010101" pitchFamily="49" charset="-122"/>
+                <a:cs typeface="Times New Roman" panose="02020603050405020304" pitchFamily="18" charset="0"/>
+              </a:rPr>
+              <a:t>）根据语境，在横线上填入古诗词句。</a:t>
             </a:r>
             <a:endParaRPr lang="zh-CN" altLang="zh-CN" sz="1800" kern="100" dirty="0">
               <a:effectLst/>
-              <a:latin typeface="等线" panose="02010600030101010101" pitchFamily="2" charset="-122"/>
-              <a:ea typeface="等线" panose="02010600030101010101" pitchFamily="2" charset="-122"/>
+              <a:latin typeface="Calibri" panose="020F0502020204030204" pitchFamily="34" charset="0"/>
+              <a:ea typeface="宋体" panose="02010600030101010101" pitchFamily="2" charset="-122"/>
               <a:cs typeface="Times New Roman" panose="02020603050405020304" pitchFamily="18" charset="0"/>
             </a:endParaRPr>
           </a:p>
           <a:p>
-            <a:pPr indent="173355" algn="l">
+            <a:pPr marL="173355" algn="just">
               <a:lnSpc>
                 <a:spcPct val="150000"/>
               </a:lnSpc>
             </a:pPr>
             <a:r>
-              <a:rPr lang="en-US" altLang="zh-CN" sz="1800" kern="100" dirty="0">
-                <a:effectLst/>
-                <a:latin typeface="Times New Roman" panose="02020603050405020304" pitchFamily="18" charset="0"/>
-                <a:ea typeface="新宋体" panose="02010609030101010101" pitchFamily="49" charset="-122"/>
-                <a:cs typeface="Times New Roman" panose="02020603050405020304" pitchFamily="18" charset="0"/>
-              </a:rPr>
-              <a:t>D</a:t>
-            </a:r>
-            <a:r>
-              <a:rPr lang="zh-CN" altLang="zh-CN" sz="1800" kern="100" dirty="0">
-                <a:effectLst/>
-                <a:latin typeface="Times New Roman" panose="02020603050405020304" pitchFamily="18" charset="0"/>
-                <a:ea typeface="新宋体" panose="02010609030101010101" pitchFamily="49" charset="-122"/>
-                <a:cs typeface="Times New Roman" panose="02020603050405020304" pitchFamily="18" charset="0"/>
-              </a:rPr>
-              <a:t>．香雪公园盛开的梅花美不胜收，吸引摄影师们前来打卡。</a:t>
+              <a:rPr lang="zh-CN" altLang="zh-CN" sz="1800" kern="100" dirty="0">
+                <a:effectLst/>
+                <a:latin typeface="Times New Roman" panose="02020603050405020304" pitchFamily="18" charset="0"/>
+                <a:ea typeface="Calibri" panose="020F0502020204030204" pitchFamily="34" charset="0"/>
+                <a:cs typeface="Times New Roman" panose="02020603050405020304" pitchFamily="18" charset="0"/>
+              </a:rPr>
+              <a:t>①</a:t>
+            </a:r>
+            <a:r>
+              <a:rPr lang="zh-CN" altLang="zh-CN" sz="1800" kern="100" dirty="0">
+                <a:effectLst/>
+                <a:latin typeface="Times New Roman" panose="02020603050405020304" pitchFamily="18" charset="0"/>
+                <a:ea typeface="新宋体" panose="02010609030101010101" pitchFamily="49" charset="-122"/>
+                <a:cs typeface="Times New Roman" panose="02020603050405020304" pitchFamily="18" charset="0"/>
+              </a:rPr>
+              <a:t>《次北固山下》表现作者无限乡思的诗句是：</a:t>
+            </a:r>
+            <a:r>
+              <a:rPr lang="zh-CN" altLang="zh-CN" sz="1800" u="sng" kern="100" dirty="0">
+                <a:effectLst/>
+                <a:latin typeface="Times New Roman" panose="02020603050405020304" pitchFamily="18" charset="0"/>
+                <a:ea typeface="新宋体" panose="02010609030101010101" pitchFamily="49" charset="-122"/>
+                <a:cs typeface="Times New Roman" panose="02020603050405020304" pitchFamily="18" charset="0"/>
+              </a:rPr>
+              <a:t>　</a:t>
+            </a:r>
+            <a:r>
+              <a:rPr lang="en-US" altLang="zh-CN" sz="1800" u="sng" kern="100" dirty="0">
+                <a:effectLst/>
+                <a:latin typeface="Times New Roman" panose="02020603050405020304" pitchFamily="18" charset="0"/>
+                <a:ea typeface="新宋体" panose="02010609030101010101" pitchFamily="49" charset="-122"/>
+                <a:cs typeface="Times New Roman" panose="02020603050405020304" pitchFamily="18" charset="0"/>
+              </a:rPr>
+              <a:t>        </a:t>
+            </a:r>
+            <a:r>
+              <a:rPr lang="zh-CN" altLang="zh-CN" sz="1800" u="sng" kern="100" dirty="0">
+                <a:effectLst/>
+                <a:latin typeface="Times New Roman" panose="02020603050405020304" pitchFamily="18" charset="0"/>
+                <a:ea typeface="新宋体" panose="02010609030101010101" pitchFamily="49" charset="-122"/>
+                <a:cs typeface="Times New Roman" panose="02020603050405020304" pitchFamily="18" charset="0"/>
+              </a:rPr>
+              <a:t>　</a:t>
+            </a:r>
+            <a:r>
+              <a:rPr lang="zh-CN" altLang="zh-CN" sz="1800" kern="100" dirty="0">
+                <a:effectLst/>
+                <a:latin typeface="Times New Roman" panose="02020603050405020304" pitchFamily="18" charset="0"/>
+                <a:ea typeface="新宋体" panose="02010609030101010101" pitchFamily="49" charset="-122"/>
+                <a:cs typeface="Times New Roman" panose="02020603050405020304" pitchFamily="18" charset="0"/>
+              </a:rPr>
+              <a:t>，</a:t>
+            </a:r>
+            <a:r>
+              <a:rPr lang="zh-CN" altLang="zh-CN" sz="1800" u="sng" kern="100" dirty="0">
+                <a:effectLst/>
+                <a:latin typeface="Times New Roman" panose="02020603050405020304" pitchFamily="18" charset="0"/>
+                <a:ea typeface="新宋体" panose="02010609030101010101" pitchFamily="49" charset="-122"/>
+                <a:cs typeface="Times New Roman" panose="02020603050405020304" pitchFamily="18" charset="0"/>
+              </a:rPr>
+              <a:t>　</a:t>
+            </a:r>
+            <a:r>
+              <a:rPr lang="en-US" altLang="zh-CN" sz="1800" u="sng" kern="100" dirty="0">
+                <a:effectLst/>
+                <a:latin typeface="Times New Roman" panose="02020603050405020304" pitchFamily="18" charset="0"/>
+                <a:ea typeface="新宋体" panose="02010609030101010101" pitchFamily="49" charset="-122"/>
+                <a:cs typeface="Times New Roman" panose="02020603050405020304" pitchFamily="18" charset="0"/>
+              </a:rPr>
+              <a:t>        </a:t>
+            </a:r>
+            <a:r>
+              <a:rPr lang="zh-CN" altLang="zh-CN" sz="1800" u="sng" kern="100" dirty="0">
+                <a:effectLst/>
+                <a:latin typeface="Times New Roman" panose="02020603050405020304" pitchFamily="18" charset="0"/>
+                <a:ea typeface="新宋体" panose="02010609030101010101" pitchFamily="49" charset="-122"/>
+                <a:cs typeface="Times New Roman" panose="02020603050405020304" pitchFamily="18" charset="0"/>
+              </a:rPr>
+              <a:t>　</a:t>
+            </a:r>
+            <a:r>
+              <a:rPr lang="zh-CN" altLang="zh-CN" sz="1800" kern="100" dirty="0">
+                <a:effectLst/>
+                <a:latin typeface="Times New Roman" panose="02020603050405020304" pitchFamily="18" charset="0"/>
+                <a:ea typeface="新宋体" panose="02010609030101010101" pitchFamily="49" charset="-122"/>
+                <a:cs typeface="Times New Roman" panose="02020603050405020304" pitchFamily="18" charset="0"/>
+              </a:rPr>
+              <a:t>。</a:t>
             </a:r>
             <a:endParaRPr lang="zh-CN" altLang="zh-CN" sz="1800" kern="100" dirty="0">
               <a:effectLst/>
-              <a:latin typeface="等线" panose="02010600030101010101" pitchFamily="2" charset="-122"/>
-              <a:ea typeface="等线" panose="02010600030101010101" pitchFamily="2" charset="-122"/>
+              <a:latin typeface="Calibri" panose="020F0502020204030204" pitchFamily="34" charset="0"/>
+              <a:ea typeface="宋体" panose="02010600030101010101" pitchFamily="2" charset="-122"/>
+              <a:cs typeface="Times New Roman" panose="02020603050405020304" pitchFamily="18" charset="0"/>
+            </a:endParaRPr>
+          </a:p>
+          <a:p>
+            <a:pPr marL="173355" algn="just">
+              <a:lnSpc>
+                <a:spcPct val="150000"/>
+              </a:lnSpc>
+            </a:pPr>
+            <a:r>
+              <a:rPr lang="zh-CN" altLang="zh-CN" sz="1800" kern="100" dirty="0">
+                <a:effectLst/>
+                <a:latin typeface="Times New Roman" panose="02020603050405020304" pitchFamily="18" charset="0"/>
+                <a:ea typeface="Calibri" panose="020F0502020204030204" pitchFamily="34" charset="0"/>
+                <a:cs typeface="Times New Roman" panose="02020603050405020304" pitchFamily="18" charset="0"/>
+              </a:rPr>
+              <a:t>②</a:t>
+            </a:r>
+            <a:r>
+              <a:rPr lang="zh-CN" altLang="zh-CN" sz="1800" kern="100" dirty="0">
+                <a:effectLst/>
+                <a:latin typeface="Times New Roman" panose="02020603050405020304" pitchFamily="18" charset="0"/>
+                <a:ea typeface="新宋体" panose="02010609030101010101" pitchFamily="49" charset="-122"/>
+                <a:cs typeface="Times New Roman" panose="02020603050405020304" pitchFamily="18" charset="0"/>
+              </a:rPr>
+              <a:t>《天净沙•秋思》中直接道出天涯游子之悲的句子是：</a:t>
+            </a:r>
+            <a:r>
+              <a:rPr lang="zh-CN" altLang="zh-CN" sz="1800" u="sng" kern="100" dirty="0">
+                <a:effectLst/>
+                <a:latin typeface="Times New Roman" panose="02020603050405020304" pitchFamily="18" charset="0"/>
+                <a:ea typeface="新宋体" panose="02010609030101010101" pitchFamily="49" charset="-122"/>
+                <a:cs typeface="Times New Roman" panose="02020603050405020304" pitchFamily="18" charset="0"/>
+              </a:rPr>
+              <a:t>　</a:t>
+            </a:r>
+            <a:r>
+              <a:rPr lang="en-US" altLang="zh-CN" sz="1800" u="sng" kern="100" dirty="0">
+                <a:effectLst/>
+                <a:latin typeface="Times New Roman" panose="02020603050405020304" pitchFamily="18" charset="0"/>
+                <a:ea typeface="新宋体" panose="02010609030101010101" pitchFamily="49" charset="-122"/>
+                <a:cs typeface="Times New Roman" panose="02020603050405020304" pitchFamily="18" charset="0"/>
+              </a:rPr>
+              <a:t>       </a:t>
+            </a:r>
+            <a:r>
+              <a:rPr lang="zh-CN" altLang="zh-CN" sz="1800" u="sng" kern="100" dirty="0">
+                <a:effectLst/>
+                <a:latin typeface="Times New Roman" panose="02020603050405020304" pitchFamily="18" charset="0"/>
+                <a:ea typeface="新宋体" panose="02010609030101010101" pitchFamily="49" charset="-122"/>
+                <a:cs typeface="Times New Roman" panose="02020603050405020304" pitchFamily="18" charset="0"/>
+              </a:rPr>
+              <a:t>　</a:t>
+            </a:r>
+            <a:r>
+              <a:rPr lang="zh-CN" altLang="zh-CN" sz="1800" kern="100" dirty="0">
+                <a:effectLst/>
+                <a:latin typeface="Times New Roman" panose="02020603050405020304" pitchFamily="18" charset="0"/>
+                <a:ea typeface="新宋体" panose="02010609030101010101" pitchFamily="49" charset="-122"/>
+                <a:cs typeface="Times New Roman" panose="02020603050405020304" pitchFamily="18" charset="0"/>
+              </a:rPr>
+              <a:t>，</a:t>
+            </a:r>
+            <a:r>
+              <a:rPr lang="zh-CN" altLang="zh-CN" sz="1800" u="sng" kern="100" dirty="0">
+                <a:effectLst/>
+                <a:latin typeface="Times New Roman" panose="02020603050405020304" pitchFamily="18" charset="0"/>
+                <a:ea typeface="新宋体" panose="02010609030101010101" pitchFamily="49" charset="-122"/>
+                <a:cs typeface="Times New Roman" panose="02020603050405020304" pitchFamily="18" charset="0"/>
+              </a:rPr>
+              <a:t>　</a:t>
+            </a:r>
+            <a:r>
+              <a:rPr lang="en-US" altLang="zh-CN" sz="1800" u="sng" kern="100" dirty="0">
+                <a:effectLst/>
+                <a:latin typeface="Times New Roman" panose="02020603050405020304" pitchFamily="18" charset="0"/>
+                <a:ea typeface="新宋体" panose="02010609030101010101" pitchFamily="49" charset="-122"/>
+                <a:cs typeface="Times New Roman" panose="02020603050405020304" pitchFamily="18" charset="0"/>
+              </a:rPr>
+              <a:t>         </a:t>
+            </a:r>
+            <a:r>
+              <a:rPr lang="zh-CN" altLang="zh-CN" sz="1800" u="sng" kern="100" dirty="0">
+                <a:effectLst/>
+                <a:latin typeface="Times New Roman" panose="02020603050405020304" pitchFamily="18" charset="0"/>
+                <a:ea typeface="新宋体" panose="02010609030101010101" pitchFamily="49" charset="-122"/>
+                <a:cs typeface="Times New Roman" panose="02020603050405020304" pitchFamily="18" charset="0"/>
+              </a:rPr>
+              <a:t>　</a:t>
+            </a:r>
+            <a:r>
+              <a:rPr lang="zh-CN" altLang="zh-CN" sz="1800" kern="100" dirty="0">
+                <a:effectLst/>
+                <a:latin typeface="Times New Roman" panose="02020603050405020304" pitchFamily="18" charset="0"/>
+                <a:ea typeface="新宋体" panose="02010609030101010101" pitchFamily="49" charset="-122"/>
+                <a:cs typeface="Times New Roman" panose="02020603050405020304" pitchFamily="18" charset="0"/>
+              </a:rPr>
+              <a:t>。</a:t>
+            </a:r>
+            <a:endParaRPr lang="zh-CN" altLang="zh-CN" sz="1800" kern="100" dirty="0">
+              <a:effectLst/>
+              <a:latin typeface="Calibri" panose="020F0502020204030204" pitchFamily="34" charset="0"/>
+              <a:ea typeface="宋体" panose="02010600030101010101" pitchFamily="2" charset="-122"/>
+              <a:cs typeface="Times New Roman" panose="02020603050405020304" pitchFamily="18" charset="0"/>
+            </a:endParaRPr>
+          </a:p>
+          <a:p>
+            <a:pPr marL="173355" algn="just">
+              <a:lnSpc>
+                <a:spcPct val="150000"/>
+              </a:lnSpc>
+            </a:pPr>
+            <a:r>
+              <a:rPr lang="zh-CN" altLang="zh-CN" sz="1800" kern="100" dirty="0">
+                <a:effectLst/>
+                <a:latin typeface="Times New Roman" panose="02020603050405020304" pitchFamily="18" charset="0"/>
+                <a:ea typeface="Calibri" panose="020F0502020204030204" pitchFamily="34" charset="0"/>
+                <a:cs typeface="Times New Roman" panose="02020603050405020304" pitchFamily="18" charset="0"/>
+              </a:rPr>
+              <a:t>③</a:t>
+            </a:r>
+            <a:r>
+              <a:rPr lang="zh-CN" altLang="zh-CN" sz="1800" kern="100" dirty="0">
+                <a:effectLst/>
+                <a:latin typeface="Times New Roman" panose="02020603050405020304" pitchFamily="18" charset="0"/>
+                <a:ea typeface="新宋体" panose="02010609030101010101" pitchFamily="49" charset="-122"/>
+                <a:cs typeface="Times New Roman" panose="02020603050405020304" pitchFamily="18" charset="0"/>
+              </a:rPr>
+              <a:t>李白的《闻王昌龄左迁龙标遥有此寄》中以景写哀，衬托作者听到友人被贬的消息后的伤感的句子是：</a:t>
+            </a:r>
+            <a:r>
+              <a:rPr lang="zh-CN" altLang="zh-CN" sz="1800" u="sng" kern="100" dirty="0">
+                <a:effectLst/>
+                <a:latin typeface="Times New Roman" panose="02020603050405020304" pitchFamily="18" charset="0"/>
+                <a:ea typeface="新宋体" panose="02010609030101010101" pitchFamily="49" charset="-122"/>
+                <a:cs typeface="Times New Roman" panose="02020603050405020304" pitchFamily="18" charset="0"/>
+              </a:rPr>
+              <a:t>　</a:t>
+            </a:r>
+            <a:r>
+              <a:rPr lang="en-US" altLang="zh-CN" sz="1800" u="sng" kern="100" dirty="0">
+                <a:effectLst/>
+                <a:latin typeface="Times New Roman" panose="02020603050405020304" pitchFamily="18" charset="0"/>
+                <a:ea typeface="新宋体" panose="02010609030101010101" pitchFamily="49" charset="-122"/>
+                <a:cs typeface="Times New Roman" panose="02020603050405020304" pitchFamily="18" charset="0"/>
+              </a:rPr>
+              <a:t>          </a:t>
+            </a:r>
+            <a:r>
+              <a:rPr lang="zh-CN" altLang="zh-CN" sz="1800" u="sng" kern="100" dirty="0">
+                <a:effectLst/>
+                <a:latin typeface="Times New Roman" panose="02020603050405020304" pitchFamily="18" charset="0"/>
+                <a:ea typeface="新宋体" panose="02010609030101010101" pitchFamily="49" charset="-122"/>
+                <a:cs typeface="Times New Roman" panose="02020603050405020304" pitchFamily="18" charset="0"/>
+              </a:rPr>
+              <a:t>　</a:t>
+            </a:r>
+            <a:r>
+              <a:rPr lang="zh-CN" altLang="zh-CN" sz="1800" kern="100" dirty="0">
+                <a:effectLst/>
+                <a:latin typeface="Times New Roman" panose="02020603050405020304" pitchFamily="18" charset="0"/>
+                <a:ea typeface="新宋体" panose="02010609030101010101" pitchFamily="49" charset="-122"/>
+                <a:cs typeface="Times New Roman" panose="02020603050405020304" pitchFamily="18" charset="0"/>
+              </a:rPr>
+              <a:t>，</a:t>
+            </a:r>
+            <a:r>
+              <a:rPr lang="zh-CN" altLang="zh-CN" sz="1800" u="sng" kern="100" dirty="0">
+                <a:effectLst/>
+                <a:latin typeface="Times New Roman" panose="02020603050405020304" pitchFamily="18" charset="0"/>
+                <a:ea typeface="新宋体" panose="02010609030101010101" pitchFamily="49" charset="-122"/>
+                <a:cs typeface="Times New Roman" panose="02020603050405020304" pitchFamily="18" charset="0"/>
+              </a:rPr>
+              <a:t>　</a:t>
+            </a:r>
+            <a:r>
+              <a:rPr lang="en-US" altLang="zh-CN" sz="1800" u="sng" kern="100" dirty="0">
+                <a:effectLst/>
+                <a:latin typeface="Times New Roman" panose="02020603050405020304" pitchFamily="18" charset="0"/>
+                <a:ea typeface="新宋体" panose="02010609030101010101" pitchFamily="49" charset="-122"/>
+                <a:cs typeface="Times New Roman" panose="02020603050405020304" pitchFamily="18" charset="0"/>
+              </a:rPr>
+              <a:t>          </a:t>
+            </a:r>
+            <a:r>
+              <a:rPr lang="zh-CN" altLang="zh-CN" sz="1800" u="sng" kern="100" dirty="0">
+                <a:effectLst/>
+                <a:latin typeface="Times New Roman" panose="02020603050405020304" pitchFamily="18" charset="0"/>
+                <a:ea typeface="新宋体" panose="02010609030101010101" pitchFamily="49" charset="-122"/>
+                <a:cs typeface="Times New Roman" panose="02020603050405020304" pitchFamily="18" charset="0"/>
+              </a:rPr>
+              <a:t>　</a:t>
+            </a:r>
+            <a:r>
+              <a:rPr lang="zh-CN" altLang="zh-CN" sz="1800" kern="100" dirty="0">
+                <a:effectLst/>
+                <a:latin typeface="Times New Roman" panose="02020603050405020304" pitchFamily="18" charset="0"/>
+                <a:ea typeface="新宋体" panose="02010609030101010101" pitchFamily="49" charset="-122"/>
+                <a:cs typeface="Times New Roman" panose="02020603050405020304" pitchFamily="18" charset="0"/>
+              </a:rPr>
+              <a:t>。</a:t>
+            </a:r>
+            <a:endParaRPr lang="zh-CN" altLang="zh-CN" sz="1800" kern="100" dirty="0">
+              <a:effectLst/>
+              <a:latin typeface="Calibri" panose="020F0502020204030204" pitchFamily="34" charset="0"/>
+              <a:ea typeface="宋体" panose="02010600030101010101" pitchFamily="2" charset="-122"/>
               <a:cs typeface="Times New Roman" panose="02020603050405020304" pitchFamily="18" charset="0"/>
             </a:endParaRPr>
           </a:p>
@@ -4670,7 +4594,7 @@
     </p:spTree>
     <p:extLst>
       <p:ext uri="{BB962C8B-B14F-4D97-AF65-F5344CB8AC3E}">
-        <p14:creationId xmlns:p14="http://schemas.microsoft.com/office/powerpoint/2010/main" val="521648225"/>
+        <p14:creationId xmlns:p14="http://schemas.microsoft.com/office/powerpoint/2010/main" val="305214248"/>
       </p:ext>
     </p:extLst>
   </p:cSld>
@@ -4699,39 +4623,10 @@
       </p:grpSpPr>
       <p:sp>
         <p:nvSpPr>
-          <p:cNvPr id="2" name="标题 1">
-            <a:extLst>
-              <a:ext uri="{FF2B5EF4-FFF2-40B4-BE49-F238E27FC236}">
-                <a16:creationId xmlns:a16="http://schemas.microsoft.com/office/drawing/2014/main" id="{4ACB8760-62CA-86F6-227A-D9198D4FC5CE}"/>
-              </a:ext>
-            </a:extLst>
-          </p:cNvPr>
-          <p:cNvSpPr>
-            <a:spLocks noGrp="1"/>
-          </p:cNvSpPr>
-          <p:nvPr>
-            <p:ph type="title"/>
-          </p:nvPr>
-        </p:nvSpPr>
-        <p:spPr/>
-        <p:txBody>
-          <a:bodyPr/>
-          <a:lstStyle/>
-          <a:p>
-            <a:r>
-              <a:rPr lang="en-US" altLang="zh-CN" dirty="0"/>
-              <a:t>8</a:t>
-            </a:r>
-            <a:endParaRPr lang="zh-CN" altLang="en-US" dirty="0"/>
-          </a:p>
-        </p:txBody>
-      </p:sp>
-      <p:sp>
-        <p:nvSpPr>
           <p:cNvPr id="3" name="内容占位符 2">
             <a:extLst>
               <a:ext uri="{FF2B5EF4-FFF2-40B4-BE49-F238E27FC236}">
-                <a16:creationId xmlns:a16="http://schemas.microsoft.com/office/drawing/2014/main" id="{4B37178E-CFB7-3CA0-1B95-A0BDE054581E}"/>
+                <a16:creationId xmlns:a16="http://schemas.microsoft.com/office/drawing/2014/main" id="{51585567-AC34-5EAD-9D9A-D5C1BE67BA1F}"/>
               </a:ext>
             </a:extLst>
           </p:cNvPr>
@@ -4742,38 +4637,40 @@
             <p:ph idx="1"/>
           </p:nvPr>
         </p:nvSpPr>
-        <p:spPr/>
+        <p:spPr>
+          <a:xfrm>
+            <a:off x="838200" y="182880"/>
+            <a:ext cx="10515600" cy="5994083"/>
+          </a:xfrm>
+        </p:spPr>
         <p:txBody>
           <a:bodyPr>
-            <a:normAutofit fontScale="85000" lnSpcReduction="10000"/>
+            <a:normAutofit/>
           </a:bodyPr>
           <a:lstStyle/>
           <a:p>
-            <a:pPr marL="173355" algn="just">
+            <a:pPr marL="173355" indent="-173355" algn="just">
               <a:lnSpc>
                 <a:spcPct val="150000"/>
               </a:lnSpc>
             </a:pPr>
             <a:r>
-              <a:rPr lang="zh-CN" altLang="zh-CN" sz="1800" kern="100" dirty="0">
-                <a:solidFill>
-                  <a:srgbClr val="0000FF"/>
-                </a:solidFill>
-                <a:effectLst/>
-                <a:latin typeface="Times New Roman" panose="02020603050405020304" pitchFamily="18" charset="0"/>
-                <a:ea typeface="新宋体" panose="02010609030101010101" pitchFamily="49" charset="-122"/>
-                <a:cs typeface="Times New Roman" panose="02020603050405020304" pitchFamily="18" charset="0"/>
-              </a:rPr>
-              <a:t>【分析】</a:t>
-            </a:r>
-            <a:r>
-              <a:rPr lang="zh-CN" altLang="zh-CN" sz="1800" kern="100" dirty="0">
-                <a:effectLst/>
-                <a:latin typeface="Times New Roman" panose="02020603050405020304" pitchFamily="18" charset="0"/>
-                <a:ea typeface="新宋体" panose="02010609030101010101" pitchFamily="49" charset="-122"/>
-                <a:cs typeface="Times New Roman" panose="02020603050405020304" pitchFamily="18" charset="0"/>
-              </a:rPr>
-              <a:t>本题考查成语熟语。解答此类问题时，一方面要注意在平时打好基础，积累成语的意思，注意区分成语的常见错误用法，如张冠李戴、褒贬误用等，另一方面，答题时要注意联系语境作答，看成语在句中是否合适。</a:t>
+              <a:rPr lang="en-US" altLang="zh-CN" sz="1800" kern="100" dirty="0">
+                <a:effectLst/>
+                <a:latin typeface="Times New Roman" panose="02020603050405020304" pitchFamily="18" charset="0"/>
+                <a:ea typeface="新宋体" panose="02010609030101010101" pitchFamily="49" charset="-122"/>
+                <a:cs typeface="Times New Roman" panose="02020603050405020304" pitchFamily="18" charset="0"/>
+              </a:rPr>
+              <a:t>8</a:t>
+            </a:r>
+            <a:r>
+              <a:rPr lang="zh-CN" altLang="zh-CN" sz="1800" kern="100" dirty="0">
+                <a:effectLst/>
+                <a:latin typeface="Times New Roman" panose="02020603050405020304" pitchFamily="18" charset="0"/>
+                <a:ea typeface="新宋体" panose="02010609030101010101" pitchFamily="49" charset="-122"/>
+                <a:cs typeface="Times New Roman" panose="02020603050405020304" pitchFamily="18" charset="0"/>
+              </a:rPr>
+              <a:t>．下列句子中，加点词语使用不恰当的一项是（　　）</a:t>
             </a:r>
             <a:endParaRPr lang="zh-CN" altLang="zh-CN" sz="1800" kern="100" dirty="0">
               <a:effectLst/>
@@ -4783,40 +4680,37 @@
             </a:endParaRPr>
           </a:p>
           <a:p>
-            <a:pPr marL="173355" algn="just">
+            <a:pPr indent="173355" algn="l">
               <a:lnSpc>
                 <a:spcPct val="150000"/>
               </a:lnSpc>
             </a:pPr>
             <a:r>
-              <a:rPr lang="zh-CN" altLang="zh-CN" sz="1800" kern="100" dirty="0">
-                <a:solidFill>
-                  <a:srgbClr val="0000FF"/>
-                </a:solidFill>
-                <a:effectLst/>
-                <a:latin typeface="Times New Roman" panose="02020603050405020304" pitchFamily="18" charset="0"/>
-                <a:ea typeface="新宋体" panose="02010609030101010101" pitchFamily="49" charset="-122"/>
-                <a:cs typeface="Times New Roman" panose="02020603050405020304" pitchFamily="18" charset="0"/>
-              </a:rPr>
-              <a:t>【解答】</a:t>
-            </a:r>
-            <a:r>
               <a:rPr lang="en-US" altLang="zh-CN" sz="1800" kern="100" dirty="0">
                 <a:effectLst/>
                 <a:latin typeface="Times New Roman" panose="02020603050405020304" pitchFamily="18" charset="0"/>
                 <a:ea typeface="新宋体" panose="02010609030101010101" pitchFamily="49" charset="-122"/>
                 <a:cs typeface="Times New Roman" panose="02020603050405020304" pitchFamily="18" charset="0"/>
               </a:rPr>
-              <a:t>A.</a:t>
-            </a:r>
-            <a:r>
-              <a:rPr lang="zh-CN" altLang="zh-CN" sz="1800" kern="100" dirty="0">
-                <a:effectLst/>
-                <a:latin typeface="Times New Roman" panose="02020603050405020304" pitchFamily="18" charset="0"/>
-                <a:ea typeface="新宋体" panose="02010609030101010101" pitchFamily="49" charset="-122"/>
-                <a:cs typeface="Times New Roman" panose="02020603050405020304" pitchFamily="18" charset="0"/>
-              </a:rPr>
-              <a:t>使用有误，花枝招展：比方女孩子或事物姿态优美、艳丽，像花枝那样迎风招展的样子。此处形容灯笼不合适，对象用错。</a:t>
+              <a:t>A</a:t>
+            </a:r>
+            <a:r>
+              <a:rPr lang="zh-CN" altLang="zh-CN" sz="1800" kern="100" dirty="0">
+                <a:effectLst/>
+                <a:latin typeface="Times New Roman" panose="02020603050405020304" pitchFamily="18" charset="0"/>
+                <a:ea typeface="新宋体" panose="02010609030101010101" pitchFamily="49" charset="-122"/>
+                <a:cs typeface="Times New Roman" panose="02020603050405020304" pitchFamily="18" charset="0"/>
+              </a:rPr>
+              <a:t>．中秋节期间，广州沿街的商铺挂上彩灯，造型各异的灯笼花枝招展。</a:t>
+            </a:r>
+            <a:r>
+              <a:rPr lang="en-US" altLang="zh-CN" sz="1800" kern="100" dirty="0">
+                <a:effectLst/>
+                <a:latin typeface="等线" panose="02010600030101010101" pitchFamily="2" charset="-122"/>
+                <a:ea typeface="等线" panose="02010600030101010101" pitchFamily="2" charset="-122"/>
+                <a:cs typeface="Times New Roman" panose="02020603050405020304" pitchFamily="18" charset="0"/>
+              </a:rPr>
+              <a:t>	</a:t>
             </a:r>
             <a:endParaRPr lang="zh-CN" altLang="zh-CN" sz="1800" kern="100" dirty="0">
               <a:effectLst/>
@@ -4826,7 +4720,7 @@
             </a:endParaRPr>
           </a:p>
           <a:p>
-            <a:pPr marL="173355" algn="just">
+            <a:pPr indent="173355" algn="l">
               <a:lnSpc>
                 <a:spcPct val="150000"/>
               </a:lnSpc>
@@ -4838,16 +4732,25 @@
                 <a:ea typeface="新宋体" panose="02010609030101010101" pitchFamily="49" charset="-122"/>
                 <a:cs typeface="Times New Roman" panose="02020603050405020304" pitchFamily="18" charset="0"/>
               </a:rPr>
-              <a:t>B.</a:t>
-            </a:r>
-            <a:r>
-              <a:rPr lang="zh-CN" altLang="zh-CN" sz="1800" kern="100" dirty="0">
-                <a:effectLst/>
-                <a:latin typeface="Times New Roman" panose="02020603050405020304" pitchFamily="18" charset="0"/>
-                <a:ea typeface="新宋体" panose="02010609030101010101" pitchFamily="49" charset="-122"/>
-                <a:cs typeface="Times New Roman" panose="02020603050405020304" pitchFamily="18" charset="0"/>
-              </a:rPr>
-              <a:t>使用正确，花团锦簇：形容五彩缤纷、十分鲜艳的景象。符合语境。</a:t>
+              <a:t>B</a:t>
+            </a:r>
+            <a:r>
+              <a:rPr lang="zh-CN" altLang="zh-CN" sz="1800" kern="100" dirty="0">
+                <a:effectLst/>
+                <a:latin typeface="Times New Roman" panose="02020603050405020304" pitchFamily="18" charset="0"/>
+                <a:ea typeface="新宋体" panose="02010609030101010101" pitchFamily="49" charset="-122"/>
+                <a:cs typeface="Times New Roman" panose="02020603050405020304" pitchFamily="18" charset="0"/>
+              </a:rPr>
+              <a:t>．国庆节来临，祖国各地花团锦簇，处处洋溢着喜庆祥和的节日气氛。</a:t>
+            </a:r>
+            <a:r>
+              <a:rPr lang="en-US" altLang="zh-CN" sz="1800" kern="100" dirty="0">
+                <a:effectLst/>
+                <a:latin typeface="等线" panose="02010600030101010101" pitchFamily="2" charset="-122"/>
+                <a:ea typeface="等线" panose="02010600030101010101" pitchFamily="2" charset="-122"/>
+                <a:cs typeface="Times New Roman" panose="02020603050405020304" pitchFamily="18" charset="0"/>
+              </a:rPr>
+              <a:t>	</a:t>
             </a:r>
             <a:endParaRPr lang="zh-CN" altLang="zh-CN" sz="1800" kern="100" dirty="0">
               <a:effectLst/>
@@ -4857,7 +4760,7 @@
             </a:endParaRPr>
           </a:p>
           <a:p>
-            <a:pPr marL="173355" algn="just">
+            <a:pPr indent="173355" algn="l">
               <a:lnSpc>
                 <a:spcPct val="150000"/>
               </a:lnSpc>
@@ -4869,16 +4772,25 @@
                 <a:ea typeface="新宋体" panose="02010609030101010101" pitchFamily="49" charset="-122"/>
                 <a:cs typeface="Times New Roman" panose="02020603050405020304" pitchFamily="18" charset="0"/>
               </a:rPr>
-              <a:t>C.</a:t>
-            </a:r>
-            <a:r>
-              <a:rPr lang="zh-CN" altLang="zh-CN" sz="1800" kern="100" dirty="0">
-                <a:effectLst/>
-                <a:latin typeface="Times New Roman" panose="02020603050405020304" pitchFamily="18" charset="0"/>
-                <a:ea typeface="新宋体" panose="02010609030101010101" pitchFamily="49" charset="-122"/>
-                <a:cs typeface="Times New Roman" panose="02020603050405020304" pitchFamily="18" charset="0"/>
-              </a:rPr>
-              <a:t>使用正确，人声鼎沸：比喻人声嘈杂，就像鼎中的水沸腾了一样。符合语境。</a:t>
+              <a:t>C</a:t>
+            </a:r>
+            <a:r>
+              <a:rPr lang="zh-CN" altLang="zh-CN" sz="1800" kern="100" dirty="0">
+                <a:effectLst/>
+                <a:latin typeface="Times New Roman" panose="02020603050405020304" pitchFamily="18" charset="0"/>
+                <a:ea typeface="新宋体" panose="02010609030101010101" pitchFamily="49" charset="-122"/>
+                <a:cs typeface="Times New Roman" panose="02020603050405020304" pitchFamily="18" charset="0"/>
+              </a:rPr>
+              <a:t>．重阳节前夜，大批广州市民前往莲花山登高祈福，景区内人声鼎沸。</a:t>
+            </a:r>
+            <a:r>
+              <a:rPr lang="en-US" altLang="zh-CN" sz="1800" kern="100" dirty="0">
+                <a:effectLst/>
+                <a:latin typeface="等线" panose="02010600030101010101" pitchFamily="2" charset="-122"/>
+                <a:ea typeface="等线" panose="02010600030101010101" pitchFamily="2" charset="-122"/>
+                <a:cs typeface="Times New Roman" panose="02020603050405020304" pitchFamily="18" charset="0"/>
+              </a:rPr>
+              <a:t>	</a:t>
             </a:r>
             <a:endParaRPr lang="zh-CN" altLang="zh-CN" sz="1800" kern="100" dirty="0">
               <a:effectLst/>
@@ -4888,7 +4800,7 @@
             </a:endParaRPr>
           </a:p>
           <a:p>
-            <a:pPr marL="173355" algn="just">
+            <a:pPr indent="173355" algn="l">
               <a:lnSpc>
                 <a:spcPct val="150000"/>
               </a:lnSpc>
@@ -4900,16 +4812,16 @@
                 <a:ea typeface="新宋体" panose="02010609030101010101" pitchFamily="49" charset="-122"/>
                 <a:cs typeface="Times New Roman" panose="02020603050405020304" pitchFamily="18" charset="0"/>
               </a:rPr>
-              <a:t>D.</a:t>
-            </a:r>
-            <a:r>
-              <a:rPr lang="zh-CN" altLang="zh-CN" sz="1800" kern="100" dirty="0">
-                <a:effectLst/>
-                <a:latin typeface="Times New Roman" panose="02020603050405020304" pitchFamily="18" charset="0"/>
-                <a:ea typeface="新宋体" panose="02010609030101010101" pitchFamily="49" charset="-122"/>
-                <a:cs typeface="Times New Roman" panose="02020603050405020304" pitchFamily="18" charset="0"/>
-              </a:rPr>
-              <a:t>使用正确，美不胜收：美好的东西很多，时看不过来。符合语境。</a:t>
+              <a:t>D</a:t>
+            </a:r>
+            <a:r>
+              <a:rPr lang="zh-CN" altLang="zh-CN" sz="1800" kern="100" dirty="0">
+                <a:effectLst/>
+                <a:latin typeface="Times New Roman" panose="02020603050405020304" pitchFamily="18" charset="0"/>
+                <a:ea typeface="新宋体" panose="02010609030101010101" pitchFamily="49" charset="-122"/>
+                <a:cs typeface="Times New Roman" panose="02020603050405020304" pitchFamily="18" charset="0"/>
+              </a:rPr>
+              <a:t>．除夕之夜，绚丽多彩的广州塔灯光秀美不胜收，让游客们流连忘返。</a:t>
             </a:r>
             <a:endParaRPr lang="zh-CN" altLang="zh-CN" sz="1800" kern="100" dirty="0">
               <a:effectLst/>
@@ -4919,37 +4831,28 @@
             </a:endParaRPr>
           </a:p>
           <a:p>
-            <a:pPr marL="173355" algn="just">
+            <a:pPr marL="173355" indent="-173355" algn="just">
               <a:lnSpc>
                 <a:spcPct val="150000"/>
               </a:lnSpc>
             </a:pPr>
             <a:r>
-              <a:rPr lang="zh-CN" altLang="zh-CN" sz="1800" kern="100" dirty="0">
-                <a:effectLst/>
-                <a:latin typeface="Times New Roman" panose="02020603050405020304" pitchFamily="18" charset="0"/>
-                <a:ea typeface="新宋体" panose="02010609030101010101" pitchFamily="49" charset="-122"/>
-                <a:cs typeface="Times New Roman" panose="02020603050405020304" pitchFamily="18" charset="0"/>
-              </a:rPr>
-              <a:t>故选：</a:t>
-            </a:r>
-            <a:r>
               <a:rPr lang="en-US" altLang="zh-CN" sz="1800" kern="100" dirty="0">
                 <a:effectLst/>
                 <a:latin typeface="Times New Roman" panose="02020603050405020304" pitchFamily="18" charset="0"/>
                 <a:ea typeface="新宋体" panose="02010609030101010101" pitchFamily="49" charset="-122"/>
                 <a:cs typeface="Times New Roman" panose="02020603050405020304" pitchFamily="18" charset="0"/>
               </a:rPr>
-              <a:t>A</a:t>
-            </a:r>
-            <a:r>
-              <a:rPr lang="zh-CN" altLang="zh-CN" sz="1800" kern="100" dirty="0">
-                <a:effectLst/>
-                <a:latin typeface="Times New Roman" panose="02020603050405020304" pitchFamily="18" charset="0"/>
-                <a:ea typeface="新宋体" panose="02010609030101010101" pitchFamily="49" charset="-122"/>
-                <a:cs typeface="Times New Roman" panose="02020603050405020304" pitchFamily="18" charset="0"/>
-              </a:rPr>
-              <a:t>。</a:t>
+              <a:t>9</a:t>
+            </a:r>
+            <a:r>
+              <a:rPr lang="zh-CN" altLang="zh-CN" sz="1800" kern="100" dirty="0">
+                <a:effectLst/>
+                <a:latin typeface="Times New Roman" panose="02020603050405020304" pitchFamily="18" charset="0"/>
+                <a:ea typeface="新宋体" panose="02010609030101010101" pitchFamily="49" charset="-122"/>
+                <a:cs typeface="Times New Roman" panose="02020603050405020304" pitchFamily="18" charset="0"/>
+              </a:rPr>
+              <a:t>．下列句子中，加点词语使用最恰当的一项是（　　）</a:t>
             </a:r>
             <a:endParaRPr lang="zh-CN" altLang="zh-CN" sz="1800" kern="100" dirty="0">
               <a:effectLst/>
@@ -4959,31 +4862,37 @@
             </a:endParaRPr>
           </a:p>
           <a:p>
-            <a:pPr marL="173355" algn="just">
+            <a:pPr indent="173355" algn="l">
               <a:lnSpc>
                 <a:spcPct val="150000"/>
               </a:lnSpc>
             </a:pPr>
             <a:r>
-              <a:rPr lang="zh-CN" altLang="zh-CN" sz="1800" kern="100" dirty="0">
-                <a:solidFill>
-                  <a:srgbClr val="0000FF"/>
-                </a:solidFill>
-                <a:effectLst/>
-                <a:latin typeface="Times New Roman" panose="02020603050405020304" pitchFamily="18" charset="0"/>
-                <a:ea typeface="新宋体" panose="02010609030101010101" pitchFamily="49" charset="-122"/>
-                <a:cs typeface="Times New Roman" panose="02020603050405020304" pitchFamily="18" charset="0"/>
-              </a:rPr>
-              <a:t>【点评】</a:t>
-            </a:r>
-            <a:r>
-              <a:rPr lang="zh-CN" altLang="zh-CN" sz="1800" kern="100" dirty="0">
-                <a:effectLst/>
-                <a:latin typeface="Times New Roman" panose="02020603050405020304" pitchFamily="18" charset="0"/>
-                <a:ea typeface="新宋体" panose="02010609030101010101" pitchFamily="49" charset="-122"/>
-                <a:cs typeface="Times New Roman" panose="02020603050405020304" pitchFamily="18" charset="0"/>
-              </a:rPr>
-              <a:t>成语熟语的常见错误类型有望文生义、重复啰嗦、褒贬误用、谦敬错位、张冠李戴等，解题时要注意辨析词义，联系语境作答。</a:t>
+              <a:rPr lang="en-US" altLang="zh-CN" sz="1800" kern="100" dirty="0">
+                <a:effectLst/>
+                <a:latin typeface="Times New Roman" panose="02020603050405020304" pitchFamily="18" charset="0"/>
+                <a:ea typeface="新宋体" panose="02010609030101010101" pitchFamily="49" charset="-122"/>
+                <a:cs typeface="Times New Roman" panose="02020603050405020304" pitchFamily="18" charset="0"/>
+              </a:rPr>
+              <a:t>A</a:t>
+            </a:r>
+            <a:r>
+              <a:rPr lang="zh-CN" altLang="zh-CN" sz="1800" kern="100" dirty="0">
+                <a:effectLst/>
+                <a:latin typeface="Times New Roman" panose="02020603050405020304" pitchFamily="18" charset="0"/>
+                <a:ea typeface="新宋体" panose="02010609030101010101" pitchFamily="49" charset="-122"/>
+                <a:cs typeface="Times New Roman" panose="02020603050405020304" pitchFamily="18" charset="0"/>
+              </a:rPr>
+              <a:t>．面对不可救药的流感病毒，学校引导学生做好个人防护。</a:t>
+            </a:r>
+            <a:r>
+              <a:rPr lang="en-US" altLang="zh-CN" sz="1800" kern="100" dirty="0">
+                <a:effectLst/>
+                <a:latin typeface="等线" panose="02010600030101010101" pitchFamily="2" charset="-122"/>
+                <a:ea typeface="等线" panose="02010600030101010101" pitchFamily="2" charset="-122"/>
+                <a:cs typeface="Times New Roman" panose="02020603050405020304" pitchFamily="18" charset="0"/>
+              </a:rPr>
+              <a:t>	</a:t>
             </a:r>
             <a:endParaRPr lang="zh-CN" altLang="zh-CN" sz="1800" kern="100" dirty="0">
               <a:effectLst/>
@@ -4993,6 +4902,117 @@
             </a:endParaRPr>
           </a:p>
           <a:p>
+            <a:pPr indent="173355" algn="l">
+              <a:lnSpc>
+                <a:spcPct val="150000"/>
+              </a:lnSpc>
+            </a:pPr>
+            <a:r>
+              <a:rPr lang="en-US" altLang="zh-CN" sz="1800" kern="100" dirty="0">
+                <a:effectLst/>
+                <a:latin typeface="Times New Roman" panose="02020603050405020304" pitchFamily="18" charset="0"/>
+                <a:ea typeface="新宋体" panose="02010609030101010101" pitchFamily="49" charset="-122"/>
+                <a:cs typeface="Times New Roman" panose="02020603050405020304" pitchFamily="18" charset="0"/>
+              </a:rPr>
+              <a:t>B</a:t>
+            </a:r>
+            <a:r>
+              <a:rPr lang="zh-CN" altLang="zh-CN" sz="1800" kern="100" dirty="0">
+                <a:effectLst/>
+                <a:latin typeface="Times New Roman" panose="02020603050405020304" pitchFamily="18" charset="0"/>
+                <a:ea typeface="新宋体" panose="02010609030101010101" pitchFamily="49" charset="-122"/>
+                <a:cs typeface="Times New Roman" panose="02020603050405020304" pitchFamily="18" charset="0"/>
+              </a:rPr>
+              <a:t>．全红婵在杭州亚运会再现“满分一跳”，真是骇人听闻。</a:t>
+            </a:r>
+            <a:r>
+              <a:rPr lang="en-US" altLang="zh-CN" sz="1800" kern="100" dirty="0">
+                <a:effectLst/>
+                <a:latin typeface="等线" panose="02010600030101010101" pitchFamily="2" charset="-122"/>
+                <a:ea typeface="等线" panose="02010600030101010101" pitchFamily="2" charset="-122"/>
+                <a:cs typeface="Times New Roman" panose="02020603050405020304" pitchFamily="18" charset="0"/>
+              </a:rPr>
+              <a:t>	</a:t>
+            </a:r>
+            <a:endParaRPr lang="zh-CN" altLang="zh-CN" sz="1800" kern="100" dirty="0">
+              <a:effectLst/>
+              <a:latin typeface="等线" panose="02010600030101010101" pitchFamily="2" charset="-122"/>
+              <a:ea typeface="等线" panose="02010600030101010101" pitchFamily="2" charset="-122"/>
+              <a:cs typeface="Times New Roman" panose="02020603050405020304" pitchFamily="18" charset="0"/>
+            </a:endParaRPr>
+          </a:p>
+          <a:p>
+            <a:pPr indent="173355" algn="l">
+              <a:lnSpc>
+                <a:spcPct val="150000"/>
+              </a:lnSpc>
+            </a:pPr>
+            <a:r>
+              <a:rPr lang="en-US" altLang="zh-CN" sz="1800" kern="100" dirty="0">
+                <a:effectLst/>
+                <a:latin typeface="Times New Roman" panose="02020603050405020304" pitchFamily="18" charset="0"/>
+                <a:ea typeface="新宋体" panose="02010609030101010101" pitchFamily="49" charset="-122"/>
+                <a:cs typeface="Times New Roman" panose="02020603050405020304" pitchFamily="18" charset="0"/>
+              </a:rPr>
+              <a:t>C</a:t>
+            </a:r>
+            <a:r>
+              <a:rPr lang="zh-CN" altLang="zh-CN" sz="1800" kern="100" dirty="0">
+                <a:effectLst/>
+                <a:latin typeface="Times New Roman" panose="02020603050405020304" pitchFamily="18" charset="0"/>
+                <a:ea typeface="新宋体" panose="02010609030101010101" pitchFamily="49" charset="-122"/>
+                <a:cs typeface="Times New Roman" panose="02020603050405020304" pitchFamily="18" charset="0"/>
+              </a:rPr>
+              <a:t>．悦悦毫无悬念地获得了演讲比赛冠军，让大家喜出望外。</a:t>
+            </a:r>
+            <a:r>
+              <a:rPr lang="en-US" altLang="zh-CN" sz="1800" kern="100" dirty="0">
+                <a:effectLst/>
+                <a:latin typeface="等线" panose="02010600030101010101" pitchFamily="2" charset="-122"/>
+                <a:ea typeface="等线" panose="02010600030101010101" pitchFamily="2" charset="-122"/>
+                <a:cs typeface="Times New Roman" panose="02020603050405020304" pitchFamily="18" charset="0"/>
+              </a:rPr>
+              <a:t>	</a:t>
+            </a:r>
+            <a:endParaRPr lang="zh-CN" altLang="zh-CN" sz="1800" kern="100" dirty="0">
+              <a:effectLst/>
+              <a:latin typeface="等线" panose="02010600030101010101" pitchFamily="2" charset="-122"/>
+              <a:ea typeface="等线" panose="02010600030101010101" pitchFamily="2" charset="-122"/>
+              <a:cs typeface="Times New Roman" panose="02020603050405020304" pitchFamily="18" charset="0"/>
+            </a:endParaRPr>
+          </a:p>
+          <a:p>
+            <a:pPr indent="173355" algn="l">
+              <a:lnSpc>
+                <a:spcPct val="150000"/>
+              </a:lnSpc>
+            </a:pPr>
+            <a:r>
+              <a:rPr lang="en-US" altLang="zh-CN" sz="1800" kern="100" dirty="0">
+                <a:effectLst/>
+                <a:latin typeface="Times New Roman" panose="02020603050405020304" pitchFamily="18" charset="0"/>
+                <a:ea typeface="新宋体" panose="02010609030101010101" pitchFamily="49" charset="-122"/>
+                <a:cs typeface="Times New Roman" panose="02020603050405020304" pitchFamily="18" charset="0"/>
+              </a:rPr>
+              <a:t>D</a:t>
+            </a:r>
+            <a:r>
+              <a:rPr lang="zh-CN" altLang="zh-CN" sz="1800" kern="100" dirty="0">
+                <a:effectLst/>
+                <a:latin typeface="Times New Roman" panose="02020603050405020304" pitchFamily="18" charset="0"/>
+                <a:ea typeface="新宋体" panose="02010609030101010101" pitchFamily="49" charset="-122"/>
+                <a:cs typeface="Times New Roman" panose="02020603050405020304" pitchFamily="18" charset="0"/>
+              </a:rPr>
+              <a:t>．香雪公园盛开的梅花美不胜收，吸引摄影师们前来打卡。</a:t>
+            </a:r>
+            <a:endParaRPr lang="zh-CN" altLang="zh-CN" sz="1800" kern="100" dirty="0">
+              <a:effectLst/>
+              <a:latin typeface="等线" panose="02010600030101010101" pitchFamily="2" charset="-122"/>
+              <a:ea typeface="等线" panose="02010600030101010101" pitchFamily="2" charset="-122"/>
+              <a:cs typeface="Times New Roman" panose="02020603050405020304" pitchFamily="18" charset="0"/>
+            </a:endParaRPr>
+          </a:p>
+          <a:p>
             <a:endParaRPr lang="zh-CN" altLang="en-US" dirty="0"/>
           </a:p>
         </p:txBody>
@@ -5000,7 +5020,7 @@
     </p:spTree>
     <p:extLst>
       <p:ext uri="{BB962C8B-B14F-4D97-AF65-F5344CB8AC3E}">
-        <p14:creationId xmlns:p14="http://schemas.microsoft.com/office/powerpoint/2010/main" val="1805280636"/>
+        <p14:creationId xmlns:p14="http://schemas.microsoft.com/office/powerpoint/2010/main" val="521648225"/>
       </p:ext>
     </p:extLst>
   </p:cSld>
@@ -5032,7 +5052,7 @@
           <p:cNvPr id="2" name="标题 1">
             <a:extLst>
               <a:ext uri="{FF2B5EF4-FFF2-40B4-BE49-F238E27FC236}">
-                <a16:creationId xmlns:a16="http://schemas.microsoft.com/office/drawing/2014/main" id="{DC0399A4-8816-6F81-6A94-99E910553EA3}"/>
+                <a16:creationId xmlns:a16="http://schemas.microsoft.com/office/drawing/2014/main" id="{4ACB8760-62CA-86F6-227A-D9198D4FC5CE}"/>
               </a:ext>
             </a:extLst>
           </p:cNvPr>
@@ -5050,7 +5070,7 @@
           <a:p>
             <a:r>
               <a:rPr lang="en-US" altLang="zh-CN" dirty="0"/>
-              <a:t>9</a:t>
+              <a:t>8</a:t>
             </a:r>
             <a:endParaRPr lang="zh-CN" altLang="en-US" dirty="0"/>
           </a:p>
@@ -5061,7 +5081,7 @@
           <p:cNvPr id="3" name="内容占位符 2">
             <a:extLst>
               <a:ext uri="{FF2B5EF4-FFF2-40B4-BE49-F238E27FC236}">
-                <a16:creationId xmlns:a16="http://schemas.microsoft.com/office/drawing/2014/main" id="{A7E344AF-CF87-F89F-10BD-5FD85B765174}"/>
+                <a16:creationId xmlns:a16="http://schemas.microsoft.com/office/drawing/2014/main" id="{4B37178E-CFB7-3CA0-1B95-A0BDE054581E}"/>
               </a:ext>
             </a:extLst>
           </p:cNvPr>
@@ -5072,15 +5092,10 @@
             <p:ph idx="1"/>
           </p:nvPr>
         </p:nvSpPr>
-        <p:spPr>
-          <a:xfrm>
-            <a:off x="838199" y="1825625"/>
-            <a:ext cx="10787743" cy="4901746"/>
-          </a:xfrm>
-        </p:spPr>
+        <p:spPr/>
         <p:txBody>
           <a:bodyPr>
-            <a:normAutofit fontScale="92500"/>
+            <a:normAutofit fontScale="85000" lnSpcReduction="10000"/>
           </a:bodyPr>
           <a:lstStyle/>
           <a:p>
@@ -5108,7 +5123,7 @@
                 <a:ea typeface="新宋体" panose="02010609030101010101" pitchFamily="49" charset="-122"/>
                 <a:cs typeface="Times New Roman" panose="02020603050405020304" pitchFamily="18" charset="0"/>
               </a:rPr>
-              <a:t>本题考查成语使用正误的辨析。解答此题，平时要有大量的成语积累，还要结合句意表述，从词性、词义轻重、感情色彩、习惯用法等多方面考虑，确定正确选项。成语运用的常见错误有以下几种：望文生义、褒贬不当、搭配不当、用错对象、语境不符等。</a:t>
+              <a:t>本题考查成语熟语。解答此类问题时，一方面要注意在平时打好基础，积累成语的意思，注意区分成语的常见错误用法，如张冠李戴、褒贬误用等，另一方面，答题时要注意联系语境作答，看成语在句中是否合适。</a:t>
             </a:r>
             <a:endParaRPr lang="zh-CN" altLang="zh-CN" sz="1800" kern="100" dirty="0">
               <a:effectLst/>
@@ -5151,7 +5166,7 @@
                 <a:ea typeface="新宋体" panose="02010609030101010101" pitchFamily="49" charset="-122"/>
                 <a:cs typeface="Times New Roman" panose="02020603050405020304" pitchFamily="18" charset="0"/>
               </a:rPr>
-              <a:t>有误，“不可救药”意思是泛指病重到无药可治。也比喻人或事物已经坏到不能挽救的地步。本句用来形容病毒，用错对象。</a:t>
+              <a:t>使用有误，花枝招展：比方女孩子或事物姿态优美、艳丽，像花枝那样迎风招展的样子。此处形容灯笼不合适，对象用错。</a:t>
             </a:r>
             <a:endParaRPr lang="zh-CN" altLang="zh-CN" sz="1800" kern="100" dirty="0">
               <a:effectLst/>
@@ -5182,7 +5197,7 @@
                 <a:ea typeface="新宋体" panose="02010609030101010101" pitchFamily="49" charset="-122"/>
                 <a:cs typeface="Times New Roman" panose="02020603050405020304" pitchFamily="18" charset="0"/>
               </a:rPr>
-              <a:t>有误，“骇人听闻”意思是使人听了非常吃惊（多指社会上发生的坏事）。本句用来形容好事，用错对象。</a:t>
+              <a:t>使用正确，花团锦簇：形容五彩缤纷、十分鲜艳的景象。符合语境。</a:t>
             </a:r>
             <a:endParaRPr lang="zh-CN" altLang="zh-CN" sz="1800" kern="100" dirty="0">
               <a:effectLst/>
@@ -5213,7 +5228,7 @@
                 <a:ea typeface="新宋体" panose="02010609030101010101" pitchFamily="49" charset="-122"/>
                 <a:cs typeface="Times New Roman" panose="02020603050405020304" pitchFamily="18" charset="0"/>
               </a:rPr>
-              <a:t>有误，“喜出望外”意思是遇到意想不到的喜事而感到非常高兴。与本句的“毫无悬念”矛盾。</a:t>
+              <a:t>使用正确，人声鼎沸：比喻人声嘈杂，就像鼎中的水沸腾了一样。符合语境。</a:t>
             </a:r>
             <a:endParaRPr lang="zh-CN" altLang="zh-CN" sz="1800" kern="100" dirty="0">
               <a:effectLst/>
@@ -5244,7 +5259,7 @@
                 <a:ea typeface="新宋体" panose="02010609030101010101" pitchFamily="49" charset="-122"/>
                 <a:cs typeface="Times New Roman" panose="02020603050405020304" pitchFamily="18" charset="0"/>
               </a:rPr>
-              <a:t>正确。</a:t>
+              <a:t>使用正确，美不胜收：美好的东西很多，时看不过来。符合语境。</a:t>
             </a:r>
             <a:endParaRPr lang="zh-CN" altLang="zh-CN" sz="1800" kern="100" dirty="0">
               <a:effectLst/>
@@ -5275,7 +5290,7 @@
                 <a:ea typeface="新宋体" panose="02010609030101010101" pitchFamily="49" charset="-122"/>
                 <a:cs typeface="Times New Roman" panose="02020603050405020304" pitchFamily="18" charset="0"/>
               </a:rPr>
-              <a:t>D</a:t>
+              <a:t>A</a:t>
             </a:r>
             <a:r>
               <a:rPr lang="zh-CN" altLang="zh-CN" sz="1800" kern="100" dirty="0">
@@ -5318,7 +5333,7 @@
                 <a:ea typeface="新宋体" panose="02010609030101010101" pitchFamily="49" charset="-122"/>
                 <a:cs typeface="Times New Roman" panose="02020603050405020304" pitchFamily="18" charset="0"/>
               </a:rPr>
-              <a:t>解答此题，需要我们正确理解成语的意思，辨清成语的感情色彩，还要结合语境分析其运用是否恰当。</a:t>
+              <a:t>成语熟语的常见错误类型有望文生义、重复啰嗦、褒贬误用、谦敬错位、张冠李戴等，解题时要注意辨析词义，联系语境作答。</a:t>
             </a:r>
             <a:endParaRPr lang="zh-CN" altLang="zh-CN" sz="1800" kern="100" dirty="0">
               <a:effectLst/>
@@ -5335,7 +5350,7 @@
     </p:spTree>
     <p:extLst>
       <p:ext uri="{BB962C8B-B14F-4D97-AF65-F5344CB8AC3E}">
-        <p14:creationId xmlns:p14="http://schemas.microsoft.com/office/powerpoint/2010/main" val="2571509699"/>
+        <p14:creationId xmlns:p14="http://schemas.microsoft.com/office/powerpoint/2010/main" val="1805280636"/>
       </p:ext>
     </p:extLst>
   </p:cSld>
@@ -5367,7 +5382,7 @@
           <p:cNvPr id="2" name="标题 1">
             <a:extLst>
               <a:ext uri="{FF2B5EF4-FFF2-40B4-BE49-F238E27FC236}">
-                <a16:creationId xmlns:a16="http://schemas.microsoft.com/office/drawing/2014/main" id="{3BC2AB3B-292D-4AC5-3935-7C641FA42D1A}"/>
+                <a16:creationId xmlns:a16="http://schemas.microsoft.com/office/drawing/2014/main" id="{DC0399A4-8816-6F81-6A94-99E910553EA3}"/>
               </a:ext>
             </a:extLst>
           </p:cNvPr>
@@ -5384,9 +5399,10 @@
           <a:lstStyle/>
           <a:p>
             <a:r>
-              <a:rPr lang="zh-CN" altLang="en-US" dirty="0"/>
-              <a:t>答案：</a:t>
-            </a:r>
+              <a:rPr lang="en-US" altLang="zh-CN" dirty="0"/>
+              <a:t>9</a:t>
+            </a:r>
+            <a:endParaRPr lang="zh-CN" altLang="en-US" dirty="0"/>
           </a:p>
         </p:txBody>
       </p:sp>
@@ -5395,7 +5411,7 @@
           <p:cNvPr id="3" name="内容占位符 2">
             <a:extLst>
               <a:ext uri="{FF2B5EF4-FFF2-40B4-BE49-F238E27FC236}">
-                <a16:creationId xmlns:a16="http://schemas.microsoft.com/office/drawing/2014/main" id="{1FFAFD67-55A2-BAFD-A154-FA976C3BAC57}"/>
+                <a16:creationId xmlns:a16="http://schemas.microsoft.com/office/drawing/2014/main" id="{A7E344AF-CF87-F89F-10BD-5FD85B765174}"/>
               </a:ext>
             </a:extLst>
           </p:cNvPr>
@@ -5406,10 +5422,15 @@
             <p:ph idx="1"/>
           </p:nvPr>
         </p:nvSpPr>
-        <p:spPr/>
+        <p:spPr>
+          <a:xfrm>
+            <a:off x="838199" y="1825625"/>
+            <a:ext cx="10787743" cy="4901746"/>
+          </a:xfrm>
+        </p:spPr>
         <p:txBody>
           <a:bodyPr>
-            <a:normAutofit fontScale="92500" lnSpcReduction="20000"/>
+            <a:normAutofit fontScale="92500"/>
           </a:bodyPr>
           <a:lstStyle/>
           <a:p>
@@ -5420,53 +5441,29 @@
             </a:pPr>
             <a:r>
               <a:rPr lang="zh-CN" altLang="zh-CN" sz="1800" kern="100" dirty="0">
-                <a:effectLst/>
-                <a:latin typeface="Times New Roman" panose="02020603050405020304" pitchFamily="18" charset="0"/>
-                <a:ea typeface="新宋体" panose="02010609030101010101" pitchFamily="49" charset="-122"/>
-                <a:cs typeface="Times New Roman" panose="02020603050405020304" pitchFamily="18" charset="0"/>
-              </a:rPr>
-              <a:t>（</a:t>
-            </a:r>
-            <a:r>
-              <a:rPr lang="en-US" altLang="zh-CN" sz="1800" kern="100" dirty="0">
-                <a:effectLst/>
-                <a:latin typeface="Times New Roman" panose="02020603050405020304" pitchFamily="18" charset="0"/>
-                <a:ea typeface="新宋体" panose="02010609030101010101" pitchFamily="49" charset="-122"/>
-                <a:cs typeface="Times New Roman" panose="02020603050405020304" pitchFamily="18" charset="0"/>
-              </a:rPr>
-              <a:t>1</a:t>
-            </a:r>
-            <a:r>
-              <a:rPr lang="zh-CN" altLang="zh-CN" sz="1800" kern="100" dirty="0">
-                <a:effectLst/>
-                <a:latin typeface="Times New Roman" panose="02020603050405020304" pitchFamily="18" charset="0"/>
-                <a:ea typeface="新宋体" panose="02010609030101010101" pitchFamily="49" charset="-122"/>
-                <a:cs typeface="Times New Roman" panose="02020603050405020304" pitchFamily="18" charset="0"/>
-              </a:rPr>
-              <a:t>）</a:t>
-            </a:r>
-            <a:r>
-              <a:rPr lang="zh-CN" altLang="zh-CN" sz="1800" kern="100" dirty="0">
-                <a:effectLst/>
-                <a:latin typeface="Times New Roman" panose="02020603050405020304" pitchFamily="18" charset="0"/>
-                <a:ea typeface="Calibri" panose="020F0502020204030204" pitchFamily="34" charset="0"/>
-                <a:cs typeface="Times New Roman" panose="02020603050405020304" pitchFamily="18" charset="0"/>
-              </a:rPr>
-              <a:t>①</a:t>
-            </a:r>
-            <a:r>
-              <a:rPr lang="zh-CN" altLang="zh-CN" sz="1800" kern="100" dirty="0">
-                <a:effectLst/>
-                <a:latin typeface="Times New Roman" panose="02020603050405020304" pitchFamily="18" charset="0"/>
-                <a:ea typeface="新宋体" panose="02010609030101010101" pitchFamily="49" charset="-122"/>
-                <a:cs typeface="Times New Roman" panose="02020603050405020304" pitchFamily="18" charset="0"/>
-              </a:rPr>
-              <a:t>秋风萧瑟（注意“萧”的书写）</a:t>
+                <a:solidFill>
+                  <a:srgbClr val="0000FF"/>
+                </a:solidFill>
+                <a:effectLst/>
+                <a:latin typeface="Times New Roman" panose="02020603050405020304" pitchFamily="18" charset="0"/>
+                <a:ea typeface="新宋体" panose="02010609030101010101" pitchFamily="49" charset="-122"/>
+                <a:cs typeface="Times New Roman" panose="02020603050405020304" pitchFamily="18" charset="0"/>
+              </a:rPr>
+              <a:t>【分析】</a:t>
+            </a:r>
+            <a:r>
+              <a:rPr lang="zh-CN" altLang="zh-CN" sz="1800" kern="100" dirty="0">
+                <a:effectLst/>
+                <a:latin typeface="Times New Roman" panose="02020603050405020304" pitchFamily="18" charset="0"/>
+                <a:ea typeface="新宋体" panose="02010609030101010101" pitchFamily="49" charset="-122"/>
+                <a:cs typeface="Times New Roman" panose="02020603050405020304" pitchFamily="18" charset="0"/>
+              </a:rPr>
+              <a:t>本题考查成语使用正误的辨析。解答此题，平时要有大量的成语积累，还要结合句意表述，从词性、词义轻重、感情色彩、习惯用法等多方面考虑，确定正确选项。成语运用的常见错误有以下几种：望文生义、褒贬不当、搭配不当、用错对象、语境不符等。</a:t>
             </a:r>
             <a:endParaRPr lang="zh-CN" altLang="zh-CN" sz="1800" kern="100" dirty="0">
               <a:effectLst/>
-              <a:latin typeface="Calibri" panose="020F0502020204030204" pitchFamily="34" charset="0"/>
-              <a:ea typeface="宋体" panose="02010600030101010101" pitchFamily="2" charset="-122"/>
+              <a:latin typeface="等线" panose="02010600030101010101" pitchFamily="2" charset="-122"/>
+              <a:ea typeface="等线" panose="02010600030101010101" pitchFamily="2" charset="-122"/>
               <a:cs typeface="Times New Roman" panose="02020603050405020304" pitchFamily="18" charset="0"/>
             </a:endParaRPr>
           </a:p>
@@ -5478,26 +5475,38 @@
             </a:pPr>
             <a:r>
               <a:rPr lang="zh-CN" altLang="zh-CN" sz="1800" kern="100" dirty="0">
-                <a:effectLst/>
-                <a:latin typeface="Times New Roman" panose="02020603050405020304" pitchFamily="18" charset="0"/>
-                <a:ea typeface="Calibri" panose="020F0502020204030204" pitchFamily="34" charset="0"/>
-                <a:cs typeface="Times New Roman" panose="02020603050405020304" pitchFamily="18" charset="0"/>
-              </a:rPr>
-              <a:t>②</a:t>
-            </a:r>
-            <a:r>
-              <a:rPr lang="zh-CN" altLang="zh-CN" sz="1800" kern="100" dirty="0">
-                <a:effectLst/>
-                <a:latin typeface="Times New Roman" panose="02020603050405020304" pitchFamily="18" charset="0"/>
-                <a:ea typeface="新宋体" panose="02010609030101010101" pitchFamily="49" charset="-122"/>
-                <a:cs typeface="Times New Roman" panose="02020603050405020304" pitchFamily="18" charset="0"/>
-              </a:rPr>
-              <a:t>山岛竦峙（注意“竦峙”的书写）</a:t>
+                <a:solidFill>
+                  <a:srgbClr val="0000FF"/>
+                </a:solidFill>
+                <a:effectLst/>
+                <a:latin typeface="Times New Roman" panose="02020603050405020304" pitchFamily="18" charset="0"/>
+                <a:ea typeface="新宋体" panose="02010609030101010101" pitchFamily="49" charset="-122"/>
+                <a:cs typeface="Times New Roman" panose="02020603050405020304" pitchFamily="18" charset="0"/>
+              </a:rPr>
+              <a:t>【解答】</a:t>
+            </a:r>
+            <a:r>
+              <a:rPr lang="en-US" altLang="zh-CN" sz="1800" kern="100" dirty="0">
+                <a:effectLst/>
+                <a:latin typeface="Times New Roman" panose="02020603050405020304" pitchFamily="18" charset="0"/>
+                <a:ea typeface="新宋体" panose="02010609030101010101" pitchFamily="49" charset="-122"/>
+                <a:cs typeface="Times New Roman" panose="02020603050405020304" pitchFamily="18" charset="0"/>
+              </a:rPr>
+              <a:t>A.</a:t>
+            </a:r>
+            <a:r>
+              <a:rPr lang="zh-CN" altLang="zh-CN" sz="1800" kern="100" dirty="0">
+                <a:effectLst/>
+                <a:latin typeface="Times New Roman" panose="02020603050405020304" pitchFamily="18" charset="0"/>
+                <a:ea typeface="新宋体" panose="02010609030101010101" pitchFamily="49" charset="-122"/>
+                <a:cs typeface="Times New Roman" panose="02020603050405020304" pitchFamily="18" charset="0"/>
+              </a:rPr>
+              <a:t>有误，“不可救药”意思是泛指病重到无药可治。也比喻人或事物已经坏到不能挽救的地步。本句用来形容病毒，用错对象。</a:t>
             </a:r>
             <a:endParaRPr lang="zh-CN" altLang="zh-CN" sz="1800" kern="100" dirty="0">
               <a:effectLst/>
-              <a:latin typeface="Calibri" panose="020F0502020204030204" pitchFamily="34" charset="0"/>
-              <a:ea typeface="宋体" panose="02010600030101010101" pitchFamily="2" charset="-122"/>
+              <a:latin typeface="等线" panose="02010600030101010101" pitchFamily="2" charset="-122"/>
+              <a:ea typeface="等线" panose="02010600030101010101" pitchFamily="2" charset="-122"/>
               <a:cs typeface="Times New Roman" panose="02020603050405020304" pitchFamily="18" charset="0"/>
             </a:endParaRPr>
           </a:p>
@@ -5508,27 +5517,27 @@
               </a:lnSpc>
             </a:pPr>
             <a:r>
-              <a:rPr lang="zh-CN" altLang="zh-CN" sz="1800" kern="100" dirty="0">
-                <a:effectLst/>
-                <a:latin typeface="Times New Roman" panose="02020603050405020304" pitchFamily="18" charset="0"/>
-                <a:ea typeface="Calibri" panose="020F0502020204030204" pitchFamily="34" charset="0"/>
-                <a:cs typeface="Times New Roman" panose="02020603050405020304" pitchFamily="18" charset="0"/>
-              </a:rPr>
-              <a:t>③</a:t>
-            </a:r>
-            <a:r>
-              <a:rPr lang="zh-CN" altLang="zh-CN" sz="1800" kern="100" dirty="0">
-                <a:effectLst/>
-                <a:latin typeface="Times New Roman" panose="02020603050405020304" pitchFamily="18" charset="0"/>
-                <a:ea typeface="新宋体" panose="02010609030101010101" pitchFamily="49" charset="-122"/>
-                <a:cs typeface="Times New Roman" panose="02020603050405020304" pitchFamily="18" charset="0"/>
-              </a:rPr>
-              <a:t>风正一帆悬</a:t>
+              <a:rPr lang="en-US" altLang="zh-CN" sz="1800" kern="100" dirty="0">
+                <a:effectLst/>
+                <a:latin typeface="Times New Roman" panose="02020603050405020304" pitchFamily="18" charset="0"/>
+                <a:ea typeface="新宋体" panose="02010609030101010101" pitchFamily="49" charset="-122"/>
+                <a:cs typeface="Times New Roman" panose="02020603050405020304" pitchFamily="18" charset="0"/>
+              </a:rPr>
+              <a:t>B.</a:t>
+            </a:r>
+            <a:r>
+              <a:rPr lang="zh-CN" altLang="zh-CN" sz="1800" kern="100" dirty="0">
+                <a:effectLst/>
+                <a:latin typeface="Times New Roman" panose="02020603050405020304" pitchFamily="18" charset="0"/>
+                <a:ea typeface="新宋体" panose="02010609030101010101" pitchFamily="49" charset="-122"/>
+                <a:cs typeface="Times New Roman" panose="02020603050405020304" pitchFamily="18" charset="0"/>
+              </a:rPr>
+              <a:t>有误，“骇人听闻”意思是使人听了非常吃惊（多指社会上发生的坏事）。本句用来形容好事，用错对象。</a:t>
             </a:r>
             <a:endParaRPr lang="zh-CN" altLang="zh-CN" sz="1800" kern="100" dirty="0">
               <a:effectLst/>
-              <a:latin typeface="Calibri" panose="020F0502020204030204" pitchFamily="34" charset="0"/>
-              <a:ea typeface="宋体" panose="02010600030101010101" pitchFamily="2" charset="-122"/>
+              <a:latin typeface="等线" panose="02010600030101010101" pitchFamily="2" charset="-122"/>
+              <a:ea typeface="等线" panose="02010600030101010101" pitchFamily="2" charset="-122"/>
               <a:cs typeface="Times New Roman" panose="02020603050405020304" pitchFamily="18" charset="0"/>
             </a:endParaRPr>
           </a:p>
@@ -5539,27 +5548,27 @@
               </a:lnSpc>
             </a:pPr>
             <a:r>
-              <a:rPr lang="zh-CN" altLang="zh-CN" sz="1800" kern="100" dirty="0">
-                <a:effectLst/>
-                <a:latin typeface="Times New Roman" panose="02020603050405020304" pitchFamily="18" charset="0"/>
-                <a:ea typeface="Calibri" panose="020F0502020204030204" pitchFamily="34" charset="0"/>
-                <a:cs typeface="Times New Roman" panose="02020603050405020304" pitchFamily="18" charset="0"/>
-              </a:rPr>
-              <a:t>④</a:t>
-            </a:r>
-            <a:r>
-              <a:rPr lang="zh-CN" altLang="zh-CN" sz="1800" kern="100" dirty="0">
-                <a:effectLst/>
-                <a:latin typeface="Times New Roman" panose="02020603050405020304" pitchFamily="18" charset="0"/>
-                <a:ea typeface="新宋体" panose="02010609030101010101" pitchFamily="49" charset="-122"/>
-                <a:cs typeface="Times New Roman" panose="02020603050405020304" pitchFamily="18" charset="0"/>
-              </a:rPr>
-              <a:t>岐王宅里寻常见（注意“岐”的书写）</a:t>
+              <a:rPr lang="en-US" altLang="zh-CN" sz="1800" kern="100" dirty="0">
+                <a:effectLst/>
+                <a:latin typeface="Times New Roman" panose="02020603050405020304" pitchFamily="18" charset="0"/>
+                <a:ea typeface="新宋体" panose="02010609030101010101" pitchFamily="49" charset="-122"/>
+                <a:cs typeface="Times New Roman" panose="02020603050405020304" pitchFamily="18" charset="0"/>
+              </a:rPr>
+              <a:t>C.</a:t>
+            </a:r>
+            <a:r>
+              <a:rPr lang="zh-CN" altLang="zh-CN" sz="1800" kern="100" dirty="0">
+                <a:effectLst/>
+                <a:latin typeface="Times New Roman" panose="02020603050405020304" pitchFamily="18" charset="0"/>
+                <a:ea typeface="新宋体" panose="02010609030101010101" pitchFamily="49" charset="-122"/>
+                <a:cs typeface="Times New Roman" panose="02020603050405020304" pitchFamily="18" charset="0"/>
+              </a:rPr>
+              <a:t>有误，“喜出望外”意思是遇到意想不到的喜事而感到非常高兴。与本句的“毫无悬念”矛盾。</a:t>
             </a:r>
             <a:endParaRPr lang="zh-CN" altLang="zh-CN" sz="1800" kern="100" dirty="0">
               <a:effectLst/>
-              <a:latin typeface="Calibri" panose="020F0502020204030204" pitchFamily="34" charset="0"/>
-              <a:ea typeface="宋体" panose="02010600030101010101" pitchFamily="2" charset="-122"/>
+              <a:latin typeface="等线" panose="02010600030101010101" pitchFamily="2" charset="-122"/>
+              <a:ea typeface="等线" panose="02010600030101010101" pitchFamily="2" charset="-122"/>
               <a:cs typeface="Times New Roman" panose="02020603050405020304" pitchFamily="18" charset="0"/>
             </a:endParaRPr>
           </a:p>
@@ -5570,27 +5579,27 @@
               </a:lnSpc>
             </a:pPr>
             <a:r>
-              <a:rPr lang="zh-CN" altLang="zh-CN" sz="1800" kern="100" dirty="0">
-                <a:effectLst/>
-                <a:latin typeface="Times New Roman" panose="02020603050405020304" pitchFamily="18" charset="0"/>
-                <a:ea typeface="Calibri" panose="020F0502020204030204" pitchFamily="34" charset="0"/>
-                <a:cs typeface="Times New Roman" panose="02020603050405020304" pitchFamily="18" charset="0"/>
-              </a:rPr>
-              <a:t>⑤</a:t>
-            </a:r>
-            <a:r>
-              <a:rPr lang="zh-CN" altLang="zh-CN" sz="1800" kern="100" dirty="0">
-                <a:effectLst/>
-                <a:latin typeface="Times New Roman" panose="02020603050405020304" pitchFamily="18" charset="0"/>
-                <a:ea typeface="新宋体" panose="02010609030101010101" pitchFamily="49" charset="-122"/>
-                <a:cs typeface="Times New Roman" panose="02020603050405020304" pitchFamily="18" charset="0"/>
-              </a:rPr>
-              <a:t>小桥流水人家</a:t>
+              <a:rPr lang="en-US" altLang="zh-CN" sz="1800" kern="100" dirty="0">
+                <a:effectLst/>
+                <a:latin typeface="Times New Roman" panose="02020603050405020304" pitchFamily="18" charset="0"/>
+                <a:ea typeface="新宋体" panose="02010609030101010101" pitchFamily="49" charset="-122"/>
+                <a:cs typeface="Times New Roman" panose="02020603050405020304" pitchFamily="18" charset="0"/>
+              </a:rPr>
+              <a:t>D.</a:t>
+            </a:r>
+            <a:r>
+              <a:rPr lang="zh-CN" altLang="zh-CN" sz="1800" kern="100" dirty="0">
+                <a:effectLst/>
+                <a:latin typeface="Times New Roman" panose="02020603050405020304" pitchFamily="18" charset="0"/>
+                <a:ea typeface="新宋体" panose="02010609030101010101" pitchFamily="49" charset="-122"/>
+                <a:cs typeface="Times New Roman" panose="02020603050405020304" pitchFamily="18" charset="0"/>
+              </a:rPr>
+              <a:t>正确。</a:t>
             </a:r>
             <a:endParaRPr lang="zh-CN" altLang="zh-CN" sz="1800" kern="100" dirty="0">
               <a:effectLst/>
-              <a:latin typeface="Calibri" panose="020F0502020204030204" pitchFamily="34" charset="0"/>
-              <a:ea typeface="宋体" panose="02010600030101010101" pitchFamily="2" charset="-122"/>
+              <a:latin typeface="等线" panose="02010600030101010101" pitchFamily="2" charset="-122"/>
+              <a:ea typeface="等线" panose="02010600030101010101" pitchFamily="2" charset="-122"/>
               <a:cs typeface="Times New Roman" panose="02020603050405020304" pitchFamily="18" charset="0"/>
             </a:endParaRPr>
           </a:p>
@@ -5604,24 +5613,33 @@
               <a:rPr lang="zh-CN" altLang="zh-CN" sz="1800" kern="100" dirty="0">
                 <a:effectLst/>
                 <a:latin typeface="Times New Roman" panose="02020603050405020304" pitchFamily="18" charset="0"/>
-                <a:ea typeface="Calibri" panose="020F0502020204030204" pitchFamily="34" charset="0"/>
-                <a:cs typeface="Times New Roman" panose="02020603050405020304" pitchFamily="18" charset="0"/>
-              </a:rPr>
-              <a:t>⑥</a:t>
-            </a:r>
-            <a:r>
-              <a:rPr lang="zh-CN" altLang="zh-CN" sz="1800" kern="100" dirty="0">
-                <a:effectLst/>
-                <a:latin typeface="Times New Roman" panose="02020603050405020304" pitchFamily="18" charset="0"/>
-                <a:ea typeface="新宋体" panose="02010609030101010101" pitchFamily="49" charset="-122"/>
-                <a:cs typeface="Times New Roman" panose="02020603050405020304" pitchFamily="18" charset="0"/>
-              </a:rPr>
-              <a:t>峨眉山月半轮秋（注意“眉”的书写）</a:t>
+                <a:ea typeface="新宋体" panose="02010609030101010101" pitchFamily="49" charset="-122"/>
+                <a:cs typeface="Times New Roman" panose="02020603050405020304" pitchFamily="18" charset="0"/>
+              </a:rPr>
+              <a:t>故选：</a:t>
+            </a:r>
+            <a:r>
+              <a:rPr lang="en-US" altLang="zh-CN" sz="1800" kern="100" dirty="0">
+                <a:effectLst/>
+                <a:latin typeface="Times New Roman" panose="02020603050405020304" pitchFamily="18" charset="0"/>
+                <a:ea typeface="新宋体" panose="02010609030101010101" pitchFamily="49" charset="-122"/>
+                <a:cs typeface="Times New Roman" panose="02020603050405020304" pitchFamily="18" charset="0"/>
+              </a:rPr>
+              <a:t>D</a:t>
+            </a:r>
+            <a:r>
+              <a:rPr lang="zh-CN" altLang="zh-CN" sz="1800" kern="100" dirty="0">
+                <a:effectLst/>
+                <a:latin typeface="Times New Roman" panose="02020603050405020304" pitchFamily="18" charset="0"/>
+                <a:ea typeface="新宋体" panose="02010609030101010101" pitchFamily="49" charset="-122"/>
+                <a:cs typeface="Times New Roman" panose="02020603050405020304" pitchFamily="18" charset="0"/>
+              </a:rPr>
+              <a:t>。</a:t>
             </a:r>
             <a:endParaRPr lang="zh-CN" altLang="zh-CN" sz="1800" kern="100" dirty="0">
               <a:effectLst/>
-              <a:latin typeface="Calibri" panose="020F0502020204030204" pitchFamily="34" charset="0"/>
-              <a:ea typeface="宋体" panose="02010600030101010101" pitchFamily="2" charset="-122"/>
+              <a:latin typeface="等线" panose="02010600030101010101" pitchFamily="2" charset="-122"/>
+              <a:ea typeface="等线" panose="02010600030101010101" pitchFamily="2" charset="-122"/>
               <a:cs typeface="Times New Roman" panose="02020603050405020304" pitchFamily="18" charset="0"/>
             </a:endParaRPr>
           </a:p>
@@ -5633,169 +5651,29 @@
             </a:pPr>
             <a:r>
               <a:rPr lang="zh-CN" altLang="zh-CN" sz="1800" kern="100" dirty="0">
-                <a:effectLst/>
-                <a:latin typeface="Times New Roman" panose="02020603050405020304" pitchFamily="18" charset="0"/>
-                <a:ea typeface="新宋体" panose="02010609030101010101" pitchFamily="49" charset="-122"/>
-                <a:cs typeface="Times New Roman" panose="02020603050405020304" pitchFamily="18" charset="0"/>
-              </a:rPr>
-              <a:t>（</a:t>
-            </a:r>
-            <a:r>
-              <a:rPr lang="en-US" altLang="zh-CN" sz="1800" kern="100" dirty="0">
-                <a:effectLst/>
-                <a:latin typeface="Times New Roman" panose="02020603050405020304" pitchFamily="18" charset="0"/>
-                <a:ea typeface="新宋体" panose="02010609030101010101" pitchFamily="49" charset="-122"/>
-                <a:cs typeface="Times New Roman" panose="02020603050405020304" pitchFamily="18" charset="0"/>
-              </a:rPr>
-              <a:t>2</a:t>
-            </a:r>
-            <a:r>
-              <a:rPr lang="zh-CN" altLang="zh-CN" sz="1800" kern="100" dirty="0">
-                <a:effectLst/>
-                <a:latin typeface="Times New Roman" panose="02020603050405020304" pitchFamily="18" charset="0"/>
-                <a:ea typeface="新宋体" panose="02010609030101010101" pitchFamily="49" charset="-122"/>
-                <a:cs typeface="Times New Roman" panose="02020603050405020304" pitchFamily="18" charset="0"/>
-              </a:rPr>
-              <a:t>）</a:t>
-            </a:r>
-            <a:r>
-              <a:rPr lang="zh-CN" altLang="zh-CN" sz="1800" kern="100" dirty="0">
-                <a:effectLst/>
-                <a:latin typeface="Times New Roman" panose="02020603050405020304" pitchFamily="18" charset="0"/>
-                <a:ea typeface="Calibri" panose="020F0502020204030204" pitchFamily="34" charset="0"/>
-                <a:cs typeface="Times New Roman" panose="02020603050405020304" pitchFamily="18" charset="0"/>
-              </a:rPr>
-              <a:t>①</a:t>
-            </a:r>
-            <a:r>
-              <a:rPr lang="zh-CN" altLang="zh-CN" sz="1800" kern="100" dirty="0">
-                <a:effectLst/>
-                <a:latin typeface="Times New Roman" panose="02020603050405020304" pitchFamily="18" charset="0"/>
-                <a:ea typeface="新宋体" panose="02010609030101010101" pitchFamily="49" charset="-122"/>
-                <a:cs typeface="Times New Roman" panose="02020603050405020304" pitchFamily="18" charset="0"/>
-              </a:rPr>
-              <a:t>乡书何处达</a:t>
-            </a:r>
-            <a:r>
-              <a:rPr lang="en-US" altLang="zh-CN" sz="1800" kern="100" dirty="0">
-                <a:effectLst/>
-                <a:latin typeface="Times New Roman" panose="02020603050405020304" pitchFamily="18" charset="0"/>
-                <a:ea typeface="新宋体" panose="02010609030101010101" pitchFamily="49" charset="-122"/>
-                <a:cs typeface="Times New Roman" panose="02020603050405020304" pitchFamily="18" charset="0"/>
-              </a:rPr>
-              <a:t>  </a:t>
-            </a:r>
-            <a:r>
-              <a:rPr lang="zh-CN" altLang="zh-CN" sz="1800" kern="100" dirty="0">
-                <a:effectLst/>
-                <a:latin typeface="Times New Roman" panose="02020603050405020304" pitchFamily="18" charset="0"/>
-                <a:ea typeface="新宋体" panose="02010609030101010101" pitchFamily="49" charset="-122"/>
-                <a:cs typeface="Times New Roman" panose="02020603050405020304" pitchFamily="18" charset="0"/>
-              </a:rPr>
-              <a:t>归雁洛阳边（注意“雁”的书写）</a:t>
+                <a:solidFill>
+                  <a:srgbClr val="0000FF"/>
+                </a:solidFill>
+                <a:effectLst/>
+                <a:latin typeface="Times New Roman" panose="02020603050405020304" pitchFamily="18" charset="0"/>
+                <a:ea typeface="新宋体" panose="02010609030101010101" pitchFamily="49" charset="-122"/>
+                <a:cs typeface="Times New Roman" panose="02020603050405020304" pitchFamily="18" charset="0"/>
+              </a:rPr>
+              <a:t>【点评】</a:t>
+            </a:r>
+            <a:r>
+              <a:rPr lang="zh-CN" altLang="zh-CN" sz="1800" kern="100" dirty="0">
+                <a:effectLst/>
+                <a:latin typeface="Times New Roman" panose="02020603050405020304" pitchFamily="18" charset="0"/>
+                <a:ea typeface="新宋体" panose="02010609030101010101" pitchFamily="49" charset="-122"/>
+                <a:cs typeface="Times New Roman" panose="02020603050405020304" pitchFamily="18" charset="0"/>
+              </a:rPr>
+              <a:t>解答此题，需要我们正确理解成语的意思，辨清成语的感情色彩，还要结合语境分析其运用是否恰当。</a:t>
             </a:r>
             <a:endParaRPr lang="zh-CN" altLang="zh-CN" sz="1800" kern="100" dirty="0">
               <a:effectLst/>
-              <a:latin typeface="Calibri" panose="020F0502020204030204" pitchFamily="34" charset="0"/>
-              <a:ea typeface="宋体" panose="02010600030101010101" pitchFamily="2" charset="-122"/>
-              <a:cs typeface="Times New Roman" panose="02020603050405020304" pitchFamily="18" charset="0"/>
-            </a:endParaRPr>
-          </a:p>
-          <a:p>
-            <a:pPr marL="173355" algn="just">
-              <a:lnSpc>
-                <a:spcPct val="150000"/>
-              </a:lnSpc>
-            </a:pPr>
-            <a:r>
-              <a:rPr lang="zh-CN" altLang="zh-CN" sz="1800" kern="100" dirty="0">
-                <a:effectLst/>
-                <a:latin typeface="Times New Roman" panose="02020603050405020304" pitchFamily="18" charset="0"/>
-                <a:ea typeface="Calibri" panose="020F0502020204030204" pitchFamily="34" charset="0"/>
-                <a:cs typeface="Times New Roman" panose="02020603050405020304" pitchFamily="18" charset="0"/>
-              </a:rPr>
-              <a:t>②</a:t>
-            </a:r>
-            <a:r>
-              <a:rPr lang="zh-CN" altLang="zh-CN" sz="1800" kern="100" dirty="0">
-                <a:effectLst/>
-                <a:latin typeface="Times New Roman" panose="02020603050405020304" pitchFamily="18" charset="0"/>
-                <a:ea typeface="新宋体" panose="02010609030101010101" pitchFamily="49" charset="-122"/>
-                <a:cs typeface="Times New Roman" panose="02020603050405020304" pitchFamily="18" charset="0"/>
-              </a:rPr>
-              <a:t>夕阳西下</a:t>
-            </a:r>
-            <a:r>
-              <a:rPr lang="en-US" altLang="zh-CN" sz="1800" kern="100" dirty="0">
-                <a:effectLst/>
-                <a:latin typeface="Times New Roman" panose="02020603050405020304" pitchFamily="18" charset="0"/>
-                <a:ea typeface="新宋体" panose="02010609030101010101" pitchFamily="49" charset="-122"/>
-                <a:cs typeface="Times New Roman" panose="02020603050405020304" pitchFamily="18" charset="0"/>
-              </a:rPr>
-              <a:t>  </a:t>
-            </a:r>
-            <a:r>
-              <a:rPr lang="zh-CN" altLang="zh-CN" sz="1800" kern="100" dirty="0">
-                <a:effectLst/>
-                <a:latin typeface="Times New Roman" panose="02020603050405020304" pitchFamily="18" charset="0"/>
-                <a:ea typeface="新宋体" panose="02010609030101010101" pitchFamily="49" charset="-122"/>
-                <a:cs typeface="Times New Roman" panose="02020603050405020304" pitchFamily="18" charset="0"/>
-              </a:rPr>
-              <a:t>断肠人在天涯</a:t>
-            </a:r>
-            <a:endParaRPr lang="zh-CN" altLang="zh-CN" sz="1800" kern="100" dirty="0">
-              <a:effectLst/>
-              <a:latin typeface="Calibri" panose="020F0502020204030204" pitchFamily="34" charset="0"/>
-              <a:ea typeface="宋体" panose="02010600030101010101" pitchFamily="2" charset="-122"/>
-              <a:cs typeface="Times New Roman" panose="02020603050405020304" pitchFamily="18" charset="0"/>
-            </a:endParaRPr>
-          </a:p>
-          <a:p>
-            <a:pPr marL="173355" algn="just">
-              <a:lnSpc>
-                <a:spcPct val="150000"/>
-              </a:lnSpc>
-            </a:pPr>
-            <a:r>
-              <a:rPr lang="zh-CN" altLang="zh-CN" sz="1800" kern="100" dirty="0">
-                <a:effectLst/>
-                <a:latin typeface="Times New Roman" panose="02020603050405020304" pitchFamily="18" charset="0"/>
-                <a:ea typeface="Calibri" panose="020F0502020204030204" pitchFamily="34" charset="0"/>
-                <a:cs typeface="Times New Roman" panose="02020603050405020304" pitchFamily="18" charset="0"/>
-              </a:rPr>
-              <a:t>③</a:t>
-            </a:r>
-            <a:r>
-              <a:rPr lang="zh-CN" altLang="zh-CN" sz="1800" kern="100" dirty="0">
-                <a:effectLst/>
-                <a:latin typeface="Times New Roman" panose="02020603050405020304" pitchFamily="18" charset="0"/>
-                <a:ea typeface="新宋体" panose="02010609030101010101" pitchFamily="49" charset="-122"/>
-                <a:cs typeface="Times New Roman" panose="02020603050405020304" pitchFamily="18" charset="0"/>
-              </a:rPr>
-              <a:t>杨花落尽子规啼</a:t>
-            </a:r>
-            <a:r>
-              <a:rPr lang="en-US" altLang="zh-CN" sz="1800" kern="100" dirty="0">
-                <a:effectLst/>
-                <a:latin typeface="Times New Roman" panose="02020603050405020304" pitchFamily="18" charset="0"/>
-                <a:ea typeface="新宋体" panose="02010609030101010101" pitchFamily="49" charset="-122"/>
-                <a:cs typeface="Times New Roman" panose="02020603050405020304" pitchFamily="18" charset="0"/>
-              </a:rPr>
-              <a:t>  </a:t>
-            </a:r>
-            <a:r>
-              <a:rPr lang="zh-CN" altLang="zh-CN" sz="1800" kern="100" dirty="0">
-                <a:effectLst/>
-                <a:latin typeface="Times New Roman" panose="02020603050405020304" pitchFamily="18" charset="0"/>
-                <a:ea typeface="新宋体" panose="02010609030101010101" pitchFamily="49" charset="-122"/>
-                <a:cs typeface="Times New Roman" panose="02020603050405020304" pitchFamily="18" charset="0"/>
-              </a:rPr>
-              <a:t>闻道龙标过五溪（注意“道”的书写）</a:t>
-            </a:r>
-            <a:endParaRPr lang="zh-CN" altLang="zh-CN" sz="1800" kern="100" dirty="0">
-              <a:effectLst/>
-              <a:latin typeface="Calibri" panose="020F0502020204030204" pitchFamily="34" charset="0"/>
-              <a:ea typeface="宋体" panose="02010600030101010101" pitchFamily="2" charset="-122"/>
+              <a:latin typeface="等线" panose="02010600030101010101" pitchFamily="2" charset="-122"/>
+              <a:ea typeface="等线" panose="02010600030101010101" pitchFamily="2" charset="-122"/>
               <a:cs typeface="Times New Roman" panose="02020603050405020304" pitchFamily="18" charset="0"/>
             </a:endParaRPr>
           </a:p>
@@ -5807,7 +5685,7 @@
     </p:spTree>
     <p:extLst>
       <p:ext uri="{BB962C8B-B14F-4D97-AF65-F5344CB8AC3E}">
-        <p14:creationId xmlns:p14="http://schemas.microsoft.com/office/powerpoint/2010/main" val="705088793"/>
+        <p14:creationId xmlns:p14="http://schemas.microsoft.com/office/powerpoint/2010/main" val="2571509699"/>
       </p:ext>
     </p:extLst>
   </p:cSld>
@@ -5839,7 +5717,7 @@
           <p:cNvPr id="2" name="标题 1">
             <a:extLst>
               <a:ext uri="{FF2B5EF4-FFF2-40B4-BE49-F238E27FC236}">
-                <a16:creationId xmlns:a16="http://schemas.microsoft.com/office/drawing/2014/main" id="{D0921213-ADF1-FDE2-7984-A44B1A2C6560}"/>
+                <a16:creationId xmlns:a16="http://schemas.microsoft.com/office/drawing/2014/main" id="{3BC2AB3B-292D-4AC5-3935-7C641FA42D1A}"/>
               </a:ext>
             </a:extLst>
           </p:cNvPr>
@@ -5855,24 +5733,471 @@
           <a:bodyPr/>
           <a:lstStyle/>
           <a:p>
+            <a:r>
+              <a:rPr lang="zh-CN" altLang="en-US" dirty="0"/>
+              <a:t>答案：</a:t>
+            </a:r>
+          </a:p>
+        </p:txBody>
+      </p:sp>
+      <p:sp>
+        <p:nvSpPr>
+          <p:cNvPr id="3" name="内容占位符 2">
+            <a:extLst>
+              <a:ext uri="{FF2B5EF4-FFF2-40B4-BE49-F238E27FC236}">
+                <a16:creationId xmlns:a16="http://schemas.microsoft.com/office/drawing/2014/main" id="{1FFAFD67-55A2-BAFD-A154-FA976C3BAC57}"/>
+              </a:ext>
+            </a:extLst>
+          </p:cNvPr>
+          <p:cNvSpPr>
+            <a:spLocks noGrp="1"/>
+          </p:cNvSpPr>
+          <p:nvPr>
+            <p:ph idx="1"/>
+          </p:nvPr>
+        </p:nvSpPr>
+        <p:spPr/>
+        <p:txBody>
+          <a:bodyPr>
+            <a:normAutofit fontScale="92500" lnSpcReduction="20000"/>
+          </a:bodyPr>
+          <a:lstStyle/>
+          <a:p>
+            <a:pPr marL="173355" algn="just">
+              <a:lnSpc>
+                <a:spcPct val="150000"/>
+              </a:lnSpc>
+            </a:pPr>
+            <a:r>
+              <a:rPr lang="zh-CN" altLang="zh-CN" sz="1800" kern="100" dirty="0">
+                <a:effectLst/>
+                <a:latin typeface="Times New Roman" panose="02020603050405020304" pitchFamily="18" charset="0"/>
+                <a:ea typeface="新宋体" panose="02010609030101010101" pitchFamily="49" charset="-122"/>
+                <a:cs typeface="Times New Roman" panose="02020603050405020304" pitchFamily="18" charset="0"/>
+              </a:rPr>
+              <a:t>（</a:t>
+            </a:r>
+            <a:r>
+              <a:rPr lang="en-US" altLang="zh-CN" sz="1800" kern="100" dirty="0">
+                <a:effectLst/>
+                <a:latin typeface="Times New Roman" panose="02020603050405020304" pitchFamily="18" charset="0"/>
+                <a:ea typeface="新宋体" panose="02010609030101010101" pitchFamily="49" charset="-122"/>
+                <a:cs typeface="Times New Roman" panose="02020603050405020304" pitchFamily="18" charset="0"/>
+              </a:rPr>
+              <a:t>1</a:t>
+            </a:r>
+            <a:r>
+              <a:rPr lang="zh-CN" altLang="zh-CN" sz="1800" kern="100" dirty="0">
+                <a:effectLst/>
+                <a:latin typeface="Times New Roman" panose="02020603050405020304" pitchFamily="18" charset="0"/>
+                <a:ea typeface="新宋体" panose="02010609030101010101" pitchFamily="49" charset="-122"/>
+                <a:cs typeface="Times New Roman" panose="02020603050405020304" pitchFamily="18" charset="0"/>
+              </a:rPr>
+              <a:t>）</a:t>
+            </a:r>
+            <a:r>
+              <a:rPr lang="zh-CN" altLang="zh-CN" sz="1800" kern="100" dirty="0">
+                <a:effectLst/>
+                <a:latin typeface="Times New Roman" panose="02020603050405020304" pitchFamily="18" charset="0"/>
+                <a:ea typeface="Calibri" panose="020F0502020204030204" pitchFamily="34" charset="0"/>
+                <a:cs typeface="Times New Roman" panose="02020603050405020304" pitchFamily="18" charset="0"/>
+              </a:rPr>
+              <a:t>①</a:t>
+            </a:r>
+            <a:r>
+              <a:rPr lang="zh-CN" altLang="zh-CN" sz="1800" kern="100" dirty="0">
+                <a:effectLst/>
+                <a:latin typeface="Times New Roman" panose="02020603050405020304" pitchFamily="18" charset="0"/>
+                <a:ea typeface="新宋体" panose="02010609030101010101" pitchFamily="49" charset="-122"/>
+                <a:cs typeface="Times New Roman" panose="02020603050405020304" pitchFamily="18" charset="0"/>
+              </a:rPr>
+              <a:t>秋风萧瑟（注意“萧”的书写）</a:t>
+            </a:r>
+            <a:endParaRPr lang="zh-CN" altLang="zh-CN" sz="1800" kern="100" dirty="0">
+              <a:effectLst/>
+              <a:latin typeface="Calibri" panose="020F0502020204030204" pitchFamily="34" charset="0"/>
+              <a:ea typeface="宋体" panose="02010600030101010101" pitchFamily="2" charset="-122"/>
+              <a:cs typeface="Times New Roman" panose="02020603050405020304" pitchFamily="18" charset="0"/>
+            </a:endParaRPr>
+          </a:p>
+          <a:p>
+            <a:pPr marL="173355" algn="just">
+              <a:lnSpc>
+                <a:spcPct val="150000"/>
+              </a:lnSpc>
+            </a:pPr>
+            <a:r>
+              <a:rPr lang="zh-CN" altLang="zh-CN" sz="1800" kern="100" dirty="0">
+                <a:effectLst/>
+                <a:latin typeface="Times New Roman" panose="02020603050405020304" pitchFamily="18" charset="0"/>
+                <a:ea typeface="Calibri" panose="020F0502020204030204" pitchFamily="34" charset="0"/>
+                <a:cs typeface="Times New Roman" panose="02020603050405020304" pitchFamily="18" charset="0"/>
+              </a:rPr>
+              <a:t>②</a:t>
+            </a:r>
+            <a:r>
+              <a:rPr lang="zh-CN" altLang="zh-CN" sz="1800" kern="100" dirty="0">
+                <a:effectLst/>
+                <a:latin typeface="Times New Roman" panose="02020603050405020304" pitchFamily="18" charset="0"/>
+                <a:ea typeface="新宋体" panose="02010609030101010101" pitchFamily="49" charset="-122"/>
+                <a:cs typeface="Times New Roman" panose="02020603050405020304" pitchFamily="18" charset="0"/>
+              </a:rPr>
+              <a:t>山岛竦峙（注意“竦峙”的书写）</a:t>
+            </a:r>
+            <a:endParaRPr lang="zh-CN" altLang="zh-CN" sz="1800" kern="100" dirty="0">
+              <a:effectLst/>
+              <a:latin typeface="Calibri" panose="020F0502020204030204" pitchFamily="34" charset="0"/>
+              <a:ea typeface="宋体" panose="02010600030101010101" pitchFamily="2" charset="-122"/>
+              <a:cs typeface="Times New Roman" panose="02020603050405020304" pitchFamily="18" charset="0"/>
+            </a:endParaRPr>
+          </a:p>
+          <a:p>
+            <a:pPr marL="173355" algn="just">
+              <a:lnSpc>
+                <a:spcPct val="150000"/>
+              </a:lnSpc>
+            </a:pPr>
+            <a:r>
+              <a:rPr lang="zh-CN" altLang="zh-CN" sz="1800" kern="100" dirty="0">
+                <a:effectLst/>
+                <a:latin typeface="Times New Roman" panose="02020603050405020304" pitchFamily="18" charset="0"/>
+                <a:ea typeface="Calibri" panose="020F0502020204030204" pitchFamily="34" charset="0"/>
+                <a:cs typeface="Times New Roman" panose="02020603050405020304" pitchFamily="18" charset="0"/>
+              </a:rPr>
+              <a:t>③</a:t>
+            </a:r>
+            <a:r>
+              <a:rPr lang="zh-CN" altLang="zh-CN" sz="1800" kern="100" dirty="0">
+                <a:effectLst/>
+                <a:latin typeface="Times New Roman" panose="02020603050405020304" pitchFamily="18" charset="0"/>
+                <a:ea typeface="新宋体" panose="02010609030101010101" pitchFamily="49" charset="-122"/>
+                <a:cs typeface="Times New Roman" panose="02020603050405020304" pitchFamily="18" charset="0"/>
+              </a:rPr>
+              <a:t>风正一帆悬</a:t>
+            </a:r>
+            <a:endParaRPr lang="zh-CN" altLang="zh-CN" sz="1800" kern="100" dirty="0">
+              <a:effectLst/>
+              <a:latin typeface="Calibri" panose="020F0502020204030204" pitchFamily="34" charset="0"/>
+              <a:ea typeface="宋体" panose="02010600030101010101" pitchFamily="2" charset="-122"/>
+              <a:cs typeface="Times New Roman" panose="02020603050405020304" pitchFamily="18" charset="0"/>
+            </a:endParaRPr>
+          </a:p>
+          <a:p>
+            <a:pPr marL="173355" algn="just">
+              <a:lnSpc>
+                <a:spcPct val="150000"/>
+              </a:lnSpc>
+            </a:pPr>
+            <a:r>
+              <a:rPr lang="zh-CN" altLang="zh-CN" sz="1800" kern="100" dirty="0">
+                <a:effectLst/>
+                <a:latin typeface="Times New Roman" panose="02020603050405020304" pitchFamily="18" charset="0"/>
+                <a:ea typeface="Calibri" panose="020F0502020204030204" pitchFamily="34" charset="0"/>
+                <a:cs typeface="Times New Roman" panose="02020603050405020304" pitchFamily="18" charset="0"/>
+              </a:rPr>
+              <a:t>④</a:t>
+            </a:r>
+            <a:r>
+              <a:rPr lang="zh-CN" altLang="zh-CN" sz="1800" kern="100" dirty="0">
+                <a:effectLst/>
+                <a:latin typeface="Times New Roman" panose="02020603050405020304" pitchFamily="18" charset="0"/>
+                <a:ea typeface="新宋体" panose="02010609030101010101" pitchFamily="49" charset="-122"/>
+                <a:cs typeface="Times New Roman" panose="02020603050405020304" pitchFamily="18" charset="0"/>
+              </a:rPr>
+              <a:t>岐王宅里寻常见（注意“岐”的书写）</a:t>
+            </a:r>
+            <a:endParaRPr lang="zh-CN" altLang="zh-CN" sz="1800" kern="100" dirty="0">
+              <a:effectLst/>
+              <a:latin typeface="Calibri" panose="020F0502020204030204" pitchFamily="34" charset="0"/>
+              <a:ea typeface="宋体" panose="02010600030101010101" pitchFamily="2" charset="-122"/>
+              <a:cs typeface="Times New Roman" panose="02020603050405020304" pitchFamily="18" charset="0"/>
+            </a:endParaRPr>
+          </a:p>
+          <a:p>
+            <a:pPr marL="173355" algn="just">
+              <a:lnSpc>
+                <a:spcPct val="150000"/>
+              </a:lnSpc>
+            </a:pPr>
+            <a:r>
+              <a:rPr lang="zh-CN" altLang="zh-CN" sz="1800" kern="100" dirty="0">
+                <a:effectLst/>
+                <a:latin typeface="Times New Roman" panose="02020603050405020304" pitchFamily="18" charset="0"/>
+                <a:ea typeface="Calibri" panose="020F0502020204030204" pitchFamily="34" charset="0"/>
+                <a:cs typeface="Times New Roman" panose="02020603050405020304" pitchFamily="18" charset="0"/>
+              </a:rPr>
+              <a:t>⑤</a:t>
+            </a:r>
+            <a:r>
+              <a:rPr lang="zh-CN" altLang="zh-CN" sz="1800" kern="100" dirty="0">
+                <a:effectLst/>
+                <a:latin typeface="Times New Roman" panose="02020603050405020304" pitchFamily="18" charset="0"/>
+                <a:ea typeface="新宋体" panose="02010609030101010101" pitchFamily="49" charset="-122"/>
+                <a:cs typeface="Times New Roman" panose="02020603050405020304" pitchFamily="18" charset="0"/>
+              </a:rPr>
+              <a:t>小桥流水人家</a:t>
+            </a:r>
+            <a:endParaRPr lang="zh-CN" altLang="zh-CN" sz="1800" kern="100" dirty="0">
+              <a:effectLst/>
+              <a:latin typeface="Calibri" panose="020F0502020204030204" pitchFamily="34" charset="0"/>
+              <a:ea typeface="宋体" panose="02010600030101010101" pitchFamily="2" charset="-122"/>
+              <a:cs typeface="Times New Roman" panose="02020603050405020304" pitchFamily="18" charset="0"/>
+            </a:endParaRPr>
+          </a:p>
+          <a:p>
+            <a:pPr marL="173355" algn="just">
+              <a:lnSpc>
+                <a:spcPct val="150000"/>
+              </a:lnSpc>
+            </a:pPr>
+            <a:r>
+              <a:rPr lang="zh-CN" altLang="zh-CN" sz="1800" kern="100" dirty="0">
+                <a:effectLst/>
+                <a:latin typeface="Times New Roman" panose="02020603050405020304" pitchFamily="18" charset="0"/>
+                <a:ea typeface="Calibri" panose="020F0502020204030204" pitchFamily="34" charset="0"/>
+                <a:cs typeface="Times New Roman" panose="02020603050405020304" pitchFamily="18" charset="0"/>
+              </a:rPr>
+              <a:t>⑥</a:t>
+            </a:r>
+            <a:r>
+              <a:rPr lang="zh-CN" altLang="zh-CN" sz="1800" kern="100" dirty="0">
+                <a:effectLst/>
+                <a:latin typeface="Times New Roman" panose="02020603050405020304" pitchFamily="18" charset="0"/>
+                <a:ea typeface="新宋体" panose="02010609030101010101" pitchFamily="49" charset="-122"/>
+                <a:cs typeface="Times New Roman" panose="02020603050405020304" pitchFamily="18" charset="0"/>
+              </a:rPr>
+              <a:t>峨眉山月半轮秋（注意“眉”的书写）</a:t>
+            </a:r>
+            <a:endParaRPr lang="zh-CN" altLang="zh-CN" sz="1800" kern="100" dirty="0">
+              <a:effectLst/>
+              <a:latin typeface="Calibri" panose="020F0502020204030204" pitchFamily="34" charset="0"/>
+              <a:ea typeface="宋体" panose="02010600030101010101" pitchFamily="2" charset="-122"/>
+              <a:cs typeface="Times New Roman" panose="02020603050405020304" pitchFamily="18" charset="0"/>
+            </a:endParaRPr>
+          </a:p>
+          <a:p>
+            <a:pPr marL="173355" algn="just">
+              <a:lnSpc>
+                <a:spcPct val="150000"/>
+              </a:lnSpc>
+            </a:pPr>
+            <a:r>
+              <a:rPr lang="zh-CN" altLang="zh-CN" sz="1800" kern="100" dirty="0">
+                <a:effectLst/>
+                <a:latin typeface="Times New Roman" panose="02020603050405020304" pitchFamily="18" charset="0"/>
+                <a:ea typeface="新宋体" panose="02010609030101010101" pitchFamily="49" charset="-122"/>
+                <a:cs typeface="Times New Roman" panose="02020603050405020304" pitchFamily="18" charset="0"/>
+              </a:rPr>
+              <a:t>（</a:t>
+            </a:r>
+            <a:r>
+              <a:rPr lang="en-US" altLang="zh-CN" sz="1800" kern="100" dirty="0">
+                <a:effectLst/>
+                <a:latin typeface="Times New Roman" panose="02020603050405020304" pitchFamily="18" charset="0"/>
+                <a:ea typeface="新宋体" panose="02010609030101010101" pitchFamily="49" charset="-122"/>
+                <a:cs typeface="Times New Roman" panose="02020603050405020304" pitchFamily="18" charset="0"/>
+              </a:rPr>
+              <a:t>2</a:t>
+            </a:r>
+            <a:r>
+              <a:rPr lang="zh-CN" altLang="zh-CN" sz="1800" kern="100" dirty="0">
+                <a:effectLst/>
+                <a:latin typeface="Times New Roman" panose="02020603050405020304" pitchFamily="18" charset="0"/>
+                <a:ea typeface="新宋体" panose="02010609030101010101" pitchFamily="49" charset="-122"/>
+                <a:cs typeface="Times New Roman" panose="02020603050405020304" pitchFamily="18" charset="0"/>
+              </a:rPr>
+              <a:t>）</a:t>
+            </a:r>
+            <a:r>
+              <a:rPr lang="zh-CN" altLang="zh-CN" sz="1800" kern="100" dirty="0">
+                <a:effectLst/>
+                <a:latin typeface="Times New Roman" panose="02020603050405020304" pitchFamily="18" charset="0"/>
+                <a:ea typeface="Calibri" panose="020F0502020204030204" pitchFamily="34" charset="0"/>
+                <a:cs typeface="Times New Roman" panose="02020603050405020304" pitchFamily="18" charset="0"/>
+              </a:rPr>
+              <a:t>①</a:t>
+            </a:r>
+            <a:r>
+              <a:rPr lang="zh-CN" altLang="zh-CN" sz="1800" kern="100" dirty="0">
+                <a:effectLst/>
+                <a:latin typeface="Times New Roman" panose="02020603050405020304" pitchFamily="18" charset="0"/>
+                <a:ea typeface="新宋体" panose="02010609030101010101" pitchFamily="49" charset="-122"/>
+                <a:cs typeface="Times New Roman" panose="02020603050405020304" pitchFamily="18" charset="0"/>
+              </a:rPr>
+              <a:t>乡书何处达</a:t>
+            </a:r>
+            <a:r>
+              <a:rPr lang="en-US" altLang="zh-CN" sz="1800" kern="100" dirty="0">
+                <a:effectLst/>
+                <a:latin typeface="Times New Roman" panose="02020603050405020304" pitchFamily="18" charset="0"/>
+                <a:ea typeface="新宋体" panose="02010609030101010101" pitchFamily="49" charset="-122"/>
+                <a:cs typeface="Times New Roman" panose="02020603050405020304" pitchFamily="18" charset="0"/>
+              </a:rPr>
+              <a:t>  </a:t>
+            </a:r>
+            <a:r>
+              <a:rPr lang="zh-CN" altLang="zh-CN" sz="1800" kern="100" dirty="0">
+                <a:effectLst/>
+                <a:latin typeface="Times New Roman" panose="02020603050405020304" pitchFamily="18" charset="0"/>
+                <a:ea typeface="新宋体" panose="02010609030101010101" pitchFamily="49" charset="-122"/>
+                <a:cs typeface="Times New Roman" panose="02020603050405020304" pitchFamily="18" charset="0"/>
+              </a:rPr>
+              <a:t>归雁洛阳边（注意“雁”的书写）</a:t>
+            </a:r>
+            <a:endParaRPr lang="zh-CN" altLang="zh-CN" sz="1800" kern="100" dirty="0">
+              <a:effectLst/>
+              <a:latin typeface="Calibri" panose="020F0502020204030204" pitchFamily="34" charset="0"/>
+              <a:ea typeface="宋体" panose="02010600030101010101" pitchFamily="2" charset="-122"/>
+              <a:cs typeface="Times New Roman" panose="02020603050405020304" pitchFamily="18" charset="0"/>
+            </a:endParaRPr>
+          </a:p>
+          <a:p>
+            <a:pPr marL="173355" algn="just">
+              <a:lnSpc>
+                <a:spcPct val="150000"/>
+              </a:lnSpc>
+            </a:pPr>
+            <a:r>
+              <a:rPr lang="zh-CN" altLang="zh-CN" sz="1800" kern="100" dirty="0">
+                <a:effectLst/>
+                <a:latin typeface="Times New Roman" panose="02020603050405020304" pitchFamily="18" charset="0"/>
+                <a:ea typeface="Calibri" panose="020F0502020204030204" pitchFamily="34" charset="0"/>
+                <a:cs typeface="Times New Roman" panose="02020603050405020304" pitchFamily="18" charset="0"/>
+              </a:rPr>
+              <a:t>②</a:t>
+            </a:r>
+            <a:r>
+              <a:rPr lang="zh-CN" altLang="zh-CN" sz="1800" kern="100" dirty="0">
+                <a:effectLst/>
+                <a:latin typeface="Times New Roman" panose="02020603050405020304" pitchFamily="18" charset="0"/>
+                <a:ea typeface="新宋体" panose="02010609030101010101" pitchFamily="49" charset="-122"/>
+                <a:cs typeface="Times New Roman" panose="02020603050405020304" pitchFamily="18" charset="0"/>
+              </a:rPr>
+              <a:t>夕阳西下</a:t>
+            </a:r>
+            <a:r>
+              <a:rPr lang="en-US" altLang="zh-CN" sz="1800" kern="100" dirty="0">
+                <a:effectLst/>
+                <a:latin typeface="Times New Roman" panose="02020603050405020304" pitchFamily="18" charset="0"/>
+                <a:ea typeface="新宋体" panose="02010609030101010101" pitchFamily="49" charset="-122"/>
+                <a:cs typeface="Times New Roman" panose="02020603050405020304" pitchFamily="18" charset="0"/>
+              </a:rPr>
+              <a:t>  </a:t>
+            </a:r>
+            <a:r>
+              <a:rPr lang="zh-CN" altLang="zh-CN" sz="1800" kern="100" dirty="0">
+                <a:effectLst/>
+                <a:latin typeface="Times New Roman" panose="02020603050405020304" pitchFamily="18" charset="0"/>
+                <a:ea typeface="新宋体" panose="02010609030101010101" pitchFamily="49" charset="-122"/>
+                <a:cs typeface="Times New Roman" panose="02020603050405020304" pitchFamily="18" charset="0"/>
+              </a:rPr>
+              <a:t>断肠人在天涯</a:t>
+            </a:r>
+            <a:endParaRPr lang="zh-CN" altLang="zh-CN" sz="1800" kern="100" dirty="0">
+              <a:effectLst/>
+              <a:latin typeface="Calibri" panose="020F0502020204030204" pitchFamily="34" charset="0"/>
+              <a:ea typeface="宋体" panose="02010600030101010101" pitchFamily="2" charset="-122"/>
+              <a:cs typeface="Times New Roman" panose="02020603050405020304" pitchFamily="18" charset="0"/>
+            </a:endParaRPr>
+          </a:p>
+          <a:p>
+            <a:pPr marL="173355" algn="just">
+              <a:lnSpc>
+                <a:spcPct val="150000"/>
+              </a:lnSpc>
+            </a:pPr>
+            <a:r>
+              <a:rPr lang="zh-CN" altLang="zh-CN" sz="1800" kern="100" dirty="0">
+                <a:effectLst/>
+                <a:latin typeface="Times New Roman" panose="02020603050405020304" pitchFamily="18" charset="0"/>
+                <a:ea typeface="Calibri" panose="020F0502020204030204" pitchFamily="34" charset="0"/>
+                <a:cs typeface="Times New Roman" panose="02020603050405020304" pitchFamily="18" charset="0"/>
+              </a:rPr>
+              <a:t>③</a:t>
+            </a:r>
+            <a:r>
+              <a:rPr lang="zh-CN" altLang="zh-CN" sz="1800" kern="100" dirty="0">
+                <a:effectLst/>
+                <a:latin typeface="Times New Roman" panose="02020603050405020304" pitchFamily="18" charset="0"/>
+                <a:ea typeface="新宋体" panose="02010609030101010101" pitchFamily="49" charset="-122"/>
+                <a:cs typeface="Times New Roman" panose="02020603050405020304" pitchFamily="18" charset="0"/>
+              </a:rPr>
+              <a:t>杨花落尽子规啼</a:t>
+            </a:r>
+            <a:r>
+              <a:rPr lang="en-US" altLang="zh-CN" sz="1800" kern="100" dirty="0">
+                <a:effectLst/>
+                <a:latin typeface="Times New Roman" panose="02020603050405020304" pitchFamily="18" charset="0"/>
+                <a:ea typeface="新宋体" panose="02010609030101010101" pitchFamily="49" charset="-122"/>
+                <a:cs typeface="Times New Roman" panose="02020603050405020304" pitchFamily="18" charset="0"/>
+              </a:rPr>
+              <a:t>  </a:t>
+            </a:r>
+            <a:r>
+              <a:rPr lang="zh-CN" altLang="zh-CN" sz="1800" kern="100" dirty="0">
+                <a:effectLst/>
+                <a:latin typeface="Times New Roman" panose="02020603050405020304" pitchFamily="18" charset="0"/>
+                <a:ea typeface="新宋体" panose="02010609030101010101" pitchFamily="49" charset="-122"/>
+                <a:cs typeface="Times New Roman" panose="02020603050405020304" pitchFamily="18" charset="0"/>
+              </a:rPr>
+              <a:t>闻道龙标过五溪（注意“道”的书写）</a:t>
+            </a:r>
+            <a:endParaRPr lang="zh-CN" altLang="zh-CN" sz="1800" kern="100" dirty="0">
+              <a:effectLst/>
+              <a:latin typeface="Calibri" panose="020F0502020204030204" pitchFamily="34" charset="0"/>
+              <a:ea typeface="宋体" panose="02010600030101010101" pitchFamily="2" charset="-122"/>
+              <a:cs typeface="Times New Roman" panose="02020603050405020304" pitchFamily="18" charset="0"/>
+            </a:endParaRPr>
+          </a:p>
+          <a:p>
             <a:endParaRPr lang="zh-CN" altLang="en-US" dirty="0"/>
           </a:p>
         </p:txBody>
       </p:sp>
-      <p:sp>
-        <p:nvSpPr>
-          <p:cNvPr id="3" name="内容占位符 2">
-            <a:extLst>
-              <a:ext uri="{FF2B5EF4-FFF2-40B4-BE49-F238E27FC236}">
-                <a16:creationId xmlns:a16="http://schemas.microsoft.com/office/drawing/2014/main" id="{9B7677CF-A18D-4D81-3CD2-4382E9C7D987}"/>
-              </a:ext>
-            </a:extLst>
-          </p:cNvPr>
-          <p:cNvSpPr>
-            <a:spLocks noGrp="1"/>
-          </p:cNvSpPr>
-          <p:nvPr>
-            <p:ph idx="1"/>
+    </p:spTree>
+    <p:extLst>
+      <p:ext uri="{BB962C8B-B14F-4D97-AF65-F5344CB8AC3E}">
+        <p14:creationId xmlns:p14="http://schemas.microsoft.com/office/powerpoint/2010/main" val="705088793"/>
+      </p:ext>
+    </p:extLst>
+  </p:cSld>
+  <p:clrMapOvr>
+    <a:masterClrMapping/>
+  </p:clrMapOvr>
+</p:sld>
+</file>
+
+<file path=ppt/slides/slide8.xml><?xml version="1.0" encoding="utf-8"?>
+<p:sld xmlns:a="http://schemas.openxmlformats.org/drawingml/2006/main" xmlns:r="http://schemas.openxmlformats.org/officeDocument/2006/relationships" xmlns:p="http://schemas.openxmlformats.org/presentationml/2006/main">
+  <p:cSld>
+    <p:spTree>
+      <p:nvGrpSpPr>
+        <p:cNvPr id="1" name=""/>
+        <p:cNvGrpSpPr/>
+        <p:nvPr/>
+      </p:nvGrpSpPr>
+      <p:grpSpPr>
+        <a:xfrm>
+          <a:off x="0" y="0"/>
+          <a:ext cx="0" cy="0"/>
+          <a:chOff x="0" y="0"/>
+          <a:chExt cx="0" cy="0"/>
+        </a:xfrm>
+      </p:grpSpPr>
+      <p:sp>
+        <p:nvSpPr>
+          <p:cNvPr id="2" name="标题 1">
+            <a:extLst>
+              <a:ext uri="{FF2B5EF4-FFF2-40B4-BE49-F238E27FC236}">
+                <a16:creationId xmlns:a16="http://schemas.microsoft.com/office/drawing/2014/main" id="{D0921213-ADF1-FDE2-7984-A44B1A2C6560}"/>
+              </a:ext>
+            </a:extLst>
+          </p:cNvPr>
+          <p:cNvSpPr>
+            <a:spLocks noGrp="1"/>
+          </p:cNvSpPr>
+          <p:nvPr>
+            <p:ph type="title"/>
           </p:nvPr>
         </p:nvSpPr>
         <p:spPr/>
@@ -5880,7 +6205,35 @@
           <a:bodyPr/>
           <a:lstStyle/>
           <a:p>
-            <a:endParaRPr lang="zh-CN" altLang="en-US"/>
+            <a:r>
+              <a:rPr lang="zh-CN" altLang="en-US" dirty="0"/>
+              <a:t>第二节课</a:t>
+            </a:r>
+          </a:p>
+        </p:txBody>
+      </p:sp>
+      <p:sp>
+        <p:nvSpPr>
+          <p:cNvPr id="3" name="内容占位符 2">
+            <a:extLst>
+              <a:ext uri="{FF2B5EF4-FFF2-40B4-BE49-F238E27FC236}">
+                <a16:creationId xmlns:a16="http://schemas.microsoft.com/office/drawing/2014/main" id="{9B7677CF-A18D-4D81-3CD2-4382E9C7D987}"/>
+              </a:ext>
+            </a:extLst>
+          </p:cNvPr>
+          <p:cNvSpPr>
+            <a:spLocks noGrp="1"/>
+          </p:cNvSpPr>
+          <p:nvPr>
+            <p:ph idx="1"/>
+          </p:nvPr>
+        </p:nvSpPr>
+        <p:spPr/>
+        <p:txBody>
+          <a:bodyPr/>
+          <a:lstStyle/>
+          <a:p>
+            <a:endParaRPr lang="zh-CN" altLang="en-US" dirty="0"/>
           </a:p>
         </p:txBody>
       </p:sp>
@@ -5888,6 +6241,542 @@
     <p:extLst>
       <p:ext uri="{BB962C8B-B14F-4D97-AF65-F5344CB8AC3E}">
         <p14:creationId xmlns:p14="http://schemas.microsoft.com/office/powerpoint/2010/main" val="3364549943"/>
+      </p:ext>
+    </p:extLst>
+  </p:cSld>
+  <p:clrMapOvr>
+    <a:masterClrMapping/>
+  </p:clrMapOvr>
+</p:sld>
+</file>
+
+<file path=ppt/slides/slide9.xml><?xml version="1.0" encoding="utf-8"?>
+<p:sld xmlns:a="http://schemas.openxmlformats.org/drawingml/2006/main" xmlns:r="http://schemas.openxmlformats.org/officeDocument/2006/relationships" xmlns:p="http://schemas.openxmlformats.org/presentationml/2006/main">
+  <p:cSld>
+    <p:spTree>
+      <p:nvGrpSpPr>
+        <p:cNvPr id="1" name=""/>
+        <p:cNvGrpSpPr/>
+        <p:nvPr/>
+      </p:nvGrpSpPr>
+      <p:grpSpPr>
+        <a:xfrm>
+          <a:off x="0" y="0"/>
+          <a:ext cx="0" cy="0"/>
+          <a:chOff x="0" y="0"/>
+          <a:chExt cx="0" cy="0"/>
+        </a:xfrm>
+      </p:grpSpPr>
+      <p:sp>
+        <p:nvSpPr>
+          <p:cNvPr id="6" name="内容占位符 5">
+            <a:extLst>
+              <a:ext uri="{FF2B5EF4-FFF2-40B4-BE49-F238E27FC236}">
+                <a16:creationId xmlns:a16="http://schemas.microsoft.com/office/drawing/2014/main" id="{7368EB94-92E5-BB00-1FF2-5B669ED05D17}"/>
+              </a:ext>
+            </a:extLst>
+          </p:cNvPr>
+          <p:cNvSpPr>
+            <a:spLocks noGrp="1"/>
+          </p:cNvSpPr>
+          <p:nvPr>
+            <p:ph idx="1"/>
+          </p:nvPr>
+        </p:nvSpPr>
+        <p:spPr>
+          <a:xfrm>
+            <a:off x="838200" y="352697"/>
+            <a:ext cx="10515600" cy="5824266"/>
+          </a:xfrm>
+        </p:spPr>
+        <p:txBody>
+          <a:bodyPr/>
+          <a:lstStyle/>
+          <a:p>
+            <a:pPr marL="173355" indent="-173355" algn="just">
+              <a:lnSpc>
+                <a:spcPct val="150000"/>
+              </a:lnSpc>
+            </a:pPr>
+            <a:r>
+              <a:rPr lang="en-US" altLang="zh-CN" sz="1800" kern="100" dirty="0">
+                <a:effectLst/>
+                <a:latin typeface="Times New Roman" panose="02020603050405020304" pitchFamily="18" charset="0"/>
+                <a:ea typeface="新宋体" panose="02010609030101010101" pitchFamily="49" charset="-122"/>
+                <a:cs typeface="Times New Roman" panose="02020603050405020304" pitchFamily="18" charset="0"/>
+              </a:rPr>
+              <a:t>18</a:t>
+            </a:r>
+            <a:r>
+              <a:rPr lang="zh-CN" altLang="zh-CN" sz="1800" kern="100" dirty="0">
+                <a:effectLst/>
+                <a:latin typeface="Times New Roman" panose="02020603050405020304" pitchFamily="18" charset="0"/>
+                <a:ea typeface="新宋体" panose="02010609030101010101" pitchFamily="49" charset="-122"/>
+                <a:cs typeface="Times New Roman" panose="02020603050405020304" pitchFamily="18" charset="0"/>
+              </a:rPr>
+              <a:t>．默写。</a:t>
+            </a:r>
+            <a:endParaRPr lang="zh-CN" altLang="zh-CN" sz="1800" kern="100" dirty="0">
+              <a:effectLst/>
+              <a:latin typeface="Calibri" panose="020F0502020204030204" pitchFamily="34" charset="0"/>
+              <a:ea typeface="宋体" panose="02010600030101010101" pitchFamily="2" charset="-122"/>
+              <a:cs typeface="Times New Roman" panose="02020603050405020304" pitchFamily="18" charset="0"/>
+            </a:endParaRPr>
+          </a:p>
+          <a:p>
+            <a:pPr marL="173355" algn="just">
+              <a:lnSpc>
+                <a:spcPct val="150000"/>
+              </a:lnSpc>
+            </a:pPr>
+            <a:r>
+              <a:rPr lang="zh-CN" altLang="zh-CN" sz="1800" kern="100" dirty="0">
+                <a:effectLst/>
+                <a:latin typeface="Times New Roman" panose="02020603050405020304" pitchFamily="18" charset="0"/>
+                <a:ea typeface="新宋体" panose="02010609030101010101" pitchFamily="49" charset="-122"/>
+                <a:cs typeface="Times New Roman" panose="02020603050405020304" pitchFamily="18" charset="0"/>
+              </a:rPr>
+              <a:t>（</a:t>
+            </a:r>
+            <a:r>
+              <a:rPr lang="en-US" altLang="zh-CN" sz="1800" kern="100" dirty="0">
+                <a:effectLst/>
+                <a:latin typeface="Times New Roman" panose="02020603050405020304" pitchFamily="18" charset="0"/>
+                <a:ea typeface="新宋体" panose="02010609030101010101" pitchFamily="49" charset="-122"/>
+                <a:cs typeface="Times New Roman" panose="02020603050405020304" pitchFamily="18" charset="0"/>
+              </a:rPr>
+              <a:t>1</a:t>
+            </a:r>
+            <a:r>
+              <a:rPr lang="zh-CN" altLang="zh-CN" sz="1800" kern="100" dirty="0">
+                <a:effectLst/>
+                <a:latin typeface="Times New Roman" panose="02020603050405020304" pitchFamily="18" charset="0"/>
+                <a:ea typeface="新宋体" panose="02010609030101010101" pitchFamily="49" charset="-122"/>
+                <a:cs typeface="Times New Roman" panose="02020603050405020304" pitchFamily="18" charset="0"/>
+              </a:rPr>
+              <a:t>）根据课本，补写出下列名篇名句中的空缺部分。</a:t>
+            </a:r>
+            <a:endParaRPr lang="zh-CN" altLang="zh-CN" sz="1800" kern="100" dirty="0">
+              <a:effectLst/>
+              <a:latin typeface="Calibri" panose="020F0502020204030204" pitchFamily="34" charset="0"/>
+              <a:ea typeface="宋体" panose="02010600030101010101" pitchFamily="2" charset="-122"/>
+              <a:cs typeface="Times New Roman" panose="02020603050405020304" pitchFamily="18" charset="0"/>
+            </a:endParaRPr>
+          </a:p>
+          <a:p>
+            <a:pPr marL="173355" algn="just">
+              <a:lnSpc>
+                <a:spcPct val="150000"/>
+              </a:lnSpc>
+            </a:pPr>
+            <a:r>
+              <a:rPr lang="zh-CN" altLang="zh-CN" sz="1800" kern="100" dirty="0">
+                <a:effectLst/>
+                <a:latin typeface="Times New Roman" panose="02020603050405020304" pitchFamily="18" charset="0"/>
+                <a:ea typeface="Calibri" panose="020F0502020204030204" pitchFamily="34" charset="0"/>
+                <a:cs typeface="Times New Roman" panose="02020603050405020304" pitchFamily="18" charset="0"/>
+              </a:rPr>
+              <a:t>①</a:t>
+            </a:r>
+            <a:r>
+              <a:rPr lang="zh-CN" altLang="zh-CN" sz="1800" kern="100" dirty="0">
+                <a:effectLst/>
+                <a:latin typeface="Times New Roman" panose="02020603050405020304" pitchFamily="18" charset="0"/>
+                <a:ea typeface="新宋体" panose="02010609030101010101" pitchFamily="49" charset="-122"/>
+                <a:cs typeface="Times New Roman" panose="02020603050405020304" pitchFamily="18" charset="0"/>
+              </a:rPr>
+              <a:t>我寄愁心与明月，</a:t>
+            </a:r>
+            <a:r>
+              <a:rPr lang="zh-CN" altLang="zh-CN" sz="1800" u="sng" kern="100" dirty="0">
+                <a:effectLst/>
+                <a:latin typeface="Times New Roman" panose="02020603050405020304" pitchFamily="18" charset="0"/>
+                <a:ea typeface="新宋体" panose="02010609030101010101" pitchFamily="49" charset="-122"/>
+                <a:cs typeface="Times New Roman" panose="02020603050405020304" pitchFamily="18" charset="0"/>
+              </a:rPr>
+              <a:t>　</a:t>
+            </a:r>
+            <a:r>
+              <a:rPr lang="en-US" altLang="zh-CN" sz="1800" u="sng" kern="100" dirty="0">
+                <a:effectLst/>
+                <a:latin typeface="Times New Roman" panose="02020603050405020304" pitchFamily="18" charset="0"/>
+                <a:ea typeface="新宋体" panose="02010609030101010101" pitchFamily="49" charset="-122"/>
+                <a:cs typeface="Times New Roman" panose="02020603050405020304" pitchFamily="18" charset="0"/>
+              </a:rPr>
+              <a:t>          </a:t>
+            </a:r>
+            <a:r>
+              <a:rPr lang="zh-CN" altLang="zh-CN" sz="1800" u="sng" kern="100" dirty="0">
+                <a:effectLst/>
+                <a:latin typeface="Times New Roman" panose="02020603050405020304" pitchFamily="18" charset="0"/>
+                <a:ea typeface="新宋体" panose="02010609030101010101" pitchFamily="49" charset="-122"/>
+                <a:cs typeface="Times New Roman" panose="02020603050405020304" pitchFamily="18" charset="0"/>
+              </a:rPr>
+              <a:t>　</a:t>
+            </a:r>
+            <a:r>
+              <a:rPr lang="zh-CN" altLang="zh-CN" sz="1800" kern="100" dirty="0">
+                <a:effectLst/>
+                <a:latin typeface="Times New Roman" panose="02020603050405020304" pitchFamily="18" charset="0"/>
+                <a:ea typeface="新宋体" panose="02010609030101010101" pitchFamily="49" charset="-122"/>
+                <a:cs typeface="Times New Roman" panose="02020603050405020304" pitchFamily="18" charset="0"/>
+              </a:rPr>
+              <a:t>。（李白《闻王昌龄左迁龙标遥有此寄》）</a:t>
+            </a:r>
+            <a:endParaRPr lang="zh-CN" altLang="zh-CN" sz="1800" kern="100" dirty="0">
+              <a:effectLst/>
+              <a:latin typeface="Calibri" panose="020F0502020204030204" pitchFamily="34" charset="0"/>
+              <a:ea typeface="宋体" panose="02010600030101010101" pitchFamily="2" charset="-122"/>
+              <a:cs typeface="Times New Roman" panose="02020603050405020304" pitchFamily="18" charset="0"/>
+            </a:endParaRPr>
+          </a:p>
+          <a:p>
+            <a:pPr marL="173355" algn="just">
+              <a:lnSpc>
+                <a:spcPct val="150000"/>
+              </a:lnSpc>
+            </a:pPr>
+            <a:r>
+              <a:rPr lang="zh-CN" altLang="zh-CN" sz="1800" kern="100" dirty="0">
+                <a:effectLst/>
+                <a:latin typeface="Times New Roman" panose="02020603050405020304" pitchFamily="18" charset="0"/>
+                <a:ea typeface="Calibri" panose="020F0502020204030204" pitchFamily="34" charset="0"/>
+                <a:cs typeface="Times New Roman" panose="02020603050405020304" pitchFamily="18" charset="0"/>
+              </a:rPr>
+              <a:t>②</a:t>
+            </a:r>
+            <a:r>
+              <a:rPr lang="zh-CN" altLang="zh-CN" sz="1800" kern="100" dirty="0">
+                <a:effectLst/>
+                <a:latin typeface="Times New Roman" panose="02020603050405020304" pitchFamily="18" charset="0"/>
+                <a:ea typeface="新宋体" panose="02010609030101010101" pitchFamily="49" charset="-122"/>
+                <a:cs typeface="Times New Roman" panose="02020603050405020304" pitchFamily="18" charset="0"/>
+              </a:rPr>
+              <a:t>夕阳西下，</a:t>
+            </a:r>
+            <a:r>
+              <a:rPr lang="zh-CN" altLang="zh-CN" sz="1800" u="sng" kern="100" dirty="0">
+                <a:effectLst/>
+                <a:latin typeface="Times New Roman" panose="02020603050405020304" pitchFamily="18" charset="0"/>
+                <a:ea typeface="新宋体" panose="02010609030101010101" pitchFamily="49" charset="-122"/>
+                <a:cs typeface="Times New Roman" panose="02020603050405020304" pitchFamily="18" charset="0"/>
+              </a:rPr>
+              <a:t>　</a:t>
+            </a:r>
+            <a:r>
+              <a:rPr lang="en-US" altLang="zh-CN" sz="1800" u="sng" kern="100" dirty="0">
+                <a:effectLst/>
+                <a:latin typeface="Times New Roman" panose="02020603050405020304" pitchFamily="18" charset="0"/>
+                <a:ea typeface="新宋体" panose="02010609030101010101" pitchFamily="49" charset="-122"/>
+                <a:cs typeface="Times New Roman" panose="02020603050405020304" pitchFamily="18" charset="0"/>
+              </a:rPr>
+              <a:t>         </a:t>
+            </a:r>
+            <a:r>
+              <a:rPr lang="zh-CN" altLang="zh-CN" sz="1800" u="sng" kern="100" dirty="0">
+                <a:effectLst/>
+                <a:latin typeface="Times New Roman" panose="02020603050405020304" pitchFamily="18" charset="0"/>
+                <a:ea typeface="新宋体" panose="02010609030101010101" pitchFamily="49" charset="-122"/>
+                <a:cs typeface="Times New Roman" panose="02020603050405020304" pitchFamily="18" charset="0"/>
+              </a:rPr>
+              <a:t>　</a:t>
+            </a:r>
+            <a:r>
+              <a:rPr lang="zh-CN" altLang="zh-CN" sz="1800" kern="100" dirty="0">
+                <a:effectLst/>
+                <a:latin typeface="Times New Roman" panose="02020603050405020304" pitchFamily="18" charset="0"/>
+                <a:ea typeface="新宋体" panose="02010609030101010101" pitchFamily="49" charset="-122"/>
+                <a:cs typeface="Times New Roman" panose="02020603050405020304" pitchFamily="18" charset="0"/>
+              </a:rPr>
+              <a:t>。（马致远《天净沙•秋思》）</a:t>
+            </a:r>
+            <a:endParaRPr lang="zh-CN" altLang="zh-CN" sz="1800" kern="100" dirty="0">
+              <a:effectLst/>
+              <a:latin typeface="Calibri" panose="020F0502020204030204" pitchFamily="34" charset="0"/>
+              <a:ea typeface="宋体" panose="02010600030101010101" pitchFamily="2" charset="-122"/>
+              <a:cs typeface="Times New Roman" panose="02020603050405020304" pitchFamily="18" charset="0"/>
+            </a:endParaRPr>
+          </a:p>
+          <a:p>
+            <a:pPr marL="173355" algn="just">
+              <a:lnSpc>
+                <a:spcPct val="150000"/>
+              </a:lnSpc>
+            </a:pPr>
+            <a:r>
+              <a:rPr lang="zh-CN" altLang="zh-CN" sz="1800" kern="100" dirty="0">
+                <a:effectLst/>
+                <a:latin typeface="Times New Roman" panose="02020603050405020304" pitchFamily="18" charset="0"/>
+                <a:ea typeface="Calibri" panose="020F0502020204030204" pitchFamily="34" charset="0"/>
+                <a:cs typeface="Times New Roman" panose="02020603050405020304" pitchFamily="18" charset="0"/>
+              </a:rPr>
+              <a:t>③</a:t>
+            </a:r>
+            <a:r>
+              <a:rPr lang="zh-CN" altLang="zh-CN" sz="1800" u="sng" kern="100" dirty="0">
+                <a:effectLst/>
+                <a:latin typeface="Times New Roman" panose="02020603050405020304" pitchFamily="18" charset="0"/>
+                <a:ea typeface="新宋体" panose="02010609030101010101" pitchFamily="49" charset="-122"/>
+                <a:cs typeface="Times New Roman" panose="02020603050405020304" pitchFamily="18" charset="0"/>
+              </a:rPr>
+              <a:t>　</a:t>
+            </a:r>
+            <a:r>
+              <a:rPr lang="en-US" altLang="zh-CN" sz="1800" u="sng" kern="100" dirty="0">
+                <a:effectLst/>
+                <a:latin typeface="Times New Roman" panose="02020603050405020304" pitchFamily="18" charset="0"/>
+                <a:ea typeface="新宋体" panose="02010609030101010101" pitchFamily="49" charset="-122"/>
+                <a:cs typeface="Times New Roman" panose="02020603050405020304" pitchFamily="18" charset="0"/>
+              </a:rPr>
+              <a:t>        </a:t>
+            </a:r>
+            <a:r>
+              <a:rPr lang="zh-CN" altLang="zh-CN" sz="1800" u="sng" kern="100" dirty="0">
+                <a:effectLst/>
+                <a:latin typeface="Times New Roman" panose="02020603050405020304" pitchFamily="18" charset="0"/>
+                <a:ea typeface="新宋体" panose="02010609030101010101" pitchFamily="49" charset="-122"/>
+                <a:cs typeface="Times New Roman" panose="02020603050405020304" pitchFamily="18" charset="0"/>
+              </a:rPr>
+              <a:t>　</a:t>
+            </a:r>
+            <a:r>
+              <a:rPr lang="zh-CN" altLang="zh-CN" sz="1800" kern="100" dirty="0">
+                <a:effectLst/>
+                <a:latin typeface="Times New Roman" panose="02020603050405020304" pitchFamily="18" charset="0"/>
+                <a:ea typeface="新宋体" panose="02010609030101010101" pitchFamily="49" charset="-122"/>
+                <a:cs typeface="Times New Roman" panose="02020603050405020304" pitchFamily="18" charset="0"/>
+              </a:rPr>
+              <a:t>，应傍战场开。（岑参《行军九日思长安故园》）</a:t>
+            </a:r>
+            <a:endParaRPr lang="zh-CN" altLang="zh-CN" sz="1800" kern="100" dirty="0">
+              <a:effectLst/>
+              <a:latin typeface="Calibri" panose="020F0502020204030204" pitchFamily="34" charset="0"/>
+              <a:ea typeface="宋体" panose="02010600030101010101" pitchFamily="2" charset="-122"/>
+              <a:cs typeface="Times New Roman" panose="02020603050405020304" pitchFamily="18" charset="0"/>
+            </a:endParaRPr>
+          </a:p>
+          <a:p>
+            <a:pPr marL="173355" algn="just">
+              <a:lnSpc>
+                <a:spcPct val="150000"/>
+              </a:lnSpc>
+            </a:pPr>
+            <a:r>
+              <a:rPr lang="zh-CN" altLang="zh-CN" sz="1800" kern="100" dirty="0">
+                <a:effectLst/>
+                <a:latin typeface="Times New Roman" panose="02020603050405020304" pitchFamily="18" charset="0"/>
+                <a:ea typeface="Calibri" panose="020F0502020204030204" pitchFamily="34" charset="0"/>
+                <a:cs typeface="Times New Roman" panose="02020603050405020304" pitchFamily="18" charset="0"/>
+              </a:rPr>
+              <a:t>④</a:t>
+            </a:r>
+            <a:r>
+              <a:rPr lang="zh-CN" altLang="zh-CN" sz="1800" u="sng" kern="100" dirty="0">
+                <a:effectLst/>
+                <a:latin typeface="Times New Roman" panose="02020603050405020304" pitchFamily="18" charset="0"/>
+                <a:ea typeface="新宋体" panose="02010609030101010101" pitchFamily="49" charset="-122"/>
+                <a:cs typeface="Times New Roman" panose="02020603050405020304" pitchFamily="18" charset="0"/>
+              </a:rPr>
+              <a:t>　</a:t>
+            </a:r>
+            <a:r>
+              <a:rPr lang="en-US" altLang="zh-CN" sz="1800" u="sng" kern="100" dirty="0">
+                <a:effectLst/>
+                <a:latin typeface="Times New Roman" panose="02020603050405020304" pitchFamily="18" charset="0"/>
+                <a:ea typeface="新宋体" panose="02010609030101010101" pitchFamily="49" charset="-122"/>
+                <a:cs typeface="Times New Roman" panose="02020603050405020304" pitchFamily="18" charset="0"/>
+              </a:rPr>
+              <a:t>           </a:t>
+            </a:r>
+            <a:r>
+              <a:rPr lang="zh-CN" altLang="zh-CN" sz="1800" u="sng" kern="100" dirty="0">
+                <a:effectLst/>
+                <a:latin typeface="Times New Roman" panose="02020603050405020304" pitchFamily="18" charset="0"/>
+                <a:ea typeface="新宋体" panose="02010609030101010101" pitchFamily="49" charset="-122"/>
+                <a:cs typeface="Times New Roman" panose="02020603050405020304" pitchFamily="18" charset="0"/>
+              </a:rPr>
+              <a:t>　</a:t>
+            </a:r>
+            <a:r>
+              <a:rPr lang="zh-CN" altLang="zh-CN" sz="1800" kern="100" dirty="0">
+                <a:effectLst/>
+                <a:latin typeface="Times New Roman" panose="02020603050405020304" pitchFamily="18" charset="0"/>
+                <a:ea typeface="新宋体" panose="02010609030101010101" pitchFamily="49" charset="-122"/>
+                <a:cs typeface="Times New Roman" panose="02020603050405020304" pitchFamily="18" charset="0"/>
+              </a:rPr>
+              <a:t>，好之者不如乐之者。（《＜论语＞十二章》）</a:t>
+            </a:r>
+            <a:endParaRPr lang="zh-CN" altLang="zh-CN" sz="1800" kern="100" dirty="0">
+              <a:effectLst/>
+              <a:latin typeface="Calibri" panose="020F0502020204030204" pitchFamily="34" charset="0"/>
+              <a:ea typeface="宋体" panose="02010600030101010101" pitchFamily="2" charset="-122"/>
+              <a:cs typeface="Times New Roman" panose="02020603050405020304" pitchFamily="18" charset="0"/>
+            </a:endParaRPr>
+          </a:p>
+          <a:p>
+            <a:pPr marL="173355" algn="just">
+              <a:lnSpc>
+                <a:spcPct val="150000"/>
+              </a:lnSpc>
+            </a:pPr>
+            <a:r>
+              <a:rPr lang="zh-CN" altLang="zh-CN" sz="1800" kern="100" dirty="0">
+                <a:effectLst/>
+                <a:latin typeface="Times New Roman" panose="02020603050405020304" pitchFamily="18" charset="0"/>
+                <a:ea typeface="Calibri" panose="020F0502020204030204" pitchFamily="34" charset="0"/>
+                <a:cs typeface="Times New Roman" panose="02020603050405020304" pitchFamily="18" charset="0"/>
+              </a:rPr>
+              <a:t>⑤</a:t>
+            </a:r>
+            <a:r>
+              <a:rPr lang="zh-CN" altLang="zh-CN" sz="1800" kern="100" dirty="0">
+                <a:effectLst/>
+                <a:latin typeface="Times New Roman" panose="02020603050405020304" pitchFamily="18" charset="0"/>
+                <a:ea typeface="新宋体" panose="02010609030101010101" pitchFamily="49" charset="-122"/>
+                <a:cs typeface="Times New Roman" panose="02020603050405020304" pitchFamily="18" charset="0"/>
+              </a:rPr>
+              <a:t>晴空一鹤排云上，</a:t>
+            </a:r>
+            <a:r>
+              <a:rPr lang="zh-CN" altLang="zh-CN" sz="1800" u="sng" kern="100" dirty="0">
+                <a:effectLst/>
+                <a:latin typeface="Times New Roman" panose="02020603050405020304" pitchFamily="18" charset="0"/>
+                <a:ea typeface="新宋体" panose="02010609030101010101" pitchFamily="49" charset="-122"/>
+                <a:cs typeface="Times New Roman" panose="02020603050405020304" pitchFamily="18" charset="0"/>
+              </a:rPr>
+              <a:t>　</a:t>
+            </a:r>
+            <a:r>
+              <a:rPr lang="en-US" altLang="zh-CN" sz="1800" u="sng" kern="100" dirty="0">
+                <a:effectLst/>
+                <a:latin typeface="Times New Roman" panose="02020603050405020304" pitchFamily="18" charset="0"/>
+                <a:ea typeface="新宋体" panose="02010609030101010101" pitchFamily="49" charset="-122"/>
+                <a:cs typeface="Times New Roman" panose="02020603050405020304" pitchFamily="18" charset="0"/>
+              </a:rPr>
+              <a:t>          </a:t>
+            </a:r>
+            <a:r>
+              <a:rPr lang="zh-CN" altLang="zh-CN" sz="1800" u="sng" kern="100" dirty="0">
+                <a:effectLst/>
+                <a:latin typeface="Times New Roman" panose="02020603050405020304" pitchFamily="18" charset="0"/>
+                <a:ea typeface="新宋体" panose="02010609030101010101" pitchFamily="49" charset="-122"/>
+                <a:cs typeface="Times New Roman" panose="02020603050405020304" pitchFamily="18" charset="0"/>
+              </a:rPr>
+              <a:t>　</a:t>
+            </a:r>
+            <a:r>
+              <a:rPr lang="zh-CN" altLang="zh-CN" sz="1800" kern="100" dirty="0">
+                <a:effectLst/>
+                <a:latin typeface="Times New Roman" panose="02020603050405020304" pitchFamily="18" charset="0"/>
+                <a:ea typeface="新宋体" panose="02010609030101010101" pitchFamily="49" charset="-122"/>
+                <a:cs typeface="Times New Roman" panose="02020603050405020304" pitchFamily="18" charset="0"/>
+              </a:rPr>
+              <a:t>。（刘禹锡《秋词（其一）》）</a:t>
+            </a:r>
+            <a:endParaRPr lang="zh-CN" altLang="zh-CN" sz="1800" kern="100" dirty="0">
+              <a:effectLst/>
+              <a:latin typeface="Calibri" panose="020F0502020204030204" pitchFamily="34" charset="0"/>
+              <a:ea typeface="宋体" panose="02010600030101010101" pitchFamily="2" charset="-122"/>
+              <a:cs typeface="Times New Roman" panose="02020603050405020304" pitchFamily="18" charset="0"/>
+            </a:endParaRPr>
+          </a:p>
+          <a:p>
+            <a:pPr marL="173355" algn="just">
+              <a:lnSpc>
+                <a:spcPct val="150000"/>
+              </a:lnSpc>
+            </a:pPr>
+            <a:r>
+              <a:rPr lang="zh-CN" altLang="zh-CN" sz="1800" kern="100" dirty="0">
+                <a:effectLst/>
+                <a:latin typeface="Times New Roman" panose="02020603050405020304" pitchFamily="18" charset="0"/>
+                <a:ea typeface="Calibri" panose="020F0502020204030204" pitchFamily="34" charset="0"/>
+                <a:cs typeface="Times New Roman" panose="02020603050405020304" pitchFamily="18" charset="0"/>
+              </a:rPr>
+              <a:t>⑥</a:t>
+            </a:r>
+            <a:r>
+              <a:rPr lang="zh-CN" altLang="zh-CN" sz="1800" u="sng" kern="100" dirty="0">
+                <a:effectLst/>
+                <a:latin typeface="Times New Roman" panose="02020603050405020304" pitchFamily="18" charset="0"/>
+                <a:ea typeface="新宋体" panose="02010609030101010101" pitchFamily="49" charset="-122"/>
+                <a:cs typeface="Times New Roman" panose="02020603050405020304" pitchFamily="18" charset="0"/>
+              </a:rPr>
+              <a:t>　</a:t>
+            </a:r>
+            <a:r>
+              <a:rPr lang="en-US" altLang="zh-CN" sz="1800" u="sng" kern="100" dirty="0">
+                <a:effectLst/>
+                <a:latin typeface="Times New Roman" panose="02020603050405020304" pitchFamily="18" charset="0"/>
+                <a:ea typeface="新宋体" panose="02010609030101010101" pitchFamily="49" charset="-122"/>
+                <a:cs typeface="Times New Roman" panose="02020603050405020304" pitchFamily="18" charset="0"/>
+              </a:rPr>
+              <a:t>          </a:t>
+            </a:r>
+            <a:r>
+              <a:rPr lang="zh-CN" altLang="zh-CN" sz="1800" u="sng" kern="100" dirty="0">
+                <a:effectLst/>
+                <a:latin typeface="Times New Roman" panose="02020603050405020304" pitchFamily="18" charset="0"/>
+                <a:ea typeface="新宋体" panose="02010609030101010101" pitchFamily="49" charset="-122"/>
+                <a:cs typeface="Times New Roman" panose="02020603050405020304" pitchFamily="18" charset="0"/>
+              </a:rPr>
+              <a:t>　</a:t>
+            </a:r>
+            <a:r>
+              <a:rPr lang="zh-CN" altLang="zh-CN" sz="1800" kern="100" dirty="0">
+                <a:effectLst/>
+                <a:latin typeface="Times New Roman" panose="02020603050405020304" pitchFamily="18" charset="0"/>
+                <a:ea typeface="新宋体" panose="02010609030101010101" pitchFamily="49" charset="-122"/>
+                <a:cs typeface="Times New Roman" panose="02020603050405020304" pitchFamily="18" charset="0"/>
+              </a:rPr>
+              <a:t>，铁马冰河入梦来。（陆游《十一月四日风雨大作（其二）》）</a:t>
+            </a:r>
+            <a:endParaRPr lang="zh-CN" altLang="zh-CN" sz="1800" kern="100" dirty="0">
+              <a:effectLst/>
+              <a:latin typeface="Calibri" panose="020F0502020204030204" pitchFamily="34" charset="0"/>
+              <a:ea typeface="宋体" panose="02010600030101010101" pitchFamily="2" charset="-122"/>
+              <a:cs typeface="Times New Roman" panose="02020603050405020304" pitchFamily="18" charset="0"/>
+            </a:endParaRPr>
+          </a:p>
+          <a:p>
+            <a:endParaRPr lang="zh-CN" altLang="en-US" dirty="0"/>
+          </a:p>
+        </p:txBody>
+      </p:sp>
+      <p:pic>
+        <p:nvPicPr>
+          <p:cNvPr id="8" name="图片 7">
+            <a:extLst>
+              <a:ext uri="{FF2B5EF4-FFF2-40B4-BE49-F238E27FC236}">
+                <a16:creationId xmlns:a16="http://schemas.microsoft.com/office/drawing/2014/main" id="{413DDACE-94BE-1D45-0AE5-88C0205A3044}"/>
+              </a:ext>
+            </a:extLst>
+          </p:cNvPr>
+          <p:cNvPicPr>
+            <a:picLocks noChangeAspect="1"/>
+          </p:cNvPicPr>
+          <p:nvPr/>
+        </p:nvPicPr>
+        <p:blipFill>
+          <a:blip r:embed="rId2"/>
+          <a:stretch>
+            <a:fillRect/>
+          </a:stretch>
+        </p:blipFill>
+        <p:spPr>
+          <a:xfrm>
+            <a:off x="838200" y="4616651"/>
+            <a:ext cx="7008902" cy="2241349"/>
+          </a:xfrm>
+          <a:prstGeom prst="rect">
+            <a:avLst/>
+          </a:prstGeom>
+        </p:spPr>
+      </p:pic>
+    </p:spTree>
+    <p:extLst>
+      <p:ext uri="{BB962C8B-B14F-4D97-AF65-F5344CB8AC3E}">
+        <p14:creationId xmlns:p14="http://schemas.microsoft.com/office/powerpoint/2010/main" val="2941201718"/>
       </p:ext>
     </p:extLst>
   </p:cSld>

--- a/备课-语文/PPT/小测.pptx
+++ b/备课-语文/PPT/小测.pptx
@@ -17,6 +17,11 @@
     <p:sldId id="266" r:id="rId11"/>
     <p:sldId id="265" r:id="rId12"/>
     <p:sldId id="267" r:id="rId13"/>
+    <p:sldId id="268" r:id="rId14"/>
+    <p:sldId id="269" r:id="rId15"/>
+    <p:sldId id="272" r:id="rId16"/>
+    <p:sldId id="270" r:id="rId17"/>
+    <p:sldId id="271" r:id="rId18"/>
   </p:sldIdLst>
   <p:sldSz cx="12192000" cy="6858000"/>
   <p:notesSz cx="6858000" cy="9144000"/>
@@ -3652,6 +3657,507 @@
     <p:extLst>
       <p:ext uri="{BB962C8B-B14F-4D97-AF65-F5344CB8AC3E}">
         <p14:creationId xmlns:p14="http://schemas.microsoft.com/office/powerpoint/2010/main" val="1886227411"/>
+      </p:ext>
+    </p:extLst>
+  </p:cSld>
+  <p:clrMapOvr>
+    <a:masterClrMapping/>
+  </p:clrMapOvr>
+</p:sld>
+</file>
+
+<file path=ppt/slides/slide13.xml><?xml version="1.0" encoding="utf-8"?>
+<p:sld xmlns:a="http://schemas.openxmlformats.org/drawingml/2006/main" xmlns:r="http://schemas.openxmlformats.org/officeDocument/2006/relationships" xmlns:p="http://schemas.openxmlformats.org/presentationml/2006/main">
+  <p:cSld>
+    <p:spTree>
+      <p:nvGrpSpPr>
+        <p:cNvPr id="1" name=""/>
+        <p:cNvGrpSpPr/>
+        <p:nvPr/>
+      </p:nvGrpSpPr>
+      <p:grpSpPr>
+        <a:xfrm>
+          <a:off x="0" y="0"/>
+          <a:ext cx="0" cy="0"/>
+          <a:chOff x="0" y="0"/>
+          <a:chExt cx="0" cy="0"/>
+        </a:xfrm>
+      </p:grpSpPr>
+      <p:sp>
+        <p:nvSpPr>
+          <p:cNvPr id="2" name="标题 1">
+            <a:extLst>
+              <a:ext uri="{FF2B5EF4-FFF2-40B4-BE49-F238E27FC236}">
+                <a16:creationId xmlns:a16="http://schemas.microsoft.com/office/drawing/2014/main" id="{B5445206-0E50-EF9D-9A6D-EDDF3692380D}"/>
+              </a:ext>
+            </a:extLst>
+          </p:cNvPr>
+          <p:cNvSpPr>
+            <a:spLocks noGrp="1"/>
+          </p:cNvSpPr>
+          <p:nvPr>
+            <p:ph type="title"/>
+          </p:nvPr>
+        </p:nvSpPr>
+        <p:spPr/>
+        <p:txBody>
+          <a:bodyPr/>
+          <a:lstStyle/>
+          <a:p>
+            <a:endParaRPr lang="zh-CN" altLang="en-US" dirty="0"/>
+          </a:p>
+        </p:txBody>
+      </p:sp>
+      <p:pic>
+        <p:nvPicPr>
+          <p:cNvPr id="5" name="内容占位符 4">
+            <a:extLst>
+              <a:ext uri="{FF2B5EF4-FFF2-40B4-BE49-F238E27FC236}">
+                <a16:creationId xmlns:a16="http://schemas.microsoft.com/office/drawing/2014/main" id="{5A9DF702-00B3-87DB-DEBF-98A602A39497}"/>
+              </a:ext>
+            </a:extLst>
+          </p:cNvPr>
+          <p:cNvPicPr>
+            <a:picLocks noGrp="1" noChangeAspect="1"/>
+          </p:cNvPicPr>
+          <p:nvPr>
+            <p:ph idx="1"/>
+          </p:nvPr>
+        </p:nvPicPr>
+        <p:blipFill>
+          <a:blip r:embed="rId2"/>
+          <a:stretch>
+            <a:fillRect/>
+          </a:stretch>
+        </p:blipFill>
+        <p:spPr>
+          <a:xfrm>
+            <a:off x="838200" y="365125"/>
+            <a:ext cx="9877425" cy="3657600"/>
+          </a:xfrm>
+        </p:spPr>
+      </p:pic>
+    </p:spTree>
+    <p:extLst>
+      <p:ext uri="{BB962C8B-B14F-4D97-AF65-F5344CB8AC3E}">
+        <p14:creationId xmlns:p14="http://schemas.microsoft.com/office/powerpoint/2010/main" val="2924141191"/>
+      </p:ext>
+    </p:extLst>
+  </p:cSld>
+  <p:clrMapOvr>
+    <a:masterClrMapping/>
+  </p:clrMapOvr>
+</p:sld>
+</file>
+
+<file path=ppt/slides/slide14.xml><?xml version="1.0" encoding="utf-8"?>
+<p:sld xmlns:a="http://schemas.openxmlformats.org/drawingml/2006/main" xmlns:r="http://schemas.openxmlformats.org/officeDocument/2006/relationships" xmlns:p="http://schemas.openxmlformats.org/presentationml/2006/main">
+  <p:cSld>
+    <p:spTree>
+      <p:nvGrpSpPr>
+        <p:cNvPr id="1" name=""/>
+        <p:cNvGrpSpPr/>
+        <p:nvPr/>
+      </p:nvGrpSpPr>
+      <p:grpSpPr>
+        <a:xfrm>
+          <a:off x="0" y="0"/>
+          <a:ext cx="0" cy="0"/>
+          <a:chOff x="0" y="0"/>
+          <a:chExt cx="0" cy="0"/>
+        </a:xfrm>
+      </p:grpSpPr>
+      <p:sp>
+        <p:nvSpPr>
+          <p:cNvPr id="2" name="标题 1">
+            <a:extLst>
+              <a:ext uri="{FF2B5EF4-FFF2-40B4-BE49-F238E27FC236}">
+                <a16:creationId xmlns:a16="http://schemas.microsoft.com/office/drawing/2014/main" id="{CE407F21-A5B5-858B-8327-A3F9F7B4CF91}"/>
+              </a:ext>
+            </a:extLst>
+          </p:cNvPr>
+          <p:cNvSpPr>
+            <a:spLocks noGrp="1"/>
+          </p:cNvSpPr>
+          <p:nvPr>
+            <p:ph type="title"/>
+          </p:nvPr>
+        </p:nvSpPr>
+        <p:spPr/>
+        <p:txBody>
+          <a:bodyPr/>
+          <a:lstStyle/>
+          <a:p>
+            <a:endParaRPr lang="zh-CN" altLang="en-US" dirty="0"/>
+          </a:p>
+        </p:txBody>
+      </p:sp>
+      <p:sp>
+        <p:nvSpPr>
+          <p:cNvPr id="3" name="内容占位符 2">
+            <a:extLst>
+              <a:ext uri="{FF2B5EF4-FFF2-40B4-BE49-F238E27FC236}">
+                <a16:creationId xmlns:a16="http://schemas.microsoft.com/office/drawing/2014/main" id="{62FAA446-0156-48DA-FAF2-86F00EC356A1}"/>
+              </a:ext>
+            </a:extLst>
+          </p:cNvPr>
+          <p:cNvSpPr>
+            <a:spLocks noGrp="1"/>
+          </p:cNvSpPr>
+          <p:nvPr>
+            <p:ph idx="1"/>
+          </p:nvPr>
+        </p:nvSpPr>
+        <p:spPr/>
+        <p:txBody>
+          <a:bodyPr/>
+          <a:lstStyle/>
+          <a:p>
+            <a:endParaRPr lang="zh-CN" altLang="en-US"/>
+          </a:p>
+        </p:txBody>
+      </p:sp>
+    </p:spTree>
+    <p:extLst>
+      <p:ext uri="{BB962C8B-B14F-4D97-AF65-F5344CB8AC3E}">
+        <p14:creationId xmlns:p14="http://schemas.microsoft.com/office/powerpoint/2010/main" val="1359077326"/>
+      </p:ext>
+    </p:extLst>
+  </p:cSld>
+  <p:clrMapOvr>
+    <a:masterClrMapping/>
+  </p:clrMapOvr>
+</p:sld>
+</file>
+
+<file path=ppt/slides/slide15.xml><?xml version="1.0" encoding="utf-8"?>
+<p:sld xmlns:a="http://schemas.openxmlformats.org/drawingml/2006/main" xmlns:r="http://schemas.openxmlformats.org/officeDocument/2006/relationships" xmlns:p="http://schemas.openxmlformats.org/presentationml/2006/main">
+  <p:cSld>
+    <p:spTree>
+      <p:nvGrpSpPr>
+        <p:cNvPr id="1" name=""/>
+        <p:cNvGrpSpPr/>
+        <p:nvPr/>
+      </p:nvGrpSpPr>
+      <p:grpSpPr>
+        <a:xfrm>
+          <a:off x="0" y="0"/>
+          <a:ext cx="0" cy="0"/>
+          <a:chOff x="0" y="0"/>
+          <a:chExt cx="0" cy="0"/>
+        </a:xfrm>
+      </p:grpSpPr>
+      <p:sp>
+        <p:nvSpPr>
+          <p:cNvPr id="2" name="标题 1">
+            <a:extLst>
+              <a:ext uri="{FF2B5EF4-FFF2-40B4-BE49-F238E27FC236}">
+                <a16:creationId xmlns:a16="http://schemas.microsoft.com/office/drawing/2014/main" id="{CE407F21-A5B5-858B-8327-A3F9F7B4CF91}"/>
+              </a:ext>
+            </a:extLst>
+          </p:cNvPr>
+          <p:cNvSpPr>
+            <a:spLocks noGrp="1"/>
+          </p:cNvSpPr>
+          <p:nvPr>
+            <p:ph type="title"/>
+          </p:nvPr>
+        </p:nvSpPr>
+        <p:spPr/>
+        <p:txBody>
+          <a:bodyPr/>
+          <a:lstStyle/>
+          <a:p>
+            <a:endParaRPr lang="zh-CN" altLang="en-US"/>
+          </a:p>
+        </p:txBody>
+      </p:sp>
+      <p:sp>
+        <p:nvSpPr>
+          <p:cNvPr id="3" name="内容占位符 2">
+            <a:extLst>
+              <a:ext uri="{FF2B5EF4-FFF2-40B4-BE49-F238E27FC236}">
+                <a16:creationId xmlns:a16="http://schemas.microsoft.com/office/drawing/2014/main" id="{62FAA446-0156-48DA-FAF2-86F00EC356A1}"/>
+              </a:ext>
+            </a:extLst>
+          </p:cNvPr>
+          <p:cNvSpPr>
+            <a:spLocks noGrp="1"/>
+          </p:cNvSpPr>
+          <p:nvPr>
+            <p:ph idx="1"/>
+          </p:nvPr>
+        </p:nvSpPr>
+        <p:spPr/>
+        <p:txBody>
+          <a:bodyPr/>
+          <a:lstStyle/>
+          <a:p>
+            <a:endParaRPr lang="zh-CN" altLang="en-US"/>
+          </a:p>
+        </p:txBody>
+      </p:sp>
+      <p:pic>
+        <p:nvPicPr>
+          <p:cNvPr id="5" name="图片 4">
+            <a:extLst>
+              <a:ext uri="{FF2B5EF4-FFF2-40B4-BE49-F238E27FC236}">
+                <a16:creationId xmlns:a16="http://schemas.microsoft.com/office/drawing/2014/main" id="{E6EA513F-624F-3E16-92F7-88259B8E8D67}"/>
+              </a:ext>
+            </a:extLst>
+          </p:cNvPr>
+          <p:cNvPicPr>
+            <a:picLocks noChangeAspect="1"/>
+          </p:cNvPicPr>
+          <p:nvPr/>
+        </p:nvPicPr>
+        <p:blipFill>
+          <a:blip r:embed="rId2"/>
+          <a:stretch>
+            <a:fillRect/>
+          </a:stretch>
+        </p:blipFill>
+        <p:spPr>
+          <a:xfrm>
+            <a:off x="838200" y="365125"/>
+            <a:ext cx="7353300" cy="2038350"/>
+          </a:xfrm>
+          <a:prstGeom prst="rect">
+            <a:avLst/>
+          </a:prstGeom>
+        </p:spPr>
+      </p:pic>
+      <p:pic>
+        <p:nvPicPr>
+          <p:cNvPr id="7" name="图片 6">
+            <a:extLst>
+              <a:ext uri="{FF2B5EF4-FFF2-40B4-BE49-F238E27FC236}">
+                <a16:creationId xmlns:a16="http://schemas.microsoft.com/office/drawing/2014/main" id="{7AF3D71A-B033-F0A9-8AAB-4B9E457E7267}"/>
+              </a:ext>
+            </a:extLst>
+          </p:cNvPr>
+          <p:cNvPicPr>
+            <a:picLocks noChangeAspect="1"/>
+          </p:cNvPicPr>
+          <p:nvPr/>
+        </p:nvPicPr>
+        <p:blipFill>
+          <a:blip r:embed="rId3"/>
+          <a:stretch>
+            <a:fillRect/>
+          </a:stretch>
+        </p:blipFill>
+        <p:spPr>
+          <a:xfrm>
+            <a:off x="776287" y="2433593"/>
+            <a:ext cx="7477125" cy="1962150"/>
+          </a:xfrm>
+          <a:prstGeom prst="rect">
+            <a:avLst/>
+          </a:prstGeom>
+        </p:spPr>
+      </p:pic>
+    </p:spTree>
+    <p:extLst>
+      <p:ext uri="{BB962C8B-B14F-4D97-AF65-F5344CB8AC3E}">
+        <p14:creationId xmlns:p14="http://schemas.microsoft.com/office/powerpoint/2010/main" val="1687440061"/>
+      </p:ext>
+    </p:extLst>
+  </p:cSld>
+  <p:clrMapOvr>
+    <a:masterClrMapping/>
+  </p:clrMapOvr>
+</p:sld>
+</file>
+
+<file path=ppt/slides/slide16.xml><?xml version="1.0" encoding="utf-8"?>
+<p:sld xmlns:a="http://schemas.openxmlformats.org/drawingml/2006/main" xmlns:r="http://schemas.openxmlformats.org/officeDocument/2006/relationships" xmlns:p="http://schemas.openxmlformats.org/presentationml/2006/main">
+  <p:cSld>
+    <p:spTree>
+      <p:nvGrpSpPr>
+        <p:cNvPr id="1" name=""/>
+        <p:cNvGrpSpPr/>
+        <p:nvPr/>
+      </p:nvGrpSpPr>
+      <p:grpSpPr>
+        <a:xfrm>
+          <a:off x="0" y="0"/>
+          <a:ext cx="0" cy="0"/>
+          <a:chOff x="0" y="0"/>
+          <a:chExt cx="0" cy="0"/>
+        </a:xfrm>
+      </p:grpSpPr>
+      <p:sp>
+        <p:nvSpPr>
+          <p:cNvPr id="2" name="标题 1">
+            <a:extLst>
+              <a:ext uri="{FF2B5EF4-FFF2-40B4-BE49-F238E27FC236}">
+                <a16:creationId xmlns:a16="http://schemas.microsoft.com/office/drawing/2014/main" id="{CE407F21-A5B5-858B-8327-A3F9F7B4CF91}"/>
+              </a:ext>
+            </a:extLst>
+          </p:cNvPr>
+          <p:cNvSpPr>
+            <a:spLocks noGrp="1"/>
+          </p:cNvSpPr>
+          <p:nvPr>
+            <p:ph type="title"/>
+          </p:nvPr>
+        </p:nvSpPr>
+        <p:spPr/>
+        <p:txBody>
+          <a:bodyPr/>
+          <a:lstStyle/>
+          <a:p>
+            <a:endParaRPr lang="zh-CN" altLang="en-US"/>
+          </a:p>
+        </p:txBody>
+      </p:sp>
+      <p:sp>
+        <p:nvSpPr>
+          <p:cNvPr id="3" name="内容占位符 2">
+            <a:extLst>
+              <a:ext uri="{FF2B5EF4-FFF2-40B4-BE49-F238E27FC236}">
+                <a16:creationId xmlns:a16="http://schemas.microsoft.com/office/drawing/2014/main" id="{62FAA446-0156-48DA-FAF2-86F00EC356A1}"/>
+              </a:ext>
+            </a:extLst>
+          </p:cNvPr>
+          <p:cNvSpPr>
+            <a:spLocks noGrp="1"/>
+          </p:cNvSpPr>
+          <p:nvPr>
+            <p:ph idx="1"/>
+          </p:nvPr>
+        </p:nvSpPr>
+        <p:spPr/>
+        <p:txBody>
+          <a:bodyPr/>
+          <a:lstStyle/>
+          <a:p>
+            <a:endParaRPr lang="zh-CN" altLang="en-US"/>
+          </a:p>
+        </p:txBody>
+      </p:sp>
+      <p:pic>
+        <p:nvPicPr>
+          <p:cNvPr id="5" name="图片 4">
+            <a:extLst>
+              <a:ext uri="{FF2B5EF4-FFF2-40B4-BE49-F238E27FC236}">
+                <a16:creationId xmlns:a16="http://schemas.microsoft.com/office/drawing/2014/main" id="{02FEEAF7-47F2-1378-0C4E-E7410BA4B23F}"/>
+              </a:ext>
+            </a:extLst>
+          </p:cNvPr>
+          <p:cNvPicPr>
+            <a:picLocks noChangeAspect="1"/>
+          </p:cNvPicPr>
+          <p:nvPr/>
+        </p:nvPicPr>
+        <p:blipFill>
+          <a:blip r:embed="rId2"/>
+          <a:stretch>
+            <a:fillRect/>
+          </a:stretch>
+        </p:blipFill>
+        <p:spPr>
+          <a:xfrm>
+            <a:off x="838200" y="242888"/>
+            <a:ext cx="7515225" cy="2895600"/>
+          </a:xfrm>
+          <a:prstGeom prst="rect">
+            <a:avLst/>
+          </a:prstGeom>
+        </p:spPr>
+      </p:pic>
+    </p:spTree>
+    <p:extLst>
+      <p:ext uri="{BB962C8B-B14F-4D97-AF65-F5344CB8AC3E}">
+        <p14:creationId xmlns:p14="http://schemas.microsoft.com/office/powerpoint/2010/main" val="590235554"/>
+      </p:ext>
+    </p:extLst>
+  </p:cSld>
+  <p:clrMapOvr>
+    <a:masterClrMapping/>
+  </p:clrMapOvr>
+</p:sld>
+</file>
+
+<file path=ppt/slides/slide17.xml><?xml version="1.0" encoding="utf-8"?>
+<p:sld xmlns:a="http://schemas.openxmlformats.org/drawingml/2006/main" xmlns:r="http://schemas.openxmlformats.org/officeDocument/2006/relationships" xmlns:p="http://schemas.openxmlformats.org/presentationml/2006/main">
+  <p:cSld>
+    <p:spTree>
+      <p:nvGrpSpPr>
+        <p:cNvPr id="1" name=""/>
+        <p:cNvGrpSpPr/>
+        <p:nvPr/>
+      </p:nvGrpSpPr>
+      <p:grpSpPr>
+        <a:xfrm>
+          <a:off x="0" y="0"/>
+          <a:ext cx="0" cy="0"/>
+          <a:chOff x="0" y="0"/>
+          <a:chExt cx="0" cy="0"/>
+        </a:xfrm>
+      </p:grpSpPr>
+      <p:sp>
+        <p:nvSpPr>
+          <p:cNvPr id="2" name="标题 1">
+            <a:extLst>
+              <a:ext uri="{FF2B5EF4-FFF2-40B4-BE49-F238E27FC236}">
+                <a16:creationId xmlns:a16="http://schemas.microsoft.com/office/drawing/2014/main" id="{CE407F21-A5B5-858B-8327-A3F9F7B4CF91}"/>
+              </a:ext>
+            </a:extLst>
+          </p:cNvPr>
+          <p:cNvSpPr>
+            <a:spLocks noGrp="1"/>
+          </p:cNvSpPr>
+          <p:nvPr>
+            <p:ph type="title"/>
+          </p:nvPr>
+        </p:nvSpPr>
+        <p:spPr/>
+        <p:txBody>
+          <a:bodyPr/>
+          <a:lstStyle/>
+          <a:p>
+            <a:endParaRPr lang="zh-CN" altLang="en-US"/>
+          </a:p>
+        </p:txBody>
+      </p:sp>
+      <p:pic>
+        <p:nvPicPr>
+          <p:cNvPr id="4" name="内容占位符 3">
+            <a:extLst>
+              <a:ext uri="{FF2B5EF4-FFF2-40B4-BE49-F238E27FC236}">
+                <a16:creationId xmlns:a16="http://schemas.microsoft.com/office/drawing/2014/main" id="{563F91AC-65D3-3338-1108-12085944DD6D}"/>
+              </a:ext>
+            </a:extLst>
+          </p:cNvPr>
+          <p:cNvPicPr>
+            <a:picLocks noGrp="1" noChangeAspect="1"/>
+          </p:cNvPicPr>
+          <p:nvPr>
+            <p:ph idx="1"/>
+          </p:nvPr>
+        </p:nvPicPr>
+        <p:blipFill>
+          <a:blip r:embed="rId2"/>
+          <a:stretch>
+            <a:fillRect/>
+          </a:stretch>
+        </p:blipFill>
+        <p:spPr>
+          <a:xfrm>
+            <a:off x="838200" y="365125"/>
+            <a:ext cx="9239205" cy="5656852"/>
+          </a:xfrm>
+          <a:prstGeom prst="rect">
+            <a:avLst/>
+          </a:prstGeom>
+        </p:spPr>
+      </p:pic>
+    </p:spTree>
+    <p:extLst>
+      <p:ext uri="{BB962C8B-B14F-4D97-AF65-F5344CB8AC3E}">
+        <p14:creationId xmlns:p14="http://schemas.microsoft.com/office/powerpoint/2010/main" val="2208242217"/>
       </p:ext>
     </p:extLst>
   </p:cSld>

--- a/备课-语文/PPT/小测.pptx
+++ b/备课-语文/PPT/小测.pptx
@@ -22,6 +22,12 @@
     <p:sldId id="272" r:id="rId16"/>
     <p:sldId id="270" r:id="rId17"/>
     <p:sldId id="271" r:id="rId18"/>
+    <p:sldId id="273" r:id="rId19"/>
+    <p:sldId id="274" r:id="rId20"/>
+    <p:sldId id="275" r:id="rId21"/>
+    <p:sldId id="276" r:id="rId22"/>
+    <p:sldId id="277" r:id="rId23"/>
+    <p:sldId id="278" r:id="rId24"/>
   </p:sldIdLst>
   <p:sldSz cx="12192000" cy="6858000"/>
   <p:notesSz cx="6858000" cy="9144000"/>
@@ -275,7 +281,7 @@
           <a:p>
             <a:fld id="{84D3AA92-4CA1-4C47-8902-9DB9A636BE4B}" type="datetimeFigureOut">
               <a:rPr lang="zh-CN" altLang="en-US" smtClean="0"/>
-              <a:t>2024/2/2</a:t>
+              <a:t>2024/2/4</a:t>
             </a:fld>
             <a:endParaRPr lang="zh-CN" altLang="en-US"/>
           </a:p>
@@ -473,7 +479,7 @@
           <a:p>
             <a:fld id="{84D3AA92-4CA1-4C47-8902-9DB9A636BE4B}" type="datetimeFigureOut">
               <a:rPr lang="zh-CN" altLang="en-US" smtClean="0"/>
-              <a:t>2024/2/2</a:t>
+              <a:t>2024/2/4</a:t>
             </a:fld>
             <a:endParaRPr lang="zh-CN" altLang="en-US"/>
           </a:p>
@@ -681,7 +687,7 @@
           <a:p>
             <a:fld id="{84D3AA92-4CA1-4C47-8902-9DB9A636BE4B}" type="datetimeFigureOut">
               <a:rPr lang="zh-CN" altLang="en-US" smtClean="0"/>
-              <a:t>2024/2/2</a:t>
+              <a:t>2024/2/4</a:t>
             </a:fld>
             <a:endParaRPr lang="zh-CN" altLang="en-US"/>
           </a:p>
@@ -879,7 +885,7 @@
           <a:p>
             <a:fld id="{84D3AA92-4CA1-4C47-8902-9DB9A636BE4B}" type="datetimeFigureOut">
               <a:rPr lang="zh-CN" altLang="en-US" smtClean="0"/>
-              <a:t>2024/2/2</a:t>
+              <a:t>2024/2/4</a:t>
             </a:fld>
             <a:endParaRPr lang="zh-CN" altLang="en-US"/>
           </a:p>
@@ -1154,7 +1160,7 @@
           <a:p>
             <a:fld id="{84D3AA92-4CA1-4C47-8902-9DB9A636BE4B}" type="datetimeFigureOut">
               <a:rPr lang="zh-CN" altLang="en-US" smtClean="0"/>
-              <a:t>2024/2/2</a:t>
+              <a:t>2024/2/4</a:t>
             </a:fld>
             <a:endParaRPr lang="zh-CN" altLang="en-US"/>
           </a:p>
@@ -1419,7 +1425,7 @@
           <a:p>
             <a:fld id="{84D3AA92-4CA1-4C47-8902-9DB9A636BE4B}" type="datetimeFigureOut">
               <a:rPr lang="zh-CN" altLang="en-US" smtClean="0"/>
-              <a:t>2024/2/2</a:t>
+              <a:t>2024/2/4</a:t>
             </a:fld>
             <a:endParaRPr lang="zh-CN" altLang="en-US"/>
           </a:p>
@@ -1831,7 +1837,7 @@
           <a:p>
             <a:fld id="{84D3AA92-4CA1-4C47-8902-9DB9A636BE4B}" type="datetimeFigureOut">
               <a:rPr lang="zh-CN" altLang="en-US" smtClean="0"/>
-              <a:t>2024/2/2</a:t>
+              <a:t>2024/2/4</a:t>
             </a:fld>
             <a:endParaRPr lang="zh-CN" altLang="en-US"/>
           </a:p>
@@ -1972,7 +1978,7 @@
           <a:p>
             <a:fld id="{84D3AA92-4CA1-4C47-8902-9DB9A636BE4B}" type="datetimeFigureOut">
               <a:rPr lang="zh-CN" altLang="en-US" smtClean="0"/>
-              <a:t>2024/2/2</a:t>
+              <a:t>2024/2/4</a:t>
             </a:fld>
             <a:endParaRPr lang="zh-CN" altLang="en-US"/>
           </a:p>
@@ -2085,7 +2091,7 @@
           <a:p>
             <a:fld id="{84D3AA92-4CA1-4C47-8902-9DB9A636BE4B}" type="datetimeFigureOut">
               <a:rPr lang="zh-CN" altLang="en-US" smtClean="0"/>
-              <a:t>2024/2/2</a:t>
+              <a:t>2024/2/4</a:t>
             </a:fld>
             <a:endParaRPr lang="zh-CN" altLang="en-US"/>
           </a:p>
@@ -2396,7 +2402,7 @@
           <a:p>
             <a:fld id="{84D3AA92-4CA1-4C47-8902-9DB9A636BE4B}" type="datetimeFigureOut">
               <a:rPr lang="zh-CN" altLang="en-US" smtClean="0"/>
-              <a:t>2024/2/2</a:t>
+              <a:t>2024/2/4</a:t>
             </a:fld>
             <a:endParaRPr lang="zh-CN" altLang="en-US"/>
           </a:p>
@@ -2684,7 +2690,7 @@
           <a:p>
             <a:fld id="{84D3AA92-4CA1-4C47-8902-9DB9A636BE4B}" type="datetimeFigureOut">
               <a:rPr lang="zh-CN" altLang="en-US" smtClean="0"/>
-              <a:t>2024/2/2</a:t>
+              <a:t>2024/2/4</a:t>
             </a:fld>
             <a:endParaRPr lang="zh-CN" altLang="en-US"/>
           </a:p>
@@ -2925,7 +2931,7 @@
           <a:p>
             <a:fld id="{84D3AA92-4CA1-4C47-8902-9DB9A636BE4B}" type="datetimeFigureOut">
               <a:rPr lang="zh-CN" altLang="en-US" smtClean="0"/>
-              <a:t>2024/2/2</a:t>
+              <a:t>2024/2/4</a:t>
             </a:fld>
             <a:endParaRPr lang="zh-CN" altLang="en-US"/>
           </a:p>
@@ -4167,6 +4173,203 @@
 </p:sld>
 </file>
 
+<file path=ppt/slides/slide18.xml><?xml version="1.0" encoding="utf-8"?>
+<p:sld xmlns:a="http://schemas.openxmlformats.org/drawingml/2006/main" xmlns:r="http://schemas.openxmlformats.org/officeDocument/2006/relationships" xmlns:p="http://schemas.openxmlformats.org/presentationml/2006/main">
+  <p:cSld>
+    <p:spTree>
+      <p:nvGrpSpPr>
+        <p:cNvPr id="1" name=""/>
+        <p:cNvGrpSpPr/>
+        <p:nvPr/>
+      </p:nvGrpSpPr>
+      <p:grpSpPr>
+        <a:xfrm>
+          <a:off x="0" y="0"/>
+          <a:ext cx="0" cy="0"/>
+          <a:chOff x="0" y="0"/>
+          <a:chExt cx="0" cy="0"/>
+        </a:xfrm>
+      </p:grpSpPr>
+      <p:sp>
+        <p:nvSpPr>
+          <p:cNvPr id="2" name="标题 1">
+            <a:extLst>
+              <a:ext uri="{FF2B5EF4-FFF2-40B4-BE49-F238E27FC236}">
+                <a16:creationId xmlns:a16="http://schemas.microsoft.com/office/drawing/2014/main" id="{E5853C66-2663-2591-F58F-E21CD6BC1BC0}"/>
+              </a:ext>
+            </a:extLst>
+          </p:cNvPr>
+          <p:cNvSpPr>
+            <a:spLocks noGrp="1"/>
+          </p:cNvSpPr>
+          <p:nvPr>
+            <p:ph type="title"/>
+          </p:nvPr>
+        </p:nvSpPr>
+        <p:spPr/>
+        <p:txBody>
+          <a:bodyPr/>
+          <a:lstStyle/>
+          <a:p>
+            <a:r>
+              <a:rPr lang="zh-CN" altLang="en-US" dirty="0"/>
+              <a:t>第三节课</a:t>
+            </a:r>
+          </a:p>
+        </p:txBody>
+      </p:sp>
+      <p:pic>
+        <p:nvPicPr>
+          <p:cNvPr id="5" name="内容占位符 4">
+            <a:extLst>
+              <a:ext uri="{FF2B5EF4-FFF2-40B4-BE49-F238E27FC236}">
+                <a16:creationId xmlns:a16="http://schemas.microsoft.com/office/drawing/2014/main" id="{7B7E6630-89D2-388B-1CB9-FC7C337D9F13}"/>
+              </a:ext>
+            </a:extLst>
+          </p:cNvPr>
+          <p:cNvPicPr>
+            <a:picLocks noGrp="1" noChangeAspect="1"/>
+          </p:cNvPicPr>
+          <p:nvPr>
+            <p:ph idx="1"/>
+          </p:nvPr>
+        </p:nvPicPr>
+        <p:blipFill>
+          <a:blip r:embed="rId2"/>
+          <a:stretch>
+            <a:fillRect/>
+          </a:stretch>
+        </p:blipFill>
+        <p:spPr>
+          <a:xfrm>
+            <a:off x="695864" y="1531892"/>
+            <a:ext cx="9144000" cy="4162425"/>
+          </a:xfrm>
+        </p:spPr>
+      </p:pic>
+    </p:spTree>
+    <p:extLst>
+      <p:ext uri="{BB962C8B-B14F-4D97-AF65-F5344CB8AC3E}">
+        <p14:creationId xmlns:p14="http://schemas.microsoft.com/office/powerpoint/2010/main" val="1448994552"/>
+      </p:ext>
+    </p:extLst>
+  </p:cSld>
+  <p:clrMapOvr>
+    <a:masterClrMapping/>
+  </p:clrMapOvr>
+</p:sld>
+</file>
+
+<file path=ppt/slides/slide19.xml><?xml version="1.0" encoding="utf-8"?>
+<p:sld xmlns:a="http://schemas.openxmlformats.org/drawingml/2006/main" xmlns:r="http://schemas.openxmlformats.org/officeDocument/2006/relationships" xmlns:p="http://schemas.openxmlformats.org/presentationml/2006/main">
+  <p:cSld>
+    <p:spTree>
+      <p:nvGrpSpPr>
+        <p:cNvPr id="1" name=""/>
+        <p:cNvGrpSpPr/>
+        <p:nvPr/>
+      </p:nvGrpSpPr>
+      <p:grpSpPr>
+        <a:xfrm>
+          <a:off x="0" y="0"/>
+          <a:ext cx="0" cy="0"/>
+          <a:chOff x="0" y="0"/>
+          <a:chExt cx="0" cy="0"/>
+        </a:xfrm>
+      </p:grpSpPr>
+      <p:sp>
+        <p:nvSpPr>
+          <p:cNvPr id="2" name="标题 1">
+            <a:extLst>
+              <a:ext uri="{FF2B5EF4-FFF2-40B4-BE49-F238E27FC236}">
+                <a16:creationId xmlns:a16="http://schemas.microsoft.com/office/drawing/2014/main" id="{AE993D53-4988-9084-F706-66DC704AE87A}"/>
+              </a:ext>
+            </a:extLst>
+          </p:cNvPr>
+          <p:cNvSpPr>
+            <a:spLocks noGrp="1"/>
+          </p:cNvSpPr>
+          <p:nvPr>
+            <p:ph type="title"/>
+          </p:nvPr>
+        </p:nvSpPr>
+        <p:spPr/>
+        <p:txBody>
+          <a:bodyPr/>
+          <a:lstStyle/>
+          <a:p>
+            <a:endParaRPr lang="zh-CN" altLang="en-US"/>
+          </a:p>
+        </p:txBody>
+      </p:sp>
+      <p:sp>
+        <p:nvSpPr>
+          <p:cNvPr id="3" name="内容占位符 2">
+            <a:extLst>
+              <a:ext uri="{FF2B5EF4-FFF2-40B4-BE49-F238E27FC236}">
+                <a16:creationId xmlns:a16="http://schemas.microsoft.com/office/drawing/2014/main" id="{5FD7525A-FC14-3251-1FB9-C2814C2D792C}"/>
+              </a:ext>
+            </a:extLst>
+          </p:cNvPr>
+          <p:cNvSpPr>
+            <a:spLocks noGrp="1"/>
+          </p:cNvSpPr>
+          <p:nvPr>
+            <p:ph idx="1"/>
+          </p:nvPr>
+        </p:nvSpPr>
+        <p:spPr/>
+        <p:txBody>
+          <a:bodyPr/>
+          <a:lstStyle/>
+          <a:p>
+            <a:endParaRPr lang="zh-CN" altLang="en-US"/>
+          </a:p>
+        </p:txBody>
+      </p:sp>
+      <p:pic>
+        <p:nvPicPr>
+          <p:cNvPr id="5" name="图片 4">
+            <a:extLst>
+              <a:ext uri="{FF2B5EF4-FFF2-40B4-BE49-F238E27FC236}">
+                <a16:creationId xmlns:a16="http://schemas.microsoft.com/office/drawing/2014/main" id="{B105A870-0283-FDC4-EB31-A6709482005D}"/>
+              </a:ext>
+            </a:extLst>
+          </p:cNvPr>
+          <p:cNvPicPr>
+            <a:picLocks noChangeAspect="1"/>
+          </p:cNvPicPr>
+          <p:nvPr/>
+        </p:nvPicPr>
+        <p:blipFill>
+          <a:blip r:embed="rId2"/>
+          <a:stretch>
+            <a:fillRect/>
+          </a:stretch>
+        </p:blipFill>
+        <p:spPr>
+          <a:xfrm>
+            <a:off x="838200" y="365125"/>
+            <a:ext cx="6922518" cy="5787835"/>
+          </a:xfrm>
+          <a:prstGeom prst="rect">
+            <a:avLst/>
+          </a:prstGeom>
+        </p:spPr>
+      </p:pic>
+    </p:spTree>
+    <p:extLst>
+      <p:ext uri="{BB962C8B-B14F-4D97-AF65-F5344CB8AC3E}">
+        <p14:creationId xmlns:p14="http://schemas.microsoft.com/office/powerpoint/2010/main" val="3147893513"/>
+      </p:ext>
+    </p:extLst>
+  </p:cSld>
+  <p:clrMapOvr>
+    <a:masterClrMapping/>
+  </p:clrMapOvr>
+</p:sld>
+</file>
+
 <file path=ppt/slides/slide2.xml><?xml version="1.0" encoding="utf-8"?>
 <p:sld xmlns:a="http://schemas.openxmlformats.org/drawingml/2006/main" xmlns:r="http://schemas.openxmlformats.org/officeDocument/2006/relationships" xmlns:p="http://schemas.openxmlformats.org/presentationml/2006/main">
   <p:cSld>
@@ -4245,6 +4448,446 @@
     <p:extLst>
       <p:ext uri="{BB962C8B-B14F-4D97-AF65-F5344CB8AC3E}">
         <p14:creationId xmlns:p14="http://schemas.microsoft.com/office/powerpoint/2010/main" val="1975465884"/>
+      </p:ext>
+    </p:extLst>
+  </p:cSld>
+  <p:clrMapOvr>
+    <a:masterClrMapping/>
+  </p:clrMapOvr>
+</p:sld>
+</file>
+
+<file path=ppt/slides/slide20.xml><?xml version="1.0" encoding="utf-8"?>
+<p:sld xmlns:a="http://schemas.openxmlformats.org/drawingml/2006/main" xmlns:r="http://schemas.openxmlformats.org/officeDocument/2006/relationships" xmlns:p="http://schemas.openxmlformats.org/presentationml/2006/main">
+  <p:cSld>
+    <p:spTree>
+      <p:nvGrpSpPr>
+        <p:cNvPr id="1" name=""/>
+        <p:cNvGrpSpPr/>
+        <p:nvPr/>
+      </p:nvGrpSpPr>
+      <p:grpSpPr>
+        <a:xfrm>
+          <a:off x="0" y="0"/>
+          <a:ext cx="0" cy="0"/>
+          <a:chOff x="0" y="0"/>
+          <a:chExt cx="0" cy="0"/>
+        </a:xfrm>
+      </p:grpSpPr>
+      <p:sp>
+        <p:nvSpPr>
+          <p:cNvPr id="2" name="标题 1">
+            <a:extLst>
+              <a:ext uri="{FF2B5EF4-FFF2-40B4-BE49-F238E27FC236}">
+                <a16:creationId xmlns:a16="http://schemas.microsoft.com/office/drawing/2014/main" id="{73474E84-98DB-E666-53EA-7C92CF300707}"/>
+              </a:ext>
+            </a:extLst>
+          </p:cNvPr>
+          <p:cNvSpPr>
+            <a:spLocks noGrp="1"/>
+          </p:cNvSpPr>
+          <p:nvPr>
+            <p:ph type="title"/>
+          </p:nvPr>
+        </p:nvSpPr>
+        <p:spPr/>
+        <p:txBody>
+          <a:bodyPr/>
+          <a:lstStyle/>
+          <a:p>
+            <a:endParaRPr lang="zh-CN" altLang="en-US"/>
+          </a:p>
+        </p:txBody>
+      </p:sp>
+      <p:sp>
+        <p:nvSpPr>
+          <p:cNvPr id="3" name="内容占位符 2">
+            <a:extLst>
+              <a:ext uri="{FF2B5EF4-FFF2-40B4-BE49-F238E27FC236}">
+                <a16:creationId xmlns:a16="http://schemas.microsoft.com/office/drawing/2014/main" id="{1265D484-1A3E-023D-6869-3CEADF79F5A6}"/>
+              </a:ext>
+            </a:extLst>
+          </p:cNvPr>
+          <p:cNvSpPr>
+            <a:spLocks noGrp="1"/>
+          </p:cNvSpPr>
+          <p:nvPr>
+            <p:ph idx="1"/>
+          </p:nvPr>
+        </p:nvSpPr>
+        <p:spPr/>
+        <p:txBody>
+          <a:bodyPr/>
+          <a:lstStyle/>
+          <a:p>
+            <a:endParaRPr lang="zh-CN" altLang="en-US"/>
+          </a:p>
+        </p:txBody>
+      </p:sp>
+      <p:pic>
+        <p:nvPicPr>
+          <p:cNvPr id="5" name="图片 4">
+            <a:extLst>
+              <a:ext uri="{FF2B5EF4-FFF2-40B4-BE49-F238E27FC236}">
+                <a16:creationId xmlns:a16="http://schemas.microsoft.com/office/drawing/2014/main" id="{0EAECD1E-C656-7E51-FFCD-E43635B170FC}"/>
+              </a:ext>
+            </a:extLst>
+          </p:cNvPr>
+          <p:cNvPicPr>
+            <a:picLocks noChangeAspect="1"/>
+          </p:cNvPicPr>
+          <p:nvPr/>
+        </p:nvPicPr>
+        <p:blipFill>
+          <a:blip r:embed="rId2"/>
+          <a:stretch>
+            <a:fillRect/>
+          </a:stretch>
+        </p:blipFill>
+        <p:spPr>
+          <a:xfrm>
+            <a:off x="121669" y="85095"/>
+            <a:ext cx="6686550" cy="5876925"/>
+          </a:xfrm>
+          <a:prstGeom prst="rect">
+            <a:avLst/>
+          </a:prstGeom>
+        </p:spPr>
+      </p:pic>
+    </p:spTree>
+    <p:extLst>
+      <p:ext uri="{BB962C8B-B14F-4D97-AF65-F5344CB8AC3E}">
+        <p14:creationId xmlns:p14="http://schemas.microsoft.com/office/powerpoint/2010/main" val="617219248"/>
+      </p:ext>
+    </p:extLst>
+  </p:cSld>
+  <p:clrMapOvr>
+    <a:masterClrMapping/>
+  </p:clrMapOvr>
+</p:sld>
+</file>
+
+<file path=ppt/slides/slide21.xml><?xml version="1.0" encoding="utf-8"?>
+<p:sld xmlns:a="http://schemas.openxmlformats.org/drawingml/2006/main" xmlns:r="http://schemas.openxmlformats.org/officeDocument/2006/relationships" xmlns:p="http://schemas.openxmlformats.org/presentationml/2006/main">
+  <p:cSld>
+    <p:spTree>
+      <p:nvGrpSpPr>
+        <p:cNvPr id="1" name=""/>
+        <p:cNvGrpSpPr/>
+        <p:nvPr/>
+      </p:nvGrpSpPr>
+      <p:grpSpPr>
+        <a:xfrm>
+          <a:off x="0" y="0"/>
+          <a:ext cx="0" cy="0"/>
+          <a:chOff x="0" y="0"/>
+          <a:chExt cx="0" cy="0"/>
+        </a:xfrm>
+      </p:grpSpPr>
+      <p:sp>
+        <p:nvSpPr>
+          <p:cNvPr id="2" name="标题 1">
+            <a:extLst>
+              <a:ext uri="{FF2B5EF4-FFF2-40B4-BE49-F238E27FC236}">
+                <a16:creationId xmlns:a16="http://schemas.microsoft.com/office/drawing/2014/main" id="{AB1E6128-4F00-FFCA-EB5C-282A5A507AE2}"/>
+              </a:ext>
+            </a:extLst>
+          </p:cNvPr>
+          <p:cNvSpPr>
+            <a:spLocks noGrp="1"/>
+          </p:cNvSpPr>
+          <p:nvPr>
+            <p:ph type="title"/>
+          </p:nvPr>
+        </p:nvSpPr>
+        <p:spPr/>
+        <p:txBody>
+          <a:bodyPr/>
+          <a:lstStyle/>
+          <a:p>
+            <a:endParaRPr lang="zh-CN" altLang="en-US"/>
+          </a:p>
+        </p:txBody>
+      </p:sp>
+      <p:sp>
+        <p:nvSpPr>
+          <p:cNvPr id="3" name="内容占位符 2">
+            <a:extLst>
+              <a:ext uri="{FF2B5EF4-FFF2-40B4-BE49-F238E27FC236}">
+                <a16:creationId xmlns:a16="http://schemas.microsoft.com/office/drawing/2014/main" id="{B77ADE10-2550-2DDE-D65F-B61DE1002197}"/>
+              </a:ext>
+            </a:extLst>
+          </p:cNvPr>
+          <p:cNvSpPr>
+            <a:spLocks noGrp="1"/>
+          </p:cNvSpPr>
+          <p:nvPr>
+            <p:ph idx="1"/>
+          </p:nvPr>
+        </p:nvSpPr>
+        <p:spPr/>
+        <p:txBody>
+          <a:bodyPr/>
+          <a:lstStyle/>
+          <a:p>
+            <a:endParaRPr lang="zh-CN" altLang="en-US"/>
+          </a:p>
+        </p:txBody>
+      </p:sp>
+      <p:pic>
+        <p:nvPicPr>
+          <p:cNvPr id="5" name="图片 4">
+            <a:extLst>
+              <a:ext uri="{FF2B5EF4-FFF2-40B4-BE49-F238E27FC236}">
+                <a16:creationId xmlns:a16="http://schemas.microsoft.com/office/drawing/2014/main" id="{A28E5B8C-3717-8D77-2259-6B4C916CDCDE}"/>
+              </a:ext>
+            </a:extLst>
+          </p:cNvPr>
+          <p:cNvPicPr>
+            <a:picLocks noChangeAspect="1"/>
+          </p:cNvPicPr>
+          <p:nvPr/>
+        </p:nvPicPr>
+        <p:blipFill>
+          <a:blip r:embed="rId2"/>
+          <a:stretch>
+            <a:fillRect/>
+          </a:stretch>
+        </p:blipFill>
+        <p:spPr>
+          <a:xfrm>
+            <a:off x="838200" y="365125"/>
+            <a:ext cx="6191250" cy="3171825"/>
+          </a:xfrm>
+          <a:prstGeom prst="rect">
+            <a:avLst/>
+          </a:prstGeom>
+        </p:spPr>
+      </p:pic>
+    </p:spTree>
+    <p:extLst>
+      <p:ext uri="{BB962C8B-B14F-4D97-AF65-F5344CB8AC3E}">
+        <p14:creationId xmlns:p14="http://schemas.microsoft.com/office/powerpoint/2010/main" val="3557366734"/>
+      </p:ext>
+    </p:extLst>
+  </p:cSld>
+  <p:clrMapOvr>
+    <a:masterClrMapping/>
+  </p:clrMapOvr>
+</p:sld>
+</file>
+
+<file path=ppt/slides/slide22.xml><?xml version="1.0" encoding="utf-8"?>
+<p:sld xmlns:a="http://schemas.openxmlformats.org/drawingml/2006/main" xmlns:r="http://schemas.openxmlformats.org/officeDocument/2006/relationships" xmlns:p="http://schemas.openxmlformats.org/presentationml/2006/main">
+  <p:cSld>
+    <p:spTree>
+      <p:nvGrpSpPr>
+        <p:cNvPr id="1" name=""/>
+        <p:cNvGrpSpPr/>
+        <p:nvPr/>
+      </p:nvGrpSpPr>
+      <p:grpSpPr>
+        <a:xfrm>
+          <a:off x="0" y="0"/>
+          <a:ext cx="0" cy="0"/>
+          <a:chOff x="0" y="0"/>
+          <a:chExt cx="0" cy="0"/>
+        </a:xfrm>
+      </p:grpSpPr>
+      <p:sp>
+        <p:nvSpPr>
+          <p:cNvPr id="2" name="标题 1">
+            <a:extLst>
+              <a:ext uri="{FF2B5EF4-FFF2-40B4-BE49-F238E27FC236}">
+                <a16:creationId xmlns:a16="http://schemas.microsoft.com/office/drawing/2014/main" id="{FDD5AA5F-2013-1450-9FDD-56F4026DAE61}"/>
+              </a:ext>
+            </a:extLst>
+          </p:cNvPr>
+          <p:cNvSpPr>
+            <a:spLocks noGrp="1"/>
+          </p:cNvSpPr>
+          <p:nvPr>
+            <p:ph type="title"/>
+          </p:nvPr>
+        </p:nvSpPr>
+        <p:spPr/>
+        <p:txBody>
+          <a:bodyPr/>
+          <a:lstStyle/>
+          <a:p>
+            <a:endParaRPr lang="zh-CN" altLang="en-US"/>
+          </a:p>
+        </p:txBody>
+      </p:sp>
+      <p:sp>
+        <p:nvSpPr>
+          <p:cNvPr id="3" name="内容占位符 2">
+            <a:extLst>
+              <a:ext uri="{FF2B5EF4-FFF2-40B4-BE49-F238E27FC236}">
+                <a16:creationId xmlns:a16="http://schemas.microsoft.com/office/drawing/2014/main" id="{EF0D05B9-63F9-1D65-DB11-9C6AF724D09B}"/>
+              </a:ext>
+            </a:extLst>
+          </p:cNvPr>
+          <p:cNvSpPr>
+            <a:spLocks noGrp="1"/>
+          </p:cNvSpPr>
+          <p:nvPr>
+            <p:ph idx="1"/>
+          </p:nvPr>
+        </p:nvSpPr>
+        <p:spPr/>
+        <p:txBody>
+          <a:bodyPr/>
+          <a:lstStyle/>
+          <a:p>
+            <a:endParaRPr lang="zh-CN" altLang="en-US"/>
+          </a:p>
+        </p:txBody>
+      </p:sp>
+      <p:pic>
+        <p:nvPicPr>
+          <p:cNvPr id="5" name="图片 4">
+            <a:extLst>
+              <a:ext uri="{FF2B5EF4-FFF2-40B4-BE49-F238E27FC236}">
+                <a16:creationId xmlns:a16="http://schemas.microsoft.com/office/drawing/2014/main" id="{8ECF7BB7-EE56-9857-AACF-CEE0C71FAC5D}"/>
+              </a:ext>
+            </a:extLst>
+          </p:cNvPr>
+          <p:cNvPicPr>
+            <a:picLocks noChangeAspect="1"/>
+          </p:cNvPicPr>
+          <p:nvPr/>
+        </p:nvPicPr>
+        <p:blipFill>
+          <a:blip r:embed="rId2"/>
+          <a:stretch>
+            <a:fillRect/>
+          </a:stretch>
+        </p:blipFill>
+        <p:spPr>
+          <a:xfrm>
+            <a:off x="457200" y="189691"/>
+            <a:ext cx="10896600" cy="6219825"/>
+          </a:xfrm>
+          <a:prstGeom prst="rect">
+            <a:avLst/>
+          </a:prstGeom>
+        </p:spPr>
+      </p:pic>
+    </p:spTree>
+    <p:extLst>
+      <p:ext uri="{BB962C8B-B14F-4D97-AF65-F5344CB8AC3E}">
+        <p14:creationId xmlns:p14="http://schemas.microsoft.com/office/powerpoint/2010/main" val="1588781574"/>
+      </p:ext>
+    </p:extLst>
+  </p:cSld>
+  <p:clrMapOvr>
+    <a:masterClrMapping/>
+  </p:clrMapOvr>
+</p:sld>
+</file>
+
+<file path=ppt/slides/slide23.xml><?xml version="1.0" encoding="utf-8"?>
+<p:sld xmlns:a="http://schemas.openxmlformats.org/drawingml/2006/main" xmlns:r="http://schemas.openxmlformats.org/officeDocument/2006/relationships" xmlns:p="http://schemas.openxmlformats.org/presentationml/2006/main">
+  <p:cSld>
+    <p:spTree>
+      <p:nvGrpSpPr>
+        <p:cNvPr id="1" name=""/>
+        <p:cNvGrpSpPr/>
+        <p:nvPr/>
+      </p:nvGrpSpPr>
+      <p:grpSpPr>
+        <a:xfrm>
+          <a:off x="0" y="0"/>
+          <a:ext cx="0" cy="0"/>
+          <a:chOff x="0" y="0"/>
+          <a:chExt cx="0" cy="0"/>
+        </a:xfrm>
+      </p:grpSpPr>
+      <p:sp>
+        <p:nvSpPr>
+          <p:cNvPr id="2" name="标题 1">
+            <a:extLst>
+              <a:ext uri="{FF2B5EF4-FFF2-40B4-BE49-F238E27FC236}">
+                <a16:creationId xmlns:a16="http://schemas.microsoft.com/office/drawing/2014/main" id="{465C0D05-A00B-ABE7-2447-E20EC24D4C73}"/>
+              </a:ext>
+            </a:extLst>
+          </p:cNvPr>
+          <p:cNvSpPr>
+            <a:spLocks noGrp="1"/>
+          </p:cNvSpPr>
+          <p:nvPr>
+            <p:ph type="title"/>
+          </p:nvPr>
+        </p:nvSpPr>
+        <p:spPr/>
+        <p:txBody>
+          <a:bodyPr/>
+          <a:lstStyle/>
+          <a:p>
+            <a:endParaRPr lang="zh-CN" altLang="en-US" dirty="0"/>
+          </a:p>
+        </p:txBody>
+      </p:sp>
+      <p:sp>
+        <p:nvSpPr>
+          <p:cNvPr id="3" name="内容占位符 2">
+            <a:extLst>
+              <a:ext uri="{FF2B5EF4-FFF2-40B4-BE49-F238E27FC236}">
+                <a16:creationId xmlns:a16="http://schemas.microsoft.com/office/drawing/2014/main" id="{ABC3AB04-4256-C401-7BAF-E41A0E19F6ED}"/>
+              </a:ext>
+            </a:extLst>
+          </p:cNvPr>
+          <p:cNvSpPr>
+            <a:spLocks noGrp="1"/>
+          </p:cNvSpPr>
+          <p:nvPr>
+            <p:ph idx="1"/>
+          </p:nvPr>
+        </p:nvSpPr>
+        <p:spPr/>
+        <p:txBody>
+          <a:bodyPr/>
+          <a:lstStyle/>
+          <a:p>
+            <a:endParaRPr lang="zh-CN" altLang="en-US"/>
+          </a:p>
+        </p:txBody>
+      </p:sp>
+      <p:pic>
+        <p:nvPicPr>
+          <p:cNvPr id="5" name="图片 4">
+            <a:extLst>
+              <a:ext uri="{FF2B5EF4-FFF2-40B4-BE49-F238E27FC236}">
+                <a16:creationId xmlns:a16="http://schemas.microsoft.com/office/drawing/2014/main" id="{33A632DE-A527-73EE-BB5D-E48CE3C2AB72}"/>
+              </a:ext>
+            </a:extLst>
+          </p:cNvPr>
+          <p:cNvPicPr>
+            <a:picLocks noChangeAspect="1"/>
+          </p:cNvPicPr>
+          <p:nvPr/>
+        </p:nvPicPr>
+        <p:blipFill>
+          <a:blip r:embed="rId2"/>
+          <a:stretch>
+            <a:fillRect/>
+          </a:stretch>
+        </p:blipFill>
+        <p:spPr>
+          <a:xfrm>
+            <a:off x="-1" y="129396"/>
+            <a:ext cx="5896979" cy="6728604"/>
+          </a:xfrm>
+          <a:prstGeom prst="rect">
+            <a:avLst/>
+          </a:prstGeom>
+        </p:spPr>
+      </p:pic>
+    </p:spTree>
+    <p:extLst>
+      <p:ext uri="{BB962C8B-B14F-4D97-AF65-F5344CB8AC3E}">
+        <p14:creationId xmlns:p14="http://schemas.microsoft.com/office/powerpoint/2010/main" val="4140794083"/>
       </p:ext>
     </p:extLst>
   </p:cSld>

--- a/备课-语文/PPT/小测.pptx
+++ b/备课-语文/PPT/小测.pptx
@@ -28,6 +28,12 @@
     <p:sldId id="276" r:id="rId22"/>
     <p:sldId id="277" r:id="rId23"/>
     <p:sldId id="278" r:id="rId24"/>
+    <p:sldId id="279" r:id="rId25"/>
+    <p:sldId id="280" r:id="rId26"/>
+    <p:sldId id="281" r:id="rId27"/>
+    <p:sldId id="282" r:id="rId28"/>
+    <p:sldId id="283" r:id="rId29"/>
+    <p:sldId id="284" r:id="rId30"/>
   </p:sldIdLst>
   <p:sldSz cx="12192000" cy="6858000"/>
   <p:notesSz cx="6858000" cy="9144000"/>
@@ -281,7 +287,7 @@
           <a:p>
             <a:fld id="{84D3AA92-4CA1-4C47-8902-9DB9A636BE4B}" type="datetimeFigureOut">
               <a:rPr lang="zh-CN" altLang="en-US" smtClean="0"/>
-              <a:t>2024/2/4</a:t>
+              <a:t>2024/2/5</a:t>
             </a:fld>
             <a:endParaRPr lang="zh-CN" altLang="en-US"/>
           </a:p>
@@ -479,7 +485,7 @@
           <a:p>
             <a:fld id="{84D3AA92-4CA1-4C47-8902-9DB9A636BE4B}" type="datetimeFigureOut">
               <a:rPr lang="zh-CN" altLang="en-US" smtClean="0"/>
-              <a:t>2024/2/4</a:t>
+              <a:t>2024/2/5</a:t>
             </a:fld>
             <a:endParaRPr lang="zh-CN" altLang="en-US"/>
           </a:p>
@@ -687,7 +693,7 @@
           <a:p>
             <a:fld id="{84D3AA92-4CA1-4C47-8902-9DB9A636BE4B}" type="datetimeFigureOut">
               <a:rPr lang="zh-CN" altLang="en-US" smtClean="0"/>
-              <a:t>2024/2/4</a:t>
+              <a:t>2024/2/5</a:t>
             </a:fld>
             <a:endParaRPr lang="zh-CN" altLang="en-US"/>
           </a:p>
@@ -885,7 +891,7 @@
           <a:p>
             <a:fld id="{84D3AA92-4CA1-4C47-8902-9DB9A636BE4B}" type="datetimeFigureOut">
               <a:rPr lang="zh-CN" altLang="en-US" smtClean="0"/>
-              <a:t>2024/2/4</a:t>
+              <a:t>2024/2/5</a:t>
             </a:fld>
             <a:endParaRPr lang="zh-CN" altLang="en-US"/>
           </a:p>
@@ -1160,7 +1166,7 @@
           <a:p>
             <a:fld id="{84D3AA92-4CA1-4C47-8902-9DB9A636BE4B}" type="datetimeFigureOut">
               <a:rPr lang="zh-CN" altLang="en-US" smtClean="0"/>
-              <a:t>2024/2/4</a:t>
+              <a:t>2024/2/5</a:t>
             </a:fld>
             <a:endParaRPr lang="zh-CN" altLang="en-US"/>
           </a:p>
@@ -1425,7 +1431,7 @@
           <a:p>
             <a:fld id="{84D3AA92-4CA1-4C47-8902-9DB9A636BE4B}" type="datetimeFigureOut">
               <a:rPr lang="zh-CN" altLang="en-US" smtClean="0"/>
-              <a:t>2024/2/4</a:t>
+              <a:t>2024/2/5</a:t>
             </a:fld>
             <a:endParaRPr lang="zh-CN" altLang="en-US"/>
           </a:p>
@@ -1837,7 +1843,7 @@
           <a:p>
             <a:fld id="{84D3AA92-4CA1-4C47-8902-9DB9A636BE4B}" type="datetimeFigureOut">
               <a:rPr lang="zh-CN" altLang="en-US" smtClean="0"/>
-              <a:t>2024/2/4</a:t>
+              <a:t>2024/2/5</a:t>
             </a:fld>
             <a:endParaRPr lang="zh-CN" altLang="en-US"/>
           </a:p>
@@ -1978,7 +1984,7 @@
           <a:p>
             <a:fld id="{84D3AA92-4CA1-4C47-8902-9DB9A636BE4B}" type="datetimeFigureOut">
               <a:rPr lang="zh-CN" altLang="en-US" smtClean="0"/>
-              <a:t>2024/2/4</a:t>
+              <a:t>2024/2/5</a:t>
             </a:fld>
             <a:endParaRPr lang="zh-CN" altLang="en-US"/>
           </a:p>
@@ -2091,7 +2097,7 @@
           <a:p>
             <a:fld id="{84D3AA92-4CA1-4C47-8902-9DB9A636BE4B}" type="datetimeFigureOut">
               <a:rPr lang="zh-CN" altLang="en-US" smtClean="0"/>
-              <a:t>2024/2/4</a:t>
+              <a:t>2024/2/5</a:t>
             </a:fld>
             <a:endParaRPr lang="zh-CN" altLang="en-US"/>
           </a:p>
@@ -2402,7 +2408,7 @@
           <a:p>
             <a:fld id="{84D3AA92-4CA1-4C47-8902-9DB9A636BE4B}" type="datetimeFigureOut">
               <a:rPr lang="zh-CN" altLang="en-US" smtClean="0"/>
-              <a:t>2024/2/4</a:t>
+              <a:t>2024/2/5</a:t>
             </a:fld>
             <a:endParaRPr lang="zh-CN" altLang="en-US"/>
           </a:p>
@@ -2690,7 +2696,7 @@
           <a:p>
             <a:fld id="{84D3AA92-4CA1-4C47-8902-9DB9A636BE4B}" type="datetimeFigureOut">
               <a:rPr lang="zh-CN" altLang="en-US" smtClean="0"/>
-              <a:t>2024/2/4</a:t>
+              <a:t>2024/2/5</a:t>
             </a:fld>
             <a:endParaRPr lang="zh-CN" altLang="en-US"/>
           </a:p>
@@ -2931,7 +2937,7 @@
           <a:p>
             <a:fld id="{84D3AA92-4CA1-4C47-8902-9DB9A636BE4B}" type="datetimeFigureOut">
               <a:rPr lang="zh-CN" altLang="en-US" smtClean="0"/>
-              <a:t>2024/2/4</a:t>
+              <a:t>2024/2/5</a:t>
             </a:fld>
             <a:endParaRPr lang="zh-CN" altLang="en-US"/>
           </a:p>
@@ -4888,6 +4894,629 @@
     <p:extLst>
       <p:ext uri="{BB962C8B-B14F-4D97-AF65-F5344CB8AC3E}">
         <p14:creationId xmlns:p14="http://schemas.microsoft.com/office/powerpoint/2010/main" val="4140794083"/>
+      </p:ext>
+    </p:extLst>
+  </p:cSld>
+  <p:clrMapOvr>
+    <a:masterClrMapping/>
+  </p:clrMapOvr>
+</p:sld>
+</file>
+
+<file path=ppt/slides/slide24.xml><?xml version="1.0" encoding="utf-8"?>
+<p:sld xmlns:a="http://schemas.openxmlformats.org/drawingml/2006/main" xmlns:r="http://schemas.openxmlformats.org/officeDocument/2006/relationships" xmlns:p="http://schemas.openxmlformats.org/presentationml/2006/main">
+  <p:cSld>
+    <p:spTree>
+      <p:nvGrpSpPr>
+        <p:cNvPr id="1" name=""/>
+        <p:cNvGrpSpPr/>
+        <p:nvPr/>
+      </p:nvGrpSpPr>
+      <p:grpSpPr>
+        <a:xfrm>
+          <a:off x="0" y="0"/>
+          <a:ext cx="0" cy="0"/>
+          <a:chOff x="0" y="0"/>
+          <a:chExt cx="0" cy="0"/>
+        </a:xfrm>
+      </p:grpSpPr>
+      <p:sp>
+        <p:nvSpPr>
+          <p:cNvPr id="2" name="标题 1">
+            <a:extLst>
+              <a:ext uri="{FF2B5EF4-FFF2-40B4-BE49-F238E27FC236}">
+                <a16:creationId xmlns:a16="http://schemas.microsoft.com/office/drawing/2014/main" id="{CE806880-53A6-40E9-20F2-1ED03FDE666C}"/>
+              </a:ext>
+            </a:extLst>
+          </p:cNvPr>
+          <p:cNvSpPr>
+            <a:spLocks noGrp="1"/>
+          </p:cNvSpPr>
+          <p:nvPr>
+            <p:ph type="title"/>
+          </p:nvPr>
+        </p:nvSpPr>
+        <p:spPr/>
+        <p:txBody>
+          <a:bodyPr/>
+          <a:lstStyle/>
+          <a:p>
+            <a:r>
+              <a:rPr lang="zh-CN" altLang="en-US" dirty="0"/>
+              <a:t>第</a:t>
+            </a:r>
+            <a:r>
+              <a:rPr lang="en-US" altLang="zh-CN" dirty="0"/>
+              <a:t>4</a:t>
+            </a:r>
+            <a:r>
+              <a:rPr lang="zh-CN" altLang="en-US" dirty="0"/>
+              <a:t>结课，</a:t>
+            </a:r>
+            <a:r>
+              <a:rPr lang="en-US" altLang="zh-CN" dirty="0"/>
+              <a:t>1-</a:t>
+            </a:r>
+            <a:r>
+              <a:rPr lang="zh-CN" altLang="en-US" dirty="0"/>
+              <a:t>听写</a:t>
+            </a:r>
+          </a:p>
+        </p:txBody>
+      </p:sp>
+      <p:sp>
+        <p:nvSpPr>
+          <p:cNvPr id="3" name="内容占位符 2">
+            <a:extLst>
+              <a:ext uri="{FF2B5EF4-FFF2-40B4-BE49-F238E27FC236}">
+                <a16:creationId xmlns:a16="http://schemas.microsoft.com/office/drawing/2014/main" id="{911FA151-4E81-DA8F-3733-E2D4A6DDB24D}"/>
+              </a:ext>
+            </a:extLst>
+          </p:cNvPr>
+          <p:cNvSpPr>
+            <a:spLocks noGrp="1"/>
+          </p:cNvSpPr>
+          <p:nvPr>
+            <p:ph idx="1"/>
+          </p:nvPr>
+        </p:nvSpPr>
+        <p:spPr/>
+        <p:txBody>
+          <a:bodyPr/>
+          <a:lstStyle/>
+          <a:p>
+            <a:endParaRPr lang="zh-CN" altLang="en-US" dirty="0"/>
+          </a:p>
+        </p:txBody>
+      </p:sp>
+    </p:spTree>
+    <p:extLst>
+      <p:ext uri="{BB962C8B-B14F-4D97-AF65-F5344CB8AC3E}">
+        <p14:creationId xmlns:p14="http://schemas.microsoft.com/office/powerpoint/2010/main" val="909836885"/>
+      </p:ext>
+    </p:extLst>
+  </p:cSld>
+  <p:clrMapOvr>
+    <a:masterClrMapping/>
+  </p:clrMapOvr>
+</p:sld>
+</file>
+
+<file path=ppt/slides/slide25.xml><?xml version="1.0" encoding="utf-8"?>
+<p:sld xmlns:a="http://schemas.openxmlformats.org/drawingml/2006/main" xmlns:r="http://schemas.openxmlformats.org/officeDocument/2006/relationships" xmlns:p="http://schemas.openxmlformats.org/presentationml/2006/main">
+  <p:cSld>
+    <p:spTree>
+      <p:nvGrpSpPr>
+        <p:cNvPr id="1" name=""/>
+        <p:cNvGrpSpPr/>
+        <p:nvPr/>
+      </p:nvGrpSpPr>
+      <p:grpSpPr>
+        <a:xfrm>
+          <a:off x="0" y="0"/>
+          <a:ext cx="0" cy="0"/>
+          <a:chOff x="0" y="0"/>
+          <a:chExt cx="0" cy="0"/>
+        </a:xfrm>
+      </p:grpSpPr>
+      <p:sp>
+        <p:nvSpPr>
+          <p:cNvPr id="2" name="标题 1">
+            <a:extLst>
+              <a:ext uri="{FF2B5EF4-FFF2-40B4-BE49-F238E27FC236}">
+                <a16:creationId xmlns:a16="http://schemas.microsoft.com/office/drawing/2014/main" id="{21F33584-03A5-3123-8CA3-8FAE489F15A3}"/>
+              </a:ext>
+            </a:extLst>
+          </p:cNvPr>
+          <p:cNvSpPr>
+            <a:spLocks noGrp="1"/>
+          </p:cNvSpPr>
+          <p:nvPr>
+            <p:ph type="title"/>
+          </p:nvPr>
+        </p:nvSpPr>
+        <p:spPr/>
+        <p:txBody>
+          <a:bodyPr/>
+          <a:lstStyle/>
+          <a:p>
+            <a:endParaRPr lang="zh-CN" altLang="en-US"/>
+          </a:p>
+        </p:txBody>
+      </p:sp>
+      <p:sp>
+        <p:nvSpPr>
+          <p:cNvPr id="3" name="内容占位符 2">
+            <a:extLst>
+              <a:ext uri="{FF2B5EF4-FFF2-40B4-BE49-F238E27FC236}">
+                <a16:creationId xmlns:a16="http://schemas.microsoft.com/office/drawing/2014/main" id="{5E19BAD0-CFBB-3DD7-E3BE-F8A352C74442}"/>
+              </a:ext>
+            </a:extLst>
+          </p:cNvPr>
+          <p:cNvSpPr>
+            <a:spLocks noGrp="1"/>
+          </p:cNvSpPr>
+          <p:nvPr>
+            <p:ph idx="1"/>
+          </p:nvPr>
+        </p:nvSpPr>
+        <p:spPr/>
+        <p:txBody>
+          <a:bodyPr/>
+          <a:lstStyle/>
+          <a:p>
+            <a:endParaRPr lang="zh-CN" altLang="en-US"/>
+          </a:p>
+        </p:txBody>
+      </p:sp>
+      <p:pic>
+        <p:nvPicPr>
+          <p:cNvPr id="5" name="图片 4">
+            <a:extLst>
+              <a:ext uri="{FF2B5EF4-FFF2-40B4-BE49-F238E27FC236}">
+                <a16:creationId xmlns:a16="http://schemas.microsoft.com/office/drawing/2014/main" id="{EA6D1537-6D63-DA98-9549-FAC52D47574E}"/>
+              </a:ext>
+            </a:extLst>
+          </p:cNvPr>
+          <p:cNvPicPr>
+            <a:picLocks noChangeAspect="1"/>
+          </p:cNvPicPr>
+          <p:nvPr/>
+        </p:nvPicPr>
+        <p:blipFill>
+          <a:blip r:embed="rId2"/>
+          <a:stretch>
+            <a:fillRect/>
+          </a:stretch>
+        </p:blipFill>
+        <p:spPr>
+          <a:xfrm>
+            <a:off x="838200" y="365125"/>
+            <a:ext cx="11475436" cy="5225778"/>
+          </a:xfrm>
+          <a:prstGeom prst="rect">
+            <a:avLst/>
+          </a:prstGeom>
+        </p:spPr>
+      </p:pic>
+    </p:spTree>
+    <p:extLst>
+      <p:ext uri="{BB962C8B-B14F-4D97-AF65-F5344CB8AC3E}">
+        <p14:creationId xmlns:p14="http://schemas.microsoft.com/office/powerpoint/2010/main" val="1829899404"/>
+      </p:ext>
+    </p:extLst>
+  </p:cSld>
+  <p:clrMapOvr>
+    <a:masterClrMapping/>
+  </p:clrMapOvr>
+</p:sld>
+</file>
+
+<file path=ppt/slides/slide26.xml><?xml version="1.0" encoding="utf-8"?>
+<p:sld xmlns:a="http://schemas.openxmlformats.org/drawingml/2006/main" xmlns:r="http://schemas.openxmlformats.org/officeDocument/2006/relationships" xmlns:p="http://schemas.openxmlformats.org/presentationml/2006/main">
+  <p:cSld>
+    <p:spTree>
+      <p:nvGrpSpPr>
+        <p:cNvPr id="1" name=""/>
+        <p:cNvGrpSpPr/>
+        <p:nvPr/>
+      </p:nvGrpSpPr>
+      <p:grpSpPr>
+        <a:xfrm>
+          <a:off x="0" y="0"/>
+          <a:ext cx="0" cy="0"/>
+          <a:chOff x="0" y="0"/>
+          <a:chExt cx="0" cy="0"/>
+        </a:xfrm>
+      </p:grpSpPr>
+      <p:sp>
+        <p:nvSpPr>
+          <p:cNvPr id="2" name="标题 1">
+            <a:extLst>
+              <a:ext uri="{FF2B5EF4-FFF2-40B4-BE49-F238E27FC236}">
+                <a16:creationId xmlns:a16="http://schemas.microsoft.com/office/drawing/2014/main" id="{3E60F1DD-0D16-59F9-09D9-5CCE5DAB68BF}"/>
+              </a:ext>
+            </a:extLst>
+          </p:cNvPr>
+          <p:cNvSpPr>
+            <a:spLocks noGrp="1"/>
+          </p:cNvSpPr>
+          <p:nvPr>
+            <p:ph type="title"/>
+          </p:nvPr>
+        </p:nvSpPr>
+        <p:spPr/>
+        <p:txBody>
+          <a:bodyPr/>
+          <a:lstStyle/>
+          <a:p>
+            <a:endParaRPr lang="zh-CN" altLang="en-US"/>
+          </a:p>
+        </p:txBody>
+      </p:sp>
+      <p:sp>
+        <p:nvSpPr>
+          <p:cNvPr id="3" name="内容占位符 2">
+            <a:extLst>
+              <a:ext uri="{FF2B5EF4-FFF2-40B4-BE49-F238E27FC236}">
+                <a16:creationId xmlns:a16="http://schemas.microsoft.com/office/drawing/2014/main" id="{A8609BCD-2CBC-19E5-FDBE-89C15E1CFFFC}"/>
+              </a:ext>
+            </a:extLst>
+          </p:cNvPr>
+          <p:cNvSpPr>
+            <a:spLocks noGrp="1"/>
+          </p:cNvSpPr>
+          <p:nvPr>
+            <p:ph idx="1"/>
+          </p:nvPr>
+        </p:nvSpPr>
+        <p:spPr/>
+        <p:txBody>
+          <a:bodyPr/>
+          <a:lstStyle/>
+          <a:p>
+            <a:endParaRPr lang="zh-CN" altLang="en-US"/>
+          </a:p>
+        </p:txBody>
+      </p:sp>
+      <p:pic>
+        <p:nvPicPr>
+          <p:cNvPr id="5" name="图片 4">
+            <a:extLst>
+              <a:ext uri="{FF2B5EF4-FFF2-40B4-BE49-F238E27FC236}">
+                <a16:creationId xmlns:a16="http://schemas.microsoft.com/office/drawing/2014/main" id="{0A900B4E-640A-D7F6-0D6A-724098E052E9}"/>
+              </a:ext>
+            </a:extLst>
+          </p:cNvPr>
+          <p:cNvPicPr>
+            <a:picLocks noChangeAspect="1"/>
+          </p:cNvPicPr>
+          <p:nvPr/>
+        </p:nvPicPr>
+        <p:blipFill>
+          <a:blip r:embed="rId2"/>
+          <a:stretch>
+            <a:fillRect/>
+          </a:stretch>
+        </p:blipFill>
+        <p:spPr>
+          <a:xfrm>
+            <a:off x="838200" y="365125"/>
+            <a:ext cx="10810100" cy="5500098"/>
+          </a:xfrm>
+          <a:prstGeom prst="rect">
+            <a:avLst/>
+          </a:prstGeom>
+        </p:spPr>
+      </p:pic>
+    </p:spTree>
+    <p:extLst>
+      <p:ext uri="{BB962C8B-B14F-4D97-AF65-F5344CB8AC3E}">
+        <p14:creationId xmlns:p14="http://schemas.microsoft.com/office/powerpoint/2010/main" val="2762814577"/>
+      </p:ext>
+    </p:extLst>
+  </p:cSld>
+  <p:clrMapOvr>
+    <a:masterClrMapping/>
+  </p:clrMapOvr>
+</p:sld>
+</file>
+
+<file path=ppt/slides/slide27.xml><?xml version="1.0" encoding="utf-8"?>
+<p:sld xmlns:a="http://schemas.openxmlformats.org/drawingml/2006/main" xmlns:r="http://schemas.openxmlformats.org/officeDocument/2006/relationships" xmlns:p="http://schemas.openxmlformats.org/presentationml/2006/main">
+  <p:cSld>
+    <p:spTree>
+      <p:nvGrpSpPr>
+        <p:cNvPr id="1" name=""/>
+        <p:cNvGrpSpPr/>
+        <p:nvPr/>
+      </p:nvGrpSpPr>
+      <p:grpSpPr>
+        <a:xfrm>
+          <a:off x="0" y="0"/>
+          <a:ext cx="0" cy="0"/>
+          <a:chOff x="0" y="0"/>
+          <a:chExt cx="0" cy="0"/>
+        </a:xfrm>
+      </p:grpSpPr>
+      <p:sp>
+        <p:nvSpPr>
+          <p:cNvPr id="2" name="标题 1">
+            <a:extLst>
+              <a:ext uri="{FF2B5EF4-FFF2-40B4-BE49-F238E27FC236}">
+                <a16:creationId xmlns:a16="http://schemas.microsoft.com/office/drawing/2014/main" id="{C64CD9E3-77A2-9CA6-F64A-7E2ABB41175B}"/>
+              </a:ext>
+            </a:extLst>
+          </p:cNvPr>
+          <p:cNvSpPr>
+            <a:spLocks noGrp="1"/>
+          </p:cNvSpPr>
+          <p:nvPr>
+            <p:ph type="title"/>
+          </p:nvPr>
+        </p:nvSpPr>
+        <p:spPr/>
+        <p:txBody>
+          <a:bodyPr/>
+          <a:lstStyle/>
+          <a:p>
+            <a:endParaRPr lang="zh-CN" altLang="en-US"/>
+          </a:p>
+        </p:txBody>
+      </p:sp>
+      <p:pic>
+        <p:nvPicPr>
+          <p:cNvPr id="5" name="内容占位符 4">
+            <a:extLst>
+              <a:ext uri="{FF2B5EF4-FFF2-40B4-BE49-F238E27FC236}">
+                <a16:creationId xmlns:a16="http://schemas.microsoft.com/office/drawing/2014/main" id="{CE8636B9-B409-F3E2-85DF-BE02406CDA08}"/>
+              </a:ext>
+            </a:extLst>
+          </p:cNvPr>
+          <p:cNvPicPr>
+            <a:picLocks noGrp="1" noChangeAspect="1"/>
+          </p:cNvPicPr>
+          <p:nvPr>
+            <p:ph idx="1"/>
+          </p:nvPr>
+        </p:nvPicPr>
+        <p:blipFill>
+          <a:blip r:embed="rId2"/>
+          <a:stretch>
+            <a:fillRect/>
+          </a:stretch>
+        </p:blipFill>
+        <p:spPr>
+          <a:xfrm>
+            <a:off x="713694" y="365124"/>
+            <a:ext cx="10862565" cy="4637949"/>
+          </a:xfrm>
+        </p:spPr>
+      </p:pic>
+    </p:spTree>
+    <p:extLst>
+      <p:ext uri="{BB962C8B-B14F-4D97-AF65-F5344CB8AC3E}">
+        <p14:creationId xmlns:p14="http://schemas.microsoft.com/office/powerpoint/2010/main" val="4095533436"/>
+      </p:ext>
+    </p:extLst>
+  </p:cSld>
+  <p:clrMapOvr>
+    <a:masterClrMapping/>
+  </p:clrMapOvr>
+</p:sld>
+</file>
+
+<file path=ppt/slides/slide28.xml><?xml version="1.0" encoding="utf-8"?>
+<p:sld xmlns:a="http://schemas.openxmlformats.org/drawingml/2006/main" xmlns:r="http://schemas.openxmlformats.org/officeDocument/2006/relationships" xmlns:p="http://schemas.openxmlformats.org/presentationml/2006/main">
+  <p:cSld>
+    <p:spTree>
+      <p:nvGrpSpPr>
+        <p:cNvPr id="1" name=""/>
+        <p:cNvGrpSpPr/>
+        <p:nvPr/>
+      </p:nvGrpSpPr>
+      <p:grpSpPr>
+        <a:xfrm>
+          <a:off x="0" y="0"/>
+          <a:ext cx="0" cy="0"/>
+          <a:chOff x="0" y="0"/>
+          <a:chExt cx="0" cy="0"/>
+        </a:xfrm>
+      </p:grpSpPr>
+      <p:sp>
+        <p:nvSpPr>
+          <p:cNvPr id="2" name="标题 1">
+            <a:extLst>
+              <a:ext uri="{FF2B5EF4-FFF2-40B4-BE49-F238E27FC236}">
+                <a16:creationId xmlns:a16="http://schemas.microsoft.com/office/drawing/2014/main" id="{260BC4FE-4337-3305-672A-19C4DAE8DDC3}"/>
+              </a:ext>
+            </a:extLst>
+          </p:cNvPr>
+          <p:cNvSpPr>
+            <a:spLocks noGrp="1"/>
+          </p:cNvSpPr>
+          <p:nvPr>
+            <p:ph type="title"/>
+          </p:nvPr>
+        </p:nvSpPr>
+        <p:spPr/>
+        <p:txBody>
+          <a:bodyPr/>
+          <a:lstStyle/>
+          <a:p>
+            <a:endParaRPr lang="zh-CN" altLang="en-US"/>
+          </a:p>
+        </p:txBody>
+      </p:sp>
+      <p:sp>
+        <p:nvSpPr>
+          <p:cNvPr id="3" name="内容占位符 2">
+            <a:extLst>
+              <a:ext uri="{FF2B5EF4-FFF2-40B4-BE49-F238E27FC236}">
+                <a16:creationId xmlns:a16="http://schemas.microsoft.com/office/drawing/2014/main" id="{692569A9-C4A2-44A3-A102-DE87BFFAD509}"/>
+              </a:ext>
+            </a:extLst>
+          </p:cNvPr>
+          <p:cNvSpPr>
+            <a:spLocks noGrp="1"/>
+          </p:cNvSpPr>
+          <p:nvPr>
+            <p:ph idx="1"/>
+          </p:nvPr>
+        </p:nvSpPr>
+        <p:spPr/>
+        <p:txBody>
+          <a:bodyPr/>
+          <a:lstStyle/>
+          <a:p>
+            <a:endParaRPr lang="zh-CN" altLang="en-US"/>
+          </a:p>
+        </p:txBody>
+      </p:sp>
+      <p:pic>
+        <p:nvPicPr>
+          <p:cNvPr id="5" name="图片 4">
+            <a:extLst>
+              <a:ext uri="{FF2B5EF4-FFF2-40B4-BE49-F238E27FC236}">
+                <a16:creationId xmlns:a16="http://schemas.microsoft.com/office/drawing/2014/main" id="{52958406-D45A-148E-CB27-5814DEDEF424}"/>
+              </a:ext>
+            </a:extLst>
+          </p:cNvPr>
+          <p:cNvPicPr>
+            <a:picLocks noChangeAspect="1"/>
+          </p:cNvPicPr>
+          <p:nvPr/>
+        </p:nvPicPr>
+        <p:blipFill>
+          <a:blip r:embed="rId2"/>
+          <a:stretch>
+            <a:fillRect/>
+          </a:stretch>
+        </p:blipFill>
+        <p:spPr>
+          <a:xfrm>
+            <a:off x="838200" y="365125"/>
+            <a:ext cx="10642461" cy="5669915"/>
+          </a:xfrm>
+          <a:prstGeom prst="rect">
+            <a:avLst/>
+          </a:prstGeom>
+        </p:spPr>
+      </p:pic>
+    </p:spTree>
+    <p:extLst>
+      <p:ext uri="{BB962C8B-B14F-4D97-AF65-F5344CB8AC3E}">
+        <p14:creationId xmlns:p14="http://schemas.microsoft.com/office/powerpoint/2010/main" val="1367290659"/>
+      </p:ext>
+    </p:extLst>
+  </p:cSld>
+  <p:clrMapOvr>
+    <a:masterClrMapping/>
+  </p:clrMapOvr>
+</p:sld>
+</file>
+
+<file path=ppt/slides/slide29.xml><?xml version="1.0" encoding="utf-8"?>
+<p:sld xmlns:a="http://schemas.openxmlformats.org/drawingml/2006/main" xmlns:r="http://schemas.openxmlformats.org/officeDocument/2006/relationships" xmlns:p="http://schemas.openxmlformats.org/presentationml/2006/main">
+  <p:cSld>
+    <p:spTree>
+      <p:nvGrpSpPr>
+        <p:cNvPr id="1" name=""/>
+        <p:cNvGrpSpPr/>
+        <p:nvPr/>
+      </p:nvGrpSpPr>
+      <p:grpSpPr>
+        <a:xfrm>
+          <a:off x="0" y="0"/>
+          <a:ext cx="0" cy="0"/>
+          <a:chOff x="0" y="0"/>
+          <a:chExt cx="0" cy="0"/>
+        </a:xfrm>
+      </p:grpSpPr>
+      <p:sp>
+        <p:nvSpPr>
+          <p:cNvPr id="2" name="标题 1">
+            <a:extLst>
+              <a:ext uri="{FF2B5EF4-FFF2-40B4-BE49-F238E27FC236}">
+                <a16:creationId xmlns:a16="http://schemas.microsoft.com/office/drawing/2014/main" id="{5F05CA2A-A81D-9EDA-7C5B-BC2FB4DE2D93}"/>
+              </a:ext>
+            </a:extLst>
+          </p:cNvPr>
+          <p:cNvSpPr>
+            <a:spLocks noGrp="1"/>
+          </p:cNvSpPr>
+          <p:nvPr>
+            <p:ph type="title"/>
+          </p:nvPr>
+        </p:nvSpPr>
+        <p:spPr/>
+        <p:txBody>
+          <a:bodyPr/>
+          <a:lstStyle/>
+          <a:p>
+            <a:endParaRPr lang="zh-CN" altLang="en-US"/>
+          </a:p>
+        </p:txBody>
+      </p:sp>
+      <p:sp>
+        <p:nvSpPr>
+          <p:cNvPr id="3" name="内容占位符 2">
+            <a:extLst>
+              <a:ext uri="{FF2B5EF4-FFF2-40B4-BE49-F238E27FC236}">
+                <a16:creationId xmlns:a16="http://schemas.microsoft.com/office/drawing/2014/main" id="{5B3D1599-1C78-7021-2230-F6C7F8799BD5}"/>
+              </a:ext>
+            </a:extLst>
+          </p:cNvPr>
+          <p:cNvSpPr>
+            <a:spLocks noGrp="1"/>
+          </p:cNvSpPr>
+          <p:nvPr>
+            <p:ph idx="1"/>
+          </p:nvPr>
+        </p:nvSpPr>
+        <p:spPr/>
+        <p:txBody>
+          <a:bodyPr/>
+          <a:lstStyle/>
+          <a:p>
+            <a:endParaRPr lang="zh-CN" altLang="en-US"/>
+          </a:p>
+        </p:txBody>
+      </p:sp>
+      <p:pic>
+        <p:nvPicPr>
+          <p:cNvPr id="5" name="图片 4">
+            <a:extLst>
+              <a:ext uri="{FF2B5EF4-FFF2-40B4-BE49-F238E27FC236}">
+                <a16:creationId xmlns:a16="http://schemas.microsoft.com/office/drawing/2014/main" id="{11629C2F-8C11-BE17-F4D6-D8476CB0C49E}"/>
+              </a:ext>
+            </a:extLst>
+          </p:cNvPr>
+          <p:cNvPicPr>
+            <a:picLocks noChangeAspect="1"/>
+          </p:cNvPicPr>
+          <p:nvPr/>
+        </p:nvPicPr>
+        <p:blipFill>
+          <a:blip r:embed="rId2"/>
+          <a:stretch>
+            <a:fillRect/>
+          </a:stretch>
+        </p:blipFill>
+        <p:spPr>
+          <a:xfrm>
+            <a:off x="838200" y="365125"/>
+            <a:ext cx="11181702" cy="4977584"/>
+          </a:xfrm>
+          <a:prstGeom prst="rect">
+            <a:avLst/>
+          </a:prstGeom>
+        </p:spPr>
+      </p:pic>
+    </p:spTree>
+    <p:extLst>
+      <p:ext uri="{BB962C8B-B14F-4D97-AF65-F5344CB8AC3E}">
+        <p14:creationId xmlns:p14="http://schemas.microsoft.com/office/powerpoint/2010/main" val="2915940661"/>
       </p:ext>
     </p:extLst>
   </p:cSld>
